--- a/hls_phase1.pptx
+++ b/hls_phase1.pptx
@@ -15,6 +15,10 @@
     <p:sldId id="263" r:id="rId9"/>
     <p:sldId id="264" r:id="rId10"/>
     <p:sldId id="265" r:id="rId11"/>
+    <p:sldId id="266" r:id="rId12"/>
+    <p:sldId id="267" r:id="rId13"/>
+    <p:sldId id="268" r:id="rId14"/>
+    <p:sldId id="269" r:id="rId15"/>
   </p:sldIdLst>
   <p:sldSz cx="12192000" cy="6858000"/>
   <p:notesSz cx="6858000" cy="9144000"/>
@@ -113,6 +117,11 @@
       </a:defRPr>
     </a:lvl9pPr>
   </p:defaultTextStyle>
+  <p:extLst>
+    <p:ext uri="{EFAFB233-063F-42B5-8137-9DF3F51BA10A}">
+      <p15:sldGuideLst xmlns:p15="http://schemas.microsoft.com/office/powerpoint/2012/main"/>
+    </p:ext>
+  </p:extLst>
 </p:presentation>
 </file>
 
@@ -265,7 +274,7 @@
           <a:p>
             <a:fld id="{B4D3969D-5762-4F45-86B1-68C0D5584FC0}" type="datetimeFigureOut">
               <a:rPr lang="en-IN" smtClean="0"/>
-              <a:t>11-12-2023</a:t>
+              <a:t>13-12-2023</a:t>
             </a:fld>
             <a:endParaRPr lang="en-IN"/>
           </a:p>
@@ -465,7 +474,7 @@
           <a:p>
             <a:fld id="{B4D3969D-5762-4F45-86B1-68C0D5584FC0}" type="datetimeFigureOut">
               <a:rPr lang="en-IN" smtClean="0"/>
-              <a:t>11-12-2023</a:t>
+              <a:t>13-12-2023</a:t>
             </a:fld>
             <a:endParaRPr lang="en-IN"/>
           </a:p>
@@ -675,7 +684,7 @@
           <a:p>
             <a:fld id="{B4D3969D-5762-4F45-86B1-68C0D5584FC0}" type="datetimeFigureOut">
               <a:rPr lang="en-IN" smtClean="0"/>
-              <a:t>11-12-2023</a:t>
+              <a:t>13-12-2023</a:t>
             </a:fld>
             <a:endParaRPr lang="en-IN"/>
           </a:p>
@@ -875,7 +884,7 @@
           <a:p>
             <a:fld id="{B4D3969D-5762-4F45-86B1-68C0D5584FC0}" type="datetimeFigureOut">
               <a:rPr lang="en-IN" smtClean="0"/>
-              <a:t>11-12-2023</a:t>
+              <a:t>13-12-2023</a:t>
             </a:fld>
             <a:endParaRPr lang="en-IN"/>
           </a:p>
@@ -1151,7 +1160,7 @@
           <a:p>
             <a:fld id="{B4D3969D-5762-4F45-86B1-68C0D5584FC0}" type="datetimeFigureOut">
               <a:rPr lang="en-IN" smtClean="0"/>
-              <a:t>11-12-2023</a:t>
+              <a:t>13-12-2023</a:t>
             </a:fld>
             <a:endParaRPr lang="en-IN"/>
           </a:p>
@@ -1419,7 +1428,7 @@
           <a:p>
             <a:fld id="{B4D3969D-5762-4F45-86B1-68C0D5584FC0}" type="datetimeFigureOut">
               <a:rPr lang="en-IN" smtClean="0"/>
-              <a:t>11-12-2023</a:t>
+              <a:t>13-12-2023</a:t>
             </a:fld>
             <a:endParaRPr lang="en-IN"/>
           </a:p>
@@ -1834,7 +1843,7 @@
           <a:p>
             <a:fld id="{B4D3969D-5762-4F45-86B1-68C0D5584FC0}" type="datetimeFigureOut">
               <a:rPr lang="en-IN" smtClean="0"/>
-              <a:t>11-12-2023</a:t>
+              <a:t>13-12-2023</a:t>
             </a:fld>
             <a:endParaRPr lang="en-IN"/>
           </a:p>
@@ -1976,7 +1985,7 @@
           <a:p>
             <a:fld id="{B4D3969D-5762-4F45-86B1-68C0D5584FC0}" type="datetimeFigureOut">
               <a:rPr lang="en-IN" smtClean="0"/>
-              <a:t>11-12-2023</a:t>
+              <a:t>13-12-2023</a:t>
             </a:fld>
             <a:endParaRPr lang="en-IN"/>
           </a:p>
@@ -2089,7 +2098,7 @@
           <a:p>
             <a:fld id="{B4D3969D-5762-4F45-86B1-68C0D5584FC0}" type="datetimeFigureOut">
               <a:rPr lang="en-IN" smtClean="0"/>
-              <a:t>11-12-2023</a:t>
+              <a:t>13-12-2023</a:t>
             </a:fld>
             <a:endParaRPr lang="en-IN"/>
           </a:p>
@@ -2402,7 +2411,7 @@
           <a:p>
             <a:fld id="{B4D3969D-5762-4F45-86B1-68C0D5584FC0}" type="datetimeFigureOut">
               <a:rPr lang="en-IN" smtClean="0"/>
-              <a:t>11-12-2023</a:t>
+              <a:t>13-12-2023</a:t>
             </a:fld>
             <a:endParaRPr lang="en-IN"/>
           </a:p>
@@ -2691,7 +2700,7 @@
           <a:p>
             <a:fld id="{B4D3969D-5762-4F45-86B1-68C0D5584FC0}" type="datetimeFigureOut">
               <a:rPr lang="en-IN" smtClean="0"/>
-              <a:t>11-12-2023</a:t>
+              <a:t>13-12-2023</a:t>
             </a:fld>
             <a:endParaRPr lang="en-IN"/>
           </a:p>
@@ -2934,7 +2943,7 @@
           <a:p>
             <a:fld id="{B4D3969D-5762-4F45-86B1-68C0D5584FC0}" type="datetimeFigureOut">
               <a:rPr lang="en-IN" smtClean="0"/>
-              <a:t>11-12-2023</a:t>
+              <a:t>13-12-2023</a:t>
             </a:fld>
             <a:endParaRPr lang="en-IN"/>
           </a:p>
@@ -3445,6 +3454,1016 @@
     <p:extLst>
       <p:ext uri="{BB962C8B-B14F-4D97-AF65-F5344CB8AC3E}">
         <p14:creationId xmlns:p14="http://schemas.microsoft.com/office/powerpoint/2010/main" val="209869089"/>
+      </p:ext>
+    </p:extLst>
+  </p:cSld>
+  <p:clrMapOvr>
+    <a:masterClrMapping/>
+  </p:clrMapOvr>
+</p:sld>
+</file>
+
+<file path=ppt/slides/slide11.xml><?xml version="1.0" encoding="utf-8"?>
+<p:sld xmlns:a="http://schemas.openxmlformats.org/drawingml/2006/main" xmlns:r="http://schemas.openxmlformats.org/officeDocument/2006/relationships" xmlns:p="http://schemas.openxmlformats.org/presentationml/2006/main">
+  <p:cSld>
+    <p:spTree>
+      <p:nvGrpSpPr>
+        <p:cNvPr id="1" name=""/>
+        <p:cNvGrpSpPr/>
+        <p:nvPr/>
+      </p:nvGrpSpPr>
+      <p:grpSpPr>
+        <a:xfrm>
+          <a:off x="0" y="0"/>
+          <a:ext cx="0" cy="0"/>
+          <a:chOff x="0" y="0"/>
+          <a:chExt cx="0" cy="0"/>
+        </a:xfrm>
+      </p:grpSpPr>
+      <p:sp>
+        <p:nvSpPr>
+          <p:cNvPr id="2" name="TextBox 1">
+            <a:extLst>
+              <a:ext uri="{FF2B5EF4-FFF2-40B4-BE49-F238E27FC236}">
+                <a16:creationId xmlns:a16="http://schemas.microsoft.com/office/drawing/2014/main" id="{9B4B6B72-1887-CFC7-6392-5580CCE3362A}"/>
+              </a:ext>
+            </a:extLst>
+          </p:cNvPr>
+          <p:cNvSpPr txBox="1"/>
+          <p:nvPr/>
+        </p:nvSpPr>
+        <p:spPr>
+          <a:xfrm>
+            <a:off x="1461979" y="2448233"/>
+            <a:ext cx="9603655" cy="707886"/>
+          </a:xfrm>
+          <a:prstGeom prst="rect">
+            <a:avLst/>
+          </a:prstGeom>
+          <a:noFill/>
+        </p:spPr>
+        <p:txBody>
+          <a:bodyPr wrap="none" rtlCol="0">
+            <a:spAutoFit/>
+          </a:bodyPr>
+          <a:lstStyle/>
+          <a:p>
+            <a:pPr algn="ctr"/>
+            <a:r>
+              <a:rPr lang="en-IN" sz="4000" dirty="0">
+                <a:latin typeface="Times New Roman" panose="02020603050405020304" pitchFamily="18" charset="0"/>
+                <a:cs typeface="Times New Roman" panose="02020603050405020304" pitchFamily="18" charset="0"/>
+              </a:rPr>
+              <a:t>Python to Verilog HDL Conversion Examples</a:t>
+            </a:r>
+          </a:p>
+        </p:txBody>
+      </p:sp>
+    </p:spTree>
+    <p:extLst>
+      <p:ext uri="{BB962C8B-B14F-4D97-AF65-F5344CB8AC3E}">
+        <p14:creationId xmlns:p14="http://schemas.microsoft.com/office/powerpoint/2010/main" val="1886838996"/>
+      </p:ext>
+    </p:extLst>
+  </p:cSld>
+  <p:clrMapOvr>
+    <a:masterClrMapping/>
+  </p:clrMapOvr>
+</p:sld>
+</file>
+
+<file path=ppt/slides/slide12.xml><?xml version="1.0" encoding="utf-8"?>
+<p:sld xmlns:a="http://schemas.openxmlformats.org/drawingml/2006/main" xmlns:r="http://schemas.openxmlformats.org/officeDocument/2006/relationships" xmlns:p="http://schemas.openxmlformats.org/presentationml/2006/main">
+  <p:cSld>
+    <p:spTree>
+      <p:nvGrpSpPr>
+        <p:cNvPr id="1" name=""/>
+        <p:cNvGrpSpPr/>
+        <p:nvPr/>
+      </p:nvGrpSpPr>
+      <p:grpSpPr>
+        <a:xfrm>
+          <a:off x="0" y="0"/>
+          <a:ext cx="0" cy="0"/>
+          <a:chOff x="0" y="0"/>
+          <a:chExt cx="0" cy="0"/>
+        </a:xfrm>
+      </p:grpSpPr>
+      <p:sp>
+        <p:nvSpPr>
+          <p:cNvPr id="3" name="TextBox 2">
+            <a:extLst>
+              <a:ext uri="{FF2B5EF4-FFF2-40B4-BE49-F238E27FC236}">
+                <a16:creationId xmlns:a16="http://schemas.microsoft.com/office/drawing/2014/main" id="{438F55E4-1E1A-2E71-6969-E34118153254}"/>
+              </a:ext>
+            </a:extLst>
+          </p:cNvPr>
+          <p:cNvSpPr txBox="1"/>
+          <p:nvPr/>
+        </p:nvSpPr>
+        <p:spPr>
+          <a:xfrm>
+            <a:off x="560439" y="867385"/>
+            <a:ext cx="6096000" cy="3139321"/>
+          </a:xfrm>
+          <a:prstGeom prst="rect">
+            <a:avLst/>
+          </a:prstGeom>
+          <a:noFill/>
+        </p:spPr>
+        <p:txBody>
+          <a:bodyPr wrap="square">
+            <a:spAutoFit/>
+          </a:bodyPr>
+          <a:lstStyle/>
+          <a:p>
+            <a:r>
+              <a:rPr lang="en-IN" sz="3600" dirty="0">
+                <a:latin typeface="Times New Roman" panose="02020603050405020304" pitchFamily="18" charset="0"/>
+                <a:cs typeface="Times New Roman" panose="02020603050405020304" pitchFamily="18" charset="0"/>
+              </a:rPr>
+              <a:t>Combinational designs</a:t>
+            </a:r>
+          </a:p>
+          <a:p>
+            <a:endParaRPr lang="en-IN" sz="2400" dirty="0">
+              <a:latin typeface="Times New Roman" panose="02020603050405020304" pitchFamily="18" charset="0"/>
+              <a:cs typeface="Times New Roman" panose="02020603050405020304" pitchFamily="18" charset="0"/>
+            </a:endParaRPr>
+          </a:p>
+          <a:p>
+            <a:pPr marL="342900" indent="-342900">
+              <a:buAutoNum type="arabicPeriod"/>
+            </a:pPr>
+            <a:r>
+              <a:rPr lang="en-IN" sz="2400" dirty="0">
+                <a:latin typeface="Times New Roman" panose="02020603050405020304" pitchFamily="18" charset="0"/>
+                <a:cs typeface="Times New Roman" panose="02020603050405020304" pitchFamily="18" charset="0"/>
+              </a:rPr>
+              <a:t>Multiplexer with </a:t>
+            </a:r>
+            <a:r>
+              <a:rPr lang="en-IN" sz="2400" dirty="0" err="1">
+                <a:latin typeface="Times New Roman" panose="02020603050405020304" pitchFamily="18" charset="0"/>
+                <a:cs typeface="Times New Roman" panose="02020603050405020304" pitchFamily="18" charset="0"/>
+              </a:rPr>
+              <a:t>scalared</a:t>
+            </a:r>
+            <a:r>
+              <a:rPr lang="en-IN" sz="2400" dirty="0">
+                <a:latin typeface="Times New Roman" panose="02020603050405020304" pitchFamily="18" charset="0"/>
+                <a:cs typeface="Times New Roman" panose="02020603050405020304" pitchFamily="18" charset="0"/>
+              </a:rPr>
+              <a:t> inputs</a:t>
+            </a:r>
+          </a:p>
+          <a:p>
+            <a:pPr marL="342900" indent="-342900">
+              <a:buFontTx/>
+              <a:buAutoNum type="arabicPeriod"/>
+            </a:pPr>
+            <a:r>
+              <a:rPr lang="en-IN" sz="2400" dirty="0">
+                <a:latin typeface="Times New Roman" panose="02020603050405020304" pitchFamily="18" charset="0"/>
+                <a:cs typeface="Times New Roman" panose="02020603050405020304" pitchFamily="18" charset="0"/>
+              </a:rPr>
+              <a:t>Multiplexer with vectored inputs</a:t>
+            </a:r>
+          </a:p>
+          <a:p>
+            <a:pPr marL="342900" indent="-342900">
+              <a:buAutoNum type="arabicPeriod"/>
+            </a:pPr>
+            <a:r>
+              <a:rPr lang="en-IN" sz="2400" dirty="0">
+                <a:latin typeface="Times New Roman" panose="02020603050405020304" pitchFamily="18" charset="0"/>
+                <a:cs typeface="Times New Roman" panose="02020603050405020304" pitchFamily="18" charset="0"/>
+              </a:rPr>
+              <a:t>Half-adder</a:t>
+            </a:r>
+          </a:p>
+          <a:p>
+            <a:pPr marL="342900" indent="-342900">
+              <a:buAutoNum type="arabicPeriod"/>
+            </a:pPr>
+            <a:r>
+              <a:rPr lang="en-IN" sz="2400" dirty="0">
+                <a:latin typeface="Times New Roman" panose="02020603050405020304" pitchFamily="18" charset="0"/>
+                <a:cs typeface="Times New Roman" panose="02020603050405020304" pitchFamily="18" charset="0"/>
+              </a:rPr>
+              <a:t>Full-adder</a:t>
+            </a:r>
+          </a:p>
+          <a:p>
+            <a:pPr marL="342900" indent="-342900">
+              <a:buAutoNum type="arabicPeriod"/>
+            </a:pPr>
+            <a:r>
+              <a:rPr lang="en-IN" sz="2400" dirty="0">
+                <a:latin typeface="Times New Roman" panose="02020603050405020304" pitchFamily="18" charset="0"/>
+                <a:cs typeface="Times New Roman" panose="02020603050405020304" pitchFamily="18" charset="0"/>
+              </a:rPr>
+              <a:t>ALU </a:t>
+            </a:r>
+          </a:p>
+          <a:p>
+            <a:pPr marL="342900" indent="-342900">
+              <a:buAutoNum type="arabicPeriod"/>
+            </a:pPr>
+            <a:endParaRPr lang="en-IN" sz="1800" dirty="0">
+              <a:latin typeface="Times New Roman" panose="02020603050405020304" pitchFamily="18" charset="0"/>
+              <a:cs typeface="Times New Roman" panose="02020603050405020304" pitchFamily="18" charset="0"/>
+            </a:endParaRPr>
+          </a:p>
+        </p:txBody>
+      </p:sp>
+    </p:spTree>
+    <p:extLst>
+      <p:ext uri="{BB962C8B-B14F-4D97-AF65-F5344CB8AC3E}">
+        <p14:creationId xmlns:p14="http://schemas.microsoft.com/office/powerpoint/2010/main" val="3192826173"/>
+      </p:ext>
+    </p:extLst>
+  </p:cSld>
+  <p:clrMapOvr>
+    <a:masterClrMapping/>
+  </p:clrMapOvr>
+</p:sld>
+</file>
+
+<file path=ppt/slides/slide13.xml><?xml version="1.0" encoding="utf-8"?>
+<p:sld xmlns:a="http://schemas.openxmlformats.org/drawingml/2006/main" xmlns:r="http://schemas.openxmlformats.org/officeDocument/2006/relationships" xmlns:p="http://schemas.openxmlformats.org/presentationml/2006/main">
+  <p:cSld>
+    <p:spTree>
+      <p:nvGrpSpPr>
+        <p:cNvPr id="1" name=""/>
+        <p:cNvGrpSpPr/>
+        <p:nvPr/>
+      </p:nvGrpSpPr>
+      <p:grpSpPr>
+        <a:xfrm>
+          <a:off x="0" y="0"/>
+          <a:ext cx="0" cy="0"/>
+          <a:chOff x="0" y="0"/>
+          <a:chExt cx="0" cy="0"/>
+        </a:xfrm>
+      </p:grpSpPr>
+      <p:sp>
+        <p:nvSpPr>
+          <p:cNvPr id="9" name="TextBox 8">
+            <a:extLst>
+              <a:ext uri="{FF2B5EF4-FFF2-40B4-BE49-F238E27FC236}">
+                <a16:creationId xmlns:a16="http://schemas.microsoft.com/office/drawing/2014/main" id="{4BB06054-74A1-ABB2-B13E-06E21B28106E}"/>
+              </a:ext>
+            </a:extLst>
+          </p:cNvPr>
+          <p:cNvSpPr txBox="1"/>
+          <p:nvPr/>
+        </p:nvSpPr>
+        <p:spPr>
+          <a:xfrm>
+            <a:off x="196645" y="0"/>
+            <a:ext cx="6096000" cy="523220"/>
+          </a:xfrm>
+          <a:prstGeom prst="rect">
+            <a:avLst/>
+          </a:prstGeom>
+          <a:noFill/>
+        </p:spPr>
+        <p:txBody>
+          <a:bodyPr wrap="square">
+            <a:spAutoFit/>
+          </a:bodyPr>
+          <a:lstStyle/>
+          <a:p>
+            <a:pPr marL="342900" indent="-342900">
+              <a:buAutoNum type="arabicPeriod"/>
+            </a:pPr>
+            <a:r>
+              <a:rPr lang="en-IN" sz="2800" b="1" dirty="0">
+                <a:latin typeface="Times New Roman" panose="02020603050405020304" pitchFamily="18" charset="0"/>
+                <a:cs typeface="Times New Roman" panose="02020603050405020304" pitchFamily="18" charset="0"/>
+              </a:rPr>
+              <a:t>Multiplexer with </a:t>
+            </a:r>
+            <a:r>
+              <a:rPr lang="en-IN" sz="2800" b="1" dirty="0" err="1">
+                <a:latin typeface="Times New Roman" panose="02020603050405020304" pitchFamily="18" charset="0"/>
+                <a:cs typeface="Times New Roman" panose="02020603050405020304" pitchFamily="18" charset="0"/>
+              </a:rPr>
+              <a:t>scalared</a:t>
+            </a:r>
+            <a:r>
+              <a:rPr lang="en-IN" sz="2800" b="1" dirty="0">
+                <a:latin typeface="Times New Roman" panose="02020603050405020304" pitchFamily="18" charset="0"/>
+                <a:cs typeface="Times New Roman" panose="02020603050405020304" pitchFamily="18" charset="0"/>
+              </a:rPr>
+              <a:t> inputs</a:t>
+            </a:r>
+          </a:p>
+        </p:txBody>
+      </p:sp>
+      <p:sp>
+        <p:nvSpPr>
+          <p:cNvPr id="11" name="TextBox 10">
+            <a:extLst>
+              <a:ext uri="{FF2B5EF4-FFF2-40B4-BE49-F238E27FC236}">
+                <a16:creationId xmlns:a16="http://schemas.microsoft.com/office/drawing/2014/main" id="{878C742A-26FC-1D3D-67A4-6684FE3C4654}"/>
+              </a:ext>
+            </a:extLst>
+          </p:cNvPr>
+          <p:cNvSpPr txBox="1"/>
+          <p:nvPr/>
+        </p:nvSpPr>
+        <p:spPr>
+          <a:xfrm>
+            <a:off x="422788" y="523220"/>
+            <a:ext cx="6096000" cy="6186309"/>
+          </a:xfrm>
+          <a:prstGeom prst="rect">
+            <a:avLst/>
+          </a:prstGeom>
+          <a:noFill/>
+        </p:spPr>
+        <p:txBody>
+          <a:bodyPr wrap="square">
+            <a:spAutoFit/>
+          </a:bodyPr>
+          <a:lstStyle/>
+          <a:p>
+            <a:r>
+              <a:rPr lang="en-IN" dirty="0"/>
+              <a:t>from </a:t>
+            </a:r>
+            <a:r>
+              <a:rPr lang="en-IN" dirty="0" err="1"/>
+              <a:t>myhdl</a:t>
+            </a:r>
+            <a:r>
+              <a:rPr lang="en-IN" dirty="0"/>
+              <a:t> import block, </a:t>
+            </a:r>
+            <a:r>
+              <a:rPr lang="en-IN" dirty="0" err="1"/>
+              <a:t>always_comb</a:t>
+            </a:r>
+            <a:r>
+              <a:rPr lang="en-IN" dirty="0"/>
+              <a:t>, Signal</a:t>
+            </a:r>
+          </a:p>
+          <a:p>
+            <a:endParaRPr lang="en-IN" dirty="0"/>
+          </a:p>
+          <a:p>
+            <a:r>
+              <a:rPr lang="en-IN" dirty="0"/>
+              <a:t>@block</a:t>
+            </a:r>
+          </a:p>
+          <a:p>
+            <a:r>
+              <a:rPr lang="en-IN" dirty="0"/>
+              <a:t>def mux2x1_scalar(y, a, b, </a:t>
+            </a:r>
+            <a:r>
+              <a:rPr lang="en-IN" dirty="0" err="1"/>
+              <a:t>sel</a:t>
+            </a:r>
+            <a:r>
+              <a:rPr lang="en-IN" dirty="0"/>
+              <a:t>):</a:t>
+            </a:r>
+          </a:p>
+          <a:p>
+            <a:endParaRPr lang="en-IN" dirty="0"/>
+          </a:p>
+          <a:p>
+            <a:r>
+              <a:rPr lang="en-IN" dirty="0"/>
+              <a:t>    """ </a:t>
+            </a:r>
+          </a:p>
+          <a:p>
+            <a:r>
+              <a:rPr lang="en-IN" dirty="0"/>
+              <a:t>    Multiplexer</a:t>
+            </a:r>
+          </a:p>
+          <a:p>
+            <a:endParaRPr lang="en-IN" dirty="0"/>
+          </a:p>
+          <a:p>
+            <a:r>
+              <a:rPr lang="en-IN" dirty="0"/>
+              <a:t>    y -- scalar data output</a:t>
+            </a:r>
+          </a:p>
+          <a:p>
+            <a:r>
+              <a:rPr lang="en-IN" dirty="0"/>
+              <a:t>    a, b -- scalar data inputs</a:t>
+            </a:r>
+          </a:p>
+          <a:p>
+            <a:r>
+              <a:rPr lang="en-IN" dirty="0"/>
+              <a:t>    </a:t>
+            </a:r>
+            <a:r>
+              <a:rPr lang="en-IN" dirty="0" err="1"/>
+              <a:t>sel</a:t>
+            </a:r>
+            <a:r>
+              <a:rPr lang="en-IN" dirty="0"/>
+              <a:t> -- control input: select a if asserted, otherwise b</a:t>
+            </a:r>
+          </a:p>
+          <a:p>
+            <a:endParaRPr lang="en-IN" dirty="0"/>
+          </a:p>
+          <a:p>
+            <a:r>
+              <a:rPr lang="en-IN" dirty="0"/>
+              <a:t>    """</a:t>
+            </a:r>
+          </a:p>
+          <a:p>
+            <a:endParaRPr lang="en-IN" dirty="0"/>
+          </a:p>
+          <a:p>
+            <a:r>
+              <a:rPr lang="en-IN" dirty="0"/>
+              <a:t>    @always_comb</a:t>
+            </a:r>
+          </a:p>
+          <a:p>
+            <a:r>
+              <a:rPr lang="en-IN" dirty="0"/>
+              <a:t>    def comb():</a:t>
+            </a:r>
+          </a:p>
+          <a:p>
+            <a:r>
+              <a:rPr lang="en-IN" dirty="0"/>
+              <a:t>        if </a:t>
+            </a:r>
+            <a:r>
+              <a:rPr lang="en-IN" dirty="0" err="1"/>
+              <a:t>sel</a:t>
+            </a:r>
+            <a:r>
+              <a:rPr lang="en-IN" dirty="0"/>
+              <a:t> == 1:</a:t>
+            </a:r>
+          </a:p>
+          <a:p>
+            <a:r>
+              <a:rPr lang="en-IN" dirty="0"/>
+              <a:t>            </a:t>
+            </a:r>
+            <a:r>
+              <a:rPr lang="en-IN" dirty="0" err="1"/>
+              <a:t>y.next</a:t>
+            </a:r>
+            <a:r>
+              <a:rPr lang="en-IN" dirty="0"/>
+              <a:t> = b</a:t>
+            </a:r>
+          </a:p>
+          <a:p>
+            <a:r>
+              <a:rPr lang="en-IN" dirty="0"/>
+              <a:t>        else:</a:t>
+            </a:r>
+          </a:p>
+          <a:p>
+            <a:r>
+              <a:rPr lang="en-IN" dirty="0"/>
+              <a:t>            </a:t>
+            </a:r>
+            <a:r>
+              <a:rPr lang="en-IN" dirty="0" err="1"/>
+              <a:t>y.next</a:t>
+            </a:r>
+            <a:r>
+              <a:rPr lang="en-IN" dirty="0"/>
+              <a:t> = a</a:t>
+            </a:r>
+          </a:p>
+          <a:p>
+            <a:endParaRPr lang="en-IN" dirty="0"/>
+          </a:p>
+          <a:p>
+            <a:r>
+              <a:rPr lang="en-IN" dirty="0"/>
+              <a:t>    return comb</a:t>
+            </a:r>
+          </a:p>
+        </p:txBody>
+      </p:sp>
+      <p:sp>
+        <p:nvSpPr>
+          <p:cNvPr id="13" name="TextBox 12">
+            <a:extLst>
+              <a:ext uri="{FF2B5EF4-FFF2-40B4-BE49-F238E27FC236}">
+                <a16:creationId xmlns:a16="http://schemas.microsoft.com/office/drawing/2014/main" id="{ABBF6DE2-4BD0-2438-88CF-498245D02273}"/>
+              </a:ext>
+            </a:extLst>
+          </p:cNvPr>
+          <p:cNvSpPr txBox="1"/>
+          <p:nvPr/>
+        </p:nvSpPr>
+        <p:spPr>
+          <a:xfrm>
+            <a:off x="5938684" y="3345792"/>
+            <a:ext cx="6096000" cy="1754326"/>
+          </a:xfrm>
+          <a:prstGeom prst="rect">
+            <a:avLst/>
+          </a:prstGeom>
+          <a:noFill/>
+        </p:spPr>
+        <p:txBody>
+          <a:bodyPr wrap="square">
+            <a:spAutoFit/>
+          </a:bodyPr>
+          <a:lstStyle/>
+          <a:p>
+            <a:r>
+              <a:rPr lang="en-US" dirty="0"/>
+              <a:t>def convert():</a:t>
+            </a:r>
+          </a:p>
+          <a:p>
+            <a:r>
+              <a:rPr lang="en-US" dirty="0"/>
+              <a:t>    </a:t>
+            </a:r>
+            <a:r>
+              <a:rPr lang="en-US" dirty="0" err="1"/>
+              <a:t>y,a,b,sel</a:t>
+            </a:r>
+            <a:r>
+              <a:rPr lang="en-US" dirty="0"/>
+              <a:t> = [Signal(bool(0)) for </a:t>
+            </a:r>
+            <a:r>
+              <a:rPr lang="en-US" dirty="0" err="1"/>
+              <a:t>i</a:t>
+            </a:r>
+            <a:r>
+              <a:rPr lang="en-US" dirty="0"/>
+              <a:t> in range(4)]</a:t>
+            </a:r>
+          </a:p>
+          <a:p>
+            <a:r>
+              <a:rPr lang="en-US" dirty="0"/>
+              <a:t>    </a:t>
+            </a:r>
+            <a:r>
+              <a:rPr lang="en-US" dirty="0" err="1"/>
+              <a:t>convInst</a:t>
+            </a:r>
+            <a:r>
+              <a:rPr lang="en-US" dirty="0"/>
+              <a:t> = mux2x1_scalar(y, a, b, </a:t>
+            </a:r>
+            <a:r>
+              <a:rPr lang="en-US" dirty="0" err="1"/>
+              <a:t>sel</a:t>
+            </a:r>
+            <a:r>
+              <a:rPr lang="en-US" dirty="0"/>
+              <a:t>)</a:t>
+            </a:r>
+          </a:p>
+          <a:p>
+            <a:r>
+              <a:rPr lang="en-US" dirty="0"/>
+              <a:t>    </a:t>
+            </a:r>
+            <a:r>
+              <a:rPr lang="en-US" dirty="0" err="1"/>
+              <a:t>convInst.convert</a:t>
+            </a:r>
+            <a:r>
+              <a:rPr lang="en-US" dirty="0"/>
+              <a:t>(</a:t>
+            </a:r>
+            <a:r>
+              <a:rPr lang="en-US" dirty="0" err="1"/>
+              <a:t>hdl</a:t>
+            </a:r>
+            <a:r>
+              <a:rPr lang="en-US" dirty="0"/>
+              <a:t>='Verilog')</a:t>
+            </a:r>
+          </a:p>
+          <a:p>
+            <a:endParaRPr lang="en-US" dirty="0"/>
+          </a:p>
+          <a:p>
+            <a:r>
+              <a:rPr lang="en-US" dirty="0"/>
+              <a:t>convert()</a:t>
+            </a:r>
+            <a:endParaRPr lang="en-IN" dirty="0"/>
+          </a:p>
+        </p:txBody>
+      </p:sp>
+    </p:spTree>
+    <p:extLst>
+      <p:ext uri="{BB962C8B-B14F-4D97-AF65-F5344CB8AC3E}">
+        <p14:creationId xmlns:p14="http://schemas.microsoft.com/office/powerpoint/2010/main" val="2011045062"/>
+      </p:ext>
+    </p:extLst>
+  </p:cSld>
+  <p:clrMapOvr>
+    <a:masterClrMapping/>
+  </p:clrMapOvr>
+</p:sld>
+</file>
+
+<file path=ppt/slides/slide14.xml><?xml version="1.0" encoding="utf-8"?>
+<p:sld xmlns:a="http://schemas.openxmlformats.org/drawingml/2006/main" xmlns:r="http://schemas.openxmlformats.org/officeDocument/2006/relationships" xmlns:p="http://schemas.openxmlformats.org/presentationml/2006/main">
+  <p:cSld>
+    <p:spTree>
+      <p:nvGrpSpPr>
+        <p:cNvPr id="1" name=""/>
+        <p:cNvGrpSpPr/>
+        <p:nvPr/>
+      </p:nvGrpSpPr>
+      <p:grpSpPr>
+        <a:xfrm>
+          <a:off x="0" y="0"/>
+          <a:ext cx="0" cy="0"/>
+          <a:chOff x="0" y="0"/>
+          <a:chExt cx="0" cy="0"/>
+        </a:xfrm>
+      </p:grpSpPr>
+      <p:sp>
+        <p:nvSpPr>
+          <p:cNvPr id="3" name="TextBox 2">
+            <a:extLst>
+              <a:ext uri="{FF2B5EF4-FFF2-40B4-BE49-F238E27FC236}">
+                <a16:creationId xmlns:a16="http://schemas.microsoft.com/office/drawing/2014/main" id="{A1BF8461-84A4-3644-E41F-A45E49CE1B55}"/>
+              </a:ext>
+            </a:extLst>
+          </p:cNvPr>
+          <p:cNvSpPr txBox="1"/>
+          <p:nvPr/>
+        </p:nvSpPr>
+        <p:spPr>
+          <a:xfrm>
+            <a:off x="393290" y="316779"/>
+            <a:ext cx="6096000" cy="523220"/>
+          </a:xfrm>
+          <a:prstGeom prst="rect">
+            <a:avLst/>
+          </a:prstGeom>
+          <a:noFill/>
+        </p:spPr>
+        <p:txBody>
+          <a:bodyPr wrap="square">
+            <a:spAutoFit/>
+          </a:bodyPr>
+          <a:lstStyle/>
+          <a:p>
+            <a:r>
+              <a:rPr lang="en-IN" sz="2800" b="1" dirty="0">
+                <a:latin typeface="Times New Roman" panose="02020603050405020304" pitchFamily="18" charset="0"/>
+                <a:cs typeface="Times New Roman" panose="02020603050405020304" pitchFamily="18" charset="0"/>
+              </a:rPr>
+              <a:t>2. Multiplexer with vectored inputs</a:t>
+            </a:r>
+          </a:p>
+        </p:txBody>
+      </p:sp>
+      <p:sp>
+        <p:nvSpPr>
+          <p:cNvPr id="5" name="TextBox 4">
+            <a:extLst>
+              <a:ext uri="{FF2B5EF4-FFF2-40B4-BE49-F238E27FC236}">
+                <a16:creationId xmlns:a16="http://schemas.microsoft.com/office/drawing/2014/main" id="{541FA947-13C2-ADED-343C-229CCB20533E}"/>
+              </a:ext>
+            </a:extLst>
+          </p:cNvPr>
+          <p:cNvSpPr txBox="1"/>
+          <p:nvPr/>
+        </p:nvSpPr>
+        <p:spPr>
+          <a:xfrm>
+            <a:off x="658762" y="948690"/>
+            <a:ext cx="6096000" cy="5909310"/>
+          </a:xfrm>
+          <a:prstGeom prst="rect">
+            <a:avLst/>
+          </a:prstGeom>
+          <a:noFill/>
+        </p:spPr>
+        <p:txBody>
+          <a:bodyPr wrap="square">
+            <a:spAutoFit/>
+          </a:bodyPr>
+          <a:lstStyle/>
+          <a:p>
+            <a:r>
+              <a:rPr lang="en-IN" dirty="0"/>
+              <a:t>from </a:t>
+            </a:r>
+            <a:r>
+              <a:rPr lang="en-IN" dirty="0" err="1"/>
+              <a:t>myhdl</a:t>
+            </a:r>
+            <a:r>
+              <a:rPr lang="en-IN" dirty="0"/>
+              <a:t> import *</a:t>
+            </a:r>
+          </a:p>
+          <a:p>
+            <a:endParaRPr lang="en-IN" dirty="0"/>
+          </a:p>
+          <a:p>
+            <a:r>
+              <a:rPr lang="en-IN" dirty="0"/>
+              <a:t>@block</a:t>
+            </a:r>
+          </a:p>
+          <a:p>
+            <a:r>
+              <a:rPr lang="en-IN" dirty="0"/>
+              <a:t>def mux2x1_vectored(y, a, b, </a:t>
+            </a:r>
+            <a:r>
+              <a:rPr lang="en-IN" dirty="0" err="1"/>
+              <a:t>sel</a:t>
+            </a:r>
+            <a:r>
+              <a:rPr lang="en-IN" dirty="0"/>
+              <a:t>):</a:t>
+            </a:r>
+          </a:p>
+          <a:p>
+            <a:endParaRPr lang="en-IN" dirty="0"/>
+          </a:p>
+          <a:p>
+            <a:r>
+              <a:rPr lang="en-IN" dirty="0"/>
+              <a:t>    """ </a:t>
+            </a:r>
+          </a:p>
+          <a:p>
+            <a:r>
+              <a:rPr lang="en-IN" dirty="0"/>
+              <a:t>    Multiplexer 2x1</a:t>
+            </a:r>
+          </a:p>
+          <a:p>
+            <a:r>
+              <a:rPr lang="en-IN" dirty="0"/>
+              <a:t>    y -- mux output</a:t>
+            </a:r>
+          </a:p>
+          <a:p>
+            <a:r>
+              <a:rPr lang="en-IN" dirty="0"/>
+              <a:t>    a, b -- data inputs</a:t>
+            </a:r>
+          </a:p>
+          <a:p>
+            <a:r>
+              <a:rPr lang="en-IN" dirty="0"/>
+              <a:t>    </a:t>
+            </a:r>
+            <a:r>
+              <a:rPr lang="en-IN" dirty="0" err="1"/>
+              <a:t>sel</a:t>
+            </a:r>
+            <a:r>
+              <a:rPr lang="en-IN" dirty="0"/>
+              <a:t> -- control input: select b if asserted, otherwise a</a:t>
+            </a:r>
+          </a:p>
+          <a:p>
+            <a:endParaRPr lang="en-IN" dirty="0"/>
+          </a:p>
+          <a:p>
+            <a:r>
+              <a:rPr lang="en-IN" dirty="0"/>
+              <a:t>    """</a:t>
+            </a:r>
+          </a:p>
+          <a:p>
+            <a:endParaRPr lang="en-IN" dirty="0"/>
+          </a:p>
+          <a:p>
+            <a:r>
+              <a:rPr lang="en-IN" dirty="0"/>
+              <a:t>    @always_comb</a:t>
+            </a:r>
+          </a:p>
+          <a:p>
+            <a:r>
+              <a:rPr lang="en-IN" dirty="0"/>
+              <a:t>    def comb():</a:t>
+            </a:r>
+          </a:p>
+          <a:p>
+            <a:r>
+              <a:rPr lang="en-IN" dirty="0"/>
+              <a:t>        if </a:t>
+            </a:r>
+            <a:r>
+              <a:rPr lang="en-IN" dirty="0" err="1"/>
+              <a:t>sel</a:t>
+            </a:r>
+            <a:r>
+              <a:rPr lang="en-IN" dirty="0"/>
+              <a:t> == 1:</a:t>
+            </a:r>
+          </a:p>
+          <a:p>
+            <a:r>
+              <a:rPr lang="en-IN" dirty="0"/>
+              <a:t>            </a:t>
+            </a:r>
+            <a:r>
+              <a:rPr lang="en-IN" dirty="0" err="1"/>
+              <a:t>y.next</a:t>
+            </a:r>
+            <a:r>
+              <a:rPr lang="en-IN" dirty="0"/>
+              <a:t> = b</a:t>
+            </a:r>
+          </a:p>
+          <a:p>
+            <a:r>
+              <a:rPr lang="en-IN" dirty="0"/>
+              <a:t>        else:</a:t>
+            </a:r>
+          </a:p>
+          <a:p>
+            <a:r>
+              <a:rPr lang="en-IN" dirty="0"/>
+              <a:t>            </a:t>
+            </a:r>
+            <a:r>
+              <a:rPr lang="en-IN" dirty="0" err="1"/>
+              <a:t>y.next</a:t>
+            </a:r>
+            <a:r>
+              <a:rPr lang="en-IN" dirty="0"/>
+              <a:t> = a</a:t>
+            </a:r>
+          </a:p>
+          <a:p>
+            <a:endParaRPr lang="en-IN" dirty="0"/>
+          </a:p>
+          <a:p>
+            <a:r>
+              <a:rPr lang="en-IN" dirty="0"/>
+              <a:t>    return comb</a:t>
+            </a:r>
+          </a:p>
+        </p:txBody>
+      </p:sp>
+      <p:sp>
+        <p:nvSpPr>
+          <p:cNvPr id="7" name="TextBox 6">
+            <a:extLst>
+              <a:ext uri="{FF2B5EF4-FFF2-40B4-BE49-F238E27FC236}">
+                <a16:creationId xmlns:a16="http://schemas.microsoft.com/office/drawing/2014/main" id="{D1F26C81-2FCE-F6BC-ADD2-496C00CFB92F}"/>
+              </a:ext>
+            </a:extLst>
+          </p:cNvPr>
+          <p:cNvSpPr txBox="1"/>
+          <p:nvPr/>
+        </p:nvSpPr>
+        <p:spPr>
+          <a:xfrm>
+            <a:off x="6027174" y="2986067"/>
+            <a:ext cx="6096000" cy="2031325"/>
+          </a:xfrm>
+          <a:prstGeom prst="rect">
+            <a:avLst/>
+          </a:prstGeom>
+          <a:noFill/>
+        </p:spPr>
+        <p:txBody>
+          <a:bodyPr wrap="square">
+            <a:spAutoFit/>
+          </a:bodyPr>
+          <a:lstStyle/>
+          <a:p>
+            <a:r>
+              <a:rPr lang="en-IN" dirty="0"/>
+              <a:t>def convert():</a:t>
+            </a:r>
+          </a:p>
+          <a:p>
+            <a:r>
+              <a:rPr lang="en-IN" dirty="0"/>
+              <a:t>    </a:t>
+            </a:r>
+            <a:r>
+              <a:rPr lang="en-IN" dirty="0" err="1"/>
+              <a:t>sel</a:t>
+            </a:r>
+            <a:r>
+              <a:rPr lang="en-IN" dirty="0"/>
+              <a:t> = Signal(bool(0))</a:t>
+            </a:r>
+          </a:p>
+          <a:p>
+            <a:r>
+              <a:rPr lang="en-IN" dirty="0"/>
+              <a:t>    </a:t>
+            </a:r>
+            <a:r>
+              <a:rPr lang="en-IN" dirty="0" err="1"/>
+              <a:t>a,b,y</a:t>
+            </a:r>
+            <a:r>
+              <a:rPr lang="en-IN" dirty="0"/>
+              <a:t>= [Signal(</a:t>
+            </a:r>
+            <a:r>
+              <a:rPr lang="en-IN" dirty="0" err="1"/>
+              <a:t>intbv</a:t>
+            </a:r>
+            <a:r>
+              <a:rPr lang="en-IN" dirty="0"/>
+              <a:t>(0)[8:]) for </a:t>
+            </a:r>
+            <a:r>
+              <a:rPr lang="en-IN" dirty="0" err="1"/>
+              <a:t>i</a:t>
+            </a:r>
+            <a:r>
+              <a:rPr lang="en-IN" dirty="0"/>
+              <a:t> in range(3)]</a:t>
+            </a:r>
+          </a:p>
+          <a:p>
+            <a:r>
+              <a:rPr lang="en-IN" dirty="0"/>
+              <a:t>    </a:t>
+            </a:r>
+            <a:r>
+              <a:rPr lang="en-IN" dirty="0" err="1"/>
+              <a:t>convInst</a:t>
+            </a:r>
+            <a:r>
+              <a:rPr lang="en-IN" dirty="0"/>
+              <a:t> = mux2x1_vectored(y, a, b, </a:t>
+            </a:r>
+            <a:r>
+              <a:rPr lang="en-IN" dirty="0" err="1"/>
+              <a:t>sel</a:t>
+            </a:r>
+            <a:r>
+              <a:rPr lang="en-IN" dirty="0"/>
+              <a:t>)</a:t>
+            </a:r>
+          </a:p>
+          <a:p>
+            <a:r>
+              <a:rPr lang="en-IN" dirty="0"/>
+              <a:t>    </a:t>
+            </a:r>
+            <a:r>
+              <a:rPr lang="en-IN" dirty="0" err="1"/>
+              <a:t>convInst.convert</a:t>
+            </a:r>
+            <a:r>
+              <a:rPr lang="en-IN" dirty="0"/>
+              <a:t>(</a:t>
+            </a:r>
+            <a:r>
+              <a:rPr lang="en-IN" dirty="0" err="1"/>
+              <a:t>hdl</a:t>
+            </a:r>
+            <a:r>
+              <a:rPr lang="en-IN" dirty="0"/>
+              <a:t>='Verilog')</a:t>
+            </a:r>
+          </a:p>
+          <a:p>
+            <a:endParaRPr lang="en-IN" dirty="0"/>
+          </a:p>
+          <a:p>
+            <a:r>
+              <a:rPr lang="en-IN" dirty="0"/>
+              <a:t>convert()</a:t>
+            </a:r>
+          </a:p>
+        </p:txBody>
+      </p:sp>
+    </p:spTree>
+    <p:extLst>
+      <p:ext uri="{BB962C8B-B14F-4D97-AF65-F5344CB8AC3E}">
+        <p14:creationId xmlns:p14="http://schemas.microsoft.com/office/powerpoint/2010/main" val="3032117826"/>
       </p:ext>
     </p:extLst>
   </p:cSld>

--- a/hls_phase1.pptx
+++ b/hls_phase1.pptx
@@ -4,6 +4,9 @@
   <p:sldMasterIdLst>
     <p:sldMasterId id="2147483648" r:id="rId1"/>
   </p:sldMasterIdLst>
+  <p:notesMasterIdLst>
+    <p:notesMasterId r:id="rId19"/>
+  </p:notesMasterIdLst>
   <p:sldIdLst>
     <p:sldId id="256" r:id="rId2"/>
     <p:sldId id="257" r:id="rId3"/>
@@ -19,6 +22,9 @@
     <p:sldId id="267" r:id="rId13"/>
     <p:sldId id="268" r:id="rId14"/>
     <p:sldId id="269" r:id="rId15"/>
+    <p:sldId id="270" r:id="rId16"/>
+    <p:sldId id="272" r:id="rId17"/>
+    <p:sldId id="271" r:id="rId18"/>
   </p:sldIdLst>
   <p:sldSz cx="12192000" cy="6858000"/>
   <p:notesSz cx="6858000" cy="9144000"/>
@@ -125,6 +131,356 @@
 </p:presentation>
 </file>
 
+<file path=ppt/notesMasters/notesMaster1.xml><?xml version="1.0" encoding="utf-8"?>
+<p:notesMaster xmlns:a="http://schemas.openxmlformats.org/drawingml/2006/main" xmlns:r="http://schemas.openxmlformats.org/officeDocument/2006/relationships" xmlns:p="http://schemas.openxmlformats.org/presentationml/2006/main">
+  <p:cSld>
+    <p:bg>
+      <p:bgRef idx="1001">
+        <a:schemeClr val="bg1"/>
+      </p:bgRef>
+    </p:bg>
+    <p:spTree>
+      <p:nvGrpSpPr>
+        <p:cNvPr id="1" name=""/>
+        <p:cNvGrpSpPr/>
+        <p:nvPr/>
+      </p:nvGrpSpPr>
+      <p:grpSpPr>
+        <a:xfrm>
+          <a:off x="0" y="0"/>
+          <a:ext cx="0" cy="0"/>
+          <a:chOff x="0" y="0"/>
+          <a:chExt cx="0" cy="0"/>
+        </a:xfrm>
+      </p:grpSpPr>
+      <p:sp>
+        <p:nvSpPr>
+          <p:cNvPr id="2" name="Header Placeholder 1"/>
+          <p:cNvSpPr>
+            <a:spLocks noGrp="1"/>
+          </p:cNvSpPr>
+          <p:nvPr>
+            <p:ph type="hdr" sz="quarter"/>
+          </p:nvPr>
+        </p:nvSpPr>
+        <p:spPr>
+          <a:xfrm>
+            <a:off x="0" y="0"/>
+            <a:ext cx="2971800" cy="458788"/>
+          </a:xfrm>
+          <a:prstGeom prst="rect">
+            <a:avLst/>
+          </a:prstGeom>
+        </p:spPr>
+        <p:txBody>
+          <a:bodyPr vert="horz" lIns="91440" tIns="45720" rIns="91440" bIns="45720" rtlCol="0"/>
+          <a:lstStyle>
+            <a:lvl1pPr algn="l">
+              <a:defRPr sz="1200"/>
+            </a:lvl1pPr>
+          </a:lstStyle>
+          <a:p>
+            <a:endParaRPr lang="en-IN"/>
+          </a:p>
+        </p:txBody>
+      </p:sp>
+      <p:sp>
+        <p:nvSpPr>
+          <p:cNvPr id="3" name="Date Placeholder 2"/>
+          <p:cNvSpPr>
+            <a:spLocks noGrp="1"/>
+          </p:cNvSpPr>
+          <p:nvPr>
+            <p:ph type="dt" idx="1"/>
+          </p:nvPr>
+        </p:nvSpPr>
+        <p:spPr>
+          <a:xfrm>
+            <a:off x="3884613" y="0"/>
+            <a:ext cx="2971800" cy="458788"/>
+          </a:xfrm>
+          <a:prstGeom prst="rect">
+            <a:avLst/>
+          </a:prstGeom>
+        </p:spPr>
+        <p:txBody>
+          <a:bodyPr vert="horz" lIns="91440" tIns="45720" rIns="91440" bIns="45720" rtlCol="0"/>
+          <a:lstStyle>
+            <a:lvl1pPr algn="r">
+              <a:defRPr sz="1200"/>
+            </a:lvl1pPr>
+          </a:lstStyle>
+          <a:p>
+            <a:fld id="{E1F2E79C-175F-44DC-BC9A-23322DD3F10A}" type="datetimeFigureOut">
+              <a:rPr lang="en-IN" smtClean="0"/>
+              <a:t>13-12-2023</a:t>
+            </a:fld>
+            <a:endParaRPr lang="en-IN"/>
+          </a:p>
+        </p:txBody>
+      </p:sp>
+      <p:sp>
+        <p:nvSpPr>
+          <p:cNvPr id="4" name="Slide Image Placeholder 3"/>
+          <p:cNvSpPr>
+            <a:spLocks noGrp="1" noRot="1" noChangeAspect="1"/>
+          </p:cNvSpPr>
+          <p:nvPr>
+            <p:ph type="sldImg" idx="2"/>
+          </p:nvPr>
+        </p:nvSpPr>
+        <p:spPr>
+          <a:xfrm>
+            <a:off x="685800" y="1143000"/>
+            <a:ext cx="5486400" cy="3086100"/>
+          </a:xfrm>
+          <a:prstGeom prst="rect">
+            <a:avLst/>
+          </a:prstGeom>
+          <a:noFill/>
+          <a:ln w="12700">
+            <a:solidFill>
+              <a:prstClr val="black"/>
+            </a:solidFill>
+          </a:ln>
+        </p:spPr>
+        <p:txBody>
+          <a:bodyPr vert="horz" lIns="91440" tIns="45720" rIns="91440" bIns="45720" rtlCol="0" anchor="ctr"/>
+          <a:lstStyle/>
+          <a:p>
+            <a:endParaRPr lang="en-IN"/>
+          </a:p>
+        </p:txBody>
+      </p:sp>
+      <p:sp>
+        <p:nvSpPr>
+          <p:cNvPr id="5" name="Notes Placeholder 4"/>
+          <p:cNvSpPr>
+            <a:spLocks noGrp="1"/>
+          </p:cNvSpPr>
+          <p:nvPr>
+            <p:ph type="body" sz="quarter" idx="3"/>
+          </p:nvPr>
+        </p:nvSpPr>
+        <p:spPr>
+          <a:xfrm>
+            <a:off x="685800" y="4400550"/>
+            <a:ext cx="5486400" cy="3600450"/>
+          </a:xfrm>
+          <a:prstGeom prst="rect">
+            <a:avLst/>
+          </a:prstGeom>
+        </p:spPr>
+        <p:txBody>
+          <a:bodyPr vert="horz" lIns="91440" tIns="45720" rIns="91440" bIns="45720" rtlCol="0"/>
+          <a:lstStyle/>
+          <a:p>
+            <a:pPr lvl="0"/>
+            <a:r>
+              <a:rPr lang="en-US"/>
+              <a:t>Click to edit Master text styles</a:t>
+            </a:r>
+          </a:p>
+          <a:p>
+            <a:pPr lvl="1"/>
+            <a:r>
+              <a:rPr lang="en-US"/>
+              <a:t>Second level</a:t>
+            </a:r>
+          </a:p>
+          <a:p>
+            <a:pPr lvl="2"/>
+            <a:r>
+              <a:rPr lang="en-US"/>
+              <a:t>Third level</a:t>
+            </a:r>
+          </a:p>
+          <a:p>
+            <a:pPr lvl="3"/>
+            <a:r>
+              <a:rPr lang="en-US"/>
+              <a:t>Fourth level</a:t>
+            </a:r>
+          </a:p>
+          <a:p>
+            <a:pPr lvl="4"/>
+            <a:r>
+              <a:rPr lang="en-US"/>
+              <a:t>Fifth level</a:t>
+            </a:r>
+            <a:endParaRPr lang="en-IN"/>
+          </a:p>
+        </p:txBody>
+      </p:sp>
+      <p:sp>
+        <p:nvSpPr>
+          <p:cNvPr id="6" name="Footer Placeholder 5"/>
+          <p:cNvSpPr>
+            <a:spLocks noGrp="1"/>
+          </p:cNvSpPr>
+          <p:nvPr>
+            <p:ph type="ftr" sz="quarter" idx="4"/>
+          </p:nvPr>
+        </p:nvSpPr>
+        <p:spPr>
+          <a:xfrm>
+            <a:off x="0" y="8685213"/>
+            <a:ext cx="2971800" cy="458787"/>
+          </a:xfrm>
+          <a:prstGeom prst="rect">
+            <a:avLst/>
+          </a:prstGeom>
+        </p:spPr>
+        <p:txBody>
+          <a:bodyPr vert="horz" lIns="91440" tIns="45720" rIns="91440" bIns="45720" rtlCol="0" anchor="b"/>
+          <a:lstStyle>
+            <a:lvl1pPr algn="l">
+              <a:defRPr sz="1200"/>
+            </a:lvl1pPr>
+          </a:lstStyle>
+          <a:p>
+            <a:endParaRPr lang="en-IN"/>
+          </a:p>
+        </p:txBody>
+      </p:sp>
+      <p:sp>
+        <p:nvSpPr>
+          <p:cNvPr id="7" name="Slide Number Placeholder 6"/>
+          <p:cNvSpPr>
+            <a:spLocks noGrp="1"/>
+          </p:cNvSpPr>
+          <p:nvPr>
+            <p:ph type="sldNum" sz="quarter" idx="5"/>
+          </p:nvPr>
+        </p:nvSpPr>
+        <p:spPr>
+          <a:xfrm>
+            <a:off x="3884613" y="8685213"/>
+            <a:ext cx="2971800" cy="458787"/>
+          </a:xfrm>
+          <a:prstGeom prst="rect">
+            <a:avLst/>
+          </a:prstGeom>
+        </p:spPr>
+        <p:txBody>
+          <a:bodyPr vert="horz" lIns="91440" tIns="45720" rIns="91440" bIns="45720" rtlCol="0" anchor="b"/>
+          <a:lstStyle>
+            <a:lvl1pPr algn="r">
+              <a:defRPr sz="1200"/>
+            </a:lvl1pPr>
+          </a:lstStyle>
+          <a:p>
+            <a:fld id="{44D2FC5A-ACAC-40C9-B39D-860E8AFC3019}" type="slidenum">
+              <a:rPr lang="en-IN" smtClean="0"/>
+              <a:t>‹#›</a:t>
+            </a:fld>
+            <a:endParaRPr lang="en-IN"/>
+          </a:p>
+        </p:txBody>
+      </p:sp>
+    </p:spTree>
+    <p:extLst>
+      <p:ext uri="{BB962C8B-B14F-4D97-AF65-F5344CB8AC3E}">
+        <p14:creationId xmlns:p14="http://schemas.microsoft.com/office/powerpoint/2010/main" val="3533808145"/>
+      </p:ext>
+    </p:extLst>
+  </p:cSld>
+  <p:clrMap bg1="lt1" tx1="dk1" bg2="lt2" tx2="dk2" accent1="accent1" accent2="accent2" accent3="accent3" accent4="accent4" accent5="accent5" accent6="accent6" hlink="hlink" folHlink="folHlink"/>
+  <p:notesStyle>
+    <a:lvl1pPr marL="0" algn="l" defTabSz="914400" rtl="0" eaLnBrk="1" latinLnBrk="0" hangingPunct="1">
+      <a:defRPr sz="1200" kern="1200">
+        <a:solidFill>
+          <a:schemeClr val="tx1"/>
+        </a:solidFill>
+        <a:latin typeface="+mn-lt"/>
+        <a:ea typeface="+mn-ea"/>
+        <a:cs typeface="+mn-cs"/>
+      </a:defRPr>
+    </a:lvl1pPr>
+    <a:lvl2pPr marL="457200" algn="l" defTabSz="914400" rtl="0" eaLnBrk="1" latinLnBrk="0" hangingPunct="1">
+      <a:defRPr sz="1200" kern="1200">
+        <a:solidFill>
+          <a:schemeClr val="tx1"/>
+        </a:solidFill>
+        <a:latin typeface="+mn-lt"/>
+        <a:ea typeface="+mn-ea"/>
+        <a:cs typeface="+mn-cs"/>
+      </a:defRPr>
+    </a:lvl2pPr>
+    <a:lvl3pPr marL="914400" algn="l" defTabSz="914400" rtl="0" eaLnBrk="1" latinLnBrk="0" hangingPunct="1">
+      <a:defRPr sz="1200" kern="1200">
+        <a:solidFill>
+          <a:schemeClr val="tx1"/>
+        </a:solidFill>
+        <a:latin typeface="+mn-lt"/>
+        <a:ea typeface="+mn-ea"/>
+        <a:cs typeface="+mn-cs"/>
+      </a:defRPr>
+    </a:lvl3pPr>
+    <a:lvl4pPr marL="1371600" algn="l" defTabSz="914400" rtl="0" eaLnBrk="1" latinLnBrk="0" hangingPunct="1">
+      <a:defRPr sz="1200" kern="1200">
+        <a:solidFill>
+          <a:schemeClr val="tx1"/>
+        </a:solidFill>
+        <a:latin typeface="+mn-lt"/>
+        <a:ea typeface="+mn-ea"/>
+        <a:cs typeface="+mn-cs"/>
+      </a:defRPr>
+    </a:lvl4pPr>
+    <a:lvl5pPr marL="1828800" algn="l" defTabSz="914400" rtl="0" eaLnBrk="1" latinLnBrk="0" hangingPunct="1">
+      <a:defRPr sz="1200" kern="1200">
+        <a:solidFill>
+          <a:schemeClr val="tx1"/>
+        </a:solidFill>
+        <a:latin typeface="+mn-lt"/>
+        <a:ea typeface="+mn-ea"/>
+        <a:cs typeface="+mn-cs"/>
+      </a:defRPr>
+    </a:lvl5pPr>
+    <a:lvl6pPr marL="2286000" algn="l" defTabSz="914400" rtl="0" eaLnBrk="1" latinLnBrk="0" hangingPunct="1">
+      <a:defRPr sz="1200" kern="1200">
+        <a:solidFill>
+          <a:schemeClr val="tx1"/>
+        </a:solidFill>
+        <a:latin typeface="+mn-lt"/>
+        <a:ea typeface="+mn-ea"/>
+        <a:cs typeface="+mn-cs"/>
+      </a:defRPr>
+    </a:lvl6pPr>
+    <a:lvl7pPr marL="2743200" algn="l" defTabSz="914400" rtl="0" eaLnBrk="1" latinLnBrk="0" hangingPunct="1">
+      <a:defRPr sz="1200" kern="1200">
+        <a:solidFill>
+          <a:schemeClr val="tx1"/>
+        </a:solidFill>
+        <a:latin typeface="+mn-lt"/>
+        <a:ea typeface="+mn-ea"/>
+        <a:cs typeface="+mn-cs"/>
+      </a:defRPr>
+    </a:lvl7pPr>
+    <a:lvl8pPr marL="3200400" algn="l" defTabSz="914400" rtl="0" eaLnBrk="1" latinLnBrk="0" hangingPunct="1">
+      <a:defRPr sz="1200" kern="1200">
+        <a:solidFill>
+          <a:schemeClr val="tx1"/>
+        </a:solidFill>
+        <a:latin typeface="+mn-lt"/>
+        <a:ea typeface="+mn-ea"/>
+        <a:cs typeface="+mn-cs"/>
+      </a:defRPr>
+    </a:lvl8pPr>
+    <a:lvl9pPr marL="3657600" algn="l" defTabSz="914400" rtl="0" eaLnBrk="1" latinLnBrk="0" hangingPunct="1">
+      <a:defRPr sz="1200" kern="1200">
+        <a:solidFill>
+          <a:schemeClr val="tx1"/>
+        </a:solidFill>
+        <a:latin typeface="+mn-lt"/>
+        <a:ea typeface="+mn-ea"/>
+        <a:cs typeface="+mn-cs"/>
+      </a:defRPr>
+    </a:lvl9pPr>
+  </p:notesStyle>
+</p:notesMaster>
+</file>
+
 <file path=ppt/slideLayouts/slideLayout1.xml><?xml version="1.0" encoding="utf-8"?>
 <p:sldLayout xmlns:a="http://schemas.openxmlformats.org/drawingml/2006/main" xmlns:r="http://schemas.openxmlformats.org/officeDocument/2006/relationships" xmlns:p="http://schemas.openxmlformats.org/presentationml/2006/main" type="title" preserve="1">
   <p:cSld name="Title Slide">
@@ -272,7 +628,7 @@
           <a:bodyPr/>
           <a:lstStyle/>
           <a:p>
-            <a:fld id="{B4D3969D-5762-4F45-86B1-68C0D5584FC0}" type="datetimeFigureOut">
+            <a:fld id="{E637FC7D-F922-4FD1-995F-2A72337ADDDA}" type="datetime1">
               <a:rPr lang="en-IN" smtClean="0"/>
               <a:t>13-12-2023</a:t>
             </a:fld>
@@ -472,7 +828,7 @@
           <a:bodyPr/>
           <a:lstStyle/>
           <a:p>
-            <a:fld id="{B4D3969D-5762-4F45-86B1-68C0D5584FC0}" type="datetimeFigureOut">
+            <a:fld id="{8C613DFC-F682-481D-B2A5-0D4A43E3C20B}" type="datetime1">
               <a:rPr lang="en-IN" smtClean="0"/>
               <a:t>13-12-2023</a:t>
             </a:fld>
@@ -682,7 +1038,7 @@
           <a:bodyPr/>
           <a:lstStyle/>
           <a:p>
-            <a:fld id="{B4D3969D-5762-4F45-86B1-68C0D5584FC0}" type="datetimeFigureOut">
+            <a:fld id="{E2378F03-67A8-4FA6-9B2F-96ED40C784CC}" type="datetime1">
               <a:rPr lang="en-IN" smtClean="0"/>
               <a:t>13-12-2023</a:t>
             </a:fld>
@@ -882,7 +1238,7 @@
           <a:bodyPr/>
           <a:lstStyle/>
           <a:p>
-            <a:fld id="{B4D3969D-5762-4F45-86B1-68C0D5584FC0}" type="datetimeFigureOut">
+            <a:fld id="{80F6DF35-6BAB-48FD-B89E-A6ECEDD7568A}" type="datetime1">
               <a:rPr lang="en-IN" smtClean="0"/>
               <a:t>13-12-2023</a:t>
             </a:fld>
@@ -1158,7 +1514,7 @@
           <a:bodyPr/>
           <a:lstStyle/>
           <a:p>
-            <a:fld id="{B4D3969D-5762-4F45-86B1-68C0D5584FC0}" type="datetimeFigureOut">
+            <a:fld id="{7C0DFB6F-8A01-4FA1-85B3-756BDDA0BCD5}" type="datetime1">
               <a:rPr lang="en-IN" smtClean="0"/>
               <a:t>13-12-2023</a:t>
             </a:fld>
@@ -1426,7 +1782,7 @@
           <a:bodyPr/>
           <a:lstStyle/>
           <a:p>
-            <a:fld id="{B4D3969D-5762-4F45-86B1-68C0D5584FC0}" type="datetimeFigureOut">
+            <a:fld id="{398585EF-55F0-435B-832A-8F90D43CEB0A}" type="datetime1">
               <a:rPr lang="en-IN" smtClean="0"/>
               <a:t>13-12-2023</a:t>
             </a:fld>
@@ -1841,7 +2197,7 @@
           <a:bodyPr/>
           <a:lstStyle/>
           <a:p>
-            <a:fld id="{B4D3969D-5762-4F45-86B1-68C0D5584FC0}" type="datetimeFigureOut">
+            <a:fld id="{E63A39E7-A20C-44FE-9988-8581EF2096B8}" type="datetime1">
               <a:rPr lang="en-IN" smtClean="0"/>
               <a:t>13-12-2023</a:t>
             </a:fld>
@@ -1983,7 +2339,7 @@
           <a:bodyPr/>
           <a:lstStyle/>
           <a:p>
-            <a:fld id="{B4D3969D-5762-4F45-86B1-68C0D5584FC0}" type="datetimeFigureOut">
+            <a:fld id="{F6628C93-EF9F-46F8-8C19-983657FA68CC}" type="datetime1">
               <a:rPr lang="en-IN" smtClean="0"/>
               <a:t>13-12-2023</a:t>
             </a:fld>
@@ -2096,7 +2452,7 @@
           <a:bodyPr/>
           <a:lstStyle/>
           <a:p>
-            <a:fld id="{B4D3969D-5762-4F45-86B1-68C0D5584FC0}" type="datetimeFigureOut">
+            <a:fld id="{B8B688FF-6309-4164-A821-8E55A572992D}" type="datetime1">
               <a:rPr lang="en-IN" smtClean="0"/>
               <a:t>13-12-2023</a:t>
             </a:fld>
@@ -2409,7 +2765,7 @@
           <a:bodyPr/>
           <a:lstStyle/>
           <a:p>
-            <a:fld id="{B4D3969D-5762-4F45-86B1-68C0D5584FC0}" type="datetimeFigureOut">
+            <a:fld id="{BDB456D5-53B4-48E4-AE53-8DAB33B47CF7}" type="datetime1">
               <a:rPr lang="en-IN" smtClean="0"/>
               <a:t>13-12-2023</a:t>
             </a:fld>
@@ -2698,7 +3054,7 @@
           <a:bodyPr/>
           <a:lstStyle/>
           <a:p>
-            <a:fld id="{B4D3969D-5762-4F45-86B1-68C0D5584FC0}" type="datetimeFigureOut">
+            <a:fld id="{6E2AD77B-2FEF-48AF-91A3-D1586A1C9FCB}" type="datetime1">
               <a:rPr lang="en-IN" smtClean="0"/>
               <a:t>13-12-2023</a:t>
             </a:fld>
@@ -2941,7 +3297,7 @@
             </a:lvl1pPr>
           </a:lstStyle>
           <a:p>
-            <a:fld id="{B4D3969D-5762-4F45-86B1-68C0D5584FC0}" type="datetimeFigureOut">
+            <a:fld id="{90452C8C-CE83-43E0-8969-A5B975D8EDB0}" type="datetime1">
               <a:rPr lang="en-IN" smtClean="0"/>
               <a:t>13-12-2023</a:t>
             </a:fld>
@@ -3060,6 +3416,7 @@
     <p:sldLayoutId id="2147483658" r:id="rId10"/>
     <p:sldLayoutId id="2147483659" r:id="rId11"/>
   </p:sldLayoutIdLst>
+  <p:hf hdr="0" ftr="0" dt="0"/>
   <p:txStyles>
     <p:titleStyle>
       <a:lvl1pPr algn="l" defTabSz="914400" rtl="0" eaLnBrk="1" latinLnBrk="0" hangingPunct="1">
@@ -3390,6 +3747,35 @@
           </a:prstGeom>
         </p:spPr>
       </p:pic>
+      <p:sp>
+        <p:nvSpPr>
+          <p:cNvPr id="2" name="Slide Number Placeholder 1">
+            <a:extLst>
+              <a:ext uri="{FF2B5EF4-FFF2-40B4-BE49-F238E27FC236}">
+                <a16:creationId xmlns:a16="http://schemas.microsoft.com/office/drawing/2014/main" id="{567F0059-02FB-41EF-93A0-DCC4970D19BA}"/>
+              </a:ext>
+            </a:extLst>
+          </p:cNvPr>
+          <p:cNvSpPr>
+            <a:spLocks noGrp="1"/>
+          </p:cNvSpPr>
+          <p:nvPr>
+            <p:ph type="sldNum" sz="quarter" idx="12"/>
+          </p:nvPr>
+        </p:nvSpPr>
+        <p:spPr/>
+        <p:txBody>
+          <a:bodyPr/>
+          <a:lstStyle/>
+          <a:p>
+            <a:fld id="{0B12C922-00BD-488B-848D-49DE5635C3DD}" type="slidenum">
+              <a:rPr lang="en-IN" smtClean="0"/>
+              <a:t>1</a:t>
+            </a:fld>
+            <a:endParaRPr lang="en-IN"/>
+          </a:p>
+        </p:txBody>
+      </p:sp>
     </p:spTree>
     <p:extLst>
       <p:ext uri="{BB962C8B-B14F-4D97-AF65-F5344CB8AC3E}">
@@ -3450,6 +3836,35 @@
           </a:prstGeom>
         </p:spPr>
       </p:pic>
+      <p:sp>
+        <p:nvSpPr>
+          <p:cNvPr id="2" name="Slide Number Placeholder 1">
+            <a:extLst>
+              <a:ext uri="{FF2B5EF4-FFF2-40B4-BE49-F238E27FC236}">
+                <a16:creationId xmlns:a16="http://schemas.microsoft.com/office/drawing/2014/main" id="{C089985D-9EBF-4430-AB31-CE8A2E027C34}"/>
+              </a:ext>
+            </a:extLst>
+          </p:cNvPr>
+          <p:cNvSpPr>
+            <a:spLocks noGrp="1"/>
+          </p:cNvSpPr>
+          <p:nvPr>
+            <p:ph type="sldNum" sz="quarter" idx="12"/>
+          </p:nvPr>
+        </p:nvSpPr>
+        <p:spPr/>
+        <p:txBody>
+          <a:bodyPr/>
+          <a:lstStyle/>
+          <a:p>
+            <a:fld id="{0B12C922-00BD-488B-848D-49DE5635C3DD}" type="slidenum">
+              <a:rPr lang="en-IN" smtClean="0"/>
+              <a:t>10</a:t>
+            </a:fld>
+            <a:endParaRPr lang="en-IN"/>
+          </a:p>
+        </p:txBody>
+      </p:sp>
     </p:spTree>
     <p:extLst>
       <p:ext uri="{BB962C8B-B14F-4D97-AF65-F5344CB8AC3E}">
@@ -3519,6 +3934,35 @@
           </a:p>
         </p:txBody>
       </p:sp>
+      <p:sp>
+        <p:nvSpPr>
+          <p:cNvPr id="3" name="Slide Number Placeholder 2">
+            <a:extLst>
+              <a:ext uri="{FF2B5EF4-FFF2-40B4-BE49-F238E27FC236}">
+                <a16:creationId xmlns:a16="http://schemas.microsoft.com/office/drawing/2014/main" id="{F70E9D6C-D14E-4BEC-852B-1FCACF89295A}"/>
+              </a:ext>
+            </a:extLst>
+          </p:cNvPr>
+          <p:cNvSpPr>
+            <a:spLocks noGrp="1"/>
+          </p:cNvSpPr>
+          <p:nvPr>
+            <p:ph type="sldNum" sz="quarter" idx="12"/>
+          </p:nvPr>
+        </p:nvSpPr>
+        <p:spPr/>
+        <p:txBody>
+          <a:bodyPr/>
+          <a:lstStyle/>
+          <a:p>
+            <a:fld id="{0B12C922-00BD-488B-848D-49DE5635C3DD}" type="slidenum">
+              <a:rPr lang="en-IN" smtClean="0"/>
+              <a:t>11</a:t>
+            </a:fld>
+            <a:endParaRPr lang="en-IN"/>
+          </a:p>
+        </p:txBody>
+      </p:sp>
     </p:spTree>
     <p:extLst>
       <p:ext uri="{BB962C8B-B14F-4D97-AF65-F5344CB8AC3E}">
@@ -3677,6 +4121,35 @@
           </a:p>
         </p:txBody>
       </p:sp>
+      <p:sp>
+        <p:nvSpPr>
+          <p:cNvPr id="2" name="Slide Number Placeholder 1">
+            <a:extLst>
+              <a:ext uri="{FF2B5EF4-FFF2-40B4-BE49-F238E27FC236}">
+                <a16:creationId xmlns:a16="http://schemas.microsoft.com/office/drawing/2014/main" id="{241EEE83-A7AC-49C5-9519-17B472ED2822}"/>
+              </a:ext>
+            </a:extLst>
+          </p:cNvPr>
+          <p:cNvSpPr>
+            <a:spLocks noGrp="1"/>
+          </p:cNvSpPr>
+          <p:nvPr>
+            <p:ph type="sldNum" sz="quarter" idx="12"/>
+          </p:nvPr>
+        </p:nvSpPr>
+        <p:spPr/>
+        <p:txBody>
+          <a:bodyPr/>
+          <a:lstStyle/>
+          <a:p>
+            <a:fld id="{0B12C922-00BD-488B-848D-49DE5635C3DD}" type="slidenum">
+              <a:rPr lang="en-IN" smtClean="0"/>
+              <a:t>12</a:t>
+            </a:fld>
+            <a:endParaRPr lang="en-IN"/>
+          </a:p>
+        </p:txBody>
+      </p:sp>
     </p:spTree>
     <p:extLst>
       <p:ext uri="{BB962C8B-B14F-4D97-AF65-F5344CB8AC3E}">
@@ -3783,6 +4256,11 @@
             <a:avLst/>
           </a:prstGeom>
           <a:noFill/>
+          <a:ln>
+            <a:solidFill>
+              <a:schemeClr val="tx1"/>
+            </a:solidFill>
+          </a:ln>
         </p:spPr>
         <p:txBody>
           <a:bodyPr wrap="square">
@@ -3975,13 +4453,21 @@
         </p:nvSpPr>
         <p:spPr>
           <a:xfrm>
-            <a:off x="5938684" y="3345792"/>
-            <a:ext cx="6096000" cy="1754326"/>
+            <a:off x="6744931" y="3176979"/>
+            <a:ext cx="5311081" cy="1754326"/>
           </a:xfrm>
           <a:prstGeom prst="rect">
             <a:avLst/>
           </a:prstGeom>
           <a:noFill/>
+          <a:ln>
+            <a:solidFill>
+              <a:schemeClr val="accent6">
+                <a:lumMod val="60000"/>
+                <a:lumOff val="40000"/>
+              </a:schemeClr>
+            </a:solidFill>
+          </a:ln>
         </p:spPr>
         <p:txBody>
           <a:bodyPr wrap="square">
@@ -4069,6 +4555,35 @@
               <a:t>convert()</a:t>
             </a:r>
             <a:endParaRPr lang="en-IN" dirty="0"/>
+          </a:p>
+        </p:txBody>
+      </p:sp>
+      <p:sp>
+        <p:nvSpPr>
+          <p:cNvPr id="2" name="Slide Number Placeholder 1">
+            <a:extLst>
+              <a:ext uri="{FF2B5EF4-FFF2-40B4-BE49-F238E27FC236}">
+                <a16:creationId xmlns:a16="http://schemas.microsoft.com/office/drawing/2014/main" id="{F7700874-3F80-46C4-9F9A-032B275A50B1}"/>
+              </a:ext>
+            </a:extLst>
+          </p:cNvPr>
+          <p:cNvSpPr>
+            <a:spLocks noGrp="1"/>
+          </p:cNvSpPr>
+          <p:nvPr>
+            <p:ph type="sldNum" sz="quarter" idx="12"/>
+          </p:nvPr>
+        </p:nvSpPr>
+        <p:spPr/>
+        <p:txBody>
+          <a:bodyPr/>
+          <a:lstStyle/>
+          <a:p>
+            <a:fld id="{0B12C922-00BD-488B-848D-49DE5635C3DD}" type="slidenum">
+              <a:rPr lang="en-IN" smtClean="0"/>
+              <a:t>13</a:t>
+            </a:fld>
+            <a:endParaRPr lang="en-IN"/>
           </a:p>
         </p:txBody>
       </p:sp>
@@ -4161,6 +4676,11 @@
             <a:avLst/>
           </a:prstGeom>
           <a:noFill/>
+          <a:ln>
+            <a:solidFill>
+              <a:schemeClr val="tx1"/>
+            </a:solidFill>
+          </a:ln>
         </p:spPr>
         <p:txBody>
           <a:bodyPr wrap="square">
@@ -4342,8 +4862,423 @@
         </p:nvSpPr>
         <p:spPr>
           <a:xfrm>
-            <a:off x="6027174" y="2986067"/>
-            <a:ext cx="6096000" cy="2031325"/>
+            <a:off x="6871236" y="2887682"/>
+            <a:ext cx="5170709" cy="2031325"/>
+          </a:xfrm>
+          <a:prstGeom prst="rect">
+            <a:avLst/>
+          </a:prstGeom>
+          <a:noFill/>
+          <a:ln>
+            <a:solidFill>
+              <a:schemeClr val="accent6">
+                <a:lumMod val="60000"/>
+                <a:lumOff val="40000"/>
+              </a:schemeClr>
+            </a:solidFill>
+          </a:ln>
+        </p:spPr>
+        <p:txBody>
+          <a:bodyPr wrap="square">
+            <a:spAutoFit/>
+          </a:bodyPr>
+          <a:lstStyle/>
+          <a:p>
+            <a:r>
+              <a:rPr lang="en-IN" dirty="0"/>
+              <a:t>def convert():</a:t>
+            </a:r>
+          </a:p>
+          <a:p>
+            <a:r>
+              <a:rPr lang="en-IN" dirty="0"/>
+              <a:t>    </a:t>
+            </a:r>
+            <a:r>
+              <a:rPr lang="en-IN" dirty="0" err="1"/>
+              <a:t>sel</a:t>
+            </a:r>
+            <a:r>
+              <a:rPr lang="en-IN" dirty="0"/>
+              <a:t> = Signal(bool(0))</a:t>
+            </a:r>
+          </a:p>
+          <a:p>
+            <a:r>
+              <a:rPr lang="en-IN" dirty="0"/>
+              <a:t>    </a:t>
+            </a:r>
+            <a:r>
+              <a:rPr lang="en-IN" dirty="0" err="1"/>
+              <a:t>a,b,y</a:t>
+            </a:r>
+            <a:r>
+              <a:rPr lang="en-IN" dirty="0"/>
+              <a:t>= [Signal(</a:t>
+            </a:r>
+            <a:r>
+              <a:rPr lang="en-IN" dirty="0" err="1"/>
+              <a:t>intbv</a:t>
+            </a:r>
+            <a:r>
+              <a:rPr lang="en-IN" dirty="0"/>
+              <a:t>(0)[8:]) for </a:t>
+            </a:r>
+            <a:r>
+              <a:rPr lang="en-IN" dirty="0" err="1"/>
+              <a:t>i</a:t>
+            </a:r>
+            <a:r>
+              <a:rPr lang="en-IN" dirty="0"/>
+              <a:t> in range(3)]</a:t>
+            </a:r>
+          </a:p>
+          <a:p>
+            <a:r>
+              <a:rPr lang="en-IN" dirty="0"/>
+              <a:t>    </a:t>
+            </a:r>
+            <a:r>
+              <a:rPr lang="en-IN" dirty="0" err="1"/>
+              <a:t>convInst</a:t>
+            </a:r>
+            <a:r>
+              <a:rPr lang="en-IN" dirty="0"/>
+              <a:t> = mux2x1_vectored(y, a, b, </a:t>
+            </a:r>
+            <a:r>
+              <a:rPr lang="en-IN" dirty="0" err="1"/>
+              <a:t>sel</a:t>
+            </a:r>
+            <a:r>
+              <a:rPr lang="en-IN" dirty="0"/>
+              <a:t>)</a:t>
+            </a:r>
+          </a:p>
+          <a:p>
+            <a:r>
+              <a:rPr lang="en-IN" dirty="0"/>
+              <a:t>    </a:t>
+            </a:r>
+            <a:r>
+              <a:rPr lang="en-IN" dirty="0" err="1"/>
+              <a:t>convInst.convert</a:t>
+            </a:r>
+            <a:r>
+              <a:rPr lang="en-IN" dirty="0"/>
+              <a:t>(</a:t>
+            </a:r>
+            <a:r>
+              <a:rPr lang="en-IN" dirty="0" err="1"/>
+              <a:t>hdl</a:t>
+            </a:r>
+            <a:r>
+              <a:rPr lang="en-IN" dirty="0"/>
+              <a:t>='Verilog')</a:t>
+            </a:r>
+          </a:p>
+          <a:p>
+            <a:endParaRPr lang="en-IN" dirty="0"/>
+          </a:p>
+          <a:p>
+            <a:r>
+              <a:rPr lang="en-IN" dirty="0"/>
+              <a:t>convert()</a:t>
+            </a:r>
+          </a:p>
+        </p:txBody>
+      </p:sp>
+      <p:sp>
+        <p:nvSpPr>
+          <p:cNvPr id="2" name="Slide Number Placeholder 1">
+            <a:extLst>
+              <a:ext uri="{FF2B5EF4-FFF2-40B4-BE49-F238E27FC236}">
+                <a16:creationId xmlns:a16="http://schemas.microsoft.com/office/drawing/2014/main" id="{D463FD86-AFDD-4C11-BC2D-D704C103EC81}"/>
+              </a:ext>
+            </a:extLst>
+          </p:cNvPr>
+          <p:cNvSpPr>
+            <a:spLocks noGrp="1"/>
+          </p:cNvSpPr>
+          <p:nvPr>
+            <p:ph type="sldNum" sz="quarter" idx="12"/>
+          </p:nvPr>
+        </p:nvSpPr>
+        <p:spPr/>
+        <p:txBody>
+          <a:bodyPr/>
+          <a:lstStyle/>
+          <a:p>
+            <a:fld id="{0B12C922-00BD-488B-848D-49DE5635C3DD}" type="slidenum">
+              <a:rPr lang="en-IN" smtClean="0"/>
+              <a:t>14</a:t>
+            </a:fld>
+            <a:endParaRPr lang="en-IN"/>
+          </a:p>
+        </p:txBody>
+      </p:sp>
+    </p:spTree>
+    <p:extLst>
+      <p:ext uri="{BB962C8B-B14F-4D97-AF65-F5344CB8AC3E}">
+        <p14:creationId xmlns:p14="http://schemas.microsoft.com/office/powerpoint/2010/main" val="3032117826"/>
+      </p:ext>
+    </p:extLst>
+  </p:cSld>
+  <p:clrMapOvr>
+    <a:masterClrMapping/>
+  </p:clrMapOvr>
+</p:sld>
+</file>
+
+<file path=ppt/slides/slide15.xml><?xml version="1.0" encoding="utf-8"?>
+<p:sld xmlns:a="http://schemas.openxmlformats.org/drawingml/2006/main" xmlns:r="http://schemas.openxmlformats.org/officeDocument/2006/relationships" xmlns:p="http://schemas.openxmlformats.org/presentationml/2006/main">
+  <p:cSld>
+    <p:spTree>
+      <p:nvGrpSpPr>
+        <p:cNvPr id="1" name=""/>
+        <p:cNvGrpSpPr/>
+        <p:nvPr/>
+      </p:nvGrpSpPr>
+      <p:grpSpPr>
+        <a:xfrm>
+          <a:off x="0" y="0"/>
+          <a:ext cx="0" cy="0"/>
+          <a:chOff x="0" y="0"/>
+          <a:chExt cx="0" cy="0"/>
+        </a:xfrm>
+      </p:grpSpPr>
+      <p:sp>
+        <p:nvSpPr>
+          <p:cNvPr id="2" name="Rectangle 1">
+            <a:extLst>
+              <a:ext uri="{FF2B5EF4-FFF2-40B4-BE49-F238E27FC236}">
+                <a16:creationId xmlns:a16="http://schemas.microsoft.com/office/drawing/2014/main" id="{6CA313CE-F612-4F20-B23C-3DAC0EAC8847}"/>
+              </a:ext>
+            </a:extLst>
+          </p:cNvPr>
+          <p:cNvSpPr/>
+          <p:nvPr/>
+        </p:nvSpPr>
+        <p:spPr>
+          <a:xfrm>
+            <a:off x="937846" y="755699"/>
+            <a:ext cx="6096000" cy="5909310"/>
+          </a:xfrm>
+          <a:prstGeom prst="rect">
+            <a:avLst/>
+          </a:prstGeom>
+          <a:ln>
+            <a:solidFill>
+              <a:schemeClr val="tx1"/>
+            </a:solidFill>
+          </a:ln>
+        </p:spPr>
+        <p:txBody>
+          <a:bodyPr>
+            <a:spAutoFit/>
+          </a:bodyPr>
+          <a:lstStyle/>
+          <a:p>
+            <a:r>
+              <a:rPr lang="en-IN" dirty="0"/>
+              <a:t>from </a:t>
+            </a:r>
+            <a:r>
+              <a:rPr lang="en-IN" dirty="0" err="1"/>
+              <a:t>myhdl</a:t>
+            </a:r>
+            <a:r>
+              <a:rPr lang="en-IN" dirty="0"/>
+              <a:t> import *</a:t>
+            </a:r>
+          </a:p>
+          <a:p>
+            <a:endParaRPr lang="en-IN" dirty="0"/>
+          </a:p>
+          <a:p>
+            <a:r>
+              <a:rPr lang="en-IN" dirty="0"/>
+              <a:t>@block</a:t>
+            </a:r>
+          </a:p>
+          <a:p>
+            <a:r>
+              <a:rPr lang="en-IN" dirty="0"/>
+              <a:t>def ha(</a:t>
+            </a:r>
+            <a:r>
+              <a:rPr lang="en-IN" dirty="0" err="1"/>
+              <a:t>a,b,sum,co</a:t>
+            </a:r>
+            <a:r>
+              <a:rPr lang="en-IN" dirty="0"/>
+              <a:t>):</a:t>
+            </a:r>
+          </a:p>
+          <a:p>
+            <a:endParaRPr lang="en-IN" dirty="0"/>
+          </a:p>
+          <a:p>
+            <a:r>
+              <a:rPr lang="en-IN" dirty="0"/>
+              <a:t>    """</a:t>
+            </a:r>
+          </a:p>
+          <a:p>
+            <a:r>
+              <a:rPr lang="en-IN" dirty="0"/>
+              <a:t>    Half Adder</a:t>
+            </a:r>
+          </a:p>
+          <a:p>
+            <a:r>
+              <a:rPr lang="en-IN" dirty="0"/>
+              <a:t>    </a:t>
+            </a:r>
+            <a:r>
+              <a:rPr lang="en-IN" dirty="0" err="1"/>
+              <a:t>sum,co</a:t>
+            </a:r>
+            <a:r>
+              <a:rPr lang="en-IN" dirty="0"/>
+              <a:t> - outputs</a:t>
+            </a:r>
+          </a:p>
+          <a:p>
+            <a:r>
+              <a:rPr lang="en-IN" dirty="0"/>
+              <a:t>    </a:t>
+            </a:r>
+            <a:r>
+              <a:rPr lang="en-IN" dirty="0" err="1"/>
+              <a:t>a,b</a:t>
+            </a:r>
+            <a:r>
+              <a:rPr lang="en-IN" dirty="0"/>
+              <a:t> - inputs</a:t>
+            </a:r>
+          </a:p>
+          <a:p>
+            <a:endParaRPr lang="en-IN" dirty="0"/>
+          </a:p>
+          <a:p>
+            <a:r>
+              <a:rPr lang="en-IN" dirty="0"/>
+              <a:t>    """</a:t>
+            </a:r>
+          </a:p>
+          <a:p>
+            <a:r>
+              <a:rPr lang="en-IN" dirty="0"/>
+              <a:t>    @</a:t>
+            </a:r>
+            <a:r>
+              <a:rPr lang="en-IN" dirty="0" err="1"/>
+              <a:t>always_comb</a:t>
+            </a:r>
+            <a:endParaRPr lang="en-IN" dirty="0"/>
+          </a:p>
+          <a:p>
+            <a:r>
+              <a:rPr lang="en-IN" dirty="0"/>
+              <a:t>    def comb():</a:t>
+            </a:r>
+          </a:p>
+          <a:p>
+            <a:r>
+              <a:rPr lang="en-IN" dirty="0"/>
+              <a:t>      if a == 1 and b == 1:</a:t>
+            </a:r>
+          </a:p>
+          <a:p>
+            <a:r>
+              <a:rPr lang="en-IN" dirty="0"/>
+              <a:t>        </a:t>
+            </a:r>
+            <a:r>
+              <a:rPr lang="en-IN" dirty="0" err="1"/>
+              <a:t>sum.next</a:t>
+            </a:r>
+            <a:r>
+              <a:rPr lang="en-IN" dirty="0"/>
+              <a:t>=0</a:t>
+            </a:r>
+          </a:p>
+          <a:p>
+            <a:r>
+              <a:rPr lang="en-IN" dirty="0"/>
+              <a:t>        </a:t>
+            </a:r>
+            <a:r>
+              <a:rPr lang="en-IN" dirty="0" err="1"/>
+              <a:t>co.next</a:t>
+            </a:r>
+            <a:r>
+              <a:rPr lang="en-IN" dirty="0"/>
+              <a:t>=1</a:t>
+            </a:r>
+          </a:p>
+          <a:p>
+            <a:r>
+              <a:rPr lang="en-IN" dirty="0"/>
+              <a:t>      else:</a:t>
+            </a:r>
+          </a:p>
+          <a:p>
+            <a:r>
+              <a:rPr lang="en-IN" dirty="0"/>
+              <a:t>        </a:t>
+            </a:r>
+            <a:r>
+              <a:rPr lang="en-IN" dirty="0" err="1"/>
+              <a:t>sum.next</a:t>
+            </a:r>
+            <a:r>
+              <a:rPr lang="en-IN" dirty="0"/>
+              <a:t>=1</a:t>
+            </a:r>
+          </a:p>
+          <a:p>
+            <a:r>
+              <a:rPr lang="en-IN" dirty="0"/>
+              <a:t>        </a:t>
+            </a:r>
+            <a:r>
+              <a:rPr lang="en-IN" dirty="0" err="1"/>
+              <a:t>co.next</a:t>
+            </a:r>
+            <a:r>
+              <a:rPr lang="en-IN" dirty="0"/>
+              <a:t>=0</a:t>
+            </a:r>
+          </a:p>
+          <a:p>
+            <a:endParaRPr lang="en-IN" dirty="0"/>
+          </a:p>
+          <a:p>
+            <a:r>
+              <a:rPr lang="en-IN" dirty="0"/>
+              <a:t>    return comb</a:t>
+            </a:r>
+          </a:p>
+        </p:txBody>
+      </p:sp>
+      <p:sp>
+        <p:nvSpPr>
+          <p:cNvPr id="3" name="TextBox 2">
+            <a:extLst>
+              <a:ext uri="{FF2B5EF4-FFF2-40B4-BE49-F238E27FC236}">
+                <a16:creationId xmlns:a16="http://schemas.microsoft.com/office/drawing/2014/main" id="{E51F1F4E-EFE7-4E64-A0DF-C6B57D3739AA}"/>
+              </a:ext>
+            </a:extLst>
+          </p:cNvPr>
+          <p:cNvSpPr txBox="1"/>
+          <p:nvPr/>
+        </p:nvSpPr>
+        <p:spPr>
+          <a:xfrm>
+            <a:off x="351692" y="232479"/>
+            <a:ext cx="2188420" cy="523220"/>
           </a:xfrm>
           <a:prstGeom prst="rect">
             <a:avLst/>
@@ -4351,6 +5286,55 @@
           <a:noFill/>
         </p:spPr>
         <p:txBody>
+          <a:bodyPr wrap="none" rtlCol="0">
+            <a:spAutoFit/>
+          </a:bodyPr>
+          <a:lstStyle/>
+          <a:p>
+            <a:r>
+              <a:rPr lang="en-US" sz="2800" dirty="0">
+                <a:latin typeface="Times New Roman" panose="02020603050405020304" pitchFamily="18" charset="0"/>
+                <a:cs typeface="Times New Roman" panose="02020603050405020304" pitchFamily="18" charset="0"/>
+              </a:rPr>
+              <a:t>3. Half-adder </a:t>
+            </a:r>
+            <a:endParaRPr lang="en-IN" sz="2800" dirty="0">
+              <a:latin typeface="Times New Roman" panose="02020603050405020304" pitchFamily="18" charset="0"/>
+              <a:cs typeface="Times New Roman" panose="02020603050405020304" pitchFamily="18" charset="0"/>
+            </a:endParaRPr>
+          </a:p>
+        </p:txBody>
+      </p:sp>
+      <p:sp>
+        <p:nvSpPr>
+          <p:cNvPr id="4" name="Rectangle 3">
+            <a:extLst>
+              <a:ext uri="{FF2B5EF4-FFF2-40B4-BE49-F238E27FC236}">
+                <a16:creationId xmlns:a16="http://schemas.microsoft.com/office/drawing/2014/main" id="{BE195A23-B319-4DFA-8660-2D62B5FB43CD}"/>
+              </a:ext>
+            </a:extLst>
+          </p:cNvPr>
+          <p:cNvSpPr/>
+          <p:nvPr/>
+        </p:nvSpPr>
+        <p:spPr>
+          <a:xfrm>
+            <a:off x="7155766" y="2551837"/>
+            <a:ext cx="4843976" cy="1754326"/>
+          </a:xfrm>
+          <a:prstGeom prst="rect">
+            <a:avLst/>
+          </a:prstGeom>
+          <a:ln>
+            <a:solidFill>
+              <a:schemeClr val="accent6">
+                <a:lumMod val="60000"/>
+                <a:lumOff val="40000"/>
+              </a:schemeClr>
+            </a:solidFill>
+          </a:ln>
+        </p:spPr>
+        <p:txBody>
           <a:bodyPr wrap="square">
             <a:spAutoFit/>
           </a:bodyPr>
@@ -4368,33 +5352,11 @@
             </a:r>
             <a:r>
               <a:rPr lang="en-IN" dirty="0" err="1"/>
-              <a:t>sel</a:t>
-            </a:r>
-            <a:r>
-              <a:rPr lang="en-IN" dirty="0"/>
-              <a:t> = Signal(bool(0))</a:t>
-            </a:r>
-          </a:p>
-          <a:p>
-            <a:r>
-              <a:rPr lang="en-IN" dirty="0"/>
-              <a:t>    </a:t>
-            </a:r>
-            <a:r>
-              <a:rPr lang="en-IN" dirty="0" err="1"/>
-              <a:t>a,b,y</a:t>
-            </a:r>
-            <a:r>
-              <a:rPr lang="en-IN" dirty="0"/>
-              <a:t>= [Signal(</a:t>
-            </a:r>
-            <a:r>
-              <a:rPr lang="en-IN" dirty="0" err="1"/>
-              <a:t>intbv</a:t>
-            </a:r>
-            <a:r>
-              <a:rPr lang="en-IN" dirty="0"/>
-              <a:t>(0)[8:]) for </a:t>
+              <a:t>a,b,sum,co</a:t>
+            </a:r>
+            <a:r>
+              <a:rPr lang="en-IN" dirty="0"/>
+              <a:t> = [Signal(bool(0)) for </a:t>
             </a:r>
             <a:r>
               <a:rPr lang="en-IN" dirty="0" err="1"/>
@@ -4402,7 +5364,7 @@
             </a:r>
             <a:r>
               <a:rPr lang="en-IN" dirty="0"/>
-              <a:t> in range(3)]</a:t>
+              <a:t> in range(4)]</a:t>
             </a:r>
           </a:p>
           <a:p>
@@ -4416,11 +5378,11 @@
             </a:r>
             <a:r>
               <a:rPr lang="en-IN" dirty="0"/>
-              <a:t> = mux2x1_vectored(y, a, b, </a:t>
+              <a:t> = ha(</a:t>
             </a:r>
             <a:r>
               <a:rPr lang="en-IN" dirty="0" err="1"/>
-              <a:t>sel</a:t>
+              <a:t>a,b,sum,co</a:t>
             </a:r>
             <a:r>
               <a:rPr lang="en-IN" dirty="0"/>
@@ -4457,13 +5419,835 @@
               <a:rPr lang="en-IN" dirty="0"/>
               <a:t>convert()</a:t>
             </a:r>
+          </a:p>
+        </p:txBody>
+      </p:sp>
+      <p:sp>
+        <p:nvSpPr>
+          <p:cNvPr id="5" name="Slide Number Placeholder 4">
+            <a:extLst>
+              <a:ext uri="{FF2B5EF4-FFF2-40B4-BE49-F238E27FC236}">
+                <a16:creationId xmlns:a16="http://schemas.microsoft.com/office/drawing/2014/main" id="{0ACA185A-1B2F-40C8-A258-96913634F0B8}"/>
+              </a:ext>
+            </a:extLst>
+          </p:cNvPr>
+          <p:cNvSpPr>
+            <a:spLocks noGrp="1"/>
+          </p:cNvSpPr>
+          <p:nvPr>
+            <p:ph type="sldNum" sz="quarter" idx="12"/>
+          </p:nvPr>
+        </p:nvSpPr>
+        <p:spPr/>
+        <p:txBody>
+          <a:bodyPr/>
+          <a:lstStyle/>
+          <a:p>
+            <a:fld id="{0B12C922-00BD-488B-848D-49DE5635C3DD}" type="slidenum">
+              <a:rPr lang="en-IN" smtClean="0"/>
+              <a:t>15</a:t>
+            </a:fld>
+            <a:endParaRPr lang="en-IN"/>
           </a:p>
         </p:txBody>
       </p:sp>
     </p:spTree>
     <p:extLst>
       <p:ext uri="{BB962C8B-B14F-4D97-AF65-F5344CB8AC3E}">
-        <p14:creationId xmlns:p14="http://schemas.microsoft.com/office/powerpoint/2010/main" val="3032117826"/>
+        <p14:creationId xmlns:p14="http://schemas.microsoft.com/office/powerpoint/2010/main" val="148327851"/>
+      </p:ext>
+    </p:extLst>
+  </p:cSld>
+  <p:clrMapOvr>
+    <a:masterClrMapping/>
+  </p:clrMapOvr>
+</p:sld>
+</file>
+
+<file path=ppt/slides/slide16.xml><?xml version="1.0" encoding="utf-8"?>
+<p:sld xmlns:a="http://schemas.openxmlformats.org/drawingml/2006/main" xmlns:r="http://schemas.openxmlformats.org/officeDocument/2006/relationships" xmlns:p="http://schemas.openxmlformats.org/presentationml/2006/main">
+  <p:cSld>
+    <p:spTree>
+      <p:nvGrpSpPr>
+        <p:cNvPr id="1" name=""/>
+        <p:cNvGrpSpPr/>
+        <p:nvPr/>
+      </p:nvGrpSpPr>
+      <p:grpSpPr>
+        <a:xfrm>
+          <a:off x="0" y="0"/>
+          <a:ext cx="0" cy="0"/>
+          <a:chOff x="0" y="0"/>
+          <a:chExt cx="0" cy="0"/>
+        </a:xfrm>
+      </p:grpSpPr>
+      <p:sp>
+        <p:nvSpPr>
+          <p:cNvPr id="2" name="Slide Number Placeholder 1">
+            <a:extLst>
+              <a:ext uri="{FF2B5EF4-FFF2-40B4-BE49-F238E27FC236}">
+                <a16:creationId xmlns:a16="http://schemas.microsoft.com/office/drawing/2014/main" id="{768C09E4-2C5A-47CD-BAC1-85C8E19F42E8}"/>
+              </a:ext>
+            </a:extLst>
+          </p:cNvPr>
+          <p:cNvSpPr>
+            <a:spLocks noGrp="1"/>
+          </p:cNvSpPr>
+          <p:nvPr>
+            <p:ph type="sldNum" sz="quarter" idx="12"/>
+          </p:nvPr>
+        </p:nvSpPr>
+        <p:spPr/>
+        <p:txBody>
+          <a:bodyPr/>
+          <a:lstStyle/>
+          <a:p>
+            <a:fld id="{0B12C922-00BD-488B-848D-49DE5635C3DD}" type="slidenum">
+              <a:rPr lang="en-IN" smtClean="0"/>
+              <a:t>16</a:t>
+            </a:fld>
+            <a:endParaRPr lang="en-IN" dirty="0"/>
+          </a:p>
+        </p:txBody>
+      </p:sp>
+      <p:sp>
+        <p:nvSpPr>
+          <p:cNvPr id="3" name="TextBox 2">
+            <a:extLst>
+              <a:ext uri="{FF2B5EF4-FFF2-40B4-BE49-F238E27FC236}">
+                <a16:creationId xmlns:a16="http://schemas.microsoft.com/office/drawing/2014/main" id="{62175D90-771F-402B-AE62-012093C94EBD}"/>
+              </a:ext>
+            </a:extLst>
+          </p:cNvPr>
+          <p:cNvSpPr txBox="1"/>
+          <p:nvPr/>
+        </p:nvSpPr>
+        <p:spPr>
+          <a:xfrm>
+            <a:off x="225083" y="140676"/>
+            <a:ext cx="8026428" cy="523220"/>
+          </a:xfrm>
+          <a:prstGeom prst="rect">
+            <a:avLst/>
+          </a:prstGeom>
+          <a:noFill/>
+        </p:spPr>
+        <p:txBody>
+          <a:bodyPr wrap="none" rtlCol="0">
+            <a:spAutoFit/>
+          </a:bodyPr>
+          <a:lstStyle/>
+          <a:p>
+            <a:r>
+              <a:rPr lang="en-US" sz="2800" b="1" dirty="0">
+                <a:latin typeface="Times New Roman" panose="02020603050405020304" pitchFamily="18" charset="0"/>
+                <a:cs typeface="Times New Roman" panose="02020603050405020304" pitchFamily="18" charset="0"/>
+              </a:rPr>
+              <a:t>4. Full-adder using two-half adders and one or gate</a:t>
+            </a:r>
+            <a:endParaRPr lang="en-IN" sz="2800" b="1" dirty="0">
+              <a:latin typeface="Times New Roman" panose="02020603050405020304" pitchFamily="18" charset="0"/>
+              <a:cs typeface="Times New Roman" panose="02020603050405020304" pitchFamily="18" charset="0"/>
+            </a:endParaRPr>
+          </a:p>
+        </p:txBody>
+      </p:sp>
+      <p:sp>
+        <p:nvSpPr>
+          <p:cNvPr id="6" name="Rectangle 5">
+            <a:extLst>
+              <a:ext uri="{FF2B5EF4-FFF2-40B4-BE49-F238E27FC236}">
+                <a16:creationId xmlns:a16="http://schemas.microsoft.com/office/drawing/2014/main" id="{1FAA656F-D2C7-48DC-9D04-3B4E8E467B48}"/>
+              </a:ext>
+            </a:extLst>
+          </p:cNvPr>
+          <p:cNvSpPr/>
+          <p:nvPr/>
+        </p:nvSpPr>
+        <p:spPr>
+          <a:xfrm>
+            <a:off x="586155" y="889843"/>
+            <a:ext cx="4168726" cy="5078313"/>
+          </a:xfrm>
+          <a:prstGeom prst="rect">
+            <a:avLst/>
+          </a:prstGeom>
+          <a:ln>
+            <a:solidFill>
+              <a:schemeClr val="tx1"/>
+            </a:solidFill>
+          </a:ln>
+        </p:spPr>
+        <p:txBody>
+          <a:bodyPr wrap="square">
+            <a:spAutoFit/>
+          </a:bodyPr>
+          <a:lstStyle/>
+          <a:p>
+            <a:r>
+              <a:rPr lang="en-IN" dirty="0"/>
+              <a:t>from </a:t>
+            </a:r>
+            <a:r>
+              <a:rPr lang="en-IN" dirty="0" err="1"/>
+              <a:t>myhdl</a:t>
+            </a:r>
+            <a:r>
+              <a:rPr lang="en-IN" dirty="0"/>
+              <a:t> import *</a:t>
+            </a:r>
+          </a:p>
+          <a:p>
+            <a:endParaRPr lang="en-IN" dirty="0"/>
+          </a:p>
+          <a:p>
+            <a:r>
+              <a:rPr lang="en-IN" dirty="0"/>
+              <a:t>@block</a:t>
+            </a:r>
+          </a:p>
+          <a:p>
+            <a:r>
+              <a:rPr lang="en-IN" dirty="0"/>
+              <a:t>def ha(</a:t>
+            </a:r>
+            <a:r>
+              <a:rPr lang="en-IN" dirty="0" err="1"/>
+              <a:t>a,b,sum,co</a:t>
+            </a:r>
+            <a:r>
+              <a:rPr lang="en-IN" dirty="0"/>
+              <a:t>):</a:t>
+            </a:r>
+          </a:p>
+          <a:p>
+            <a:endParaRPr lang="en-IN" dirty="0"/>
+          </a:p>
+          <a:p>
+            <a:r>
+              <a:rPr lang="en-IN" dirty="0"/>
+              <a:t>    @</a:t>
+            </a:r>
+            <a:r>
+              <a:rPr lang="en-IN" dirty="0" err="1"/>
+              <a:t>always_comb</a:t>
+            </a:r>
+            <a:endParaRPr lang="en-IN" dirty="0"/>
+          </a:p>
+          <a:p>
+            <a:r>
+              <a:rPr lang="en-IN" dirty="0"/>
+              <a:t>    def comb():</a:t>
+            </a:r>
+          </a:p>
+          <a:p>
+            <a:r>
+              <a:rPr lang="en-IN" dirty="0"/>
+              <a:t>        if a==0 and b==0:</a:t>
+            </a:r>
+          </a:p>
+          <a:p>
+            <a:r>
+              <a:rPr lang="en-IN" dirty="0"/>
+              <a:t>            </a:t>
+            </a:r>
+            <a:r>
+              <a:rPr lang="en-IN" dirty="0" err="1"/>
+              <a:t>sum.next</a:t>
+            </a:r>
+            <a:r>
+              <a:rPr lang="en-IN" dirty="0"/>
+              <a:t>=0</a:t>
+            </a:r>
+          </a:p>
+          <a:p>
+            <a:r>
+              <a:rPr lang="en-IN" dirty="0"/>
+              <a:t>            </a:t>
+            </a:r>
+            <a:r>
+              <a:rPr lang="en-IN" dirty="0" err="1"/>
+              <a:t>co.next</a:t>
+            </a:r>
+            <a:r>
+              <a:rPr lang="en-IN" dirty="0"/>
+              <a:t>=0</a:t>
+            </a:r>
+          </a:p>
+          <a:p>
+            <a:r>
+              <a:rPr lang="en-IN" dirty="0"/>
+              <a:t>        </a:t>
+            </a:r>
+            <a:r>
+              <a:rPr lang="en-IN" dirty="0" err="1"/>
+              <a:t>elif</a:t>
+            </a:r>
+            <a:r>
+              <a:rPr lang="en-IN" dirty="0"/>
+              <a:t> a==1 and b==1:</a:t>
+            </a:r>
+          </a:p>
+          <a:p>
+            <a:r>
+              <a:rPr lang="en-IN" dirty="0"/>
+              <a:t>            </a:t>
+            </a:r>
+            <a:r>
+              <a:rPr lang="en-IN" dirty="0" err="1"/>
+              <a:t>sum.next</a:t>
+            </a:r>
+            <a:r>
+              <a:rPr lang="en-IN" dirty="0"/>
+              <a:t>=0</a:t>
+            </a:r>
+          </a:p>
+          <a:p>
+            <a:r>
+              <a:rPr lang="en-IN" dirty="0"/>
+              <a:t>            </a:t>
+            </a:r>
+            <a:r>
+              <a:rPr lang="en-IN" dirty="0" err="1"/>
+              <a:t>co.next</a:t>
+            </a:r>
+            <a:r>
+              <a:rPr lang="en-IN" dirty="0"/>
+              <a:t>=1</a:t>
+            </a:r>
+          </a:p>
+          <a:p>
+            <a:r>
+              <a:rPr lang="en-IN" dirty="0"/>
+              <a:t>        else:</a:t>
+            </a:r>
+          </a:p>
+          <a:p>
+            <a:r>
+              <a:rPr lang="en-IN" dirty="0"/>
+              <a:t>            </a:t>
+            </a:r>
+            <a:r>
+              <a:rPr lang="en-IN" dirty="0" err="1"/>
+              <a:t>sum.next</a:t>
+            </a:r>
+            <a:r>
+              <a:rPr lang="en-IN" dirty="0"/>
+              <a:t>=0</a:t>
+            </a:r>
+          </a:p>
+          <a:p>
+            <a:r>
+              <a:rPr lang="en-IN" dirty="0"/>
+              <a:t>            </a:t>
+            </a:r>
+            <a:r>
+              <a:rPr lang="en-IN" dirty="0" err="1"/>
+              <a:t>co.next</a:t>
+            </a:r>
+            <a:r>
+              <a:rPr lang="en-IN" dirty="0"/>
+              <a:t>=1</a:t>
+            </a:r>
+          </a:p>
+          <a:p>
+            <a:endParaRPr lang="en-IN" dirty="0"/>
+          </a:p>
+          <a:p>
+            <a:r>
+              <a:rPr lang="en-IN" dirty="0"/>
+              <a:t>    return comb</a:t>
+            </a:r>
+          </a:p>
+        </p:txBody>
+      </p:sp>
+      <p:sp>
+        <p:nvSpPr>
+          <p:cNvPr id="7" name="Rectangle 6">
+            <a:extLst>
+              <a:ext uri="{FF2B5EF4-FFF2-40B4-BE49-F238E27FC236}">
+                <a16:creationId xmlns:a16="http://schemas.microsoft.com/office/drawing/2014/main" id="{CFE8EB88-56F5-4AD2-B3DA-18C66159F5FF}"/>
+              </a:ext>
+            </a:extLst>
+          </p:cNvPr>
+          <p:cNvSpPr/>
+          <p:nvPr/>
+        </p:nvSpPr>
+        <p:spPr>
+          <a:xfrm>
+            <a:off x="5950635" y="1033529"/>
+            <a:ext cx="6096000" cy="3693319"/>
+          </a:xfrm>
+          <a:prstGeom prst="rect">
+            <a:avLst/>
+          </a:prstGeom>
+          <a:ln>
+            <a:solidFill>
+              <a:schemeClr val="tx1"/>
+            </a:solidFill>
+          </a:ln>
+        </p:spPr>
+        <p:txBody>
+          <a:bodyPr>
+            <a:spAutoFit/>
+          </a:bodyPr>
+          <a:lstStyle/>
+          <a:p>
+            <a:r>
+              <a:rPr lang="en-IN" dirty="0"/>
+              <a:t>from </a:t>
+            </a:r>
+            <a:r>
+              <a:rPr lang="en-IN" dirty="0" err="1"/>
+              <a:t>myhdl</a:t>
+            </a:r>
+            <a:r>
+              <a:rPr lang="en-IN" dirty="0"/>
+              <a:t> import *</a:t>
+            </a:r>
+          </a:p>
+          <a:p>
+            <a:endParaRPr lang="en-IN" dirty="0"/>
+          </a:p>
+          <a:p>
+            <a:r>
+              <a:rPr lang="en-IN" dirty="0"/>
+              <a:t>@block</a:t>
+            </a:r>
+          </a:p>
+          <a:p>
+            <a:r>
+              <a:rPr lang="en-IN" dirty="0"/>
+              <a:t>def </a:t>
+            </a:r>
+            <a:r>
+              <a:rPr lang="en-IN" dirty="0" err="1"/>
+              <a:t>orgate</a:t>
+            </a:r>
+            <a:r>
+              <a:rPr lang="en-IN" dirty="0"/>
+              <a:t>(</a:t>
+            </a:r>
+            <a:r>
+              <a:rPr lang="en-IN" dirty="0" err="1"/>
+              <a:t>a,b,y</a:t>
+            </a:r>
+            <a:r>
+              <a:rPr lang="en-IN" dirty="0"/>
+              <a:t>):</a:t>
+            </a:r>
+          </a:p>
+          <a:p>
+            <a:endParaRPr lang="en-IN" dirty="0"/>
+          </a:p>
+          <a:p>
+            <a:r>
+              <a:rPr lang="en-IN" dirty="0"/>
+              <a:t>    @</a:t>
+            </a:r>
+            <a:r>
+              <a:rPr lang="en-IN" dirty="0" err="1"/>
+              <a:t>always_comb</a:t>
+            </a:r>
+            <a:endParaRPr lang="en-IN" dirty="0"/>
+          </a:p>
+          <a:p>
+            <a:r>
+              <a:rPr lang="en-IN" dirty="0"/>
+              <a:t>    def comb():</a:t>
+            </a:r>
+          </a:p>
+          <a:p>
+            <a:r>
+              <a:rPr lang="en-IN" dirty="0"/>
+              <a:t>        if a==0 and b==0:</a:t>
+            </a:r>
+          </a:p>
+          <a:p>
+            <a:r>
+              <a:rPr lang="en-IN" dirty="0"/>
+              <a:t>            </a:t>
+            </a:r>
+            <a:r>
+              <a:rPr lang="en-IN" dirty="0" err="1"/>
+              <a:t>y.next</a:t>
+            </a:r>
+            <a:r>
+              <a:rPr lang="en-IN" dirty="0"/>
+              <a:t>=0</a:t>
+            </a:r>
+          </a:p>
+          <a:p>
+            <a:r>
+              <a:rPr lang="en-IN" dirty="0"/>
+              <a:t>        else:</a:t>
+            </a:r>
+          </a:p>
+          <a:p>
+            <a:r>
+              <a:rPr lang="en-IN" dirty="0"/>
+              <a:t>            </a:t>
+            </a:r>
+            <a:r>
+              <a:rPr lang="en-IN" dirty="0" err="1"/>
+              <a:t>y.next</a:t>
+            </a:r>
+            <a:r>
+              <a:rPr lang="en-IN" dirty="0"/>
+              <a:t>=1</a:t>
+            </a:r>
+          </a:p>
+          <a:p>
+            <a:endParaRPr lang="en-IN" dirty="0"/>
+          </a:p>
+          <a:p>
+            <a:r>
+              <a:rPr lang="en-IN" dirty="0"/>
+              <a:t>    return comb</a:t>
+            </a:r>
+          </a:p>
+        </p:txBody>
+      </p:sp>
+    </p:spTree>
+    <p:extLst>
+      <p:ext uri="{BB962C8B-B14F-4D97-AF65-F5344CB8AC3E}">
+        <p14:creationId xmlns:p14="http://schemas.microsoft.com/office/powerpoint/2010/main" val="3900084220"/>
+      </p:ext>
+    </p:extLst>
+  </p:cSld>
+  <p:clrMapOvr>
+    <a:masterClrMapping/>
+  </p:clrMapOvr>
+</p:sld>
+</file>
+
+<file path=ppt/slides/slide17.xml><?xml version="1.0" encoding="utf-8"?>
+<p:sld xmlns:a="http://schemas.openxmlformats.org/drawingml/2006/main" xmlns:r="http://schemas.openxmlformats.org/officeDocument/2006/relationships" xmlns:p="http://schemas.openxmlformats.org/presentationml/2006/main">
+  <p:cSld>
+    <p:spTree>
+      <p:nvGrpSpPr>
+        <p:cNvPr id="1" name=""/>
+        <p:cNvGrpSpPr/>
+        <p:nvPr/>
+      </p:nvGrpSpPr>
+      <p:grpSpPr>
+        <a:xfrm>
+          <a:off x="0" y="0"/>
+          <a:ext cx="0" cy="0"/>
+          <a:chOff x="0" y="0"/>
+          <a:chExt cx="0" cy="0"/>
+        </a:xfrm>
+      </p:grpSpPr>
+      <p:sp>
+        <p:nvSpPr>
+          <p:cNvPr id="2" name="Slide Number Placeholder 1">
+            <a:extLst>
+              <a:ext uri="{FF2B5EF4-FFF2-40B4-BE49-F238E27FC236}">
+                <a16:creationId xmlns:a16="http://schemas.microsoft.com/office/drawing/2014/main" id="{333EA7B9-9418-4755-827C-FD743DAEBEAB}"/>
+              </a:ext>
+            </a:extLst>
+          </p:cNvPr>
+          <p:cNvSpPr>
+            <a:spLocks noGrp="1"/>
+          </p:cNvSpPr>
+          <p:nvPr>
+            <p:ph type="sldNum" sz="quarter" idx="12"/>
+          </p:nvPr>
+        </p:nvSpPr>
+        <p:spPr/>
+        <p:txBody>
+          <a:bodyPr/>
+          <a:lstStyle/>
+          <a:p>
+            <a:fld id="{0B12C922-00BD-488B-848D-49DE5635C3DD}" type="slidenum">
+              <a:rPr lang="en-IN" smtClean="0"/>
+              <a:t>17</a:t>
+            </a:fld>
+            <a:endParaRPr lang="en-IN"/>
+          </a:p>
+        </p:txBody>
+      </p:sp>
+      <p:sp>
+        <p:nvSpPr>
+          <p:cNvPr id="3" name="Rectangle 2">
+            <a:extLst>
+              <a:ext uri="{FF2B5EF4-FFF2-40B4-BE49-F238E27FC236}">
+                <a16:creationId xmlns:a16="http://schemas.microsoft.com/office/drawing/2014/main" id="{DE3F4740-6B03-4F06-BD6E-082BDAD5BC06}"/>
+              </a:ext>
+            </a:extLst>
+          </p:cNvPr>
+          <p:cNvSpPr/>
+          <p:nvPr/>
+        </p:nvSpPr>
+        <p:spPr>
+          <a:xfrm>
+            <a:off x="1961270" y="643555"/>
+            <a:ext cx="6096000" cy="6186309"/>
+          </a:xfrm>
+          <a:prstGeom prst="rect">
+            <a:avLst/>
+          </a:prstGeom>
+          <a:ln>
+            <a:solidFill>
+              <a:schemeClr val="tx1"/>
+            </a:solidFill>
+          </a:ln>
+        </p:spPr>
+        <p:txBody>
+          <a:bodyPr>
+            <a:spAutoFit/>
+          </a:bodyPr>
+          <a:lstStyle/>
+          <a:p>
+            <a:r>
+              <a:rPr lang="en-IN" dirty="0"/>
+              <a:t>from </a:t>
+            </a:r>
+            <a:r>
+              <a:rPr lang="en-IN" dirty="0" err="1"/>
+              <a:t>myhdl</a:t>
+            </a:r>
+            <a:r>
+              <a:rPr lang="en-IN" dirty="0"/>
+              <a:t> import *</a:t>
+            </a:r>
+          </a:p>
+          <a:p>
+            <a:r>
+              <a:rPr lang="en-IN" dirty="0"/>
+              <a:t>from ha import ha</a:t>
+            </a:r>
+          </a:p>
+          <a:p>
+            <a:r>
+              <a:rPr lang="en-IN" dirty="0"/>
+              <a:t>from </a:t>
+            </a:r>
+            <a:r>
+              <a:rPr lang="en-IN" dirty="0" err="1"/>
+              <a:t>orgate</a:t>
+            </a:r>
+            <a:r>
+              <a:rPr lang="en-IN" dirty="0"/>
+              <a:t> import </a:t>
+            </a:r>
+            <a:r>
+              <a:rPr lang="en-IN" dirty="0" err="1"/>
+              <a:t>orgate</a:t>
+            </a:r>
+            <a:endParaRPr lang="en-IN" dirty="0"/>
+          </a:p>
+          <a:p>
+            <a:endParaRPr lang="en-IN" dirty="0"/>
+          </a:p>
+          <a:p>
+            <a:r>
+              <a:rPr lang="en-IN" dirty="0"/>
+              <a:t>@block</a:t>
+            </a:r>
+          </a:p>
+          <a:p>
+            <a:r>
+              <a:rPr lang="en-IN" dirty="0"/>
+              <a:t>def fa(</a:t>
+            </a:r>
+            <a:r>
+              <a:rPr lang="en-IN" dirty="0" err="1"/>
+              <a:t>a,b,c,sum,co</a:t>
+            </a:r>
+            <a:r>
+              <a:rPr lang="en-IN" dirty="0"/>
+              <a:t>):</a:t>
+            </a:r>
+          </a:p>
+          <a:p>
+            <a:endParaRPr lang="en-IN" dirty="0"/>
+          </a:p>
+          <a:p>
+            <a:r>
+              <a:rPr lang="en-IN" dirty="0"/>
+              <a:t>    s1=Signal(bool(0))</a:t>
+            </a:r>
+          </a:p>
+          <a:p>
+            <a:r>
+              <a:rPr lang="en-IN" dirty="0"/>
+              <a:t>    c1=Signal(bool(0))</a:t>
+            </a:r>
+          </a:p>
+          <a:p>
+            <a:r>
+              <a:rPr lang="en-IN" dirty="0"/>
+              <a:t>    c2=Signal(bool(0))</a:t>
+            </a:r>
+          </a:p>
+          <a:p>
+            <a:endParaRPr lang="en-IN" dirty="0"/>
+          </a:p>
+          <a:p>
+            <a:r>
+              <a:rPr lang="en-IN" dirty="0"/>
+              <a:t>    ha1=ha(a,b,s1,c1)</a:t>
+            </a:r>
+          </a:p>
+          <a:p>
+            <a:r>
+              <a:rPr lang="en-IN" dirty="0"/>
+              <a:t>    ha2=ha(s1,c,sum,c2)</a:t>
+            </a:r>
+          </a:p>
+          <a:p>
+            <a:r>
+              <a:rPr lang="en-IN" dirty="0"/>
+              <a:t>    orgate1=</a:t>
+            </a:r>
+            <a:r>
+              <a:rPr lang="en-IN" dirty="0" err="1"/>
+              <a:t>orgate</a:t>
+            </a:r>
+            <a:r>
+              <a:rPr lang="en-IN" dirty="0"/>
+              <a:t>(c1,c2,co)</a:t>
+            </a:r>
+          </a:p>
+          <a:p>
+            <a:endParaRPr lang="en-IN" dirty="0"/>
+          </a:p>
+          <a:p>
+            <a:r>
+              <a:rPr lang="en-IN" dirty="0"/>
+              <a:t>    return ha1, ha2, orgate1</a:t>
+            </a:r>
+          </a:p>
+          <a:p>
+            <a:r>
+              <a:rPr lang="en-IN" dirty="0"/>
+              <a:t>def convert():</a:t>
+            </a:r>
+          </a:p>
+          <a:p>
+            <a:r>
+              <a:rPr lang="en-IN" dirty="0"/>
+              <a:t>    </a:t>
+            </a:r>
+            <a:r>
+              <a:rPr lang="en-IN" dirty="0" err="1"/>
+              <a:t>a,b,c,sum,co</a:t>
+            </a:r>
+            <a:r>
+              <a:rPr lang="en-IN" dirty="0"/>
+              <a:t> = [Signal(bool(0)) for </a:t>
+            </a:r>
+            <a:r>
+              <a:rPr lang="en-IN" dirty="0" err="1"/>
+              <a:t>i</a:t>
+            </a:r>
+            <a:r>
+              <a:rPr lang="en-IN" dirty="0"/>
+              <a:t> in range(5)]</a:t>
+            </a:r>
+          </a:p>
+          <a:p>
+            <a:r>
+              <a:rPr lang="en-IN" dirty="0"/>
+              <a:t>    </a:t>
+            </a:r>
+            <a:r>
+              <a:rPr lang="en-IN" dirty="0" err="1"/>
+              <a:t>convInst</a:t>
+            </a:r>
+            <a:r>
+              <a:rPr lang="en-IN" dirty="0"/>
+              <a:t> = fa(</a:t>
+            </a:r>
+            <a:r>
+              <a:rPr lang="en-IN" dirty="0" err="1"/>
+              <a:t>a,b,c,sum,co</a:t>
+            </a:r>
+            <a:r>
+              <a:rPr lang="en-IN" dirty="0"/>
+              <a:t>)</a:t>
+            </a:r>
+          </a:p>
+          <a:p>
+            <a:r>
+              <a:rPr lang="en-IN" dirty="0"/>
+              <a:t>    </a:t>
+            </a:r>
+            <a:r>
+              <a:rPr lang="en-IN" dirty="0" err="1"/>
+              <a:t>convInst.convert</a:t>
+            </a:r>
+            <a:r>
+              <a:rPr lang="en-IN" dirty="0"/>
+              <a:t>(</a:t>
+            </a:r>
+            <a:r>
+              <a:rPr lang="en-IN" dirty="0" err="1"/>
+              <a:t>hdl</a:t>
+            </a:r>
+            <a:r>
+              <a:rPr lang="en-IN" dirty="0"/>
+              <a:t>='Verilog')</a:t>
+            </a:r>
+          </a:p>
+          <a:p>
+            <a:endParaRPr lang="en-IN" dirty="0"/>
+          </a:p>
+          <a:p>
+            <a:r>
+              <a:rPr lang="en-IN" dirty="0"/>
+              <a:t>convert()</a:t>
+            </a:r>
+          </a:p>
+        </p:txBody>
+      </p:sp>
+      <p:sp>
+        <p:nvSpPr>
+          <p:cNvPr id="5" name="TextBox 4">
+            <a:extLst>
+              <a:ext uri="{FF2B5EF4-FFF2-40B4-BE49-F238E27FC236}">
+                <a16:creationId xmlns:a16="http://schemas.microsoft.com/office/drawing/2014/main" id="{2860898E-0C0E-4304-B7F2-1A221DE8ACA4}"/>
+              </a:ext>
+            </a:extLst>
+          </p:cNvPr>
+          <p:cNvSpPr txBox="1"/>
+          <p:nvPr/>
+        </p:nvSpPr>
+        <p:spPr>
+          <a:xfrm>
+            <a:off x="225083" y="140676"/>
+            <a:ext cx="9695283" cy="523220"/>
+          </a:xfrm>
+          <a:prstGeom prst="rect">
+            <a:avLst/>
+          </a:prstGeom>
+          <a:noFill/>
+        </p:spPr>
+        <p:txBody>
+          <a:bodyPr wrap="none" rtlCol="0">
+            <a:spAutoFit/>
+          </a:bodyPr>
+          <a:lstStyle/>
+          <a:p>
+            <a:r>
+              <a:rPr lang="en-US" sz="2800" b="1" dirty="0">
+                <a:latin typeface="Times New Roman" panose="02020603050405020304" pitchFamily="18" charset="0"/>
+                <a:cs typeface="Times New Roman" panose="02020603050405020304" pitchFamily="18" charset="0"/>
+              </a:rPr>
+              <a:t>4. Full-adder using two-half adders and one or gate	-Cont’d.</a:t>
+            </a:r>
+            <a:endParaRPr lang="en-IN" sz="2800" b="1" dirty="0">
+              <a:latin typeface="Times New Roman" panose="02020603050405020304" pitchFamily="18" charset="0"/>
+              <a:cs typeface="Times New Roman" panose="02020603050405020304" pitchFamily="18" charset="0"/>
+            </a:endParaRPr>
+          </a:p>
+        </p:txBody>
+      </p:sp>
+    </p:spTree>
+    <p:extLst>
+      <p:ext uri="{BB962C8B-B14F-4D97-AF65-F5344CB8AC3E}">
+        <p14:creationId xmlns:p14="http://schemas.microsoft.com/office/powerpoint/2010/main" val="3964947403"/>
       </p:ext>
     </p:extLst>
   </p:cSld>
@@ -4520,6 +6304,35 @@
           </a:prstGeom>
         </p:spPr>
       </p:pic>
+      <p:sp>
+        <p:nvSpPr>
+          <p:cNvPr id="2" name="Slide Number Placeholder 1">
+            <a:extLst>
+              <a:ext uri="{FF2B5EF4-FFF2-40B4-BE49-F238E27FC236}">
+                <a16:creationId xmlns:a16="http://schemas.microsoft.com/office/drawing/2014/main" id="{50923A37-5ADB-43CF-A845-FB608082080F}"/>
+              </a:ext>
+            </a:extLst>
+          </p:cNvPr>
+          <p:cNvSpPr>
+            <a:spLocks noGrp="1"/>
+          </p:cNvSpPr>
+          <p:nvPr>
+            <p:ph type="sldNum" sz="quarter" idx="12"/>
+          </p:nvPr>
+        </p:nvSpPr>
+        <p:spPr/>
+        <p:txBody>
+          <a:bodyPr/>
+          <a:lstStyle/>
+          <a:p>
+            <a:fld id="{0B12C922-00BD-488B-848D-49DE5635C3DD}" type="slidenum">
+              <a:rPr lang="en-IN" smtClean="0"/>
+              <a:t>2</a:t>
+            </a:fld>
+            <a:endParaRPr lang="en-IN"/>
+          </a:p>
+        </p:txBody>
+      </p:sp>
     </p:spTree>
     <p:extLst>
       <p:ext uri="{BB962C8B-B14F-4D97-AF65-F5344CB8AC3E}">
@@ -4610,6 +6423,35 @@
           </a:prstGeom>
         </p:spPr>
       </p:pic>
+      <p:sp>
+        <p:nvSpPr>
+          <p:cNvPr id="2" name="Slide Number Placeholder 1">
+            <a:extLst>
+              <a:ext uri="{FF2B5EF4-FFF2-40B4-BE49-F238E27FC236}">
+                <a16:creationId xmlns:a16="http://schemas.microsoft.com/office/drawing/2014/main" id="{4615FD5C-BB45-4F09-9CA1-98371E8CDD0B}"/>
+              </a:ext>
+            </a:extLst>
+          </p:cNvPr>
+          <p:cNvSpPr>
+            <a:spLocks noGrp="1"/>
+          </p:cNvSpPr>
+          <p:nvPr>
+            <p:ph type="sldNum" sz="quarter" idx="12"/>
+          </p:nvPr>
+        </p:nvSpPr>
+        <p:spPr/>
+        <p:txBody>
+          <a:bodyPr/>
+          <a:lstStyle/>
+          <a:p>
+            <a:fld id="{0B12C922-00BD-488B-848D-49DE5635C3DD}" type="slidenum">
+              <a:rPr lang="en-IN" smtClean="0"/>
+              <a:t>3</a:t>
+            </a:fld>
+            <a:endParaRPr lang="en-IN"/>
+          </a:p>
+        </p:txBody>
+      </p:sp>
     </p:spTree>
     <p:extLst>
       <p:ext uri="{BB962C8B-B14F-4D97-AF65-F5344CB8AC3E}">
@@ -4670,6 +6512,35 @@
           </a:prstGeom>
         </p:spPr>
       </p:pic>
+      <p:sp>
+        <p:nvSpPr>
+          <p:cNvPr id="2" name="Slide Number Placeholder 1">
+            <a:extLst>
+              <a:ext uri="{FF2B5EF4-FFF2-40B4-BE49-F238E27FC236}">
+                <a16:creationId xmlns:a16="http://schemas.microsoft.com/office/drawing/2014/main" id="{166A316E-295C-47BC-B81F-DA8C2B5DD41C}"/>
+              </a:ext>
+            </a:extLst>
+          </p:cNvPr>
+          <p:cNvSpPr>
+            <a:spLocks noGrp="1"/>
+          </p:cNvSpPr>
+          <p:nvPr>
+            <p:ph type="sldNum" sz="quarter" idx="12"/>
+          </p:nvPr>
+        </p:nvSpPr>
+        <p:spPr/>
+        <p:txBody>
+          <a:bodyPr/>
+          <a:lstStyle/>
+          <a:p>
+            <a:fld id="{0B12C922-00BD-488B-848D-49DE5635C3DD}" type="slidenum">
+              <a:rPr lang="en-IN" smtClean="0"/>
+              <a:t>4</a:t>
+            </a:fld>
+            <a:endParaRPr lang="en-IN"/>
+          </a:p>
+        </p:txBody>
+      </p:sp>
     </p:spTree>
     <p:extLst>
       <p:ext uri="{BB962C8B-B14F-4D97-AF65-F5344CB8AC3E}">
@@ -4730,6 +6601,35 @@
           </a:prstGeom>
         </p:spPr>
       </p:pic>
+      <p:sp>
+        <p:nvSpPr>
+          <p:cNvPr id="2" name="Slide Number Placeholder 1">
+            <a:extLst>
+              <a:ext uri="{FF2B5EF4-FFF2-40B4-BE49-F238E27FC236}">
+                <a16:creationId xmlns:a16="http://schemas.microsoft.com/office/drawing/2014/main" id="{CB6A3FBD-9CB4-4ABB-A826-606AB08B4C2D}"/>
+              </a:ext>
+            </a:extLst>
+          </p:cNvPr>
+          <p:cNvSpPr>
+            <a:spLocks noGrp="1"/>
+          </p:cNvSpPr>
+          <p:nvPr>
+            <p:ph type="sldNum" sz="quarter" idx="12"/>
+          </p:nvPr>
+        </p:nvSpPr>
+        <p:spPr/>
+        <p:txBody>
+          <a:bodyPr/>
+          <a:lstStyle/>
+          <a:p>
+            <a:fld id="{0B12C922-00BD-488B-848D-49DE5635C3DD}" type="slidenum">
+              <a:rPr lang="en-IN" smtClean="0"/>
+              <a:t>5</a:t>
+            </a:fld>
+            <a:endParaRPr lang="en-IN"/>
+          </a:p>
+        </p:txBody>
+      </p:sp>
     </p:spTree>
     <p:extLst>
       <p:ext uri="{BB962C8B-B14F-4D97-AF65-F5344CB8AC3E}">
@@ -4790,6 +6690,35 @@
           </a:prstGeom>
         </p:spPr>
       </p:pic>
+      <p:sp>
+        <p:nvSpPr>
+          <p:cNvPr id="2" name="Slide Number Placeholder 1">
+            <a:extLst>
+              <a:ext uri="{FF2B5EF4-FFF2-40B4-BE49-F238E27FC236}">
+                <a16:creationId xmlns:a16="http://schemas.microsoft.com/office/drawing/2014/main" id="{6516B9CA-AC87-4A76-ACF5-A968D864540A}"/>
+              </a:ext>
+            </a:extLst>
+          </p:cNvPr>
+          <p:cNvSpPr>
+            <a:spLocks noGrp="1"/>
+          </p:cNvSpPr>
+          <p:nvPr>
+            <p:ph type="sldNum" sz="quarter" idx="12"/>
+          </p:nvPr>
+        </p:nvSpPr>
+        <p:spPr/>
+        <p:txBody>
+          <a:bodyPr/>
+          <a:lstStyle/>
+          <a:p>
+            <a:fld id="{0B12C922-00BD-488B-848D-49DE5635C3DD}" type="slidenum">
+              <a:rPr lang="en-IN" smtClean="0"/>
+              <a:t>6</a:t>
+            </a:fld>
+            <a:endParaRPr lang="en-IN"/>
+          </a:p>
+        </p:txBody>
+      </p:sp>
     </p:spTree>
     <p:extLst>
       <p:ext uri="{BB962C8B-B14F-4D97-AF65-F5344CB8AC3E}">
@@ -4850,6 +6779,35 @@
           </a:prstGeom>
         </p:spPr>
       </p:pic>
+      <p:sp>
+        <p:nvSpPr>
+          <p:cNvPr id="2" name="Slide Number Placeholder 1">
+            <a:extLst>
+              <a:ext uri="{FF2B5EF4-FFF2-40B4-BE49-F238E27FC236}">
+                <a16:creationId xmlns:a16="http://schemas.microsoft.com/office/drawing/2014/main" id="{B2119F9C-7303-4CCA-A2A2-674A7E1F0F07}"/>
+              </a:ext>
+            </a:extLst>
+          </p:cNvPr>
+          <p:cNvSpPr>
+            <a:spLocks noGrp="1"/>
+          </p:cNvSpPr>
+          <p:nvPr>
+            <p:ph type="sldNum" sz="quarter" idx="12"/>
+          </p:nvPr>
+        </p:nvSpPr>
+        <p:spPr/>
+        <p:txBody>
+          <a:bodyPr/>
+          <a:lstStyle/>
+          <a:p>
+            <a:fld id="{0B12C922-00BD-488B-848D-49DE5635C3DD}" type="slidenum">
+              <a:rPr lang="en-IN" smtClean="0"/>
+              <a:t>7</a:t>
+            </a:fld>
+            <a:endParaRPr lang="en-IN"/>
+          </a:p>
+        </p:txBody>
+      </p:sp>
     </p:spTree>
     <p:extLst>
       <p:ext uri="{BB962C8B-B14F-4D97-AF65-F5344CB8AC3E}">
@@ -4910,6 +6868,35 @@
           </a:prstGeom>
         </p:spPr>
       </p:pic>
+      <p:sp>
+        <p:nvSpPr>
+          <p:cNvPr id="2" name="Slide Number Placeholder 1">
+            <a:extLst>
+              <a:ext uri="{FF2B5EF4-FFF2-40B4-BE49-F238E27FC236}">
+                <a16:creationId xmlns:a16="http://schemas.microsoft.com/office/drawing/2014/main" id="{BA231578-F8A7-4EAF-8B39-59BCBC20FA1E}"/>
+              </a:ext>
+            </a:extLst>
+          </p:cNvPr>
+          <p:cNvSpPr>
+            <a:spLocks noGrp="1"/>
+          </p:cNvSpPr>
+          <p:nvPr>
+            <p:ph type="sldNum" sz="quarter" idx="12"/>
+          </p:nvPr>
+        </p:nvSpPr>
+        <p:spPr/>
+        <p:txBody>
+          <a:bodyPr/>
+          <a:lstStyle/>
+          <a:p>
+            <a:fld id="{0B12C922-00BD-488B-848D-49DE5635C3DD}" type="slidenum">
+              <a:rPr lang="en-IN" smtClean="0"/>
+              <a:t>8</a:t>
+            </a:fld>
+            <a:endParaRPr lang="en-IN"/>
+          </a:p>
+        </p:txBody>
+      </p:sp>
     </p:spTree>
     <p:extLst>
       <p:ext uri="{BB962C8B-B14F-4D97-AF65-F5344CB8AC3E}">
@@ -4970,6 +6957,35 @@
           </a:prstGeom>
         </p:spPr>
       </p:pic>
+      <p:sp>
+        <p:nvSpPr>
+          <p:cNvPr id="2" name="Slide Number Placeholder 1">
+            <a:extLst>
+              <a:ext uri="{FF2B5EF4-FFF2-40B4-BE49-F238E27FC236}">
+                <a16:creationId xmlns:a16="http://schemas.microsoft.com/office/drawing/2014/main" id="{32D70465-30DB-4A4B-8E3F-BA5E78294171}"/>
+              </a:ext>
+            </a:extLst>
+          </p:cNvPr>
+          <p:cNvSpPr>
+            <a:spLocks noGrp="1"/>
+          </p:cNvSpPr>
+          <p:nvPr>
+            <p:ph type="sldNum" sz="quarter" idx="12"/>
+          </p:nvPr>
+        </p:nvSpPr>
+        <p:spPr/>
+        <p:txBody>
+          <a:bodyPr/>
+          <a:lstStyle/>
+          <a:p>
+            <a:fld id="{0B12C922-00BD-488B-848D-49DE5635C3DD}" type="slidenum">
+              <a:rPr lang="en-IN" smtClean="0"/>
+              <a:t>9</a:t>
+            </a:fld>
+            <a:endParaRPr lang="en-IN"/>
+          </a:p>
+        </p:txBody>
+      </p:sp>
     </p:spTree>
     <p:extLst>
       <p:ext uri="{BB962C8B-B14F-4D97-AF65-F5344CB8AC3E}">
@@ -5276,4 +7292,299 @@
     </a:ext>
   </a:extLst>
 </a:theme>
+</file>
+
+<file path=ppt/theme/theme2.xml><?xml version="1.0" encoding="utf-8"?>
+<a:theme xmlns:a="http://schemas.openxmlformats.org/drawingml/2006/main" name="Office Theme">
+  <a:themeElements>
+    <a:clrScheme name="Office">
+      <a:dk1>
+        <a:sysClr val="windowText" lastClr="000000"/>
+      </a:dk1>
+      <a:lt1>
+        <a:sysClr val="window" lastClr="FFFFFF"/>
+      </a:lt1>
+      <a:dk2>
+        <a:srgbClr val="44546A"/>
+      </a:dk2>
+      <a:lt2>
+        <a:srgbClr val="E7E6E6"/>
+      </a:lt2>
+      <a:accent1>
+        <a:srgbClr val="4472C4"/>
+      </a:accent1>
+      <a:accent2>
+        <a:srgbClr val="ED7D31"/>
+      </a:accent2>
+      <a:accent3>
+        <a:srgbClr val="A5A5A5"/>
+      </a:accent3>
+      <a:accent4>
+        <a:srgbClr val="FFC000"/>
+      </a:accent4>
+      <a:accent5>
+        <a:srgbClr val="5B9BD5"/>
+      </a:accent5>
+      <a:accent6>
+        <a:srgbClr val="70AD47"/>
+      </a:accent6>
+      <a:hlink>
+        <a:srgbClr val="0563C1"/>
+      </a:hlink>
+      <a:folHlink>
+        <a:srgbClr val="954F72"/>
+      </a:folHlink>
+    </a:clrScheme>
+    <a:fontScheme name="Office">
+      <a:majorFont>
+        <a:latin typeface="Calibri Light" panose="020F0302020204030204"/>
+        <a:ea typeface=""/>
+        <a:cs typeface=""/>
+        <a:font script="Jpan" typeface="游ゴシック Light"/>
+        <a:font script="Hang" typeface="맑은 고딕"/>
+        <a:font script="Hans" typeface="等线 Light"/>
+        <a:font script="Hant" typeface="新細明體"/>
+        <a:font script="Arab" typeface="Times New Roman"/>
+        <a:font script="Hebr" typeface="Times New Roman"/>
+        <a:font script="Thai" typeface="Angsana New"/>
+        <a:font script="Ethi" typeface="Nyala"/>
+        <a:font script="Beng" typeface="Vrinda"/>
+        <a:font script="Gujr" typeface="Shruti"/>
+        <a:font script="Khmr" typeface="MoolBoran"/>
+        <a:font script="Knda" typeface="Tunga"/>
+        <a:font script="Guru" typeface="Raavi"/>
+        <a:font script="Cans" typeface="Euphemia"/>
+        <a:font script="Cher" typeface="Plantagenet Cherokee"/>
+        <a:font script="Yiii" typeface="Microsoft Yi Baiti"/>
+        <a:font script="Tibt" typeface="Microsoft Himalaya"/>
+        <a:font script="Thaa" typeface="MV Boli"/>
+        <a:font script="Deva" typeface="Mangal"/>
+        <a:font script="Telu" typeface="Gautami"/>
+        <a:font script="Taml" typeface="Latha"/>
+        <a:font script="Syrc" typeface="Estrangelo Edessa"/>
+        <a:font script="Orya" typeface="Kalinga"/>
+        <a:font script="Mlym" typeface="Kartika"/>
+        <a:font script="Laoo" typeface="DokChampa"/>
+        <a:font script="Sinh" typeface="Iskoola Pota"/>
+        <a:font script="Mong" typeface="Mongolian Baiti"/>
+        <a:font script="Viet" typeface="Times New Roman"/>
+        <a:font script="Uigh" typeface="Microsoft Uighur"/>
+        <a:font script="Geor" typeface="Sylfaen"/>
+        <a:font script="Armn" typeface="Arial"/>
+        <a:font script="Bugi" typeface="Leelawadee UI"/>
+        <a:font script="Bopo" typeface="Microsoft JhengHei"/>
+        <a:font script="Java" typeface="Javanese Text"/>
+        <a:font script="Lisu" typeface="Segoe UI"/>
+        <a:font script="Mymr" typeface="Myanmar Text"/>
+        <a:font script="Nkoo" typeface="Ebrima"/>
+        <a:font script="Olck" typeface="Nirmala UI"/>
+        <a:font script="Osma" typeface="Ebrima"/>
+        <a:font script="Phag" typeface="Phagspa"/>
+        <a:font script="Syrn" typeface="Estrangelo Edessa"/>
+        <a:font script="Syrj" typeface="Estrangelo Edessa"/>
+        <a:font script="Syre" typeface="Estrangelo Edessa"/>
+        <a:font script="Sora" typeface="Nirmala UI"/>
+        <a:font script="Tale" typeface="Microsoft Tai Le"/>
+        <a:font script="Talu" typeface="Microsoft New Tai Lue"/>
+        <a:font script="Tfng" typeface="Ebrima"/>
+      </a:majorFont>
+      <a:minorFont>
+        <a:latin typeface="Calibri" panose="020F0502020204030204"/>
+        <a:ea typeface=""/>
+        <a:cs typeface=""/>
+        <a:font script="Jpan" typeface="游ゴシック"/>
+        <a:font script="Hang" typeface="맑은 고딕"/>
+        <a:font script="Hans" typeface="等线"/>
+        <a:font script="Hant" typeface="新細明體"/>
+        <a:font script="Arab" typeface="Arial"/>
+        <a:font script="Hebr" typeface="Arial"/>
+        <a:font script="Thai" typeface="Cordia New"/>
+        <a:font script="Ethi" typeface="Nyala"/>
+        <a:font script="Beng" typeface="Vrinda"/>
+        <a:font script="Gujr" typeface="Shruti"/>
+        <a:font script="Khmr" typeface="DaunPenh"/>
+        <a:font script="Knda" typeface="Tunga"/>
+        <a:font script="Guru" typeface="Raavi"/>
+        <a:font script="Cans" typeface="Euphemia"/>
+        <a:font script="Cher" typeface="Plantagenet Cherokee"/>
+        <a:font script="Yiii" typeface="Microsoft Yi Baiti"/>
+        <a:font script="Tibt" typeface="Microsoft Himalaya"/>
+        <a:font script="Thaa" typeface="MV Boli"/>
+        <a:font script="Deva" typeface="Mangal"/>
+        <a:font script="Telu" typeface="Gautami"/>
+        <a:font script="Taml" typeface="Latha"/>
+        <a:font script="Syrc" typeface="Estrangelo Edessa"/>
+        <a:font script="Orya" typeface="Kalinga"/>
+        <a:font script="Mlym" typeface="Kartika"/>
+        <a:font script="Laoo" typeface="DokChampa"/>
+        <a:font script="Sinh" typeface="Iskoola Pota"/>
+        <a:font script="Mong" typeface="Mongolian Baiti"/>
+        <a:font script="Viet" typeface="Arial"/>
+        <a:font script="Uigh" typeface="Microsoft Uighur"/>
+        <a:font script="Geor" typeface="Sylfaen"/>
+        <a:font script="Armn" typeface="Arial"/>
+        <a:font script="Bugi" typeface="Leelawadee UI"/>
+        <a:font script="Bopo" typeface="Microsoft JhengHei"/>
+        <a:font script="Java" typeface="Javanese Text"/>
+        <a:font script="Lisu" typeface="Segoe UI"/>
+        <a:font script="Mymr" typeface="Myanmar Text"/>
+        <a:font script="Nkoo" typeface="Ebrima"/>
+        <a:font script="Olck" typeface="Nirmala UI"/>
+        <a:font script="Osma" typeface="Ebrima"/>
+        <a:font script="Phag" typeface="Phagspa"/>
+        <a:font script="Syrn" typeface="Estrangelo Edessa"/>
+        <a:font script="Syrj" typeface="Estrangelo Edessa"/>
+        <a:font script="Syre" typeface="Estrangelo Edessa"/>
+        <a:font script="Sora" typeface="Nirmala UI"/>
+        <a:font script="Tale" typeface="Microsoft Tai Le"/>
+        <a:font script="Talu" typeface="Microsoft New Tai Lue"/>
+        <a:font script="Tfng" typeface="Ebrima"/>
+      </a:minorFont>
+    </a:fontScheme>
+    <a:fmtScheme name="Office">
+      <a:fillStyleLst>
+        <a:solidFill>
+          <a:schemeClr val="phClr"/>
+        </a:solidFill>
+        <a:gradFill rotWithShape="1">
+          <a:gsLst>
+            <a:gs pos="0">
+              <a:schemeClr val="phClr">
+                <a:lumMod val="110000"/>
+                <a:satMod val="105000"/>
+                <a:tint val="67000"/>
+              </a:schemeClr>
+            </a:gs>
+            <a:gs pos="50000">
+              <a:schemeClr val="phClr">
+                <a:lumMod val="105000"/>
+                <a:satMod val="103000"/>
+                <a:tint val="73000"/>
+              </a:schemeClr>
+            </a:gs>
+            <a:gs pos="100000">
+              <a:schemeClr val="phClr">
+                <a:lumMod val="105000"/>
+                <a:satMod val="109000"/>
+                <a:tint val="81000"/>
+              </a:schemeClr>
+            </a:gs>
+          </a:gsLst>
+          <a:lin ang="5400000" scaled="0"/>
+        </a:gradFill>
+        <a:gradFill rotWithShape="1">
+          <a:gsLst>
+            <a:gs pos="0">
+              <a:schemeClr val="phClr">
+                <a:satMod val="103000"/>
+                <a:lumMod val="102000"/>
+                <a:tint val="94000"/>
+              </a:schemeClr>
+            </a:gs>
+            <a:gs pos="50000">
+              <a:schemeClr val="phClr">
+                <a:satMod val="110000"/>
+                <a:lumMod val="100000"/>
+                <a:shade val="100000"/>
+              </a:schemeClr>
+            </a:gs>
+            <a:gs pos="100000">
+              <a:schemeClr val="phClr">
+                <a:lumMod val="99000"/>
+                <a:satMod val="120000"/>
+                <a:shade val="78000"/>
+              </a:schemeClr>
+            </a:gs>
+          </a:gsLst>
+          <a:lin ang="5400000" scaled="0"/>
+        </a:gradFill>
+      </a:fillStyleLst>
+      <a:lnStyleLst>
+        <a:ln w="6350" cap="flat" cmpd="sng" algn="ctr">
+          <a:solidFill>
+            <a:schemeClr val="phClr"/>
+          </a:solidFill>
+          <a:prstDash val="solid"/>
+          <a:miter lim="800000"/>
+        </a:ln>
+        <a:ln w="12700" cap="flat" cmpd="sng" algn="ctr">
+          <a:solidFill>
+            <a:schemeClr val="phClr"/>
+          </a:solidFill>
+          <a:prstDash val="solid"/>
+          <a:miter lim="800000"/>
+        </a:ln>
+        <a:ln w="19050" cap="flat" cmpd="sng" algn="ctr">
+          <a:solidFill>
+            <a:schemeClr val="phClr"/>
+          </a:solidFill>
+          <a:prstDash val="solid"/>
+          <a:miter lim="800000"/>
+        </a:ln>
+      </a:lnStyleLst>
+      <a:effectStyleLst>
+        <a:effectStyle>
+          <a:effectLst/>
+        </a:effectStyle>
+        <a:effectStyle>
+          <a:effectLst/>
+        </a:effectStyle>
+        <a:effectStyle>
+          <a:effectLst>
+            <a:outerShdw blurRad="57150" dist="19050" dir="5400000" algn="ctr" rotWithShape="0">
+              <a:srgbClr val="000000">
+                <a:alpha val="63000"/>
+              </a:srgbClr>
+            </a:outerShdw>
+          </a:effectLst>
+        </a:effectStyle>
+      </a:effectStyleLst>
+      <a:bgFillStyleLst>
+        <a:solidFill>
+          <a:schemeClr val="phClr"/>
+        </a:solidFill>
+        <a:solidFill>
+          <a:schemeClr val="phClr">
+            <a:tint val="95000"/>
+            <a:satMod val="170000"/>
+          </a:schemeClr>
+        </a:solidFill>
+        <a:gradFill rotWithShape="1">
+          <a:gsLst>
+            <a:gs pos="0">
+              <a:schemeClr val="phClr">
+                <a:tint val="93000"/>
+                <a:satMod val="150000"/>
+                <a:shade val="98000"/>
+                <a:lumMod val="102000"/>
+              </a:schemeClr>
+            </a:gs>
+            <a:gs pos="50000">
+              <a:schemeClr val="phClr">
+                <a:tint val="98000"/>
+                <a:satMod val="130000"/>
+                <a:shade val="90000"/>
+                <a:lumMod val="103000"/>
+              </a:schemeClr>
+            </a:gs>
+            <a:gs pos="100000">
+              <a:schemeClr val="phClr">
+                <a:shade val="63000"/>
+                <a:satMod val="120000"/>
+              </a:schemeClr>
+            </a:gs>
+          </a:gsLst>
+          <a:lin ang="5400000" scaled="0"/>
+        </a:gradFill>
+      </a:bgFillStyleLst>
+    </a:fmtScheme>
+  </a:themeElements>
+  <a:objectDefaults/>
+  <a:extraClrSchemeLst/>
+  <a:extLst>
+    <a:ext uri="{05A4C25C-085E-4340-85A3-A5531E510DB2}">
+      <thm15:themeFamily xmlns:thm15="http://schemas.microsoft.com/office/thememl/2012/main" name="Office Theme" id="{62F939B6-93AF-4DB8-9C6B-D6C7DFDC589F}" vid="{4A3C46E8-61CC-4603-A589-7422A47A8E4A}"/>
+    </a:ext>
+  </a:extLst>
+</a:theme>
 </file>
--- a/hls_phase1.pptx
+++ b/hls_phase1.pptx
@@ -5,7 +5,7 @@
     <p:sldMasterId id="2147483648" r:id="rId1"/>
   </p:sldMasterIdLst>
   <p:notesMasterIdLst>
-    <p:notesMasterId r:id="rId19"/>
+    <p:notesMasterId r:id="rId22"/>
   </p:notesMasterIdLst>
   <p:sldIdLst>
     <p:sldId id="256" r:id="rId2"/>
@@ -25,6 +25,9 @@
     <p:sldId id="270" r:id="rId16"/>
     <p:sldId id="272" r:id="rId17"/>
     <p:sldId id="271" r:id="rId18"/>
+    <p:sldId id="273" r:id="rId19"/>
+    <p:sldId id="274" r:id="rId20"/>
+    <p:sldId id="275" r:id="rId21"/>
   </p:sldIdLst>
   <p:sldSz cx="12192000" cy="6858000"/>
   <p:notesSz cx="6858000" cy="9144000"/>
@@ -213,7 +216,7 @@
           <a:p>
             <a:fld id="{E1F2E79C-175F-44DC-BC9A-23322DD3F10A}" type="datetimeFigureOut">
               <a:rPr lang="en-IN" smtClean="0"/>
-              <a:t>13-12-2023</a:t>
+              <a:t>14-12-2023</a:t>
             </a:fld>
             <a:endParaRPr lang="en-IN"/>
           </a:p>
@@ -630,7 +633,7 @@
           <a:p>
             <a:fld id="{E637FC7D-F922-4FD1-995F-2A72337ADDDA}" type="datetime1">
               <a:rPr lang="en-IN" smtClean="0"/>
-              <a:t>13-12-2023</a:t>
+              <a:t>14-12-2023</a:t>
             </a:fld>
             <a:endParaRPr lang="en-IN"/>
           </a:p>
@@ -830,7 +833,7 @@
           <a:p>
             <a:fld id="{8C613DFC-F682-481D-B2A5-0D4A43E3C20B}" type="datetime1">
               <a:rPr lang="en-IN" smtClean="0"/>
-              <a:t>13-12-2023</a:t>
+              <a:t>14-12-2023</a:t>
             </a:fld>
             <a:endParaRPr lang="en-IN"/>
           </a:p>
@@ -1040,7 +1043,7 @@
           <a:p>
             <a:fld id="{E2378F03-67A8-4FA6-9B2F-96ED40C784CC}" type="datetime1">
               <a:rPr lang="en-IN" smtClean="0"/>
-              <a:t>13-12-2023</a:t>
+              <a:t>14-12-2023</a:t>
             </a:fld>
             <a:endParaRPr lang="en-IN"/>
           </a:p>
@@ -1240,7 +1243,7 @@
           <a:p>
             <a:fld id="{80F6DF35-6BAB-48FD-B89E-A6ECEDD7568A}" type="datetime1">
               <a:rPr lang="en-IN" smtClean="0"/>
-              <a:t>13-12-2023</a:t>
+              <a:t>14-12-2023</a:t>
             </a:fld>
             <a:endParaRPr lang="en-IN"/>
           </a:p>
@@ -1516,7 +1519,7 @@
           <a:p>
             <a:fld id="{7C0DFB6F-8A01-4FA1-85B3-756BDDA0BCD5}" type="datetime1">
               <a:rPr lang="en-IN" smtClean="0"/>
-              <a:t>13-12-2023</a:t>
+              <a:t>14-12-2023</a:t>
             </a:fld>
             <a:endParaRPr lang="en-IN"/>
           </a:p>
@@ -1784,7 +1787,7 @@
           <a:p>
             <a:fld id="{398585EF-55F0-435B-832A-8F90D43CEB0A}" type="datetime1">
               <a:rPr lang="en-IN" smtClean="0"/>
-              <a:t>13-12-2023</a:t>
+              <a:t>14-12-2023</a:t>
             </a:fld>
             <a:endParaRPr lang="en-IN"/>
           </a:p>
@@ -2199,7 +2202,7 @@
           <a:p>
             <a:fld id="{E63A39E7-A20C-44FE-9988-8581EF2096B8}" type="datetime1">
               <a:rPr lang="en-IN" smtClean="0"/>
-              <a:t>13-12-2023</a:t>
+              <a:t>14-12-2023</a:t>
             </a:fld>
             <a:endParaRPr lang="en-IN"/>
           </a:p>
@@ -2341,7 +2344,7 @@
           <a:p>
             <a:fld id="{F6628C93-EF9F-46F8-8C19-983657FA68CC}" type="datetime1">
               <a:rPr lang="en-IN" smtClean="0"/>
-              <a:t>13-12-2023</a:t>
+              <a:t>14-12-2023</a:t>
             </a:fld>
             <a:endParaRPr lang="en-IN"/>
           </a:p>
@@ -2454,7 +2457,7 @@
           <a:p>
             <a:fld id="{B8B688FF-6309-4164-A821-8E55A572992D}" type="datetime1">
               <a:rPr lang="en-IN" smtClean="0"/>
-              <a:t>13-12-2023</a:t>
+              <a:t>14-12-2023</a:t>
             </a:fld>
             <a:endParaRPr lang="en-IN"/>
           </a:p>
@@ -2767,7 +2770,7 @@
           <a:p>
             <a:fld id="{BDB456D5-53B4-48E4-AE53-8DAB33B47CF7}" type="datetime1">
               <a:rPr lang="en-IN" smtClean="0"/>
-              <a:t>13-12-2023</a:t>
+              <a:t>14-12-2023</a:t>
             </a:fld>
             <a:endParaRPr lang="en-IN"/>
           </a:p>
@@ -3056,7 +3059,7 @@
           <a:p>
             <a:fld id="{6E2AD77B-2FEF-48AF-91A3-D1586A1C9FCB}" type="datetime1">
               <a:rPr lang="en-IN" smtClean="0"/>
-              <a:t>13-12-2023</a:t>
+              <a:t>14-12-2023</a:t>
             </a:fld>
             <a:endParaRPr lang="en-IN"/>
           </a:p>
@@ -3299,7 +3302,7 @@
           <a:p>
             <a:fld id="{90452C8C-CE83-43E0-8969-A5B975D8EDB0}" type="datetime1">
               <a:rPr lang="en-IN" smtClean="0"/>
-              <a:t>13-12-2023</a:t>
+              <a:t>14-12-2023</a:t>
             </a:fld>
             <a:endParaRPr lang="en-IN"/>
           </a:p>
@@ -5278,7 +5281,7 @@
         <p:spPr>
           <a:xfrm>
             <a:off x="351692" y="232479"/>
-            <a:ext cx="2188420" cy="523220"/>
+            <a:ext cx="2323008" cy="523220"/>
           </a:xfrm>
           <a:prstGeom prst="rect">
             <a:avLst/>
@@ -5292,13 +5295,13 @@
           <a:lstStyle/>
           <a:p>
             <a:r>
-              <a:rPr lang="en-US" sz="2800" dirty="0">
+              <a:rPr lang="en-US" sz="2800" b="1" dirty="0">
                 <a:latin typeface="Times New Roman" panose="02020603050405020304" pitchFamily="18" charset="0"/>
                 <a:cs typeface="Times New Roman" panose="02020603050405020304" pitchFamily="18" charset="0"/>
               </a:rPr>
               <a:t>3. Half-adder </a:t>
             </a:r>
-            <a:endParaRPr lang="en-IN" sz="2800" dirty="0">
+            <a:endParaRPr lang="en-IN" sz="2800" b="1" dirty="0">
               <a:latin typeface="Times New Roman" panose="02020603050405020304" pitchFamily="18" charset="0"/>
               <a:cs typeface="Times New Roman" panose="02020603050405020304" pitchFamily="18" charset="0"/>
             </a:endParaRPr>
@@ -6257,6 +6260,1204 @@
 </p:sld>
 </file>
 
+<file path=ppt/slides/slide18.xml><?xml version="1.0" encoding="utf-8"?>
+<p:sld xmlns:a="http://schemas.openxmlformats.org/drawingml/2006/main" xmlns:r="http://schemas.openxmlformats.org/officeDocument/2006/relationships" xmlns:p="http://schemas.openxmlformats.org/presentationml/2006/main">
+  <p:cSld>
+    <p:spTree>
+      <p:nvGrpSpPr>
+        <p:cNvPr id="1" name=""/>
+        <p:cNvGrpSpPr/>
+        <p:nvPr/>
+      </p:nvGrpSpPr>
+      <p:grpSpPr>
+        <a:xfrm>
+          <a:off x="0" y="0"/>
+          <a:ext cx="0" cy="0"/>
+          <a:chOff x="0" y="0"/>
+          <a:chExt cx="0" cy="0"/>
+        </a:xfrm>
+      </p:grpSpPr>
+      <p:sp>
+        <p:nvSpPr>
+          <p:cNvPr id="2" name="Slide Number Placeholder 1">
+            <a:extLst>
+              <a:ext uri="{FF2B5EF4-FFF2-40B4-BE49-F238E27FC236}">
+                <a16:creationId xmlns:a16="http://schemas.microsoft.com/office/drawing/2014/main" id="{90EE8AE5-9C4B-4CF0-B17F-4E31E908DCDA}"/>
+              </a:ext>
+            </a:extLst>
+          </p:cNvPr>
+          <p:cNvSpPr>
+            <a:spLocks noGrp="1"/>
+          </p:cNvSpPr>
+          <p:nvPr>
+            <p:ph type="sldNum" sz="quarter" idx="12"/>
+          </p:nvPr>
+        </p:nvSpPr>
+        <p:spPr/>
+        <p:txBody>
+          <a:bodyPr/>
+          <a:lstStyle/>
+          <a:p>
+            <a:fld id="{0B12C922-00BD-488B-848D-49DE5635C3DD}" type="slidenum">
+              <a:rPr lang="en-IN" smtClean="0"/>
+              <a:t>18</a:t>
+            </a:fld>
+            <a:endParaRPr lang="en-IN"/>
+          </a:p>
+        </p:txBody>
+      </p:sp>
+      <p:sp>
+        <p:nvSpPr>
+          <p:cNvPr id="3" name="Rectangle 2">
+            <a:extLst>
+              <a:ext uri="{FF2B5EF4-FFF2-40B4-BE49-F238E27FC236}">
+                <a16:creationId xmlns:a16="http://schemas.microsoft.com/office/drawing/2014/main" id="{94F80D73-C7C1-430A-B3CA-7DA72CDADC2E}"/>
+              </a:ext>
+            </a:extLst>
+          </p:cNvPr>
+          <p:cNvSpPr/>
+          <p:nvPr/>
+        </p:nvSpPr>
+        <p:spPr>
+          <a:xfrm>
+            <a:off x="533401" y="1001038"/>
+            <a:ext cx="4080802" cy="5355312"/>
+          </a:xfrm>
+          <a:prstGeom prst="rect">
+            <a:avLst/>
+          </a:prstGeom>
+          <a:ln>
+            <a:solidFill>
+              <a:schemeClr val="tx1"/>
+            </a:solidFill>
+          </a:ln>
+        </p:spPr>
+        <p:txBody>
+          <a:bodyPr wrap="square">
+            <a:spAutoFit/>
+          </a:bodyPr>
+          <a:lstStyle/>
+          <a:p>
+            <a:r>
+              <a:rPr lang="en-IN" dirty="0"/>
+              <a:t>import </a:t>
+            </a:r>
+            <a:r>
+              <a:rPr lang="en-IN" dirty="0" err="1"/>
+              <a:t>myhdl</a:t>
+            </a:r>
+            <a:endParaRPr lang="en-IN" dirty="0"/>
+          </a:p>
+          <a:p>
+            <a:r>
+              <a:rPr lang="en-IN" dirty="0"/>
+              <a:t>from </a:t>
+            </a:r>
+            <a:r>
+              <a:rPr lang="en-IN" dirty="0" err="1"/>
+              <a:t>myhdl</a:t>
+            </a:r>
+            <a:r>
+              <a:rPr lang="en-IN" dirty="0"/>
+              <a:t> import *</a:t>
+            </a:r>
+          </a:p>
+          <a:p>
+            <a:endParaRPr lang="en-IN" dirty="0"/>
+          </a:p>
+          <a:p>
+            <a:r>
+              <a:rPr lang="en-IN" dirty="0" err="1"/>
+              <a:t>t_ALU_FUNCTION</a:t>
+            </a:r>
+            <a:r>
+              <a:rPr lang="en-IN" dirty="0"/>
+              <a:t> = </a:t>
+            </a:r>
+            <a:r>
+              <a:rPr lang="en-IN" dirty="0" err="1"/>
+              <a:t>enum</a:t>
+            </a:r>
+            <a:r>
+              <a:rPr lang="en-IN" dirty="0"/>
+              <a:t>(</a:t>
+            </a:r>
+          </a:p>
+          <a:p>
+            <a:r>
+              <a:rPr lang="en-IN" dirty="0"/>
+              <a:t>    "ZERO",</a:t>
+            </a:r>
+          </a:p>
+          <a:p>
+            <a:r>
+              <a:rPr lang="en-IN" dirty="0"/>
+              <a:t>    "ONES",</a:t>
+            </a:r>
+          </a:p>
+          <a:p>
+            <a:r>
+              <a:rPr lang="en-IN" dirty="0"/>
+              <a:t>    "A",</a:t>
+            </a:r>
+          </a:p>
+          <a:p>
+            <a:r>
+              <a:rPr lang="en-IN" dirty="0"/>
+              <a:t>    "NEG_A",</a:t>
+            </a:r>
+          </a:p>
+          <a:p>
+            <a:r>
+              <a:rPr lang="en-IN" dirty="0"/>
+              <a:t>    "A_PLUS_1",</a:t>
+            </a:r>
+          </a:p>
+          <a:p>
+            <a:r>
+              <a:rPr lang="en-IN" dirty="0"/>
+              <a:t>    "B",</a:t>
+            </a:r>
+          </a:p>
+          <a:p>
+            <a:r>
+              <a:rPr lang="en-IN" dirty="0"/>
+              <a:t>    "NEG_B",</a:t>
+            </a:r>
+          </a:p>
+          <a:p>
+            <a:r>
+              <a:rPr lang="en-IN" dirty="0"/>
+              <a:t>    "B_PLUS_1",</a:t>
+            </a:r>
+          </a:p>
+          <a:p>
+            <a:r>
+              <a:rPr lang="en-IN" dirty="0"/>
+              <a:t>    "A_PLUS_B",</a:t>
+            </a:r>
+          </a:p>
+          <a:p>
+            <a:r>
+              <a:rPr lang="en-IN" dirty="0"/>
+              <a:t>    "NOT_A",</a:t>
+            </a:r>
+          </a:p>
+          <a:p>
+            <a:r>
+              <a:rPr lang="en-IN" dirty="0"/>
+              <a:t>    "NOT_B",</a:t>
+            </a:r>
+          </a:p>
+          <a:p>
+            <a:r>
+              <a:rPr lang="en-IN" dirty="0"/>
+              <a:t>    "A_AND_B",</a:t>
+            </a:r>
+          </a:p>
+          <a:p>
+            <a:r>
+              <a:rPr lang="en-IN" dirty="0"/>
+              <a:t>    "A_OR_B",</a:t>
+            </a:r>
+          </a:p>
+          <a:p>
+            <a:r>
+              <a:rPr lang="en-IN" dirty="0"/>
+              <a:t>    "A_XOR_B",</a:t>
+            </a:r>
+          </a:p>
+          <a:p>
+            <a:r>
+              <a:rPr lang="en-IN" dirty="0"/>
+              <a:t>    )</a:t>
+            </a:r>
+          </a:p>
+        </p:txBody>
+      </p:sp>
+      <p:sp>
+        <p:nvSpPr>
+          <p:cNvPr id="4" name="Rectangle 3">
+            <a:extLst>
+              <a:ext uri="{FF2B5EF4-FFF2-40B4-BE49-F238E27FC236}">
+                <a16:creationId xmlns:a16="http://schemas.microsoft.com/office/drawing/2014/main" id="{E3D7E91E-905A-40C3-9C6E-0CFB49BAD1F7}"/>
+              </a:ext>
+            </a:extLst>
+          </p:cNvPr>
+          <p:cNvSpPr/>
+          <p:nvPr/>
+        </p:nvSpPr>
+        <p:spPr>
+          <a:xfrm>
+            <a:off x="5257800" y="45609"/>
+            <a:ext cx="6096000" cy="6740307"/>
+          </a:xfrm>
+          <a:prstGeom prst="rect">
+            <a:avLst/>
+          </a:prstGeom>
+          <a:ln>
+            <a:solidFill>
+              <a:schemeClr val="tx1"/>
+            </a:solidFill>
+          </a:ln>
+        </p:spPr>
+        <p:txBody>
+          <a:bodyPr>
+            <a:spAutoFit/>
+          </a:bodyPr>
+          <a:lstStyle/>
+          <a:p>
+            <a:r>
+              <a:rPr lang="en-IN" dirty="0"/>
+              <a:t>@block</a:t>
+            </a:r>
+          </a:p>
+          <a:p>
+            <a:r>
+              <a:rPr lang="en-IN" dirty="0"/>
+              <a:t>def </a:t>
+            </a:r>
+            <a:r>
+              <a:rPr lang="en-IN" dirty="0" err="1"/>
+              <a:t>ALU_combi</a:t>
+            </a:r>
+            <a:r>
+              <a:rPr lang="en-IN" dirty="0"/>
+              <a:t>(q, o, z, n, a, b, f, width=16):</a:t>
+            </a:r>
+          </a:p>
+          <a:p>
+            <a:r>
+              <a:rPr lang="en-IN" dirty="0"/>
+              <a:t>    """</a:t>
+            </a:r>
+          </a:p>
+          <a:p>
+            <a:r>
+              <a:rPr lang="en-IN" dirty="0"/>
+              <a:t>    Simple ALU.</a:t>
+            </a:r>
+          </a:p>
+          <a:p>
+            <a:r>
+              <a:rPr lang="en-IN" dirty="0"/>
+              <a:t>    See ARM System </a:t>
+            </a:r>
+            <a:r>
+              <a:rPr lang="en-IN" dirty="0" err="1"/>
+              <a:t>Aerchitecture</a:t>
+            </a:r>
+            <a:r>
+              <a:rPr lang="en-IN" dirty="0"/>
+              <a:t> "Introduction To Processor    </a:t>
+            </a:r>
+            <a:br>
+              <a:rPr lang="en-IN" dirty="0"/>
+            </a:br>
+            <a:r>
+              <a:rPr lang="en-IN" dirty="0"/>
+              <a:t>    Design"</a:t>
+            </a:r>
+          </a:p>
+          <a:p>
+            <a:r>
+              <a:rPr lang="en-IN" dirty="0"/>
+              <a:t>    """</a:t>
+            </a:r>
+          </a:p>
+          <a:p>
+            <a:r>
+              <a:rPr lang="en-IN" dirty="0"/>
+              <a:t>    result = Signal(</a:t>
+            </a:r>
+            <a:r>
+              <a:rPr lang="en-IN" dirty="0" err="1"/>
+              <a:t>intbv</a:t>
+            </a:r>
+            <a:r>
+              <a:rPr lang="en-IN" dirty="0"/>
+              <a:t>(0)[width:])</a:t>
+            </a:r>
+          </a:p>
+          <a:p>
+            <a:r>
+              <a:rPr lang="en-IN" dirty="0"/>
+              <a:t>    @</a:t>
+            </a:r>
+            <a:r>
+              <a:rPr lang="en-IN" dirty="0" err="1"/>
+              <a:t>always_comb</a:t>
+            </a:r>
+            <a:r>
+              <a:rPr lang="en-IN" dirty="0"/>
+              <a:t>  </a:t>
+            </a:r>
+          </a:p>
+          <a:p>
+            <a:r>
+              <a:rPr lang="en-IN" dirty="0"/>
+              <a:t>    def </a:t>
+            </a:r>
+            <a:r>
+              <a:rPr lang="en-IN" dirty="0" err="1"/>
+              <a:t>alu_func</a:t>
+            </a:r>
+            <a:r>
+              <a:rPr lang="en-IN" dirty="0"/>
+              <a:t>():</a:t>
+            </a:r>
+          </a:p>
+          <a:p>
+            <a:r>
+              <a:rPr lang="en-IN" dirty="0"/>
+              <a:t>        if f == </a:t>
+            </a:r>
+            <a:r>
+              <a:rPr lang="en-IN" dirty="0" err="1"/>
+              <a:t>t_ALU_FUNCTION.ZERO</a:t>
+            </a:r>
+            <a:r>
+              <a:rPr lang="en-IN" dirty="0"/>
+              <a:t>:</a:t>
+            </a:r>
+          </a:p>
+          <a:p>
+            <a:r>
+              <a:rPr lang="en-IN" dirty="0"/>
+              <a:t>            </a:t>
+            </a:r>
+            <a:r>
+              <a:rPr lang="en-IN" dirty="0" err="1"/>
+              <a:t>result.next</a:t>
+            </a:r>
+            <a:r>
+              <a:rPr lang="en-IN" dirty="0"/>
+              <a:t> = 0</a:t>
+            </a:r>
+          </a:p>
+          <a:p>
+            <a:r>
+              <a:rPr lang="en-IN" dirty="0"/>
+              <a:t>        </a:t>
+            </a:r>
+            <a:r>
+              <a:rPr lang="en-IN" dirty="0" err="1"/>
+              <a:t>elif</a:t>
+            </a:r>
+            <a:r>
+              <a:rPr lang="en-IN" dirty="0"/>
+              <a:t> f == </a:t>
+            </a:r>
+            <a:r>
+              <a:rPr lang="en-IN" dirty="0" err="1"/>
+              <a:t>t_ALU_FUNCTION.ONES</a:t>
+            </a:r>
+            <a:r>
+              <a:rPr lang="en-IN" dirty="0"/>
+              <a:t>:</a:t>
+            </a:r>
+          </a:p>
+          <a:p>
+            <a:r>
+              <a:rPr lang="en-IN" dirty="0"/>
+              <a:t>            </a:t>
+            </a:r>
+            <a:r>
+              <a:rPr lang="en-IN" dirty="0" err="1"/>
+              <a:t>result.next</a:t>
+            </a:r>
+            <a:r>
+              <a:rPr lang="en-IN" dirty="0"/>
+              <a:t> = 2 ** width - 1</a:t>
+            </a:r>
+          </a:p>
+          <a:p>
+            <a:r>
+              <a:rPr lang="en-IN" dirty="0"/>
+              <a:t>        </a:t>
+            </a:r>
+            <a:r>
+              <a:rPr lang="en-IN" dirty="0" err="1"/>
+              <a:t>elif</a:t>
+            </a:r>
+            <a:r>
+              <a:rPr lang="en-IN" dirty="0"/>
+              <a:t> f == </a:t>
+            </a:r>
+            <a:r>
+              <a:rPr lang="en-IN" dirty="0" err="1"/>
+              <a:t>t_ALU_FUNCTION.NEG_A</a:t>
+            </a:r>
+            <a:r>
+              <a:rPr lang="en-IN" dirty="0"/>
+              <a:t>:</a:t>
+            </a:r>
+          </a:p>
+          <a:p>
+            <a:r>
+              <a:rPr lang="en-IN" dirty="0"/>
+              <a:t>            </a:t>
+            </a:r>
+            <a:r>
+              <a:rPr lang="en-IN" dirty="0" err="1"/>
+              <a:t>result.next</a:t>
+            </a:r>
+            <a:r>
+              <a:rPr lang="en-IN" dirty="0"/>
+              <a:t> = -a % 2 ** width</a:t>
+            </a:r>
+          </a:p>
+          <a:p>
+            <a:r>
+              <a:rPr lang="en-IN" dirty="0"/>
+              <a:t>        </a:t>
+            </a:r>
+            <a:r>
+              <a:rPr lang="en-IN" dirty="0" err="1"/>
+              <a:t>elif</a:t>
+            </a:r>
+            <a:r>
+              <a:rPr lang="en-IN" dirty="0"/>
+              <a:t> f == </a:t>
+            </a:r>
+            <a:r>
+              <a:rPr lang="en-IN" dirty="0" err="1"/>
+              <a:t>t_ALU_FUNCTION.NEG_B</a:t>
+            </a:r>
+            <a:r>
+              <a:rPr lang="en-IN" dirty="0"/>
+              <a:t>:</a:t>
+            </a:r>
+          </a:p>
+          <a:p>
+            <a:r>
+              <a:rPr lang="en-IN" dirty="0"/>
+              <a:t>            </a:t>
+            </a:r>
+            <a:r>
+              <a:rPr lang="en-IN" dirty="0" err="1"/>
+              <a:t>result.next</a:t>
+            </a:r>
+            <a:r>
+              <a:rPr lang="en-IN" dirty="0"/>
+              <a:t> = -b % 2 ** width</a:t>
+            </a:r>
+          </a:p>
+          <a:p>
+            <a:r>
+              <a:rPr lang="en-IN" dirty="0"/>
+              <a:t>        </a:t>
+            </a:r>
+            <a:r>
+              <a:rPr lang="en-IN" dirty="0" err="1"/>
+              <a:t>elif</a:t>
+            </a:r>
+            <a:r>
+              <a:rPr lang="en-IN" dirty="0"/>
+              <a:t> f == </a:t>
+            </a:r>
+            <a:r>
+              <a:rPr lang="en-IN" dirty="0" err="1"/>
+              <a:t>t_ALU_FUNCTION.NOT_A</a:t>
+            </a:r>
+            <a:r>
+              <a:rPr lang="en-IN" dirty="0"/>
+              <a:t>:</a:t>
+            </a:r>
+          </a:p>
+          <a:p>
+            <a:r>
+              <a:rPr lang="en-IN" dirty="0"/>
+              <a:t>            </a:t>
+            </a:r>
+            <a:r>
+              <a:rPr lang="en-IN" dirty="0" err="1"/>
+              <a:t>result.next</a:t>
+            </a:r>
+            <a:r>
+              <a:rPr lang="en-IN" dirty="0"/>
+              <a:t> = ~a</a:t>
+            </a:r>
+          </a:p>
+          <a:p>
+            <a:r>
+              <a:rPr lang="en-IN" dirty="0"/>
+              <a:t>        </a:t>
+            </a:r>
+            <a:r>
+              <a:rPr lang="en-IN" dirty="0" err="1"/>
+              <a:t>elif</a:t>
+            </a:r>
+            <a:r>
+              <a:rPr lang="en-IN" dirty="0"/>
+              <a:t> f == </a:t>
+            </a:r>
+            <a:r>
+              <a:rPr lang="en-IN" dirty="0" err="1"/>
+              <a:t>t_ALU_FUNCTION.NOT_B</a:t>
+            </a:r>
+            <a:r>
+              <a:rPr lang="en-IN" dirty="0"/>
+              <a:t>:</a:t>
+            </a:r>
+          </a:p>
+          <a:p>
+            <a:r>
+              <a:rPr lang="en-IN" dirty="0"/>
+              <a:t>            </a:t>
+            </a:r>
+            <a:r>
+              <a:rPr lang="en-IN" dirty="0" err="1"/>
+              <a:t>result.next</a:t>
+            </a:r>
+            <a:r>
+              <a:rPr lang="en-IN" dirty="0"/>
+              <a:t> = ~b</a:t>
+            </a:r>
+          </a:p>
+          <a:p>
+            <a:r>
+              <a:rPr lang="en-IN" dirty="0"/>
+              <a:t>        </a:t>
+            </a:r>
+            <a:r>
+              <a:rPr lang="en-IN" dirty="0" err="1"/>
+              <a:t>elif</a:t>
+            </a:r>
+            <a:r>
+              <a:rPr lang="en-IN" dirty="0"/>
+              <a:t> f == </a:t>
+            </a:r>
+            <a:r>
+              <a:rPr lang="en-IN" dirty="0" err="1"/>
+              <a:t>t_ALU_FUNCTION.A</a:t>
+            </a:r>
+            <a:r>
+              <a:rPr lang="en-IN" dirty="0"/>
+              <a:t>:</a:t>
+            </a:r>
+          </a:p>
+          <a:p>
+            <a:r>
+              <a:rPr lang="en-IN" dirty="0"/>
+              <a:t>            </a:t>
+            </a:r>
+            <a:r>
+              <a:rPr lang="en-IN" dirty="0" err="1"/>
+              <a:t>result.next</a:t>
+            </a:r>
+            <a:r>
+              <a:rPr lang="en-IN" dirty="0"/>
+              <a:t> = a</a:t>
+            </a:r>
+          </a:p>
+        </p:txBody>
+      </p:sp>
+      <p:sp>
+        <p:nvSpPr>
+          <p:cNvPr id="5" name="TextBox 4">
+            <a:extLst>
+              <a:ext uri="{FF2B5EF4-FFF2-40B4-BE49-F238E27FC236}">
+                <a16:creationId xmlns:a16="http://schemas.microsoft.com/office/drawing/2014/main" id="{91162FCD-1C2F-4BFE-A5FA-169C7E8AD0CC}"/>
+              </a:ext>
+            </a:extLst>
+          </p:cNvPr>
+          <p:cNvSpPr txBox="1"/>
+          <p:nvPr/>
+        </p:nvSpPr>
+        <p:spPr>
+          <a:xfrm>
+            <a:off x="407963" y="379828"/>
+            <a:ext cx="1931939" cy="523220"/>
+          </a:xfrm>
+          <a:prstGeom prst="rect">
+            <a:avLst/>
+          </a:prstGeom>
+          <a:noFill/>
+        </p:spPr>
+        <p:txBody>
+          <a:bodyPr wrap="none" rtlCol="0">
+            <a:spAutoFit/>
+          </a:bodyPr>
+          <a:lstStyle/>
+          <a:p>
+            <a:r>
+              <a:rPr lang="en-US" sz="2800" b="1" dirty="0">
+                <a:latin typeface="Times New Roman" panose="02020603050405020304" pitchFamily="18" charset="0"/>
+                <a:cs typeface="Times New Roman" panose="02020603050405020304" pitchFamily="18" charset="0"/>
+              </a:rPr>
+              <a:t>ALU 16-bit</a:t>
+            </a:r>
+            <a:endParaRPr lang="en-IN" sz="2800" b="1" dirty="0">
+              <a:latin typeface="Times New Roman" panose="02020603050405020304" pitchFamily="18" charset="0"/>
+              <a:cs typeface="Times New Roman" panose="02020603050405020304" pitchFamily="18" charset="0"/>
+            </a:endParaRPr>
+          </a:p>
+        </p:txBody>
+      </p:sp>
+    </p:spTree>
+    <p:extLst>
+      <p:ext uri="{BB962C8B-B14F-4D97-AF65-F5344CB8AC3E}">
+        <p14:creationId xmlns:p14="http://schemas.microsoft.com/office/powerpoint/2010/main" val="4041678615"/>
+      </p:ext>
+    </p:extLst>
+  </p:cSld>
+  <p:clrMapOvr>
+    <a:masterClrMapping/>
+  </p:clrMapOvr>
+</p:sld>
+</file>
+
+<file path=ppt/slides/slide19.xml><?xml version="1.0" encoding="utf-8"?>
+<p:sld xmlns:a="http://schemas.openxmlformats.org/drawingml/2006/main" xmlns:r="http://schemas.openxmlformats.org/officeDocument/2006/relationships" xmlns:p="http://schemas.openxmlformats.org/presentationml/2006/main">
+  <p:cSld>
+    <p:spTree>
+      <p:nvGrpSpPr>
+        <p:cNvPr id="1" name=""/>
+        <p:cNvGrpSpPr/>
+        <p:nvPr/>
+      </p:nvGrpSpPr>
+      <p:grpSpPr>
+        <a:xfrm>
+          <a:off x="0" y="0"/>
+          <a:ext cx="0" cy="0"/>
+          <a:chOff x="0" y="0"/>
+          <a:chExt cx="0" cy="0"/>
+        </a:xfrm>
+      </p:grpSpPr>
+      <p:sp>
+        <p:nvSpPr>
+          <p:cNvPr id="2" name="Slide Number Placeholder 1">
+            <a:extLst>
+              <a:ext uri="{FF2B5EF4-FFF2-40B4-BE49-F238E27FC236}">
+                <a16:creationId xmlns:a16="http://schemas.microsoft.com/office/drawing/2014/main" id="{CBD81601-6A6C-45A6-A77E-ADE5D13A130B}"/>
+              </a:ext>
+            </a:extLst>
+          </p:cNvPr>
+          <p:cNvSpPr>
+            <a:spLocks noGrp="1"/>
+          </p:cNvSpPr>
+          <p:nvPr>
+            <p:ph type="sldNum" sz="quarter" idx="12"/>
+          </p:nvPr>
+        </p:nvSpPr>
+        <p:spPr/>
+        <p:txBody>
+          <a:bodyPr/>
+          <a:lstStyle/>
+          <a:p>
+            <a:fld id="{0B12C922-00BD-488B-848D-49DE5635C3DD}" type="slidenum">
+              <a:rPr lang="en-IN" smtClean="0"/>
+              <a:t>19</a:t>
+            </a:fld>
+            <a:endParaRPr lang="en-IN"/>
+          </a:p>
+        </p:txBody>
+      </p:sp>
+      <p:sp>
+        <p:nvSpPr>
+          <p:cNvPr id="3" name="Rectangle 2">
+            <a:extLst>
+              <a:ext uri="{FF2B5EF4-FFF2-40B4-BE49-F238E27FC236}">
+                <a16:creationId xmlns:a16="http://schemas.microsoft.com/office/drawing/2014/main" id="{02B3AB0B-35B1-434A-AF67-95EBA461226D}"/>
+              </a:ext>
+            </a:extLst>
+          </p:cNvPr>
+          <p:cNvSpPr/>
+          <p:nvPr/>
+        </p:nvSpPr>
+        <p:spPr>
+          <a:xfrm>
+            <a:off x="375138" y="1448197"/>
+            <a:ext cx="5575497" cy="4524315"/>
+          </a:xfrm>
+          <a:prstGeom prst="rect">
+            <a:avLst/>
+          </a:prstGeom>
+          <a:ln>
+            <a:solidFill>
+              <a:schemeClr val="tx1"/>
+            </a:solidFill>
+          </a:ln>
+        </p:spPr>
+        <p:txBody>
+          <a:bodyPr wrap="square">
+            <a:spAutoFit/>
+          </a:bodyPr>
+          <a:lstStyle/>
+          <a:p>
+            <a:r>
+              <a:rPr lang="en-IN" dirty="0" err="1"/>
+              <a:t>elif</a:t>
+            </a:r>
+            <a:r>
+              <a:rPr lang="en-IN" dirty="0"/>
+              <a:t> f == </a:t>
+            </a:r>
+            <a:r>
+              <a:rPr lang="en-IN" dirty="0" err="1"/>
+              <a:t>t_ALU_FUNCTION.B</a:t>
+            </a:r>
+            <a:r>
+              <a:rPr lang="en-IN" dirty="0"/>
+              <a:t>:</a:t>
+            </a:r>
+          </a:p>
+          <a:p>
+            <a:r>
+              <a:rPr lang="en-IN" dirty="0"/>
+              <a:t>            </a:t>
+            </a:r>
+            <a:r>
+              <a:rPr lang="en-IN" dirty="0" err="1"/>
+              <a:t>result.next</a:t>
+            </a:r>
+            <a:r>
+              <a:rPr lang="en-IN" dirty="0"/>
+              <a:t> = b</a:t>
+            </a:r>
+          </a:p>
+          <a:p>
+            <a:r>
+              <a:rPr lang="en-IN" dirty="0"/>
+              <a:t>        </a:t>
+            </a:r>
+            <a:r>
+              <a:rPr lang="en-IN" dirty="0" err="1"/>
+              <a:t>elif</a:t>
+            </a:r>
+            <a:r>
+              <a:rPr lang="en-IN" dirty="0"/>
+              <a:t> f == t_ALU_FUNCTION.A_PLUS_1:</a:t>
+            </a:r>
+          </a:p>
+          <a:p>
+            <a:r>
+              <a:rPr lang="en-IN" dirty="0"/>
+              <a:t>            </a:t>
+            </a:r>
+            <a:r>
+              <a:rPr lang="en-IN" dirty="0" err="1"/>
+              <a:t>result.next</a:t>
+            </a:r>
+            <a:r>
+              <a:rPr lang="en-IN" dirty="0"/>
+              <a:t> = a + 1</a:t>
+            </a:r>
+          </a:p>
+          <a:p>
+            <a:r>
+              <a:rPr lang="en-IN" dirty="0"/>
+              <a:t>        </a:t>
+            </a:r>
+            <a:r>
+              <a:rPr lang="en-IN" dirty="0" err="1"/>
+              <a:t>elif</a:t>
+            </a:r>
+            <a:r>
+              <a:rPr lang="en-IN" dirty="0"/>
+              <a:t> f == t_ALU_FUNCTION.B_PLUS_1:</a:t>
+            </a:r>
+          </a:p>
+          <a:p>
+            <a:r>
+              <a:rPr lang="en-IN" dirty="0"/>
+              <a:t>            </a:t>
+            </a:r>
+            <a:r>
+              <a:rPr lang="en-IN" dirty="0" err="1"/>
+              <a:t>result.next</a:t>
+            </a:r>
+            <a:r>
+              <a:rPr lang="en-IN" dirty="0"/>
+              <a:t> = b + 1</a:t>
+            </a:r>
+          </a:p>
+          <a:p>
+            <a:r>
+              <a:rPr lang="en-IN" dirty="0"/>
+              <a:t>        </a:t>
+            </a:r>
+            <a:r>
+              <a:rPr lang="en-IN" dirty="0" err="1"/>
+              <a:t>elif</a:t>
+            </a:r>
+            <a:r>
+              <a:rPr lang="en-IN" dirty="0"/>
+              <a:t> f == </a:t>
+            </a:r>
+            <a:r>
+              <a:rPr lang="en-IN" dirty="0" err="1"/>
+              <a:t>t_ALU_FUNCTION.A_AND_B</a:t>
+            </a:r>
+            <a:r>
+              <a:rPr lang="en-IN" dirty="0"/>
+              <a:t>:</a:t>
+            </a:r>
+          </a:p>
+          <a:p>
+            <a:r>
+              <a:rPr lang="en-IN" dirty="0"/>
+              <a:t>            </a:t>
+            </a:r>
+            <a:r>
+              <a:rPr lang="en-IN" dirty="0" err="1"/>
+              <a:t>result.next</a:t>
+            </a:r>
+            <a:r>
+              <a:rPr lang="en-IN" dirty="0"/>
+              <a:t> = a &amp; b</a:t>
+            </a:r>
+          </a:p>
+          <a:p>
+            <a:r>
+              <a:rPr lang="en-IN" dirty="0"/>
+              <a:t>        </a:t>
+            </a:r>
+            <a:r>
+              <a:rPr lang="en-IN" dirty="0" err="1"/>
+              <a:t>elif</a:t>
+            </a:r>
+            <a:r>
+              <a:rPr lang="en-IN" dirty="0"/>
+              <a:t> f == </a:t>
+            </a:r>
+            <a:r>
+              <a:rPr lang="en-IN" dirty="0" err="1"/>
+              <a:t>t_ALU_FUNCTION.A_OR_B</a:t>
+            </a:r>
+            <a:r>
+              <a:rPr lang="en-IN" dirty="0"/>
+              <a:t>:</a:t>
+            </a:r>
+          </a:p>
+          <a:p>
+            <a:r>
+              <a:rPr lang="en-IN" dirty="0"/>
+              <a:t>            </a:t>
+            </a:r>
+            <a:r>
+              <a:rPr lang="en-IN" dirty="0" err="1"/>
+              <a:t>result.next</a:t>
+            </a:r>
+            <a:r>
+              <a:rPr lang="en-IN" dirty="0"/>
+              <a:t> = a | b</a:t>
+            </a:r>
+          </a:p>
+          <a:p>
+            <a:r>
+              <a:rPr lang="en-IN" dirty="0"/>
+              <a:t>        </a:t>
+            </a:r>
+            <a:r>
+              <a:rPr lang="en-IN" dirty="0" err="1"/>
+              <a:t>elif</a:t>
+            </a:r>
+            <a:r>
+              <a:rPr lang="en-IN" dirty="0"/>
+              <a:t> f == </a:t>
+            </a:r>
+            <a:r>
+              <a:rPr lang="en-IN" dirty="0" err="1"/>
+              <a:t>t_ALU_FUNCTION.A_XOR_B</a:t>
+            </a:r>
+            <a:r>
+              <a:rPr lang="en-IN" dirty="0"/>
+              <a:t>:</a:t>
+            </a:r>
+          </a:p>
+          <a:p>
+            <a:r>
+              <a:rPr lang="en-IN" dirty="0"/>
+              <a:t>            </a:t>
+            </a:r>
+            <a:r>
+              <a:rPr lang="en-IN" dirty="0" err="1"/>
+              <a:t>result.next</a:t>
+            </a:r>
+            <a:r>
+              <a:rPr lang="en-IN" dirty="0"/>
+              <a:t> = a ^ b</a:t>
+            </a:r>
+          </a:p>
+          <a:p>
+            <a:r>
+              <a:rPr lang="en-IN" dirty="0"/>
+              <a:t>        </a:t>
+            </a:r>
+            <a:r>
+              <a:rPr lang="en-IN" dirty="0" err="1"/>
+              <a:t>elif</a:t>
+            </a:r>
+            <a:r>
+              <a:rPr lang="en-IN" dirty="0"/>
+              <a:t> f == </a:t>
+            </a:r>
+            <a:r>
+              <a:rPr lang="en-IN" dirty="0" err="1"/>
+              <a:t>t_ALU_FUNCTION.A_PLUS_B</a:t>
+            </a:r>
+            <a:r>
+              <a:rPr lang="en-IN" dirty="0"/>
+              <a:t>:</a:t>
+            </a:r>
+          </a:p>
+          <a:p>
+            <a:r>
+              <a:rPr lang="en-IN" dirty="0"/>
+              <a:t>            </a:t>
+            </a:r>
+            <a:r>
+              <a:rPr lang="en-IN" dirty="0" err="1"/>
+              <a:t>result.next</a:t>
+            </a:r>
+            <a:r>
+              <a:rPr lang="en-IN" dirty="0"/>
+              <a:t> = a + b</a:t>
+            </a:r>
+          </a:p>
+          <a:p>
+            <a:r>
+              <a:rPr lang="en-IN" dirty="0"/>
+              <a:t>        else:</a:t>
+            </a:r>
+          </a:p>
+          <a:p>
+            <a:r>
+              <a:rPr lang="en-IN" dirty="0"/>
+              <a:t>            </a:t>
+            </a:r>
+            <a:r>
+              <a:rPr lang="en-IN" dirty="0" err="1"/>
+              <a:t>result.next</a:t>
+            </a:r>
+            <a:r>
+              <a:rPr lang="en-IN" dirty="0"/>
+              <a:t>=0</a:t>
+            </a:r>
+          </a:p>
+        </p:txBody>
+      </p:sp>
+      <p:sp>
+        <p:nvSpPr>
+          <p:cNvPr id="4" name="Rectangle 3">
+            <a:extLst>
+              <a:ext uri="{FF2B5EF4-FFF2-40B4-BE49-F238E27FC236}">
+                <a16:creationId xmlns:a16="http://schemas.microsoft.com/office/drawing/2014/main" id="{37F020D0-487D-4036-AC96-43123A039B00}"/>
+              </a:ext>
+            </a:extLst>
+          </p:cNvPr>
+          <p:cNvSpPr/>
+          <p:nvPr/>
+        </p:nvSpPr>
+        <p:spPr>
+          <a:xfrm>
+            <a:off x="6241366" y="1305341"/>
+            <a:ext cx="5575496" cy="4247317"/>
+          </a:xfrm>
+          <a:prstGeom prst="rect">
+            <a:avLst/>
+          </a:prstGeom>
+          <a:ln>
+            <a:solidFill>
+              <a:schemeClr val="tx1"/>
+            </a:solidFill>
+          </a:ln>
+        </p:spPr>
+        <p:txBody>
+          <a:bodyPr wrap="square">
+            <a:spAutoFit/>
+          </a:bodyPr>
+          <a:lstStyle/>
+          <a:p>
+            <a:r>
+              <a:rPr lang="en-IN" dirty="0"/>
+              <a:t> @</a:t>
+            </a:r>
+            <a:r>
+              <a:rPr lang="en-IN" dirty="0" err="1"/>
+              <a:t>always_comb</a:t>
+            </a:r>
+            <a:endParaRPr lang="en-IN" dirty="0"/>
+          </a:p>
+          <a:p>
+            <a:r>
+              <a:rPr lang="en-IN" dirty="0"/>
+              <a:t>    def </a:t>
+            </a:r>
+            <a:r>
+              <a:rPr lang="en-IN" dirty="0" err="1"/>
+              <a:t>alu_status</a:t>
+            </a:r>
+            <a:r>
+              <a:rPr lang="en-IN" dirty="0"/>
+              <a:t>():</a:t>
+            </a:r>
+          </a:p>
+          <a:p>
+            <a:r>
+              <a:rPr lang="en-IN" dirty="0"/>
+              <a:t>        </a:t>
+            </a:r>
+            <a:r>
+              <a:rPr lang="en-IN" dirty="0" err="1"/>
+              <a:t>q.next</a:t>
+            </a:r>
+            <a:r>
+              <a:rPr lang="en-IN" dirty="0"/>
+              <a:t> = result</a:t>
+            </a:r>
+          </a:p>
+          <a:p>
+            <a:endParaRPr lang="en-IN" dirty="0"/>
+          </a:p>
+          <a:p>
+            <a:r>
+              <a:rPr lang="en-IN" dirty="0"/>
+              <a:t>        if result == 0:</a:t>
+            </a:r>
+          </a:p>
+          <a:p>
+            <a:r>
+              <a:rPr lang="en-IN" dirty="0"/>
+              <a:t>            </a:t>
+            </a:r>
+            <a:r>
+              <a:rPr lang="en-IN" dirty="0" err="1"/>
+              <a:t>z.next</a:t>
+            </a:r>
+            <a:r>
+              <a:rPr lang="en-IN" dirty="0"/>
+              <a:t> = 1</a:t>
+            </a:r>
+          </a:p>
+          <a:p>
+            <a:r>
+              <a:rPr lang="en-IN" dirty="0"/>
+              <a:t>        else:</a:t>
+            </a:r>
+          </a:p>
+          <a:p>
+            <a:r>
+              <a:rPr lang="en-IN" dirty="0"/>
+              <a:t>            </a:t>
+            </a:r>
+            <a:r>
+              <a:rPr lang="en-IN" dirty="0" err="1"/>
+              <a:t>z.next</a:t>
+            </a:r>
+            <a:r>
+              <a:rPr lang="en-IN" dirty="0"/>
+              <a:t> = 0</a:t>
+            </a:r>
+          </a:p>
+          <a:p>
+            <a:endParaRPr lang="en-IN" dirty="0"/>
+          </a:p>
+          <a:p>
+            <a:r>
+              <a:rPr lang="en-IN" dirty="0"/>
+              <a:t>        </a:t>
+            </a:r>
+            <a:r>
+              <a:rPr lang="en-IN" dirty="0" err="1"/>
+              <a:t>n.next</a:t>
+            </a:r>
+            <a:r>
+              <a:rPr lang="en-IN" dirty="0"/>
+              <a:t> = 0</a:t>
+            </a:r>
+          </a:p>
+          <a:p>
+            <a:endParaRPr lang="en-IN" dirty="0"/>
+          </a:p>
+          <a:p>
+            <a:r>
+              <a:rPr lang="en-IN" dirty="0"/>
+              <a:t>        # how to detect overflow?</a:t>
+            </a:r>
+          </a:p>
+          <a:p>
+            <a:r>
+              <a:rPr lang="en-IN" dirty="0"/>
+              <a:t>        </a:t>
+            </a:r>
+            <a:r>
+              <a:rPr lang="en-IN" dirty="0" err="1"/>
+              <a:t>o.next</a:t>
+            </a:r>
+            <a:r>
+              <a:rPr lang="en-IN" dirty="0"/>
+              <a:t> = 0</a:t>
+            </a:r>
+          </a:p>
+          <a:p>
+            <a:endParaRPr lang="en-IN" dirty="0"/>
+          </a:p>
+          <a:p>
+            <a:r>
+              <a:rPr lang="en-IN" dirty="0"/>
+              <a:t>    return instances()</a:t>
+            </a:r>
+          </a:p>
+        </p:txBody>
+      </p:sp>
+      <p:sp>
+        <p:nvSpPr>
+          <p:cNvPr id="5" name="TextBox 4">
+            <a:extLst>
+              <a:ext uri="{FF2B5EF4-FFF2-40B4-BE49-F238E27FC236}">
+                <a16:creationId xmlns:a16="http://schemas.microsoft.com/office/drawing/2014/main" id="{47FEEB0B-F1DD-44CF-B196-F5AA9FDCA03E}"/>
+              </a:ext>
+            </a:extLst>
+          </p:cNvPr>
+          <p:cNvSpPr txBox="1"/>
+          <p:nvPr/>
+        </p:nvSpPr>
+        <p:spPr>
+          <a:xfrm>
+            <a:off x="407963" y="379828"/>
+            <a:ext cx="6091732" cy="523220"/>
+          </a:xfrm>
+          <a:prstGeom prst="rect">
+            <a:avLst/>
+          </a:prstGeom>
+          <a:noFill/>
+        </p:spPr>
+        <p:txBody>
+          <a:bodyPr wrap="none" rtlCol="0">
+            <a:spAutoFit/>
+          </a:bodyPr>
+          <a:lstStyle/>
+          <a:p>
+            <a:r>
+              <a:rPr lang="en-US" sz="2800" b="1" dirty="0">
+                <a:latin typeface="Times New Roman" panose="02020603050405020304" pitchFamily="18" charset="0"/>
+                <a:cs typeface="Times New Roman" panose="02020603050405020304" pitchFamily="18" charset="0"/>
+              </a:rPr>
+              <a:t>ALU 16-bit				-Cont’d.</a:t>
+            </a:r>
+            <a:endParaRPr lang="en-IN" sz="2800" b="1" dirty="0">
+              <a:latin typeface="Times New Roman" panose="02020603050405020304" pitchFamily="18" charset="0"/>
+              <a:cs typeface="Times New Roman" panose="02020603050405020304" pitchFamily="18" charset="0"/>
+            </a:endParaRPr>
+          </a:p>
+        </p:txBody>
+      </p:sp>
+    </p:spTree>
+    <p:extLst>
+      <p:ext uri="{BB962C8B-B14F-4D97-AF65-F5344CB8AC3E}">
+        <p14:creationId xmlns:p14="http://schemas.microsoft.com/office/powerpoint/2010/main" val="2487904258"/>
+      </p:ext>
+    </p:extLst>
+  </p:cSld>
+  <p:clrMapOvr>
+    <a:masterClrMapping/>
+  </p:clrMapOvr>
+</p:sld>
+</file>
+
 <file path=ppt/slides/slide2.xml><?xml version="1.0" encoding="utf-8"?>
 <p:sld xmlns:a="http://schemas.openxmlformats.org/drawingml/2006/main" xmlns:r="http://schemas.openxmlformats.org/officeDocument/2006/relationships" xmlns:p="http://schemas.openxmlformats.org/presentationml/2006/main">
   <p:cSld>
@@ -6337,6 +7538,265 @@
     <p:extLst>
       <p:ext uri="{BB962C8B-B14F-4D97-AF65-F5344CB8AC3E}">
         <p14:creationId xmlns:p14="http://schemas.microsoft.com/office/powerpoint/2010/main" val="2828053913"/>
+      </p:ext>
+    </p:extLst>
+  </p:cSld>
+  <p:clrMapOvr>
+    <a:masterClrMapping/>
+  </p:clrMapOvr>
+</p:sld>
+</file>
+
+<file path=ppt/slides/slide20.xml><?xml version="1.0" encoding="utf-8"?>
+<p:sld xmlns:a="http://schemas.openxmlformats.org/drawingml/2006/main" xmlns:r="http://schemas.openxmlformats.org/officeDocument/2006/relationships" xmlns:p="http://schemas.openxmlformats.org/presentationml/2006/main">
+  <p:cSld>
+    <p:spTree>
+      <p:nvGrpSpPr>
+        <p:cNvPr id="1" name=""/>
+        <p:cNvGrpSpPr/>
+        <p:nvPr/>
+      </p:nvGrpSpPr>
+      <p:grpSpPr>
+        <a:xfrm>
+          <a:off x="0" y="0"/>
+          <a:ext cx="0" cy="0"/>
+          <a:chOff x="0" y="0"/>
+          <a:chExt cx="0" cy="0"/>
+        </a:xfrm>
+      </p:grpSpPr>
+      <p:sp>
+        <p:nvSpPr>
+          <p:cNvPr id="2" name="Slide Number Placeholder 1">
+            <a:extLst>
+              <a:ext uri="{FF2B5EF4-FFF2-40B4-BE49-F238E27FC236}">
+                <a16:creationId xmlns:a16="http://schemas.microsoft.com/office/drawing/2014/main" id="{201C4269-35D9-4851-AD4A-0B87FAA25726}"/>
+              </a:ext>
+            </a:extLst>
+          </p:cNvPr>
+          <p:cNvSpPr>
+            <a:spLocks noGrp="1"/>
+          </p:cNvSpPr>
+          <p:nvPr>
+            <p:ph type="sldNum" sz="quarter" idx="12"/>
+          </p:nvPr>
+        </p:nvSpPr>
+        <p:spPr/>
+        <p:txBody>
+          <a:bodyPr/>
+          <a:lstStyle/>
+          <a:p>
+            <a:fld id="{0B12C922-00BD-488B-848D-49DE5635C3DD}" type="slidenum">
+              <a:rPr lang="en-IN" smtClean="0"/>
+              <a:t>20</a:t>
+            </a:fld>
+            <a:endParaRPr lang="en-IN"/>
+          </a:p>
+        </p:txBody>
+      </p:sp>
+      <p:sp>
+        <p:nvSpPr>
+          <p:cNvPr id="3" name="Rectangle 2">
+            <a:extLst>
+              <a:ext uri="{FF2B5EF4-FFF2-40B4-BE49-F238E27FC236}">
+                <a16:creationId xmlns:a16="http://schemas.microsoft.com/office/drawing/2014/main" id="{26485761-90DE-4C1D-B732-F3201385084F}"/>
+              </a:ext>
+            </a:extLst>
+          </p:cNvPr>
+          <p:cNvSpPr/>
+          <p:nvPr/>
+        </p:nvSpPr>
+        <p:spPr>
+          <a:xfrm>
+            <a:off x="3048000" y="1859340"/>
+            <a:ext cx="6096000" cy="3139321"/>
+          </a:xfrm>
+          <a:prstGeom prst="rect">
+            <a:avLst/>
+          </a:prstGeom>
+        </p:spPr>
+        <p:txBody>
+          <a:bodyPr>
+            <a:spAutoFit/>
+          </a:bodyPr>
+          <a:lstStyle/>
+          <a:p>
+            <a:r>
+              <a:rPr lang="en-IN" dirty="0"/>
+              <a:t>def convert():</a:t>
+            </a:r>
+          </a:p>
+          <a:p>
+            <a:r>
+              <a:rPr lang="en-IN" dirty="0"/>
+              <a:t>    n = Signal(bool(0))</a:t>
+            </a:r>
+          </a:p>
+          <a:p>
+            <a:r>
+              <a:rPr lang="en-IN" dirty="0"/>
+              <a:t>    z = Signal(bool(0))</a:t>
+            </a:r>
+          </a:p>
+          <a:p>
+            <a:r>
+              <a:rPr lang="en-IN" dirty="0"/>
+              <a:t>    o = Signal(bool(0))</a:t>
+            </a:r>
+          </a:p>
+          <a:p>
+            <a:r>
+              <a:rPr lang="en-IN" dirty="0"/>
+              <a:t>    q = Signal(</a:t>
+            </a:r>
+            <a:r>
+              <a:rPr lang="en-IN" dirty="0" err="1"/>
+              <a:t>intbv</a:t>
+            </a:r>
+            <a:r>
+              <a:rPr lang="en-IN" dirty="0"/>
+              <a:t>(0)[16:])</a:t>
+            </a:r>
+          </a:p>
+          <a:p>
+            <a:r>
+              <a:rPr lang="en-IN" dirty="0"/>
+              <a:t>    a = Signal(</a:t>
+            </a:r>
+            <a:r>
+              <a:rPr lang="en-IN" dirty="0" err="1"/>
+              <a:t>intbv</a:t>
+            </a:r>
+            <a:r>
+              <a:rPr lang="en-IN" dirty="0"/>
+              <a:t>(0)[16:])</a:t>
+            </a:r>
+          </a:p>
+          <a:p>
+            <a:r>
+              <a:rPr lang="en-IN" dirty="0"/>
+              <a:t>    b = Signal(</a:t>
+            </a:r>
+            <a:r>
+              <a:rPr lang="en-IN" dirty="0" err="1"/>
+              <a:t>intbv</a:t>
+            </a:r>
+            <a:r>
+              <a:rPr lang="en-IN" dirty="0"/>
+              <a:t>(0)[16:])</a:t>
+            </a:r>
+          </a:p>
+          <a:p>
+            <a:r>
+              <a:rPr lang="en-IN" dirty="0"/>
+              <a:t>    f = Signal(</a:t>
+            </a:r>
+            <a:r>
+              <a:rPr lang="en-IN" dirty="0" err="1"/>
+              <a:t>t_ALU_FUNCTION.ZERO</a:t>
+            </a:r>
+            <a:r>
+              <a:rPr lang="en-IN" dirty="0"/>
+              <a:t>)</a:t>
+            </a:r>
+          </a:p>
+          <a:p>
+            <a:r>
+              <a:rPr lang="en-IN" dirty="0"/>
+              <a:t>    </a:t>
+            </a:r>
+            <a:r>
+              <a:rPr lang="en-IN" dirty="0" err="1"/>
+              <a:t>convInst</a:t>
+            </a:r>
+            <a:r>
+              <a:rPr lang="en-IN" dirty="0"/>
+              <a:t> = </a:t>
+            </a:r>
+            <a:r>
+              <a:rPr lang="en-IN" dirty="0" err="1"/>
+              <a:t>ALU_combi</a:t>
+            </a:r>
+            <a:r>
+              <a:rPr lang="en-IN" dirty="0"/>
+              <a:t>(q, o, z, n, a, b, f, width=16)</a:t>
+            </a:r>
+          </a:p>
+          <a:p>
+            <a:r>
+              <a:rPr lang="en-IN" dirty="0"/>
+              <a:t>    </a:t>
+            </a:r>
+            <a:r>
+              <a:rPr lang="en-IN" dirty="0" err="1"/>
+              <a:t>convInst.convert</a:t>
+            </a:r>
+            <a:r>
+              <a:rPr lang="en-IN" dirty="0"/>
+              <a:t>(</a:t>
+            </a:r>
+            <a:r>
+              <a:rPr lang="en-IN" dirty="0" err="1"/>
+              <a:t>hdl</a:t>
+            </a:r>
+            <a:r>
+              <a:rPr lang="en-IN" dirty="0"/>
+              <a:t>='Verilog')</a:t>
+            </a:r>
+          </a:p>
+          <a:p>
+            <a:r>
+              <a:rPr lang="en-IN" dirty="0"/>
+              <a:t>convert()</a:t>
+            </a:r>
+          </a:p>
+        </p:txBody>
+      </p:sp>
+      <p:sp>
+        <p:nvSpPr>
+          <p:cNvPr id="4" name="TextBox 3">
+            <a:extLst>
+              <a:ext uri="{FF2B5EF4-FFF2-40B4-BE49-F238E27FC236}">
+                <a16:creationId xmlns:a16="http://schemas.microsoft.com/office/drawing/2014/main" id="{C4AE666B-0C4A-4970-BB11-481B36AE66AA}"/>
+              </a:ext>
+            </a:extLst>
+          </p:cNvPr>
+          <p:cNvSpPr txBox="1"/>
+          <p:nvPr/>
+        </p:nvSpPr>
+        <p:spPr>
+          <a:xfrm>
+            <a:off x="407963" y="379828"/>
+            <a:ext cx="6091732" cy="523220"/>
+          </a:xfrm>
+          <a:prstGeom prst="rect">
+            <a:avLst/>
+          </a:prstGeom>
+          <a:noFill/>
+        </p:spPr>
+        <p:txBody>
+          <a:bodyPr wrap="none" rtlCol="0">
+            <a:spAutoFit/>
+          </a:bodyPr>
+          <a:lstStyle/>
+          <a:p>
+            <a:r>
+              <a:rPr lang="en-US" sz="2800" b="1" dirty="0">
+                <a:latin typeface="Times New Roman" panose="02020603050405020304" pitchFamily="18" charset="0"/>
+                <a:cs typeface="Times New Roman" panose="02020603050405020304" pitchFamily="18" charset="0"/>
+              </a:rPr>
+              <a:t>ALU 16-bit				-Cont’d.</a:t>
+            </a:r>
+            <a:endParaRPr lang="en-IN" sz="2800" b="1" dirty="0">
+              <a:latin typeface="Times New Roman" panose="02020603050405020304" pitchFamily="18" charset="0"/>
+              <a:cs typeface="Times New Roman" panose="02020603050405020304" pitchFamily="18" charset="0"/>
+            </a:endParaRPr>
+          </a:p>
+        </p:txBody>
+      </p:sp>
+    </p:spTree>
+    <p:extLst>
+      <p:ext uri="{BB962C8B-B14F-4D97-AF65-F5344CB8AC3E}">
+        <p14:creationId xmlns:p14="http://schemas.microsoft.com/office/powerpoint/2010/main" val="4129635529"/>
       </p:ext>
     </p:extLst>
   </p:cSld>

--- a/hls_phase1.pptx
+++ b/hls_phase1.pptx
@@ -5,7 +5,7 @@
     <p:sldMasterId id="2147483648" r:id="rId1"/>
   </p:sldMasterIdLst>
   <p:notesMasterIdLst>
-    <p:notesMasterId r:id="rId22"/>
+    <p:notesMasterId r:id="rId23"/>
   </p:notesMasterIdLst>
   <p:sldIdLst>
     <p:sldId id="256" r:id="rId2"/>
@@ -28,6 +28,7 @@
     <p:sldId id="273" r:id="rId19"/>
     <p:sldId id="274" r:id="rId20"/>
     <p:sldId id="275" r:id="rId21"/>
+    <p:sldId id="276" r:id="rId22"/>
   </p:sldIdLst>
   <p:sldSz cx="12192000" cy="6858000"/>
   <p:notesSz cx="6858000" cy="9144000"/>
@@ -7797,6 +7798,179 @@
     <p:extLst>
       <p:ext uri="{BB962C8B-B14F-4D97-AF65-F5344CB8AC3E}">
         <p14:creationId xmlns:p14="http://schemas.microsoft.com/office/powerpoint/2010/main" val="4129635529"/>
+      </p:ext>
+    </p:extLst>
+  </p:cSld>
+  <p:clrMapOvr>
+    <a:masterClrMapping/>
+  </p:clrMapOvr>
+</p:sld>
+</file>
+
+<file path=ppt/slides/slide21.xml><?xml version="1.0" encoding="utf-8"?>
+<p:sld xmlns:a="http://schemas.openxmlformats.org/drawingml/2006/main" xmlns:r="http://schemas.openxmlformats.org/officeDocument/2006/relationships" xmlns:p="http://schemas.openxmlformats.org/presentationml/2006/main">
+  <p:cSld>
+    <p:spTree>
+      <p:nvGrpSpPr>
+        <p:cNvPr id="1" name=""/>
+        <p:cNvGrpSpPr/>
+        <p:nvPr/>
+      </p:nvGrpSpPr>
+      <p:grpSpPr>
+        <a:xfrm>
+          <a:off x="0" y="0"/>
+          <a:ext cx="0" cy="0"/>
+          <a:chOff x="0" y="0"/>
+          <a:chExt cx="0" cy="0"/>
+        </a:xfrm>
+      </p:grpSpPr>
+      <p:sp>
+        <p:nvSpPr>
+          <p:cNvPr id="2" name="Slide Number Placeholder 1">
+            <a:extLst>
+              <a:ext uri="{FF2B5EF4-FFF2-40B4-BE49-F238E27FC236}">
+                <a16:creationId xmlns:a16="http://schemas.microsoft.com/office/drawing/2014/main" id="{C6DA5922-470F-421C-B062-43EA6FC0AF55}"/>
+              </a:ext>
+            </a:extLst>
+          </p:cNvPr>
+          <p:cNvSpPr>
+            <a:spLocks noGrp="1"/>
+          </p:cNvSpPr>
+          <p:nvPr>
+            <p:ph type="sldNum" sz="quarter" idx="12"/>
+          </p:nvPr>
+        </p:nvSpPr>
+        <p:spPr/>
+        <p:txBody>
+          <a:bodyPr/>
+          <a:lstStyle/>
+          <a:p>
+            <a:fld id="{0B12C922-00BD-488B-848D-49DE5635C3DD}" type="slidenum">
+              <a:rPr lang="en-IN" smtClean="0"/>
+              <a:t>21</a:t>
+            </a:fld>
+            <a:endParaRPr lang="en-IN"/>
+          </a:p>
+        </p:txBody>
+      </p:sp>
+      <p:sp>
+        <p:nvSpPr>
+          <p:cNvPr id="3" name="TextBox 2">
+            <a:extLst>
+              <a:ext uri="{FF2B5EF4-FFF2-40B4-BE49-F238E27FC236}">
+                <a16:creationId xmlns:a16="http://schemas.microsoft.com/office/drawing/2014/main" id="{096C3BAA-E400-4936-A57F-B0399E0C5059}"/>
+              </a:ext>
+            </a:extLst>
+          </p:cNvPr>
+          <p:cNvSpPr txBox="1"/>
+          <p:nvPr/>
+        </p:nvSpPr>
+        <p:spPr>
+          <a:xfrm>
+            <a:off x="560439" y="867385"/>
+            <a:ext cx="6096000" cy="3139321"/>
+          </a:xfrm>
+          <a:prstGeom prst="rect">
+            <a:avLst/>
+          </a:prstGeom>
+          <a:noFill/>
+        </p:spPr>
+        <p:txBody>
+          <a:bodyPr wrap="square">
+            <a:spAutoFit/>
+          </a:bodyPr>
+          <a:lstStyle/>
+          <a:p>
+            <a:r>
+              <a:rPr lang="en-IN" sz="3600" dirty="0">
+                <a:latin typeface="Times New Roman" panose="02020603050405020304" pitchFamily="18" charset="0"/>
+                <a:cs typeface="Times New Roman" panose="02020603050405020304" pitchFamily="18" charset="0"/>
+              </a:rPr>
+              <a:t>Combinational designs</a:t>
+            </a:r>
+          </a:p>
+          <a:p>
+            <a:endParaRPr lang="en-IN" sz="2400" dirty="0">
+              <a:latin typeface="Times New Roman" panose="02020603050405020304" pitchFamily="18" charset="0"/>
+              <a:cs typeface="Times New Roman" panose="02020603050405020304" pitchFamily="18" charset="0"/>
+            </a:endParaRPr>
+          </a:p>
+          <a:p>
+            <a:pPr marL="342900" indent="-342900">
+              <a:buAutoNum type="arabicPeriod"/>
+            </a:pPr>
+            <a:r>
+              <a:rPr lang="en-IN" sz="2400" dirty="0">
+                <a:latin typeface="Times New Roman" panose="02020603050405020304" pitchFamily="18" charset="0"/>
+                <a:cs typeface="Times New Roman" panose="02020603050405020304" pitchFamily="18" charset="0"/>
+              </a:rPr>
+              <a:t>D Flipflop</a:t>
+            </a:r>
+          </a:p>
+          <a:p>
+            <a:pPr marL="342900" indent="-342900">
+              <a:buFontTx/>
+              <a:buAutoNum type="arabicPeriod"/>
+            </a:pPr>
+            <a:r>
+              <a:rPr lang="en-IN" sz="2400" dirty="0">
+                <a:latin typeface="Times New Roman" panose="02020603050405020304" pitchFamily="18" charset="0"/>
+                <a:cs typeface="Times New Roman" panose="02020603050405020304" pitchFamily="18" charset="0"/>
+              </a:rPr>
+              <a:t>D Flipflop with asynchronous reset</a:t>
+            </a:r>
+          </a:p>
+          <a:p>
+            <a:pPr marL="342900" indent="-342900">
+              <a:buAutoNum type="arabicPeriod"/>
+            </a:pPr>
+            <a:r>
+              <a:rPr lang="en-IN" sz="2400" dirty="0">
+                <a:latin typeface="Times New Roman" panose="02020603050405020304" pitchFamily="18" charset="0"/>
+                <a:cs typeface="Times New Roman" panose="02020603050405020304" pitchFamily="18" charset="0"/>
+              </a:rPr>
+              <a:t>Counter</a:t>
+            </a:r>
+          </a:p>
+          <a:p>
+            <a:pPr marL="342900" indent="-342900">
+              <a:buAutoNum type="arabicPeriod"/>
+            </a:pPr>
+            <a:r>
+              <a:rPr lang="en-IN" sz="2400" dirty="0">
+                <a:latin typeface="Times New Roman" panose="02020603050405020304" pitchFamily="18" charset="0"/>
+                <a:cs typeface="Times New Roman" panose="02020603050405020304" pitchFamily="18" charset="0"/>
+              </a:rPr>
+              <a:t>ALU</a:t>
+            </a:r>
+          </a:p>
+          <a:p>
+            <a:pPr marL="342900" indent="-342900">
+              <a:buAutoNum type="arabicPeriod"/>
+            </a:pPr>
+            <a:r>
+              <a:rPr lang="en-IN" sz="2400" dirty="0">
+                <a:latin typeface="Times New Roman" panose="02020603050405020304" pitchFamily="18" charset="0"/>
+                <a:cs typeface="Times New Roman" panose="02020603050405020304" pitchFamily="18" charset="0"/>
+              </a:rPr>
+              <a:t>RAM </a:t>
+            </a:r>
+          </a:p>
+          <a:p>
+            <a:pPr marL="342900" indent="-342900">
+              <a:buAutoNum type="arabicPeriod"/>
+            </a:pPr>
+            <a:endParaRPr lang="en-IN" sz="1800" dirty="0">
+              <a:latin typeface="Times New Roman" panose="02020603050405020304" pitchFamily="18" charset="0"/>
+              <a:cs typeface="Times New Roman" panose="02020603050405020304" pitchFamily="18" charset="0"/>
+            </a:endParaRPr>
+          </a:p>
+        </p:txBody>
+      </p:sp>
+    </p:spTree>
+    <p:extLst>
+      <p:ext uri="{BB962C8B-B14F-4D97-AF65-F5344CB8AC3E}">
+        <p14:creationId xmlns:p14="http://schemas.microsoft.com/office/powerpoint/2010/main" val="1753047330"/>
       </p:ext>
     </p:extLst>
   </p:cSld>

--- a/hls_phase1.pptx
+++ b/hls_phase1.pptx
@@ -217,7 +217,7 @@
           <a:p>
             <a:fld id="{E1F2E79C-175F-44DC-BC9A-23322DD3F10A}" type="datetimeFigureOut">
               <a:rPr lang="en-IN" smtClean="0"/>
-              <a:t>14-12-2023</a:t>
+              <a:t>15-12-2023</a:t>
             </a:fld>
             <a:endParaRPr lang="en-IN"/>
           </a:p>
@@ -634,7 +634,7 @@
           <a:p>
             <a:fld id="{E637FC7D-F922-4FD1-995F-2A72337ADDDA}" type="datetime1">
               <a:rPr lang="en-IN" smtClean="0"/>
-              <a:t>14-12-2023</a:t>
+              <a:t>15-12-2023</a:t>
             </a:fld>
             <a:endParaRPr lang="en-IN"/>
           </a:p>
@@ -834,7 +834,7 @@
           <a:p>
             <a:fld id="{8C613DFC-F682-481D-B2A5-0D4A43E3C20B}" type="datetime1">
               <a:rPr lang="en-IN" smtClean="0"/>
-              <a:t>14-12-2023</a:t>
+              <a:t>15-12-2023</a:t>
             </a:fld>
             <a:endParaRPr lang="en-IN"/>
           </a:p>
@@ -1044,7 +1044,7 @@
           <a:p>
             <a:fld id="{E2378F03-67A8-4FA6-9B2F-96ED40C784CC}" type="datetime1">
               <a:rPr lang="en-IN" smtClean="0"/>
-              <a:t>14-12-2023</a:t>
+              <a:t>15-12-2023</a:t>
             </a:fld>
             <a:endParaRPr lang="en-IN"/>
           </a:p>
@@ -1244,7 +1244,7 @@
           <a:p>
             <a:fld id="{80F6DF35-6BAB-48FD-B89E-A6ECEDD7568A}" type="datetime1">
               <a:rPr lang="en-IN" smtClean="0"/>
-              <a:t>14-12-2023</a:t>
+              <a:t>15-12-2023</a:t>
             </a:fld>
             <a:endParaRPr lang="en-IN"/>
           </a:p>
@@ -1520,7 +1520,7 @@
           <a:p>
             <a:fld id="{7C0DFB6F-8A01-4FA1-85B3-756BDDA0BCD5}" type="datetime1">
               <a:rPr lang="en-IN" smtClean="0"/>
-              <a:t>14-12-2023</a:t>
+              <a:t>15-12-2023</a:t>
             </a:fld>
             <a:endParaRPr lang="en-IN"/>
           </a:p>
@@ -1788,7 +1788,7 @@
           <a:p>
             <a:fld id="{398585EF-55F0-435B-832A-8F90D43CEB0A}" type="datetime1">
               <a:rPr lang="en-IN" smtClean="0"/>
-              <a:t>14-12-2023</a:t>
+              <a:t>15-12-2023</a:t>
             </a:fld>
             <a:endParaRPr lang="en-IN"/>
           </a:p>
@@ -2203,7 +2203,7 @@
           <a:p>
             <a:fld id="{E63A39E7-A20C-44FE-9988-8581EF2096B8}" type="datetime1">
               <a:rPr lang="en-IN" smtClean="0"/>
-              <a:t>14-12-2023</a:t>
+              <a:t>15-12-2023</a:t>
             </a:fld>
             <a:endParaRPr lang="en-IN"/>
           </a:p>
@@ -2345,7 +2345,7 @@
           <a:p>
             <a:fld id="{F6628C93-EF9F-46F8-8C19-983657FA68CC}" type="datetime1">
               <a:rPr lang="en-IN" smtClean="0"/>
-              <a:t>14-12-2023</a:t>
+              <a:t>15-12-2023</a:t>
             </a:fld>
             <a:endParaRPr lang="en-IN"/>
           </a:p>
@@ -2458,7 +2458,7 @@
           <a:p>
             <a:fld id="{B8B688FF-6309-4164-A821-8E55A572992D}" type="datetime1">
               <a:rPr lang="en-IN" smtClean="0"/>
-              <a:t>14-12-2023</a:t>
+              <a:t>15-12-2023</a:t>
             </a:fld>
             <a:endParaRPr lang="en-IN"/>
           </a:p>
@@ -2771,7 +2771,7 @@
           <a:p>
             <a:fld id="{BDB456D5-53B4-48E4-AE53-8DAB33B47CF7}" type="datetime1">
               <a:rPr lang="en-IN" smtClean="0"/>
-              <a:t>14-12-2023</a:t>
+              <a:t>15-12-2023</a:t>
             </a:fld>
             <a:endParaRPr lang="en-IN"/>
           </a:p>
@@ -3060,7 +3060,7 @@
           <a:p>
             <a:fld id="{6E2AD77B-2FEF-48AF-91A3-D1586A1C9FCB}" type="datetime1">
               <a:rPr lang="en-IN" smtClean="0"/>
-              <a:t>14-12-2023</a:t>
+              <a:t>15-12-2023</a:t>
             </a:fld>
             <a:endParaRPr lang="en-IN"/>
           </a:p>
@@ -3303,7 +3303,7 @@
           <a:p>
             <a:fld id="{90452C8C-CE83-43E0-8969-A5B975D8EDB0}" type="datetime1">
               <a:rPr lang="en-IN" smtClean="0"/>
-              <a:t>14-12-2023</a:t>
+              <a:t>15-12-2023</a:t>
             </a:fld>
             <a:endParaRPr lang="en-IN"/>
           </a:p>
@@ -7868,7 +7868,7 @@
         <p:spPr>
           <a:xfrm>
             <a:off x="560439" y="867385"/>
-            <a:ext cx="6096000" cy="3139321"/>
+            <a:ext cx="6096000" cy="3508653"/>
           </a:xfrm>
           <a:prstGeom prst="rect">
             <a:avLst/>
@@ -7886,7 +7886,7 @@
                 <a:latin typeface="Times New Roman" panose="02020603050405020304" pitchFamily="18" charset="0"/>
                 <a:cs typeface="Times New Roman" panose="02020603050405020304" pitchFamily="18" charset="0"/>
               </a:rPr>
-              <a:t>Combinational designs</a:t>
+              <a:t>Sequential designs</a:t>
             </a:r>
           </a:p>
           <a:p>
@@ -7922,6 +7922,19 @@
           </a:p>
           <a:p>
             <a:pPr marL="342900" indent="-342900">
+              <a:buFontTx/>
+              <a:buAutoNum type="arabicPeriod"/>
+            </a:pPr>
+            <a:r>
+              <a:rPr lang="en-IN" sz="2400" dirty="0">
+                <a:latin typeface="Times New Roman" panose="02020603050405020304" pitchFamily="18" charset="0"/>
+                <a:cs typeface="Times New Roman" panose="02020603050405020304" pitchFamily="18" charset="0"/>
+              </a:rPr>
+              <a:t>ALU</a:t>
+            </a:r>
+          </a:p>
+          <a:p>
+            <a:pPr marL="342900" indent="-342900">
               <a:buAutoNum type="arabicPeriod"/>
             </a:pPr>
             <a:r>
@@ -7941,7 +7954,7 @@
                 <a:latin typeface="Times New Roman" panose="02020603050405020304" pitchFamily="18" charset="0"/>
                 <a:cs typeface="Times New Roman" panose="02020603050405020304" pitchFamily="18" charset="0"/>
               </a:rPr>
-              <a:t>ALU</a:t>
+              <a:t>Shift register</a:t>
             </a:r>
           </a:p>
           <a:p>

--- a/hls_phase1.pptx
+++ b/hls_phase1.pptx
@@ -5,7 +5,7 @@
     <p:sldMasterId id="2147483648" r:id="rId1"/>
   </p:sldMasterIdLst>
   <p:notesMasterIdLst>
-    <p:notesMasterId r:id="rId23"/>
+    <p:notesMasterId r:id="rId32"/>
   </p:notesMasterIdLst>
   <p:sldIdLst>
     <p:sldId id="256" r:id="rId2"/>
@@ -29,6 +29,15 @@
     <p:sldId id="274" r:id="rId20"/>
     <p:sldId id="275" r:id="rId21"/>
     <p:sldId id="276" r:id="rId22"/>
+    <p:sldId id="277" r:id="rId23"/>
+    <p:sldId id="278" r:id="rId24"/>
+    <p:sldId id="279" r:id="rId25"/>
+    <p:sldId id="285" r:id="rId26"/>
+    <p:sldId id="286" r:id="rId27"/>
+    <p:sldId id="280" r:id="rId28"/>
+    <p:sldId id="282" r:id="rId29"/>
+    <p:sldId id="283" r:id="rId30"/>
+    <p:sldId id="284" r:id="rId31"/>
   </p:sldIdLst>
   <p:sldSz cx="12192000" cy="6858000"/>
   <p:notesSz cx="6858000" cy="9144000"/>
@@ -7993,6 +8002,3301 @@
 </p:sld>
 </file>
 
+<file path=ppt/slides/slide22.xml><?xml version="1.0" encoding="utf-8"?>
+<p:sld xmlns:a="http://schemas.openxmlformats.org/drawingml/2006/main" xmlns:r="http://schemas.openxmlformats.org/officeDocument/2006/relationships" xmlns:p="http://schemas.openxmlformats.org/presentationml/2006/main">
+  <p:cSld>
+    <p:spTree>
+      <p:nvGrpSpPr>
+        <p:cNvPr id="1" name=""/>
+        <p:cNvGrpSpPr/>
+        <p:nvPr/>
+      </p:nvGrpSpPr>
+      <p:grpSpPr>
+        <a:xfrm>
+          <a:off x="0" y="0"/>
+          <a:ext cx="0" cy="0"/>
+          <a:chOff x="0" y="0"/>
+          <a:chExt cx="0" cy="0"/>
+        </a:xfrm>
+      </p:grpSpPr>
+      <p:sp>
+        <p:nvSpPr>
+          <p:cNvPr id="2" name="Slide Number Placeholder 1">
+            <a:extLst>
+              <a:ext uri="{FF2B5EF4-FFF2-40B4-BE49-F238E27FC236}">
+                <a16:creationId xmlns:a16="http://schemas.microsoft.com/office/drawing/2014/main" id="{D6CE8A80-E028-6027-36E0-B07E4A3A0D86}"/>
+              </a:ext>
+            </a:extLst>
+          </p:cNvPr>
+          <p:cNvSpPr>
+            <a:spLocks noGrp="1"/>
+          </p:cNvSpPr>
+          <p:nvPr>
+            <p:ph type="sldNum" sz="quarter" idx="12"/>
+          </p:nvPr>
+        </p:nvSpPr>
+        <p:spPr/>
+        <p:txBody>
+          <a:bodyPr/>
+          <a:lstStyle/>
+          <a:p>
+            <a:fld id="{0B12C922-00BD-488B-848D-49DE5635C3DD}" type="slidenum">
+              <a:rPr lang="en-IN" smtClean="0"/>
+              <a:t>22</a:t>
+            </a:fld>
+            <a:endParaRPr lang="en-IN"/>
+          </a:p>
+        </p:txBody>
+      </p:sp>
+      <p:sp>
+        <p:nvSpPr>
+          <p:cNvPr id="4" name="TextBox 3">
+            <a:extLst>
+              <a:ext uri="{FF2B5EF4-FFF2-40B4-BE49-F238E27FC236}">
+                <a16:creationId xmlns:a16="http://schemas.microsoft.com/office/drawing/2014/main" id="{46FFF68E-91ED-CE4F-DE93-2308033C0354}"/>
+              </a:ext>
+            </a:extLst>
+          </p:cNvPr>
+          <p:cNvSpPr txBox="1"/>
+          <p:nvPr/>
+        </p:nvSpPr>
+        <p:spPr>
+          <a:xfrm>
+            <a:off x="265470" y="364246"/>
+            <a:ext cx="11316929" cy="523220"/>
+          </a:xfrm>
+          <a:prstGeom prst="rect">
+            <a:avLst/>
+          </a:prstGeom>
+          <a:noFill/>
+        </p:spPr>
+        <p:txBody>
+          <a:bodyPr wrap="square">
+            <a:spAutoFit/>
+          </a:bodyPr>
+          <a:lstStyle/>
+          <a:p>
+            <a:r>
+              <a:rPr lang="en-IN" sz="2800" b="1" dirty="0">
+                <a:latin typeface="Times New Roman" panose="02020603050405020304" pitchFamily="18" charset="0"/>
+                <a:cs typeface="Times New Roman" panose="02020603050405020304" pitchFamily="18" charset="0"/>
+              </a:rPr>
+              <a:t>Sequential designs:		D Flipflop</a:t>
+            </a:r>
+          </a:p>
+        </p:txBody>
+      </p:sp>
+      <p:sp>
+        <p:nvSpPr>
+          <p:cNvPr id="6" name="TextBox 5">
+            <a:extLst>
+              <a:ext uri="{FF2B5EF4-FFF2-40B4-BE49-F238E27FC236}">
+                <a16:creationId xmlns:a16="http://schemas.microsoft.com/office/drawing/2014/main" id="{83102264-1EBC-5B77-5AD0-DDDCC1B753BD}"/>
+              </a:ext>
+            </a:extLst>
+          </p:cNvPr>
+          <p:cNvSpPr txBox="1"/>
+          <p:nvPr/>
+        </p:nvSpPr>
+        <p:spPr>
+          <a:xfrm>
+            <a:off x="2113935" y="1082751"/>
+            <a:ext cx="6096000" cy="5078313"/>
+          </a:xfrm>
+          <a:prstGeom prst="rect">
+            <a:avLst/>
+          </a:prstGeom>
+          <a:noFill/>
+          <a:ln>
+            <a:solidFill>
+              <a:schemeClr val="tx1"/>
+            </a:solidFill>
+          </a:ln>
+        </p:spPr>
+        <p:txBody>
+          <a:bodyPr wrap="square">
+            <a:spAutoFit/>
+          </a:bodyPr>
+          <a:lstStyle/>
+          <a:p>
+            <a:r>
+              <a:rPr lang="en-IN" dirty="0"/>
+              <a:t>from </a:t>
+            </a:r>
+            <a:r>
+              <a:rPr lang="en-IN" dirty="0" err="1"/>
+              <a:t>myhdl</a:t>
+            </a:r>
+            <a:r>
+              <a:rPr lang="en-IN" dirty="0"/>
+              <a:t> import *</a:t>
+            </a:r>
+          </a:p>
+          <a:p>
+            <a:endParaRPr lang="en-IN" dirty="0"/>
+          </a:p>
+          <a:p>
+            <a:r>
+              <a:rPr lang="en-IN" dirty="0"/>
+              <a:t>@block</a:t>
+            </a:r>
+          </a:p>
+          <a:p>
+            <a:r>
+              <a:rPr lang="en-IN" dirty="0"/>
+              <a:t>def </a:t>
+            </a:r>
+            <a:r>
+              <a:rPr lang="en-IN" dirty="0" err="1"/>
+              <a:t>dff</a:t>
+            </a:r>
+            <a:r>
+              <a:rPr lang="en-IN" dirty="0"/>
+              <a:t>(q, d, </a:t>
+            </a:r>
+            <a:r>
+              <a:rPr lang="en-IN" dirty="0" err="1"/>
+              <a:t>clk</a:t>
+            </a:r>
+            <a:r>
+              <a:rPr lang="en-IN" dirty="0"/>
+              <a:t>):</a:t>
+            </a:r>
+          </a:p>
+          <a:p>
+            <a:endParaRPr lang="en-IN" dirty="0"/>
+          </a:p>
+          <a:p>
+            <a:r>
+              <a:rPr lang="en-IN" dirty="0"/>
+              <a:t>    @always(clk.posedge)</a:t>
+            </a:r>
+          </a:p>
+          <a:p>
+            <a:r>
+              <a:rPr lang="en-IN" dirty="0"/>
+              <a:t>    def logic():</a:t>
+            </a:r>
+          </a:p>
+          <a:p>
+            <a:r>
+              <a:rPr lang="en-IN" dirty="0"/>
+              <a:t>        </a:t>
+            </a:r>
+            <a:r>
+              <a:rPr lang="en-IN" dirty="0" err="1"/>
+              <a:t>q.next</a:t>
+            </a:r>
+            <a:r>
+              <a:rPr lang="en-IN" dirty="0"/>
+              <a:t> = d</a:t>
+            </a:r>
+          </a:p>
+          <a:p>
+            <a:endParaRPr lang="en-IN" dirty="0"/>
+          </a:p>
+          <a:p>
+            <a:r>
+              <a:rPr lang="en-IN" dirty="0"/>
+              <a:t>    return logic</a:t>
+            </a:r>
+          </a:p>
+          <a:p>
+            <a:endParaRPr lang="en-IN" dirty="0"/>
+          </a:p>
+          <a:p>
+            <a:endParaRPr lang="en-IN" dirty="0"/>
+          </a:p>
+          <a:p>
+            <a:r>
+              <a:rPr lang="en-IN" dirty="0"/>
+              <a:t>def convert():</a:t>
+            </a:r>
+          </a:p>
+          <a:p>
+            <a:r>
+              <a:rPr lang="en-IN" dirty="0"/>
+              <a:t>    q, d, </a:t>
+            </a:r>
+            <a:r>
+              <a:rPr lang="en-IN" dirty="0" err="1"/>
+              <a:t>clk</a:t>
+            </a:r>
+            <a:r>
+              <a:rPr lang="en-IN" dirty="0"/>
+              <a:t> = [Signal(bool(0)) for </a:t>
+            </a:r>
+            <a:r>
+              <a:rPr lang="en-IN" dirty="0" err="1"/>
+              <a:t>i</a:t>
+            </a:r>
+            <a:r>
+              <a:rPr lang="en-IN" dirty="0"/>
+              <a:t> in range(3)]</a:t>
+            </a:r>
+          </a:p>
+          <a:p>
+            <a:r>
+              <a:rPr lang="en-IN" dirty="0"/>
+              <a:t>    </a:t>
+            </a:r>
+            <a:r>
+              <a:rPr lang="en-IN" dirty="0" err="1"/>
+              <a:t>convInst</a:t>
+            </a:r>
+            <a:r>
+              <a:rPr lang="en-IN" dirty="0"/>
+              <a:t> = </a:t>
+            </a:r>
+            <a:r>
+              <a:rPr lang="en-IN" dirty="0" err="1"/>
+              <a:t>dff</a:t>
+            </a:r>
+            <a:r>
+              <a:rPr lang="en-IN" dirty="0"/>
+              <a:t>(q, d, </a:t>
+            </a:r>
+            <a:r>
+              <a:rPr lang="en-IN" dirty="0" err="1"/>
+              <a:t>clk</a:t>
+            </a:r>
+            <a:r>
+              <a:rPr lang="en-IN" dirty="0"/>
+              <a:t>) </a:t>
+            </a:r>
+          </a:p>
+          <a:p>
+            <a:r>
+              <a:rPr lang="en-IN" dirty="0"/>
+              <a:t>    </a:t>
+            </a:r>
+            <a:r>
+              <a:rPr lang="en-IN" dirty="0" err="1"/>
+              <a:t>convInst.convert</a:t>
+            </a:r>
+            <a:r>
+              <a:rPr lang="en-IN" dirty="0"/>
+              <a:t>(</a:t>
+            </a:r>
+            <a:r>
+              <a:rPr lang="en-IN" dirty="0" err="1"/>
+              <a:t>hdl</a:t>
+            </a:r>
+            <a:r>
+              <a:rPr lang="en-IN" dirty="0"/>
+              <a:t>='Verilog')</a:t>
+            </a:r>
+          </a:p>
+          <a:p>
+            <a:endParaRPr lang="en-IN" dirty="0"/>
+          </a:p>
+          <a:p>
+            <a:r>
+              <a:rPr lang="en-IN" dirty="0"/>
+              <a:t>convert()</a:t>
+            </a:r>
+          </a:p>
+        </p:txBody>
+      </p:sp>
+    </p:spTree>
+    <p:extLst>
+      <p:ext uri="{BB962C8B-B14F-4D97-AF65-F5344CB8AC3E}">
+        <p14:creationId xmlns:p14="http://schemas.microsoft.com/office/powerpoint/2010/main" val="2759484194"/>
+      </p:ext>
+    </p:extLst>
+  </p:cSld>
+  <p:clrMapOvr>
+    <a:masterClrMapping/>
+  </p:clrMapOvr>
+</p:sld>
+</file>
+
+<file path=ppt/slides/slide23.xml><?xml version="1.0" encoding="utf-8"?>
+<p:sld xmlns:a="http://schemas.openxmlformats.org/drawingml/2006/main" xmlns:r="http://schemas.openxmlformats.org/officeDocument/2006/relationships" xmlns:p="http://schemas.openxmlformats.org/presentationml/2006/main">
+  <p:cSld>
+    <p:spTree>
+      <p:nvGrpSpPr>
+        <p:cNvPr id="1" name=""/>
+        <p:cNvGrpSpPr/>
+        <p:nvPr/>
+      </p:nvGrpSpPr>
+      <p:grpSpPr>
+        <a:xfrm>
+          <a:off x="0" y="0"/>
+          <a:ext cx="0" cy="0"/>
+          <a:chOff x="0" y="0"/>
+          <a:chExt cx="0" cy="0"/>
+        </a:xfrm>
+      </p:grpSpPr>
+      <p:sp>
+        <p:nvSpPr>
+          <p:cNvPr id="2" name="Slide Number Placeholder 1">
+            <a:extLst>
+              <a:ext uri="{FF2B5EF4-FFF2-40B4-BE49-F238E27FC236}">
+                <a16:creationId xmlns:a16="http://schemas.microsoft.com/office/drawing/2014/main" id="{FB228BB7-D448-C99D-D01F-558F43AA9A52}"/>
+              </a:ext>
+            </a:extLst>
+          </p:cNvPr>
+          <p:cNvSpPr>
+            <a:spLocks noGrp="1"/>
+          </p:cNvSpPr>
+          <p:nvPr>
+            <p:ph type="sldNum" sz="quarter" idx="12"/>
+          </p:nvPr>
+        </p:nvSpPr>
+        <p:spPr/>
+        <p:txBody>
+          <a:bodyPr/>
+          <a:lstStyle/>
+          <a:p>
+            <a:fld id="{0B12C922-00BD-488B-848D-49DE5635C3DD}" type="slidenum">
+              <a:rPr lang="en-IN" smtClean="0"/>
+              <a:t>23</a:t>
+            </a:fld>
+            <a:endParaRPr lang="en-IN"/>
+          </a:p>
+        </p:txBody>
+      </p:sp>
+      <p:sp>
+        <p:nvSpPr>
+          <p:cNvPr id="4" name="TextBox 3">
+            <a:extLst>
+              <a:ext uri="{FF2B5EF4-FFF2-40B4-BE49-F238E27FC236}">
+                <a16:creationId xmlns:a16="http://schemas.microsoft.com/office/drawing/2014/main" id="{793510B1-745A-B5B6-EB0A-1DAE75087AD3}"/>
+              </a:ext>
+            </a:extLst>
+          </p:cNvPr>
+          <p:cNvSpPr txBox="1"/>
+          <p:nvPr/>
+        </p:nvSpPr>
+        <p:spPr>
+          <a:xfrm>
+            <a:off x="609600" y="487825"/>
+            <a:ext cx="10127226" cy="523220"/>
+          </a:xfrm>
+          <a:prstGeom prst="rect">
+            <a:avLst/>
+          </a:prstGeom>
+          <a:noFill/>
+        </p:spPr>
+        <p:txBody>
+          <a:bodyPr wrap="square">
+            <a:spAutoFit/>
+          </a:bodyPr>
+          <a:lstStyle/>
+          <a:p>
+            <a:r>
+              <a:rPr lang="en-US" sz="2800" b="1" dirty="0">
+                <a:latin typeface="Times New Roman" panose="02020603050405020304" pitchFamily="18" charset="0"/>
+                <a:cs typeface="Times New Roman" panose="02020603050405020304" pitchFamily="18" charset="0"/>
+              </a:rPr>
+              <a:t>Sequential designs:		D Flipflop with asynchronous reset</a:t>
+            </a:r>
+          </a:p>
+        </p:txBody>
+      </p:sp>
+      <p:sp>
+        <p:nvSpPr>
+          <p:cNvPr id="6" name="TextBox 5">
+            <a:extLst>
+              <a:ext uri="{FF2B5EF4-FFF2-40B4-BE49-F238E27FC236}">
+                <a16:creationId xmlns:a16="http://schemas.microsoft.com/office/drawing/2014/main" id="{A8A1D396-81DD-17AF-0914-A447FD5A756E}"/>
+              </a:ext>
+            </a:extLst>
+          </p:cNvPr>
+          <p:cNvSpPr txBox="1"/>
+          <p:nvPr/>
+        </p:nvSpPr>
+        <p:spPr>
+          <a:xfrm>
+            <a:off x="2772697" y="1460599"/>
+            <a:ext cx="6096000" cy="5078313"/>
+          </a:xfrm>
+          <a:prstGeom prst="rect">
+            <a:avLst/>
+          </a:prstGeom>
+          <a:noFill/>
+          <a:ln>
+            <a:solidFill>
+              <a:schemeClr val="tx1"/>
+            </a:solidFill>
+          </a:ln>
+        </p:spPr>
+        <p:txBody>
+          <a:bodyPr wrap="square">
+            <a:spAutoFit/>
+          </a:bodyPr>
+          <a:lstStyle/>
+          <a:p>
+            <a:r>
+              <a:rPr lang="en-IN" dirty="0"/>
+              <a:t>from </a:t>
+            </a:r>
+            <a:r>
+              <a:rPr lang="en-IN" dirty="0" err="1"/>
+              <a:t>myhdl</a:t>
+            </a:r>
+            <a:r>
+              <a:rPr lang="en-IN" dirty="0"/>
+              <a:t> import *</a:t>
+            </a:r>
+          </a:p>
+          <a:p>
+            <a:endParaRPr lang="en-IN" dirty="0"/>
+          </a:p>
+          <a:p>
+            <a:r>
+              <a:rPr lang="en-IN" dirty="0"/>
+              <a:t>@block</a:t>
+            </a:r>
+          </a:p>
+          <a:p>
+            <a:r>
+              <a:rPr lang="en-IN" dirty="0"/>
+              <a:t>def </a:t>
+            </a:r>
+            <a:r>
+              <a:rPr lang="en-IN" dirty="0" err="1"/>
+              <a:t>dffa</a:t>
+            </a:r>
+            <a:r>
+              <a:rPr lang="en-IN" dirty="0"/>
+              <a:t>(q, d, </a:t>
+            </a:r>
+            <a:r>
+              <a:rPr lang="en-IN" dirty="0" err="1"/>
+              <a:t>clk</a:t>
+            </a:r>
+            <a:r>
+              <a:rPr lang="en-IN" dirty="0"/>
+              <a:t>, </a:t>
+            </a:r>
+            <a:r>
+              <a:rPr lang="en-IN" dirty="0" err="1"/>
+              <a:t>rst</a:t>
+            </a:r>
+            <a:r>
+              <a:rPr lang="en-IN" dirty="0"/>
+              <a:t>):</a:t>
+            </a:r>
+          </a:p>
+          <a:p>
+            <a:endParaRPr lang="en-IN" dirty="0"/>
+          </a:p>
+          <a:p>
+            <a:r>
+              <a:rPr lang="en-IN" dirty="0"/>
+              <a:t>    @always_seq(clk.posedge, reset=</a:t>
+            </a:r>
+            <a:r>
+              <a:rPr lang="en-IN" dirty="0" err="1"/>
+              <a:t>rst</a:t>
+            </a:r>
+            <a:r>
+              <a:rPr lang="en-IN" dirty="0"/>
+              <a:t>)</a:t>
+            </a:r>
+          </a:p>
+          <a:p>
+            <a:r>
+              <a:rPr lang="en-IN" dirty="0"/>
+              <a:t>    def logic():</a:t>
+            </a:r>
+          </a:p>
+          <a:p>
+            <a:r>
+              <a:rPr lang="en-IN" dirty="0"/>
+              <a:t>        </a:t>
+            </a:r>
+            <a:r>
+              <a:rPr lang="en-IN" dirty="0" err="1"/>
+              <a:t>q.next</a:t>
+            </a:r>
+            <a:r>
+              <a:rPr lang="en-IN" dirty="0"/>
+              <a:t> = d</a:t>
+            </a:r>
+          </a:p>
+          <a:p>
+            <a:endParaRPr lang="en-IN" dirty="0"/>
+          </a:p>
+          <a:p>
+            <a:r>
+              <a:rPr lang="en-IN" dirty="0"/>
+              <a:t>    return logic</a:t>
+            </a:r>
+          </a:p>
+          <a:p>
+            <a:endParaRPr lang="en-IN" dirty="0"/>
+          </a:p>
+          <a:p>
+            <a:r>
+              <a:rPr lang="en-IN" dirty="0"/>
+              <a:t>def convert():</a:t>
+            </a:r>
+          </a:p>
+          <a:p>
+            <a:r>
+              <a:rPr lang="en-IN" dirty="0"/>
+              <a:t>    q, d, </a:t>
+            </a:r>
+            <a:r>
+              <a:rPr lang="en-IN" dirty="0" err="1"/>
+              <a:t>clk</a:t>
+            </a:r>
+            <a:r>
+              <a:rPr lang="en-IN" dirty="0"/>
+              <a:t> = [Signal(bool(0)) for </a:t>
+            </a:r>
+            <a:r>
+              <a:rPr lang="en-IN" dirty="0" err="1"/>
+              <a:t>i</a:t>
+            </a:r>
+            <a:r>
+              <a:rPr lang="en-IN" dirty="0"/>
+              <a:t> in range(3)]</a:t>
+            </a:r>
+          </a:p>
+          <a:p>
+            <a:r>
+              <a:rPr lang="en-IN" dirty="0"/>
+              <a:t>    </a:t>
+            </a:r>
+            <a:r>
+              <a:rPr lang="en-IN" dirty="0" err="1"/>
+              <a:t>rst</a:t>
+            </a:r>
+            <a:r>
+              <a:rPr lang="en-IN" dirty="0"/>
+              <a:t> = </a:t>
+            </a:r>
+            <a:r>
+              <a:rPr lang="en-IN" dirty="0" err="1"/>
+              <a:t>ResetSignal</a:t>
+            </a:r>
+            <a:r>
+              <a:rPr lang="en-IN" dirty="0"/>
+              <a:t>(</a:t>
+            </a:r>
+            <a:r>
+              <a:rPr lang="en-IN" dirty="0" err="1"/>
+              <a:t>val</a:t>
+            </a:r>
+            <a:r>
+              <a:rPr lang="en-IN" dirty="0"/>
+              <a:t>=1, active=0, </a:t>
+            </a:r>
+            <a:r>
+              <a:rPr lang="en-IN" dirty="0" err="1"/>
+              <a:t>isasync</a:t>
+            </a:r>
+            <a:r>
+              <a:rPr lang="en-IN" dirty="0"/>
+              <a:t>=True)</a:t>
+            </a:r>
+          </a:p>
+          <a:p>
+            <a:r>
+              <a:rPr lang="en-IN" dirty="0"/>
+              <a:t>    </a:t>
+            </a:r>
+            <a:r>
+              <a:rPr lang="en-IN" dirty="0" err="1"/>
+              <a:t>convInst</a:t>
+            </a:r>
+            <a:r>
+              <a:rPr lang="en-IN" dirty="0"/>
+              <a:t> = </a:t>
+            </a:r>
+            <a:r>
+              <a:rPr lang="en-IN" dirty="0" err="1"/>
+              <a:t>dffa</a:t>
+            </a:r>
+            <a:r>
+              <a:rPr lang="en-IN" dirty="0"/>
+              <a:t>(q, d, </a:t>
+            </a:r>
+            <a:r>
+              <a:rPr lang="en-IN" dirty="0" err="1"/>
+              <a:t>clk</a:t>
+            </a:r>
+            <a:r>
+              <a:rPr lang="en-IN" dirty="0"/>
+              <a:t>, </a:t>
+            </a:r>
+            <a:r>
+              <a:rPr lang="en-IN" dirty="0" err="1"/>
+              <a:t>rst</a:t>
+            </a:r>
+            <a:r>
+              <a:rPr lang="en-IN" dirty="0"/>
+              <a:t>)</a:t>
+            </a:r>
+          </a:p>
+          <a:p>
+            <a:r>
+              <a:rPr lang="en-IN" dirty="0"/>
+              <a:t>    </a:t>
+            </a:r>
+            <a:r>
+              <a:rPr lang="en-IN" dirty="0" err="1"/>
+              <a:t>convInst.convert</a:t>
+            </a:r>
+            <a:r>
+              <a:rPr lang="en-IN" dirty="0"/>
+              <a:t>(</a:t>
+            </a:r>
+            <a:r>
+              <a:rPr lang="en-IN" dirty="0" err="1"/>
+              <a:t>hdl</a:t>
+            </a:r>
+            <a:r>
+              <a:rPr lang="en-IN" dirty="0"/>
+              <a:t>='Verilog')</a:t>
+            </a:r>
+          </a:p>
+          <a:p>
+            <a:endParaRPr lang="en-IN" dirty="0"/>
+          </a:p>
+          <a:p>
+            <a:r>
+              <a:rPr lang="en-IN" dirty="0"/>
+              <a:t>convert()</a:t>
+            </a:r>
+          </a:p>
+        </p:txBody>
+      </p:sp>
+    </p:spTree>
+    <p:extLst>
+      <p:ext uri="{BB962C8B-B14F-4D97-AF65-F5344CB8AC3E}">
+        <p14:creationId xmlns:p14="http://schemas.microsoft.com/office/powerpoint/2010/main" val="1926999882"/>
+      </p:ext>
+    </p:extLst>
+  </p:cSld>
+  <p:clrMapOvr>
+    <a:masterClrMapping/>
+  </p:clrMapOvr>
+</p:sld>
+</file>
+
+<file path=ppt/slides/slide24.xml><?xml version="1.0" encoding="utf-8"?>
+<p:sld xmlns:a="http://schemas.openxmlformats.org/drawingml/2006/main" xmlns:r="http://schemas.openxmlformats.org/officeDocument/2006/relationships" xmlns:p="http://schemas.openxmlformats.org/presentationml/2006/main">
+  <p:cSld>
+    <p:spTree>
+      <p:nvGrpSpPr>
+        <p:cNvPr id="1" name=""/>
+        <p:cNvGrpSpPr/>
+        <p:nvPr/>
+      </p:nvGrpSpPr>
+      <p:grpSpPr>
+        <a:xfrm>
+          <a:off x="0" y="0"/>
+          <a:ext cx="0" cy="0"/>
+          <a:chOff x="0" y="0"/>
+          <a:chExt cx="0" cy="0"/>
+        </a:xfrm>
+      </p:grpSpPr>
+      <p:sp>
+        <p:nvSpPr>
+          <p:cNvPr id="2" name="Slide Number Placeholder 1">
+            <a:extLst>
+              <a:ext uri="{FF2B5EF4-FFF2-40B4-BE49-F238E27FC236}">
+                <a16:creationId xmlns:a16="http://schemas.microsoft.com/office/drawing/2014/main" id="{D6CE8A80-E028-6027-36E0-B07E4A3A0D86}"/>
+              </a:ext>
+            </a:extLst>
+          </p:cNvPr>
+          <p:cNvSpPr>
+            <a:spLocks noGrp="1"/>
+          </p:cNvSpPr>
+          <p:nvPr>
+            <p:ph type="sldNum" sz="quarter" idx="12"/>
+          </p:nvPr>
+        </p:nvSpPr>
+        <p:spPr/>
+        <p:txBody>
+          <a:bodyPr/>
+          <a:lstStyle/>
+          <a:p>
+            <a:fld id="{0B12C922-00BD-488B-848D-49DE5635C3DD}" type="slidenum">
+              <a:rPr lang="en-IN" smtClean="0"/>
+              <a:t>24</a:t>
+            </a:fld>
+            <a:endParaRPr lang="en-IN"/>
+          </a:p>
+        </p:txBody>
+      </p:sp>
+      <p:sp>
+        <p:nvSpPr>
+          <p:cNvPr id="4" name="TextBox 3">
+            <a:extLst>
+              <a:ext uri="{FF2B5EF4-FFF2-40B4-BE49-F238E27FC236}">
+                <a16:creationId xmlns:a16="http://schemas.microsoft.com/office/drawing/2014/main" id="{CC1167D1-7D27-13E6-D396-3F26BED820C8}"/>
+              </a:ext>
+            </a:extLst>
+          </p:cNvPr>
+          <p:cNvSpPr txBox="1"/>
+          <p:nvPr/>
+        </p:nvSpPr>
+        <p:spPr>
+          <a:xfrm>
+            <a:off x="658761" y="399334"/>
+            <a:ext cx="6096000" cy="523220"/>
+          </a:xfrm>
+          <a:prstGeom prst="rect">
+            <a:avLst/>
+          </a:prstGeom>
+          <a:noFill/>
+        </p:spPr>
+        <p:txBody>
+          <a:bodyPr wrap="square">
+            <a:spAutoFit/>
+          </a:bodyPr>
+          <a:lstStyle/>
+          <a:p>
+            <a:r>
+              <a:rPr lang="en-US" sz="2800" b="1" dirty="0">
+                <a:latin typeface="Times New Roman" panose="02020603050405020304" pitchFamily="18" charset="0"/>
+                <a:cs typeface="Times New Roman" panose="02020603050405020304" pitchFamily="18" charset="0"/>
+              </a:rPr>
+              <a:t>Sequential designs: 		ALU</a:t>
+            </a:r>
+            <a:endParaRPr lang="en-IN" sz="2800" b="1" dirty="0">
+              <a:latin typeface="Times New Roman" panose="02020603050405020304" pitchFamily="18" charset="0"/>
+              <a:cs typeface="Times New Roman" panose="02020603050405020304" pitchFamily="18" charset="0"/>
+            </a:endParaRPr>
+          </a:p>
+        </p:txBody>
+      </p:sp>
+      <p:sp>
+        <p:nvSpPr>
+          <p:cNvPr id="6" name="TextBox 5">
+            <a:extLst>
+              <a:ext uri="{FF2B5EF4-FFF2-40B4-BE49-F238E27FC236}">
+                <a16:creationId xmlns:a16="http://schemas.microsoft.com/office/drawing/2014/main" id="{39A94CAC-E563-D7B1-AE64-0248B4D868C9}"/>
+              </a:ext>
+            </a:extLst>
+          </p:cNvPr>
+          <p:cNvSpPr txBox="1"/>
+          <p:nvPr/>
+        </p:nvSpPr>
+        <p:spPr>
+          <a:xfrm>
+            <a:off x="1150375" y="1088401"/>
+            <a:ext cx="6096000" cy="5355312"/>
+          </a:xfrm>
+          <a:prstGeom prst="rect">
+            <a:avLst/>
+          </a:prstGeom>
+          <a:noFill/>
+        </p:spPr>
+        <p:txBody>
+          <a:bodyPr wrap="square">
+            <a:spAutoFit/>
+          </a:bodyPr>
+          <a:lstStyle/>
+          <a:p>
+            <a:r>
+              <a:rPr lang="en-IN" dirty="0"/>
+              <a:t>import </a:t>
+            </a:r>
+            <a:r>
+              <a:rPr lang="en-IN" dirty="0" err="1"/>
+              <a:t>myhdl</a:t>
+            </a:r>
+            <a:endParaRPr lang="en-IN" dirty="0"/>
+          </a:p>
+          <a:p>
+            <a:r>
+              <a:rPr lang="en-IN" dirty="0"/>
+              <a:t>from </a:t>
+            </a:r>
+            <a:r>
+              <a:rPr lang="en-IN" dirty="0" err="1"/>
+              <a:t>myhdl</a:t>
+            </a:r>
+            <a:r>
+              <a:rPr lang="en-IN" dirty="0"/>
+              <a:t> import *</a:t>
+            </a:r>
+          </a:p>
+          <a:p>
+            <a:endParaRPr lang="en-IN" dirty="0"/>
+          </a:p>
+          <a:p>
+            <a:r>
+              <a:rPr lang="en-IN" dirty="0" err="1"/>
+              <a:t>t_ALU_FUNCTION</a:t>
+            </a:r>
+            <a:r>
+              <a:rPr lang="en-IN" dirty="0"/>
+              <a:t> = </a:t>
+            </a:r>
+            <a:r>
+              <a:rPr lang="en-IN" dirty="0" err="1"/>
+              <a:t>enum</a:t>
+            </a:r>
+            <a:r>
+              <a:rPr lang="en-IN" dirty="0"/>
+              <a:t>(</a:t>
+            </a:r>
+          </a:p>
+          <a:p>
+            <a:r>
+              <a:rPr lang="en-IN" dirty="0"/>
+              <a:t>    "ZERO",</a:t>
+            </a:r>
+          </a:p>
+          <a:p>
+            <a:r>
+              <a:rPr lang="en-IN" dirty="0"/>
+              <a:t>    "ONES",</a:t>
+            </a:r>
+          </a:p>
+          <a:p>
+            <a:r>
+              <a:rPr lang="en-IN" dirty="0"/>
+              <a:t>    "A",</a:t>
+            </a:r>
+          </a:p>
+          <a:p>
+            <a:r>
+              <a:rPr lang="en-IN" dirty="0"/>
+              <a:t>    "NEG_A",</a:t>
+            </a:r>
+          </a:p>
+          <a:p>
+            <a:r>
+              <a:rPr lang="en-IN" dirty="0"/>
+              <a:t>    "A_PLUS_1",</a:t>
+            </a:r>
+          </a:p>
+          <a:p>
+            <a:r>
+              <a:rPr lang="en-IN" dirty="0"/>
+              <a:t>    "B",</a:t>
+            </a:r>
+          </a:p>
+          <a:p>
+            <a:r>
+              <a:rPr lang="en-IN" dirty="0"/>
+              <a:t>    "NEG_B",</a:t>
+            </a:r>
+          </a:p>
+          <a:p>
+            <a:r>
+              <a:rPr lang="en-IN" dirty="0"/>
+              <a:t>    "B_PLUS_1",</a:t>
+            </a:r>
+          </a:p>
+          <a:p>
+            <a:r>
+              <a:rPr lang="en-IN" dirty="0"/>
+              <a:t>    "A_PLUS_B",</a:t>
+            </a:r>
+          </a:p>
+          <a:p>
+            <a:r>
+              <a:rPr lang="en-IN" dirty="0"/>
+              <a:t>    "NOT_A",</a:t>
+            </a:r>
+          </a:p>
+          <a:p>
+            <a:r>
+              <a:rPr lang="en-IN" dirty="0"/>
+              <a:t>    "NOT_B",</a:t>
+            </a:r>
+          </a:p>
+          <a:p>
+            <a:r>
+              <a:rPr lang="en-IN" dirty="0"/>
+              <a:t>    "A_AND_B",</a:t>
+            </a:r>
+          </a:p>
+          <a:p>
+            <a:r>
+              <a:rPr lang="en-IN" dirty="0"/>
+              <a:t>    "A_OR_B",</a:t>
+            </a:r>
+          </a:p>
+          <a:p>
+            <a:r>
+              <a:rPr lang="en-IN" dirty="0"/>
+              <a:t>    "A_XOR_B",</a:t>
+            </a:r>
+          </a:p>
+          <a:p>
+            <a:r>
+              <a:rPr lang="en-IN" dirty="0"/>
+              <a:t>    )</a:t>
+            </a:r>
+          </a:p>
+        </p:txBody>
+      </p:sp>
+    </p:spTree>
+    <p:extLst>
+      <p:ext uri="{BB962C8B-B14F-4D97-AF65-F5344CB8AC3E}">
+        <p14:creationId xmlns:p14="http://schemas.microsoft.com/office/powerpoint/2010/main" val="2534548258"/>
+      </p:ext>
+    </p:extLst>
+  </p:cSld>
+  <p:clrMapOvr>
+    <a:masterClrMapping/>
+  </p:clrMapOvr>
+</p:sld>
+</file>
+
+<file path=ppt/slides/slide25.xml><?xml version="1.0" encoding="utf-8"?>
+<p:sld xmlns:a="http://schemas.openxmlformats.org/drawingml/2006/main" xmlns:r="http://schemas.openxmlformats.org/officeDocument/2006/relationships" xmlns:p="http://schemas.openxmlformats.org/presentationml/2006/main">
+  <p:cSld>
+    <p:spTree>
+      <p:nvGrpSpPr>
+        <p:cNvPr id="1" name=""/>
+        <p:cNvGrpSpPr/>
+        <p:nvPr/>
+      </p:nvGrpSpPr>
+      <p:grpSpPr>
+        <a:xfrm>
+          <a:off x="0" y="0"/>
+          <a:ext cx="0" cy="0"/>
+          <a:chOff x="0" y="0"/>
+          <a:chExt cx="0" cy="0"/>
+        </a:xfrm>
+      </p:grpSpPr>
+      <p:sp>
+        <p:nvSpPr>
+          <p:cNvPr id="2" name="Slide Number Placeholder 1">
+            <a:extLst>
+              <a:ext uri="{FF2B5EF4-FFF2-40B4-BE49-F238E27FC236}">
+                <a16:creationId xmlns:a16="http://schemas.microsoft.com/office/drawing/2014/main" id="{D6CE8A80-E028-6027-36E0-B07E4A3A0D86}"/>
+              </a:ext>
+            </a:extLst>
+          </p:cNvPr>
+          <p:cNvSpPr>
+            <a:spLocks noGrp="1"/>
+          </p:cNvSpPr>
+          <p:nvPr>
+            <p:ph type="sldNum" sz="quarter" idx="12"/>
+          </p:nvPr>
+        </p:nvSpPr>
+        <p:spPr/>
+        <p:txBody>
+          <a:bodyPr/>
+          <a:lstStyle/>
+          <a:p>
+            <a:fld id="{0B12C922-00BD-488B-848D-49DE5635C3DD}" type="slidenum">
+              <a:rPr lang="en-IN" smtClean="0"/>
+              <a:t>25</a:t>
+            </a:fld>
+            <a:endParaRPr lang="en-IN"/>
+          </a:p>
+        </p:txBody>
+      </p:sp>
+      <p:sp>
+        <p:nvSpPr>
+          <p:cNvPr id="4" name="TextBox 3">
+            <a:extLst>
+              <a:ext uri="{FF2B5EF4-FFF2-40B4-BE49-F238E27FC236}">
+                <a16:creationId xmlns:a16="http://schemas.microsoft.com/office/drawing/2014/main" id="{CC1167D1-7D27-13E6-D396-3F26BED820C8}"/>
+              </a:ext>
+            </a:extLst>
+          </p:cNvPr>
+          <p:cNvSpPr txBox="1"/>
+          <p:nvPr/>
+        </p:nvSpPr>
+        <p:spPr>
+          <a:xfrm>
+            <a:off x="658760" y="399334"/>
+            <a:ext cx="9340645" cy="523220"/>
+          </a:xfrm>
+          <a:prstGeom prst="rect">
+            <a:avLst/>
+          </a:prstGeom>
+          <a:noFill/>
+        </p:spPr>
+        <p:txBody>
+          <a:bodyPr wrap="square">
+            <a:spAutoFit/>
+          </a:bodyPr>
+          <a:lstStyle/>
+          <a:p>
+            <a:r>
+              <a:rPr lang="en-US" sz="2800" b="1" dirty="0">
+                <a:latin typeface="Times New Roman" panose="02020603050405020304" pitchFamily="18" charset="0"/>
+                <a:cs typeface="Times New Roman" panose="02020603050405020304" pitchFamily="18" charset="0"/>
+              </a:rPr>
+              <a:t>Sequential designs: 		ALU		-Cont’d.	</a:t>
+            </a:r>
+            <a:endParaRPr lang="en-IN" sz="2800" b="1" dirty="0">
+              <a:latin typeface="Times New Roman" panose="02020603050405020304" pitchFamily="18" charset="0"/>
+              <a:cs typeface="Times New Roman" panose="02020603050405020304" pitchFamily="18" charset="0"/>
+            </a:endParaRPr>
+          </a:p>
+        </p:txBody>
+      </p:sp>
+      <p:sp>
+        <p:nvSpPr>
+          <p:cNvPr id="12" name="TextBox 11">
+            <a:extLst>
+              <a:ext uri="{FF2B5EF4-FFF2-40B4-BE49-F238E27FC236}">
+                <a16:creationId xmlns:a16="http://schemas.microsoft.com/office/drawing/2014/main" id="{212DFB4C-3152-3FF6-DB4B-41C8C1A2271C}"/>
+              </a:ext>
+            </a:extLst>
+          </p:cNvPr>
+          <p:cNvSpPr txBox="1"/>
+          <p:nvPr/>
+        </p:nvSpPr>
+        <p:spPr>
+          <a:xfrm>
+            <a:off x="737419" y="1353441"/>
+            <a:ext cx="4296697" cy="4616648"/>
+          </a:xfrm>
+          <a:prstGeom prst="rect">
+            <a:avLst/>
+          </a:prstGeom>
+          <a:noFill/>
+          <a:ln>
+            <a:solidFill>
+              <a:schemeClr val="tx1"/>
+            </a:solidFill>
+          </a:ln>
+        </p:spPr>
+        <p:txBody>
+          <a:bodyPr wrap="square">
+            <a:spAutoFit/>
+          </a:bodyPr>
+          <a:lstStyle/>
+          <a:p>
+            <a:r>
+              <a:rPr lang="en-IN" sz="1400" dirty="0"/>
+              <a:t>@block</a:t>
+            </a:r>
+          </a:p>
+          <a:p>
+            <a:r>
+              <a:rPr lang="en-IN" sz="1400" dirty="0"/>
+              <a:t>def </a:t>
+            </a:r>
+            <a:r>
+              <a:rPr lang="en-IN" sz="1400" dirty="0" err="1"/>
+              <a:t>aluSeq</a:t>
+            </a:r>
+            <a:r>
+              <a:rPr lang="en-IN" sz="1400" dirty="0"/>
+              <a:t>(q, o, z, n, a, b, f, </a:t>
+            </a:r>
+            <a:r>
+              <a:rPr lang="en-IN" sz="1400" dirty="0" err="1"/>
+              <a:t>clk</a:t>
+            </a:r>
+            <a:r>
+              <a:rPr lang="en-IN" sz="1400" dirty="0"/>
+              <a:t>, </a:t>
+            </a:r>
+            <a:r>
+              <a:rPr lang="en-IN" sz="1400" dirty="0" err="1"/>
+              <a:t>rst</a:t>
+            </a:r>
+            <a:r>
+              <a:rPr lang="en-IN" sz="1400" dirty="0"/>
+              <a:t>, width=16):</a:t>
+            </a:r>
+          </a:p>
+          <a:p>
+            <a:r>
+              <a:rPr lang="en-IN" sz="1400" dirty="0"/>
+              <a:t>    """</a:t>
+            </a:r>
+          </a:p>
+          <a:p>
+            <a:r>
+              <a:rPr lang="en-IN" sz="1400" dirty="0"/>
+              <a:t>    Simple ALU.</a:t>
+            </a:r>
+          </a:p>
+          <a:p>
+            <a:r>
+              <a:rPr lang="en-IN" sz="1400" dirty="0"/>
+              <a:t>    See ARM System Architecture "Introduction To Processor Design"</a:t>
+            </a:r>
+          </a:p>
+          <a:p>
+            <a:r>
+              <a:rPr lang="en-IN" sz="1400" dirty="0"/>
+              <a:t>    """</a:t>
+            </a:r>
+          </a:p>
+          <a:p>
+            <a:endParaRPr lang="en-IN" sz="1400" dirty="0"/>
+          </a:p>
+          <a:p>
+            <a:r>
+              <a:rPr lang="en-IN" sz="1400" dirty="0"/>
+              <a:t>    result = Signal(</a:t>
+            </a:r>
+            <a:r>
+              <a:rPr lang="en-IN" sz="1400" dirty="0" err="1"/>
+              <a:t>intbv</a:t>
+            </a:r>
+            <a:r>
+              <a:rPr lang="en-IN" sz="1400" dirty="0"/>
+              <a:t>(0)[width:])</a:t>
+            </a:r>
+          </a:p>
+          <a:p>
+            <a:endParaRPr lang="en-IN" sz="1400" dirty="0"/>
+          </a:p>
+          <a:p>
+            <a:r>
+              <a:rPr lang="en-IN" sz="1400" dirty="0"/>
+              <a:t>    """@always(</a:t>
+            </a:r>
+            <a:r>
+              <a:rPr lang="en-IN" sz="1400" dirty="0" err="1"/>
+              <a:t>clk.posedge</a:t>
+            </a:r>
+            <a:r>
+              <a:rPr lang="en-IN" sz="1400" dirty="0"/>
+              <a:t>)"""</a:t>
+            </a:r>
+          </a:p>
+          <a:p>
+            <a:r>
+              <a:rPr lang="en-IN" sz="1400" dirty="0"/>
+              <a:t>    @always_seq(clk.posedge, reset=</a:t>
+            </a:r>
+            <a:r>
+              <a:rPr lang="en-IN" sz="1400" dirty="0" err="1"/>
+              <a:t>rst</a:t>
+            </a:r>
+            <a:r>
+              <a:rPr lang="en-IN" sz="1400" dirty="0"/>
+              <a:t>)</a:t>
+            </a:r>
+          </a:p>
+          <a:p>
+            <a:r>
+              <a:rPr lang="en-IN" sz="1400" dirty="0"/>
+              <a:t>    def </a:t>
+            </a:r>
+            <a:r>
+              <a:rPr lang="en-IN" sz="1400" dirty="0" err="1"/>
+              <a:t>alu_func</a:t>
+            </a:r>
+            <a:r>
+              <a:rPr lang="en-IN" sz="1400" dirty="0"/>
+              <a:t>():</a:t>
+            </a:r>
+          </a:p>
+          <a:p>
+            <a:r>
+              <a:rPr lang="en-IN" sz="1400" dirty="0"/>
+              <a:t>        if </a:t>
+            </a:r>
+            <a:r>
+              <a:rPr lang="en-IN" sz="1400" dirty="0" err="1"/>
+              <a:t>rst</a:t>
+            </a:r>
+            <a:r>
+              <a:rPr lang="en-IN" sz="1400" dirty="0"/>
+              <a:t>==0:</a:t>
+            </a:r>
+          </a:p>
+          <a:p>
+            <a:r>
+              <a:rPr lang="en-IN" sz="1400" dirty="0"/>
+              <a:t>            </a:t>
+            </a:r>
+            <a:r>
+              <a:rPr lang="en-IN" sz="1400" dirty="0" err="1"/>
+              <a:t>result.next</a:t>
+            </a:r>
+            <a:r>
+              <a:rPr lang="en-IN" sz="1400" dirty="0"/>
+              <a:t> = 0</a:t>
+            </a:r>
+          </a:p>
+          <a:p>
+            <a:r>
+              <a:rPr lang="en-IN" sz="1400" dirty="0"/>
+              <a:t>        </a:t>
+            </a:r>
+            <a:r>
+              <a:rPr lang="en-IN" sz="1400" dirty="0" err="1"/>
+              <a:t>elif</a:t>
+            </a:r>
+            <a:r>
+              <a:rPr lang="en-IN" sz="1400" dirty="0"/>
+              <a:t> f == </a:t>
+            </a:r>
+            <a:r>
+              <a:rPr lang="en-IN" sz="1400" dirty="0" err="1"/>
+              <a:t>t_ALU_FUNCTION.ZERO</a:t>
+            </a:r>
+            <a:r>
+              <a:rPr lang="en-IN" sz="1400" dirty="0"/>
+              <a:t>:</a:t>
+            </a:r>
+          </a:p>
+          <a:p>
+            <a:r>
+              <a:rPr lang="en-IN" sz="1400" dirty="0"/>
+              <a:t>            </a:t>
+            </a:r>
+            <a:r>
+              <a:rPr lang="en-IN" sz="1400" dirty="0" err="1"/>
+              <a:t>result.next</a:t>
+            </a:r>
+            <a:r>
+              <a:rPr lang="en-IN" sz="1400" dirty="0"/>
+              <a:t> = 0</a:t>
+            </a:r>
+          </a:p>
+          <a:p>
+            <a:r>
+              <a:rPr lang="en-IN" sz="1400" dirty="0"/>
+              <a:t>        </a:t>
+            </a:r>
+            <a:r>
+              <a:rPr lang="en-IN" sz="1400" dirty="0" err="1"/>
+              <a:t>elif</a:t>
+            </a:r>
+            <a:r>
+              <a:rPr lang="en-IN" sz="1400" dirty="0"/>
+              <a:t> f == </a:t>
+            </a:r>
+            <a:r>
+              <a:rPr lang="en-IN" sz="1400" dirty="0" err="1"/>
+              <a:t>t_ALU_FUNCTION.ONES</a:t>
+            </a:r>
+            <a:r>
+              <a:rPr lang="en-IN" sz="1400" dirty="0"/>
+              <a:t>:</a:t>
+            </a:r>
+          </a:p>
+          <a:p>
+            <a:r>
+              <a:rPr lang="en-IN" sz="1400" dirty="0"/>
+              <a:t>            </a:t>
+            </a:r>
+            <a:r>
+              <a:rPr lang="en-IN" sz="1400" dirty="0" err="1"/>
+              <a:t>result.next</a:t>
+            </a:r>
+            <a:r>
+              <a:rPr lang="en-IN" sz="1400" dirty="0"/>
+              <a:t> = 2 ** width - 1</a:t>
+            </a:r>
+          </a:p>
+          <a:p>
+            <a:r>
+              <a:rPr lang="en-IN" sz="1400" dirty="0"/>
+              <a:t>        </a:t>
+            </a:r>
+            <a:r>
+              <a:rPr lang="en-IN" sz="1400" dirty="0" err="1"/>
+              <a:t>elif</a:t>
+            </a:r>
+            <a:r>
+              <a:rPr lang="en-IN" sz="1400" dirty="0"/>
+              <a:t> f == </a:t>
+            </a:r>
+            <a:r>
+              <a:rPr lang="en-IN" sz="1400" dirty="0" err="1"/>
+              <a:t>t_ALU_FUNCTION.NEG_A</a:t>
+            </a:r>
+            <a:r>
+              <a:rPr lang="en-IN" sz="1400" dirty="0"/>
+              <a:t>:</a:t>
+            </a:r>
+          </a:p>
+          <a:p>
+            <a:r>
+              <a:rPr lang="en-IN" sz="1400" dirty="0"/>
+              <a:t>            </a:t>
+            </a:r>
+            <a:r>
+              <a:rPr lang="en-IN" sz="1400" dirty="0" err="1"/>
+              <a:t>result.next</a:t>
+            </a:r>
+            <a:r>
+              <a:rPr lang="en-IN" sz="1400" dirty="0"/>
+              <a:t> = -a % 2 ** width</a:t>
+            </a:r>
+          </a:p>
+        </p:txBody>
+      </p:sp>
+      <p:sp>
+        <p:nvSpPr>
+          <p:cNvPr id="14" name="TextBox 13">
+            <a:extLst>
+              <a:ext uri="{FF2B5EF4-FFF2-40B4-BE49-F238E27FC236}">
+                <a16:creationId xmlns:a16="http://schemas.microsoft.com/office/drawing/2014/main" id="{8E4863D7-24F3-D5AE-B88B-9736897AEF0B}"/>
+              </a:ext>
+            </a:extLst>
+          </p:cNvPr>
+          <p:cNvSpPr txBox="1"/>
+          <p:nvPr/>
+        </p:nvSpPr>
+        <p:spPr>
+          <a:xfrm>
+            <a:off x="5488858" y="1107915"/>
+            <a:ext cx="6096000" cy="5262979"/>
+          </a:xfrm>
+          <a:prstGeom prst="rect">
+            <a:avLst/>
+          </a:prstGeom>
+          <a:noFill/>
+          <a:ln>
+            <a:solidFill>
+              <a:schemeClr val="accent4"/>
+            </a:solidFill>
+          </a:ln>
+        </p:spPr>
+        <p:txBody>
+          <a:bodyPr wrap="square">
+            <a:spAutoFit/>
+          </a:bodyPr>
+          <a:lstStyle/>
+          <a:p>
+            <a:r>
+              <a:rPr lang="en-IN" sz="1400" dirty="0"/>
+              <a:t> </a:t>
+            </a:r>
+            <a:r>
+              <a:rPr lang="en-IN" sz="1400" dirty="0" err="1"/>
+              <a:t>elif</a:t>
+            </a:r>
+            <a:r>
+              <a:rPr lang="en-IN" sz="1400" dirty="0"/>
+              <a:t> f == </a:t>
+            </a:r>
+            <a:r>
+              <a:rPr lang="en-IN" sz="1400" dirty="0" err="1"/>
+              <a:t>t_ALU_FUNCTION.NEG_B</a:t>
+            </a:r>
+            <a:r>
+              <a:rPr lang="en-IN" sz="1400" dirty="0"/>
+              <a:t>:</a:t>
+            </a:r>
+          </a:p>
+          <a:p>
+            <a:r>
+              <a:rPr lang="en-IN" sz="1400" dirty="0"/>
+              <a:t>            </a:t>
+            </a:r>
+            <a:r>
+              <a:rPr lang="en-IN" sz="1400" dirty="0" err="1"/>
+              <a:t>result.next</a:t>
+            </a:r>
+            <a:r>
+              <a:rPr lang="en-IN" sz="1400" dirty="0"/>
+              <a:t> = -b % 2 ** width</a:t>
+            </a:r>
+          </a:p>
+          <a:p>
+            <a:r>
+              <a:rPr lang="en-IN" sz="1400" dirty="0"/>
+              <a:t>        </a:t>
+            </a:r>
+            <a:r>
+              <a:rPr lang="en-IN" sz="1400" dirty="0" err="1"/>
+              <a:t>elif</a:t>
+            </a:r>
+            <a:r>
+              <a:rPr lang="en-IN" sz="1400" dirty="0"/>
+              <a:t> f == </a:t>
+            </a:r>
+            <a:r>
+              <a:rPr lang="en-IN" sz="1400" dirty="0" err="1"/>
+              <a:t>t_ALU_FUNCTION.NOT_A</a:t>
+            </a:r>
+            <a:r>
+              <a:rPr lang="en-IN" sz="1400" dirty="0"/>
+              <a:t>:</a:t>
+            </a:r>
+          </a:p>
+          <a:p>
+            <a:r>
+              <a:rPr lang="en-IN" sz="1400" dirty="0"/>
+              <a:t>            </a:t>
+            </a:r>
+            <a:r>
+              <a:rPr lang="en-IN" sz="1400" dirty="0" err="1"/>
+              <a:t>result.next</a:t>
+            </a:r>
+            <a:r>
+              <a:rPr lang="en-IN" sz="1400" dirty="0"/>
+              <a:t> = ~a</a:t>
+            </a:r>
+          </a:p>
+          <a:p>
+            <a:r>
+              <a:rPr lang="en-IN" sz="1400" dirty="0"/>
+              <a:t>        </a:t>
+            </a:r>
+            <a:r>
+              <a:rPr lang="en-IN" sz="1400" dirty="0" err="1"/>
+              <a:t>elif</a:t>
+            </a:r>
+            <a:r>
+              <a:rPr lang="en-IN" sz="1400" dirty="0"/>
+              <a:t> f == </a:t>
+            </a:r>
+            <a:r>
+              <a:rPr lang="en-IN" sz="1400" dirty="0" err="1"/>
+              <a:t>t_ALU_FUNCTION.NOT_B</a:t>
+            </a:r>
+            <a:r>
+              <a:rPr lang="en-IN" sz="1400" dirty="0"/>
+              <a:t>:</a:t>
+            </a:r>
+          </a:p>
+          <a:p>
+            <a:r>
+              <a:rPr lang="en-IN" sz="1400" dirty="0"/>
+              <a:t>            </a:t>
+            </a:r>
+            <a:r>
+              <a:rPr lang="en-IN" sz="1400" dirty="0" err="1"/>
+              <a:t>result.next</a:t>
+            </a:r>
+            <a:r>
+              <a:rPr lang="en-IN" sz="1400" dirty="0"/>
+              <a:t> = ~b</a:t>
+            </a:r>
+          </a:p>
+          <a:p>
+            <a:r>
+              <a:rPr lang="en-IN" sz="1400" dirty="0"/>
+              <a:t>        </a:t>
+            </a:r>
+            <a:r>
+              <a:rPr lang="en-IN" sz="1400" dirty="0" err="1"/>
+              <a:t>elif</a:t>
+            </a:r>
+            <a:r>
+              <a:rPr lang="en-IN" sz="1400" dirty="0"/>
+              <a:t> f == </a:t>
+            </a:r>
+            <a:r>
+              <a:rPr lang="en-IN" sz="1400" dirty="0" err="1"/>
+              <a:t>t_ALU_FUNCTION.A</a:t>
+            </a:r>
+            <a:r>
+              <a:rPr lang="en-IN" sz="1400" dirty="0"/>
+              <a:t>:</a:t>
+            </a:r>
+          </a:p>
+          <a:p>
+            <a:r>
+              <a:rPr lang="en-IN" sz="1400" dirty="0"/>
+              <a:t>            </a:t>
+            </a:r>
+            <a:r>
+              <a:rPr lang="en-IN" sz="1400" dirty="0" err="1"/>
+              <a:t>result.next</a:t>
+            </a:r>
+            <a:r>
+              <a:rPr lang="en-IN" sz="1400" dirty="0"/>
+              <a:t> = a</a:t>
+            </a:r>
+          </a:p>
+          <a:p>
+            <a:r>
+              <a:rPr lang="en-IN" sz="1400" dirty="0"/>
+              <a:t>        </a:t>
+            </a:r>
+            <a:r>
+              <a:rPr lang="en-IN" sz="1400" dirty="0" err="1"/>
+              <a:t>elif</a:t>
+            </a:r>
+            <a:r>
+              <a:rPr lang="en-IN" sz="1400" dirty="0"/>
+              <a:t> f == </a:t>
+            </a:r>
+            <a:r>
+              <a:rPr lang="en-IN" sz="1400" dirty="0" err="1"/>
+              <a:t>t_ALU_FUNCTION.B</a:t>
+            </a:r>
+            <a:r>
+              <a:rPr lang="en-IN" sz="1400" dirty="0"/>
+              <a:t>:</a:t>
+            </a:r>
+          </a:p>
+          <a:p>
+            <a:r>
+              <a:rPr lang="en-IN" sz="1400" dirty="0"/>
+              <a:t>            </a:t>
+            </a:r>
+            <a:r>
+              <a:rPr lang="en-IN" sz="1400" dirty="0" err="1"/>
+              <a:t>result.next</a:t>
+            </a:r>
+            <a:r>
+              <a:rPr lang="en-IN" sz="1400" dirty="0"/>
+              <a:t> = b</a:t>
+            </a:r>
+          </a:p>
+          <a:p>
+            <a:r>
+              <a:rPr lang="en-IN" sz="1400" dirty="0"/>
+              <a:t>        </a:t>
+            </a:r>
+            <a:r>
+              <a:rPr lang="en-IN" sz="1400" dirty="0" err="1"/>
+              <a:t>elif</a:t>
+            </a:r>
+            <a:r>
+              <a:rPr lang="en-IN" sz="1400" dirty="0"/>
+              <a:t> f == t_ALU_FUNCTION.A_PLUS_1:</a:t>
+            </a:r>
+          </a:p>
+          <a:p>
+            <a:r>
+              <a:rPr lang="en-IN" sz="1400" dirty="0"/>
+              <a:t>            </a:t>
+            </a:r>
+            <a:r>
+              <a:rPr lang="en-IN" sz="1400" dirty="0" err="1"/>
+              <a:t>result.next</a:t>
+            </a:r>
+            <a:r>
+              <a:rPr lang="en-IN" sz="1400" dirty="0"/>
+              <a:t> = a + 1</a:t>
+            </a:r>
+          </a:p>
+          <a:p>
+            <a:r>
+              <a:rPr lang="en-IN" sz="1400" dirty="0"/>
+              <a:t>        </a:t>
+            </a:r>
+            <a:r>
+              <a:rPr lang="en-IN" sz="1400" dirty="0" err="1"/>
+              <a:t>elif</a:t>
+            </a:r>
+            <a:r>
+              <a:rPr lang="en-IN" sz="1400" dirty="0"/>
+              <a:t> f == t_ALU_FUNCTION.B_PLUS_1:</a:t>
+            </a:r>
+          </a:p>
+          <a:p>
+            <a:r>
+              <a:rPr lang="en-IN" sz="1400" dirty="0"/>
+              <a:t>            </a:t>
+            </a:r>
+            <a:r>
+              <a:rPr lang="en-IN" sz="1400" dirty="0" err="1"/>
+              <a:t>result.next</a:t>
+            </a:r>
+            <a:r>
+              <a:rPr lang="en-IN" sz="1400" dirty="0"/>
+              <a:t> = b + 1</a:t>
+            </a:r>
+          </a:p>
+          <a:p>
+            <a:r>
+              <a:rPr lang="en-IN" sz="1400" dirty="0"/>
+              <a:t>        </a:t>
+            </a:r>
+            <a:r>
+              <a:rPr lang="en-IN" sz="1400" dirty="0" err="1"/>
+              <a:t>elif</a:t>
+            </a:r>
+            <a:r>
+              <a:rPr lang="en-IN" sz="1400" dirty="0"/>
+              <a:t> f == </a:t>
+            </a:r>
+            <a:r>
+              <a:rPr lang="en-IN" sz="1400" dirty="0" err="1"/>
+              <a:t>t_ALU_FUNCTION.A_AND_B</a:t>
+            </a:r>
+            <a:r>
+              <a:rPr lang="en-IN" sz="1400" dirty="0"/>
+              <a:t>:</a:t>
+            </a:r>
+          </a:p>
+          <a:p>
+            <a:r>
+              <a:rPr lang="en-IN" sz="1400" dirty="0"/>
+              <a:t>            </a:t>
+            </a:r>
+            <a:r>
+              <a:rPr lang="en-IN" sz="1400" dirty="0" err="1"/>
+              <a:t>result.next</a:t>
+            </a:r>
+            <a:r>
+              <a:rPr lang="en-IN" sz="1400" dirty="0"/>
+              <a:t> = a &amp; b</a:t>
+            </a:r>
+          </a:p>
+          <a:p>
+            <a:r>
+              <a:rPr lang="en-IN" sz="1400" dirty="0"/>
+              <a:t>        </a:t>
+            </a:r>
+            <a:r>
+              <a:rPr lang="en-IN" sz="1400" dirty="0" err="1"/>
+              <a:t>elif</a:t>
+            </a:r>
+            <a:r>
+              <a:rPr lang="en-IN" sz="1400" dirty="0"/>
+              <a:t> f == </a:t>
+            </a:r>
+            <a:r>
+              <a:rPr lang="en-IN" sz="1400" dirty="0" err="1"/>
+              <a:t>t_ALU_FUNCTION.A_OR_B</a:t>
+            </a:r>
+            <a:r>
+              <a:rPr lang="en-IN" sz="1400" dirty="0"/>
+              <a:t>:</a:t>
+            </a:r>
+          </a:p>
+          <a:p>
+            <a:r>
+              <a:rPr lang="en-IN" sz="1400" dirty="0"/>
+              <a:t>            </a:t>
+            </a:r>
+            <a:r>
+              <a:rPr lang="en-IN" sz="1400" dirty="0" err="1"/>
+              <a:t>result.next</a:t>
+            </a:r>
+            <a:r>
+              <a:rPr lang="en-IN" sz="1400" dirty="0"/>
+              <a:t> = a | b</a:t>
+            </a:r>
+          </a:p>
+          <a:p>
+            <a:r>
+              <a:rPr lang="en-IN" sz="1400" dirty="0"/>
+              <a:t>        </a:t>
+            </a:r>
+            <a:r>
+              <a:rPr lang="en-IN" sz="1400" dirty="0" err="1"/>
+              <a:t>elif</a:t>
+            </a:r>
+            <a:r>
+              <a:rPr lang="en-IN" sz="1400" dirty="0"/>
+              <a:t> f == </a:t>
+            </a:r>
+            <a:r>
+              <a:rPr lang="en-IN" sz="1400" dirty="0" err="1"/>
+              <a:t>t_ALU_FUNCTION.A_XOR_B</a:t>
+            </a:r>
+            <a:r>
+              <a:rPr lang="en-IN" sz="1400" dirty="0"/>
+              <a:t>:</a:t>
+            </a:r>
+          </a:p>
+          <a:p>
+            <a:r>
+              <a:rPr lang="en-IN" sz="1400" dirty="0"/>
+              <a:t>            </a:t>
+            </a:r>
+            <a:r>
+              <a:rPr lang="en-IN" sz="1400" dirty="0" err="1"/>
+              <a:t>result.next</a:t>
+            </a:r>
+            <a:r>
+              <a:rPr lang="en-IN" sz="1400" dirty="0"/>
+              <a:t> = a ^ b</a:t>
+            </a:r>
+          </a:p>
+          <a:p>
+            <a:r>
+              <a:rPr lang="en-IN" sz="1400" dirty="0"/>
+              <a:t>        </a:t>
+            </a:r>
+            <a:r>
+              <a:rPr lang="en-IN" sz="1400" dirty="0" err="1"/>
+              <a:t>elif</a:t>
+            </a:r>
+            <a:r>
+              <a:rPr lang="en-IN" sz="1400" dirty="0"/>
+              <a:t> f == </a:t>
+            </a:r>
+            <a:r>
+              <a:rPr lang="en-IN" sz="1400" dirty="0" err="1"/>
+              <a:t>t_ALU_FUNCTION.A_PLUS_B</a:t>
+            </a:r>
+            <a:r>
+              <a:rPr lang="en-IN" sz="1400" dirty="0"/>
+              <a:t>:</a:t>
+            </a:r>
+          </a:p>
+          <a:p>
+            <a:r>
+              <a:rPr lang="en-IN" sz="1400" dirty="0"/>
+              <a:t>            </a:t>
+            </a:r>
+            <a:r>
+              <a:rPr lang="en-IN" sz="1400" dirty="0" err="1"/>
+              <a:t>result.next</a:t>
+            </a:r>
+            <a:r>
+              <a:rPr lang="en-IN" sz="1400" dirty="0"/>
+              <a:t> = a + b</a:t>
+            </a:r>
+          </a:p>
+          <a:p>
+            <a:r>
+              <a:rPr lang="en-IN" sz="1400" dirty="0"/>
+              <a:t>        else:</a:t>
+            </a:r>
+          </a:p>
+          <a:p>
+            <a:r>
+              <a:rPr lang="en-IN" sz="1400" dirty="0"/>
+              <a:t>            </a:t>
+            </a:r>
+            <a:r>
+              <a:rPr lang="en-IN" sz="1400" dirty="0" err="1"/>
+              <a:t>result.next</a:t>
+            </a:r>
+            <a:r>
+              <a:rPr lang="en-IN" sz="1400" dirty="0"/>
+              <a:t>=0</a:t>
+            </a:r>
+          </a:p>
+        </p:txBody>
+      </p:sp>
+    </p:spTree>
+    <p:extLst>
+      <p:ext uri="{BB962C8B-B14F-4D97-AF65-F5344CB8AC3E}">
+        <p14:creationId xmlns:p14="http://schemas.microsoft.com/office/powerpoint/2010/main" val="2654493749"/>
+      </p:ext>
+    </p:extLst>
+  </p:cSld>
+  <p:clrMapOvr>
+    <a:masterClrMapping/>
+  </p:clrMapOvr>
+</p:sld>
+</file>
+
+<file path=ppt/slides/slide26.xml><?xml version="1.0" encoding="utf-8"?>
+<p:sld xmlns:a="http://schemas.openxmlformats.org/drawingml/2006/main" xmlns:r="http://schemas.openxmlformats.org/officeDocument/2006/relationships" xmlns:p="http://schemas.openxmlformats.org/presentationml/2006/main">
+  <p:cSld>
+    <p:spTree>
+      <p:nvGrpSpPr>
+        <p:cNvPr id="1" name=""/>
+        <p:cNvGrpSpPr/>
+        <p:nvPr/>
+      </p:nvGrpSpPr>
+      <p:grpSpPr>
+        <a:xfrm>
+          <a:off x="0" y="0"/>
+          <a:ext cx="0" cy="0"/>
+          <a:chOff x="0" y="0"/>
+          <a:chExt cx="0" cy="0"/>
+        </a:xfrm>
+      </p:grpSpPr>
+      <p:sp>
+        <p:nvSpPr>
+          <p:cNvPr id="2" name="Slide Number Placeholder 1">
+            <a:extLst>
+              <a:ext uri="{FF2B5EF4-FFF2-40B4-BE49-F238E27FC236}">
+                <a16:creationId xmlns:a16="http://schemas.microsoft.com/office/drawing/2014/main" id="{D6CE8A80-E028-6027-36E0-B07E4A3A0D86}"/>
+              </a:ext>
+            </a:extLst>
+          </p:cNvPr>
+          <p:cNvSpPr>
+            <a:spLocks noGrp="1"/>
+          </p:cNvSpPr>
+          <p:nvPr>
+            <p:ph type="sldNum" sz="quarter" idx="12"/>
+          </p:nvPr>
+        </p:nvSpPr>
+        <p:spPr/>
+        <p:txBody>
+          <a:bodyPr/>
+          <a:lstStyle/>
+          <a:p>
+            <a:fld id="{0B12C922-00BD-488B-848D-49DE5635C3DD}" type="slidenum">
+              <a:rPr lang="en-IN" smtClean="0"/>
+              <a:t>26</a:t>
+            </a:fld>
+            <a:endParaRPr lang="en-IN"/>
+          </a:p>
+        </p:txBody>
+      </p:sp>
+      <p:sp>
+        <p:nvSpPr>
+          <p:cNvPr id="4" name="TextBox 3">
+            <a:extLst>
+              <a:ext uri="{FF2B5EF4-FFF2-40B4-BE49-F238E27FC236}">
+                <a16:creationId xmlns:a16="http://schemas.microsoft.com/office/drawing/2014/main" id="{CC1167D1-7D27-13E6-D396-3F26BED820C8}"/>
+              </a:ext>
+            </a:extLst>
+          </p:cNvPr>
+          <p:cNvSpPr txBox="1"/>
+          <p:nvPr/>
+        </p:nvSpPr>
+        <p:spPr>
+          <a:xfrm>
+            <a:off x="658760" y="399334"/>
+            <a:ext cx="9340645" cy="523220"/>
+          </a:xfrm>
+          <a:prstGeom prst="rect">
+            <a:avLst/>
+          </a:prstGeom>
+          <a:noFill/>
+        </p:spPr>
+        <p:txBody>
+          <a:bodyPr wrap="square">
+            <a:spAutoFit/>
+          </a:bodyPr>
+          <a:lstStyle/>
+          <a:p>
+            <a:r>
+              <a:rPr lang="en-US" sz="2800" b="1" dirty="0">
+                <a:latin typeface="Times New Roman" panose="02020603050405020304" pitchFamily="18" charset="0"/>
+                <a:cs typeface="Times New Roman" panose="02020603050405020304" pitchFamily="18" charset="0"/>
+              </a:rPr>
+              <a:t>Sequential designs: 		ALU		-Cont’d.	</a:t>
+            </a:r>
+            <a:endParaRPr lang="en-IN" sz="2800" b="1" dirty="0">
+              <a:latin typeface="Times New Roman" panose="02020603050405020304" pitchFamily="18" charset="0"/>
+              <a:cs typeface="Times New Roman" panose="02020603050405020304" pitchFamily="18" charset="0"/>
+            </a:endParaRPr>
+          </a:p>
+        </p:txBody>
+      </p:sp>
+      <p:sp>
+        <p:nvSpPr>
+          <p:cNvPr id="5" name="TextBox 4">
+            <a:extLst>
+              <a:ext uri="{FF2B5EF4-FFF2-40B4-BE49-F238E27FC236}">
+                <a16:creationId xmlns:a16="http://schemas.microsoft.com/office/drawing/2014/main" id="{375244EC-394B-8912-D975-C9A6A1382D2F}"/>
+              </a:ext>
+            </a:extLst>
+          </p:cNvPr>
+          <p:cNvSpPr txBox="1"/>
+          <p:nvPr/>
+        </p:nvSpPr>
+        <p:spPr>
+          <a:xfrm>
+            <a:off x="2644878" y="1027609"/>
+            <a:ext cx="6096000" cy="5693866"/>
+          </a:xfrm>
+          <a:prstGeom prst="rect">
+            <a:avLst/>
+          </a:prstGeom>
+          <a:noFill/>
+          <a:ln>
+            <a:solidFill>
+              <a:schemeClr val="tx1"/>
+            </a:solidFill>
+          </a:ln>
+        </p:spPr>
+        <p:txBody>
+          <a:bodyPr wrap="square">
+            <a:spAutoFit/>
+          </a:bodyPr>
+          <a:lstStyle/>
+          <a:p>
+            <a:r>
+              <a:rPr lang="en-IN" sz="1400" dirty="0"/>
+              <a:t> @always_comb</a:t>
+            </a:r>
+          </a:p>
+          <a:p>
+            <a:r>
+              <a:rPr lang="en-IN" sz="1400" dirty="0"/>
+              <a:t>    def </a:t>
+            </a:r>
+            <a:r>
+              <a:rPr lang="en-IN" sz="1400" dirty="0" err="1"/>
+              <a:t>alu_status</a:t>
+            </a:r>
+            <a:r>
+              <a:rPr lang="en-IN" sz="1400" dirty="0"/>
+              <a:t>():</a:t>
+            </a:r>
+          </a:p>
+          <a:p>
+            <a:r>
+              <a:rPr lang="en-IN" sz="1400" dirty="0"/>
+              <a:t>        </a:t>
+            </a:r>
+            <a:r>
+              <a:rPr lang="en-IN" sz="1400" dirty="0" err="1"/>
+              <a:t>q.next</a:t>
+            </a:r>
+            <a:r>
+              <a:rPr lang="en-IN" sz="1400" dirty="0"/>
+              <a:t> = result</a:t>
+            </a:r>
+          </a:p>
+          <a:p>
+            <a:endParaRPr lang="en-IN" sz="1400" dirty="0"/>
+          </a:p>
+          <a:p>
+            <a:r>
+              <a:rPr lang="en-IN" sz="1400" dirty="0"/>
+              <a:t>        if result == 0:</a:t>
+            </a:r>
+          </a:p>
+          <a:p>
+            <a:r>
+              <a:rPr lang="en-IN" sz="1400" dirty="0"/>
+              <a:t>            </a:t>
+            </a:r>
+            <a:r>
+              <a:rPr lang="en-IN" sz="1400" dirty="0" err="1"/>
+              <a:t>z.next</a:t>
+            </a:r>
+            <a:r>
+              <a:rPr lang="en-IN" sz="1400" dirty="0"/>
+              <a:t> = 1</a:t>
+            </a:r>
+          </a:p>
+          <a:p>
+            <a:r>
+              <a:rPr lang="en-IN" sz="1400" dirty="0"/>
+              <a:t>        else:</a:t>
+            </a:r>
+          </a:p>
+          <a:p>
+            <a:r>
+              <a:rPr lang="en-IN" sz="1400" dirty="0"/>
+              <a:t>            </a:t>
+            </a:r>
+            <a:r>
+              <a:rPr lang="en-IN" sz="1400" dirty="0" err="1"/>
+              <a:t>z.next</a:t>
+            </a:r>
+            <a:r>
+              <a:rPr lang="en-IN" sz="1400" dirty="0"/>
+              <a:t> = 0</a:t>
+            </a:r>
+          </a:p>
+          <a:p>
+            <a:endParaRPr lang="en-IN" sz="1400" dirty="0"/>
+          </a:p>
+          <a:p>
+            <a:r>
+              <a:rPr lang="en-IN" sz="1400" dirty="0"/>
+              <a:t>        </a:t>
+            </a:r>
+            <a:r>
+              <a:rPr lang="en-IN" sz="1400" dirty="0" err="1"/>
+              <a:t>n.next</a:t>
+            </a:r>
+            <a:r>
+              <a:rPr lang="en-IN" sz="1400" dirty="0"/>
+              <a:t> = 0</a:t>
+            </a:r>
+          </a:p>
+          <a:p>
+            <a:endParaRPr lang="en-IN" sz="1400" dirty="0"/>
+          </a:p>
+          <a:p>
+            <a:r>
+              <a:rPr lang="en-IN" sz="1400" dirty="0"/>
+              <a:t>        # how to detect overflow?</a:t>
+            </a:r>
+          </a:p>
+          <a:p>
+            <a:r>
+              <a:rPr lang="en-IN" sz="1400" dirty="0"/>
+              <a:t>        </a:t>
+            </a:r>
+            <a:r>
+              <a:rPr lang="en-IN" sz="1400" dirty="0" err="1"/>
+              <a:t>o.next</a:t>
+            </a:r>
+            <a:r>
+              <a:rPr lang="en-IN" sz="1400" dirty="0"/>
+              <a:t> = 0</a:t>
+            </a:r>
+          </a:p>
+          <a:p>
+            <a:endParaRPr lang="en-IN" sz="1400" dirty="0"/>
+          </a:p>
+          <a:p>
+            <a:r>
+              <a:rPr lang="en-IN" sz="1400" dirty="0"/>
+              <a:t>    return instances()</a:t>
+            </a:r>
+          </a:p>
+          <a:p>
+            <a:endParaRPr lang="en-IN" sz="1400" dirty="0"/>
+          </a:p>
+          <a:p>
+            <a:r>
+              <a:rPr lang="en-IN" sz="1400" dirty="0"/>
+              <a:t>def convert(</a:t>
+            </a:r>
+            <a:r>
+              <a:rPr lang="en-IN" sz="1400" dirty="0" err="1"/>
+              <a:t>hdl</a:t>
+            </a:r>
+            <a:r>
+              <a:rPr lang="en-IN" sz="1400" dirty="0"/>
+              <a:t>):</a:t>
+            </a:r>
+          </a:p>
+          <a:p>
+            <a:r>
+              <a:rPr lang="en-IN" sz="1400" dirty="0"/>
+              <a:t>    </a:t>
+            </a:r>
+            <a:r>
+              <a:rPr lang="en-IN" sz="1400" dirty="0" err="1"/>
+              <a:t>clk,n,z,o</a:t>
+            </a:r>
+            <a:r>
+              <a:rPr lang="en-IN" sz="1400" dirty="0"/>
+              <a:t>= [Signal(bool(0)) for </a:t>
+            </a:r>
+            <a:r>
+              <a:rPr lang="en-IN" sz="1400" dirty="0" err="1"/>
+              <a:t>i</a:t>
+            </a:r>
+            <a:r>
+              <a:rPr lang="en-IN" sz="1400" dirty="0"/>
+              <a:t> in range(4)]</a:t>
+            </a:r>
+          </a:p>
+          <a:p>
+            <a:r>
+              <a:rPr lang="en-IN" sz="1400" dirty="0"/>
+              <a:t>    q = Signal(</a:t>
+            </a:r>
+            <a:r>
+              <a:rPr lang="en-IN" sz="1400" dirty="0" err="1"/>
+              <a:t>intbv</a:t>
+            </a:r>
+            <a:r>
+              <a:rPr lang="en-IN" sz="1400" dirty="0"/>
+              <a:t>(0)[16:])</a:t>
+            </a:r>
+          </a:p>
+          <a:p>
+            <a:r>
+              <a:rPr lang="en-IN" sz="1400" dirty="0"/>
+              <a:t>    a = Signal(</a:t>
+            </a:r>
+            <a:r>
+              <a:rPr lang="en-IN" sz="1400" dirty="0" err="1"/>
+              <a:t>intbv</a:t>
+            </a:r>
+            <a:r>
+              <a:rPr lang="en-IN" sz="1400" dirty="0"/>
+              <a:t>(0)[16:])</a:t>
+            </a:r>
+          </a:p>
+          <a:p>
+            <a:r>
+              <a:rPr lang="en-IN" sz="1400" dirty="0"/>
+              <a:t>    b = Signal(</a:t>
+            </a:r>
+            <a:r>
+              <a:rPr lang="en-IN" sz="1400" dirty="0" err="1"/>
+              <a:t>intbv</a:t>
+            </a:r>
+            <a:r>
+              <a:rPr lang="en-IN" sz="1400" dirty="0"/>
+              <a:t>(0)[16:])</a:t>
+            </a:r>
+          </a:p>
+          <a:p>
+            <a:r>
+              <a:rPr lang="en-IN" sz="1400" dirty="0"/>
+              <a:t>    f = Signal(</a:t>
+            </a:r>
+            <a:r>
+              <a:rPr lang="en-IN" sz="1400" dirty="0" err="1"/>
+              <a:t>t_ALU_FUNCTION.ZERO</a:t>
+            </a:r>
+            <a:r>
+              <a:rPr lang="en-IN" sz="1400" dirty="0"/>
+              <a:t>)</a:t>
+            </a:r>
+          </a:p>
+          <a:p>
+            <a:r>
+              <a:rPr lang="en-IN" sz="1400" dirty="0"/>
+              <a:t>    </a:t>
+            </a:r>
+            <a:r>
+              <a:rPr lang="en-IN" sz="1400" dirty="0" err="1"/>
+              <a:t>rst</a:t>
+            </a:r>
+            <a:r>
+              <a:rPr lang="en-IN" sz="1400" dirty="0"/>
+              <a:t> = </a:t>
+            </a:r>
+            <a:r>
+              <a:rPr lang="en-IN" sz="1400" dirty="0" err="1"/>
+              <a:t>ResetSignal</a:t>
+            </a:r>
+            <a:r>
+              <a:rPr lang="en-IN" sz="1400" dirty="0"/>
+              <a:t>(0, active=0, </a:t>
+            </a:r>
+            <a:r>
+              <a:rPr lang="en-IN" sz="1400" dirty="0" err="1"/>
+              <a:t>isasync</a:t>
+            </a:r>
+            <a:r>
+              <a:rPr lang="en-IN" sz="1400" dirty="0"/>
+              <a:t>=True)</a:t>
+            </a:r>
+          </a:p>
+          <a:p>
+            <a:r>
+              <a:rPr lang="en-IN" sz="1400" dirty="0"/>
+              <a:t>    </a:t>
+            </a:r>
+            <a:r>
+              <a:rPr lang="en-IN" sz="1400" dirty="0" err="1"/>
+              <a:t>convInst</a:t>
+            </a:r>
+            <a:r>
+              <a:rPr lang="en-IN" sz="1400" dirty="0"/>
+              <a:t> = </a:t>
+            </a:r>
+            <a:r>
+              <a:rPr lang="en-IN" sz="1400" dirty="0" err="1"/>
+              <a:t>aluSeq</a:t>
+            </a:r>
+            <a:r>
+              <a:rPr lang="en-IN" sz="1400" dirty="0"/>
+              <a:t>(q, o, z, n, a, b, f, </a:t>
+            </a:r>
+            <a:r>
+              <a:rPr lang="en-IN" sz="1400" dirty="0" err="1"/>
+              <a:t>clk</a:t>
+            </a:r>
+            <a:r>
+              <a:rPr lang="en-IN" sz="1400" dirty="0"/>
+              <a:t>, </a:t>
+            </a:r>
+            <a:r>
+              <a:rPr lang="en-IN" sz="1400" dirty="0" err="1"/>
+              <a:t>rst</a:t>
+            </a:r>
+            <a:r>
+              <a:rPr lang="en-IN" sz="1400" dirty="0"/>
+              <a:t>, width=16)</a:t>
+            </a:r>
+          </a:p>
+          <a:p>
+            <a:r>
+              <a:rPr lang="en-IN" sz="1400" dirty="0"/>
+              <a:t>    </a:t>
+            </a:r>
+            <a:r>
+              <a:rPr lang="en-IN" sz="1400" dirty="0" err="1"/>
+              <a:t>convInst.convert</a:t>
+            </a:r>
+            <a:r>
+              <a:rPr lang="en-IN" sz="1400" dirty="0"/>
+              <a:t>(</a:t>
+            </a:r>
+            <a:r>
+              <a:rPr lang="en-IN" sz="1400" dirty="0" err="1"/>
+              <a:t>hdl</a:t>
+            </a:r>
+            <a:r>
+              <a:rPr lang="en-IN" sz="1400" dirty="0"/>
+              <a:t>=</a:t>
+            </a:r>
+            <a:r>
+              <a:rPr lang="en-IN" sz="1400" dirty="0" err="1"/>
+              <a:t>hdl</a:t>
+            </a:r>
+            <a:r>
+              <a:rPr lang="en-IN" sz="1400" dirty="0"/>
+              <a:t>)</a:t>
+            </a:r>
+          </a:p>
+          <a:p>
+            <a:r>
+              <a:rPr lang="en-IN" sz="1400" dirty="0"/>
+              <a:t>convert(</a:t>
+            </a:r>
+            <a:r>
+              <a:rPr lang="en-IN" sz="1400" dirty="0" err="1"/>
+              <a:t>hdl</a:t>
+            </a:r>
+            <a:r>
+              <a:rPr lang="en-IN" sz="1400" dirty="0"/>
+              <a:t>='Verilog')</a:t>
+            </a:r>
+          </a:p>
+        </p:txBody>
+      </p:sp>
+    </p:spTree>
+    <p:extLst>
+      <p:ext uri="{BB962C8B-B14F-4D97-AF65-F5344CB8AC3E}">
+        <p14:creationId xmlns:p14="http://schemas.microsoft.com/office/powerpoint/2010/main" val="199489584"/>
+      </p:ext>
+    </p:extLst>
+  </p:cSld>
+  <p:clrMapOvr>
+    <a:masterClrMapping/>
+  </p:clrMapOvr>
+</p:sld>
+</file>
+
+<file path=ppt/slides/slide27.xml><?xml version="1.0" encoding="utf-8"?>
+<p:sld xmlns:a="http://schemas.openxmlformats.org/drawingml/2006/main" xmlns:r="http://schemas.openxmlformats.org/officeDocument/2006/relationships" xmlns:p="http://schemas.openxmlformats.org/presentationml/2006/main">
+  <p:cSld>
+    <p:spTree>
+      <p:nvGrpSpPr>
+        <p:cNvPr id="1" name=""/>
+        <p:cNvGrpSpPr/>
+        <p:nvPr/>
+      </p:nvGrpSpPr>
+      <p:grpSpPr>
+        <a:xfrm>
+          <a:off x="0" y="0"/>
+          <a:ext cx="0" cy="0"/>
+          <a:chOff x="0" y="0"/>
+          <a:chExt cx="0" cy="0"/>
+        </a:xfrm>
+      </p:grpSpPr>
+      <p:sp>
+        <p:nvSpPr>
+          <p:cNvPr id="2" name="Slide Number Placeholder 1">
+            <a:extLst>
+              <a:ext uri="{FF2B5EF4-FFF2-40B4-BE49-F238E27FC236}">
+                <a16:creationId xmlns:a16="http://schemas.microsoft.com/office/drawing/2014/main" id="{FB228BB7-D448-C99D-D01F-558F43AA9A52}"/>
+              </a:ext>
+            </a:extLst>
+          </p:cNvPr>
+          <p:cNvSpPr>
+            <a:spLocks noGrp="1"/>
+          </p:cNvSpPr>
+          <p:nvPr>
+            <p:ph type="sldNum" sz="quarter" idx="12"/>
+          </p:nvPr>
+        </p:nvSpPr>
+        <p:spPr/>
+        <p:txBody>
+          <a:bodyPr/>
+          <a:lstStyle/>
+          <a:p>
+            <a:fld id="{0B12C922-00BD-488B-848D-49DE5635C3DD}" type="slidenum">
+              <a:rPr lang="en-IN" smtClean="0"/>
+              <a:t>27</a:t>
+            </a:fld>
+            <a:endParaRPr lang="en-IN"/>
+          </a:p>
+        </p:txBody>
+      </p:sp>
+      <p:sp>
+        <p:nvSpPr>
+          <p:cNvPr id="4" name="TextBox 3">
+            <a:extLst>
+              <a:ext uri="{FF2B5EF4-FFF2-40B4-BE49-F238E27FC236}">
+                <a16:creationId xmlns:a16="http://schemas.microsoft.com/office/drawing/2014/main" id="{5C23D871-B8B5-E10C-434E-9D7F2CA28D0F}"/>
+              </a:ext>
+            </a:extLst>
+          </p:cNvPr>
+          <p:cNvSpPr txBox="1"/>
+          <p:nvPr/>
+        </p:nvSpPr>
+        <p:spPr>
+          <a:xfrm>
+            <a:off x="835742" y="556650"/>
+            <a:ext cx="6096000" cy="523220"/>
+          </a:xfrm>
+          <a:prstGeom prst="rect">
+            <a:avLst/>
+          </a:prstGeom>
+          <a:noFill/>
+        </p:spPr>
+        <p:txBody>
+          <a:bodyPr wrap="square">
+            <a:spAutoFit/>
+          </a:bodyPr>
+          <a:lstStyle/>
+          <a:p>
+            <a:r>
+              <a:rPr lang="en-US" sz="2800" b="1" dirty="0">
+                <a:latin typeface="Times New Roman" panose="02020603050405020304" pitchFamily="18" charset="0"/>
+                <a:cs typeface="Times New Roman" panose="02020603050405020304" pitchFamily="18" charset="0"/>
+              </a:rPr>
+              <a:t>Sequential designs:		Counter</a:t>
+            </a:r>
+            <a:endParaRPr lang="en-IN" sz="2800" b="1" dirty="0">
+              <a:latin typeface="Times New Roman" panose="02020603050405020304" pitchFamily="18" charset="0"/>
+              <a:cs typeface="Times New Roman" panose="02020603050405020304" pitchFamily="18" charset="0"/>
+            </a:endParaRPr>
+          </a:p>
+        </p:txBody>
+      </p:sp>
+      <p:sp>
+        <p:nvSpPr>
+          <p:cNvPr id="6" name="TextBox 5">
+            <a:extLst>
+              <a:ext uri="{FF2B5EF4-FFF2-40B4-BE49-F238E27FC236}">
+                <a16:creationId xmlns:a16="http://schemas.microsoft.com/office/drawing/2014/main" id="{89E3D5D6-985C-8918-5BF5-435D3395F61C}"/>
+              </a:ext>
+            </a:extLst>
+          </p:cNvPr>
+          <p:cNvSpPr txBox="1"/>
+          <p:nvPr/>
+        </p:nvSpPr>
+        <p:spPr>
+          <a:xfrm>
+            <a:off x="629264" y="1278037"/>
+            <a:ext cx="4628536" cy="5078313"/>
+          </a:xfrm>
+          <a:prstGeom prst="rect">
+            <a:avLst/>
+          </a:prstGeom>
+          <a:noFill/>
+          <a:ln>
+            <a:solidFill>
+              <a:schemeClr val="tx1"/>
+            </a:solidFill>
+          </a:ln>
+        </p:spPr>
+        <p:txBody>
+          <a:bodyPr wrap="square">
+            <a:spAutoFit/>
+          </a:bodyPr>
+          <a:lstStyle/>
+          <a:p>
+            <a:r>
+              <a:rPr lang="en-IN" dirty="0"/>
+              <a:t>from </a:t>
+            </a:r>
+            <a:r>
+              <a:rPr lang="en-IN" dirty="0" err="1"/>
+              <a:t>myhdl</a:t>
+            </a:r>
+            <a:r>
+              <a:rPr lang="en-IN" dirty="0"/>
+              <a:t> import block, </a:t>
+            </a:r>
+            <a:r>
+              <a:rPr lang="en-IN" dirty="0" err="1"/>
+              <a:t>always_seq</a:t>
+            </a:r>
+            <a:endParaRPr lang="en-IN" dirty="0"/>
+          </a:p>
+          <a:p>
+            <a:endParaRPr lang="en-IN" dirty="0"/>
+          </a:p>
+          <a:p>
+            <a:r>
+              <a:rPr lang="en-IN" dirty="0"/>
+              <a:t>@block</a:t>
+            </a:r>
+          </a:p>
+          <a:p>
+            <a:r>
+              <a:rPr lang="en-IN" dirty="0"/>
+              <a:t>def counter(count, enable, clock, reset):</a:t>
+            </a:r>
+          </a:p>
+          <a:p>
+            <a:r>
+              <a:rPr lang="en-IN" dirty="0"/>
+              <a:t>    """ </a:t>
+            </a:r>
+            <a:r>
+              <a:rPr lang="en-IN" dirty="0" err="1"/>
+              <a:t>Incrementer</a:t>
+            </a:r>
+            <a:r>
+              <a:rPr lang="en-IN" dirty="0"/>
+              <a:t> with enable.</a:t>
+            </a:r>
+          </a:p>
+          <a:p>
+            <a:endParaRPr lang="en-IN" dirty="0"/>
+          </a:p>
+          <a:p>
+            <a:r>
+              <a:rPr lang="en-IN" dirty="0"/>
+              <a:t>    count -- output</a:t>
+            </a:r>
+          </a:p>
+          <a:p>
+            <a:r>
+              <a:rPr lang="en-IN" dirty="0"/>
+              <a:t>    enable -- control input, increment when 1</a:t>
+            </a:r>
+          </a:p>
+          <a:p>
+            <a:r>
+              <a:rPr lang="en-IN" dirty="0"/>
+              <a:t>    clock -- clock input</a:t>
+            </a:r>
+          </a:p>
+          <a:p>
+            <a:r>
+              <a:rPr lang="en-IN" dirty="0"/>
+              <a:t>    reset -- asynchronous reset input</a:t>
+            </a:r>
+          </a:p>
+          <a:p>
+            <a:r>
+              <a:rPr lang="en-IN" dirty="0"/>
+              <a:t>    """</a:t>
+            </a:r>
+          </a:p>
+          <a:p>
+            <a:r>
+              <a:rPr lang="en-IN" dirty="0"/>
+              <a:t>    </a:t>
+            </a:r>
+          </a:p>
+          <a:p>
+            <a:r>
+              <a:rPr lang="en-IN" dirty="0"/>
+              <a:t>    @always_seq(clock.posedge, reset=reset)</a:t>
+            </a:r>
+          </a:p>
+          <a:p>
+            <a:r>
+              <a:rPr lang="en-IN" dirty="0"/>
+              <a:t>    def </a:t>
+            </a:r>
+            <a:r>
+              <a:rPr lang="en-IN" dirty="0" err="1"/>
+              <a:t>seq</a:t>
+            </a:r>
+            <a:r>
+              <a:rPr lang="en-IN" dirty="0"/>
+              <a:t>():</a:t>
+            </a:r>
+          </a:p>
+          <a:p>
+            <a:r>
+              <a:rPr lang="en-IN" dirty="0"/>
+              <a:t>        if enable:</a:t>
+            </a:r>
+          </a:p>
+          <a:p>
+            <a:r>
+              <a:rPr lang="en-IN" dirty="0"/>
+              <a:t>            </a:t>
+            </a:r>
+            <a:r>
+              <a:rPr lang="en-IN" dirty="0" err="1"/>
+              <a:t>count.next</a:t>
+            </a:r>
+            <a:r>
+              <a:rPr lang="en-IN" dirty="0"/>
+              <a:t> = count + 1</a:t>
+            </a:r>
+          </a:p>
+          <a:p>
+            <a:endParaRPr lang="en-IN" dirty="0"/>
+          </a:p>
+          <a:p>
+            <a:r>
+              <a:rPr lang="en-IN" dirty="0"/>
+              <a:t>    return </a:t>
+            </a:r>
+            <a:r>
+              <a:rPr lang="en-IN" dirty="0" err="1"/>
+              <a:t>seq</a:t>
+            </a:r>
+            <a:endParaRPr lang="en-IN" dirty="0"/>
+          </a:p>
+        </p:txBody>
+      </p:sp>
+      <p:sp>
+        <p:nvSpPr>
+          <p:cNvPr id="8" name="TextBox 7">
+            <a:extLst>
+              <a:ext uri="{FF2B5EF4-FFF2-40B4-BE49-F238E27FC236}">
+                <a16:creationId xmlns:a16="http://schemas.microsoft.com/office/drawing/2014/main" id="{4A212E01-9F6F-6F81-8DA0-3793386B6F99}"/>
+              </a:ext>
+            </a:extLst>
+          </p:cNvPr>
+          <p:cNvSpPr txBox="1"/>
+          <p:nvPr/>
+        </p:nvSpPr>
+        <p:spPr>
+          <a:xfrm>
+            <a:off x="5562600" y="1001037"/>
+            <a:ext cx="6096000" cy="5632311"/>
+          </a:xfrm>
+          <a:prstGeom prst="rect">
+            <a:avLst/>
+          </a:prstGeom>
+          <a:noFill/>
+          <a:ln>
+            <a:solidFill>
+              <a:schemeClr val="accent4"/>
+            </a:solidFill>
+          </a:ln>
+        </p:spPr>
+        <p:txBody>
+          <a:bodyPr wrap="square">
+            <a:spAutoFit/>
+          </a:bodyPr>
+          <a:lstStyle/>
+          <a:p>
+            <a:r>
+              <a:rPr lang="en-IN" dirty="0"/>
+              <a:t>from </a:t>
+            </a:r>
+            <a:r>
+              <a:rPr lang="en-IN" dirty="0" err="1"/>
+              <a:t>myhdl</a:t>
+            </a:r>
+            <a:r>
+              <a:rPr lang="en-IN" dirty="0"/>
+              <a:t> import Signal, </a:t>
+            </a:r>
+            <a:r>
+              <a:rPr lang="en-IN" dirty="0" err="1"/>
+              <a:t>ResetSignal</a:t>
+            </a:r>
+            <a:r>
+              <a:rPr lang="en-IN" dirty="0"/>
+              <a:t>, </a:t>
+            </a:r>
+            <a:r>
+              <a:rPr lang="en-IN" dirty="0" err="1"/>
+              <a:t>modbv</a:t>
+            </a:r>
+            <a:endParaRPr lang="en-IN" dirty="0"/>
+          </a:p>
+          <a:p>
+            <a:endParaRPr lang="en-IN" dirty="0"/>
+          </a:p>
+          <a:p>
+            <a:r>
+              <a:rPr lang="en-IN" dirty="0"/>
+              <a:t>from counter import counter</a:t>
+            </a:r>
+          </a:p>
+          <a:p>
+            <a:endParaRPr lang="en-IN" dirty="0"/>
+          </a:p>
+          <a:p>
+            <a:r>
+              <a:rPr lang="en-IN" dirty="0"/>
+              <a:t>def </a:t>
+            </a:r>
+            <a:r>
+              <a:rPr lang="en-IN" dirty="0" err="1"/>
+              <a:t>convert_inc</a:t>
+            </a:r>
+            <a:r>
+              <a:rPr lang="en-IN" dirty="0"/>
+              <a:t>(</a:t>
+            </a:r>
+            <a:r>
+              <a:rPr lang="en-IN" dirty="0" err="1"/>
+              <a:t>hdl</a:t>
+            </a:r>
+            <a:r>
+              <a:rPr lang="en-IN" dirty="0"/>
+              <a:t>):</a:t>
+            </a:r>
+          </a:p>
+          <a:p>
+            <a:r>
+              <a:rPr lang="en-IN" dirty="0"/>
+              <a:t>    """Convert </a:t>
+            </a:r>
+            <a:r>
+              <a:rPr lang="en-IN" dirty="0" err="1"/>
+              <a:t>inc</a:t>
+            </a:r>
+            <a:r>
+              <a:rPr lang="en-IN" dirty="0"/>
+              <a:t> block to Verilog or VHDL."""</a:t>
+            </a:r>
+          </a:p>
+          <a:p>
+            <a:endParaRPr lang="en-IN" dirty="0"/>
+          </a:p>
+          <a:p>
+            <a:r>
+              <a:rPr lang="en-IN" dirty="0"/>
+              <a:t>    m = 8</a:t>
+            </a:r>
+          </a:p>
+          <a:p>
+            <a:endParaRPr lang="en-IN" dirty="0"/>
+          </a:p>
+          <a:p>
+            <a:r>
+              <a:rPr lang="en-IN" dirty="0"/>
+              <a:t>    count = Signal(</a:t>
+            </a:r>
+            <a:r>
+              <a:rPr lang="en-IN" dirty="0" err="1"/>
+              <a:t>modbv</a:t>
+            </a:r>
+            <a:r>
+              <a:rPr lang="en-IN" dirty="0"/>
+              <a:t>(0)[m:])</a:t>
+            </a:r>
+          </a:p>
+          <a:p>
+            <a:r>
+              <a:rPr lang="en-IN" dirty="0"/>
+              <a:t>    enable = Signal(bool(0))</a:t>
+            </a:r>
+          </a:p>
+          <a:p>
+            <a:r>
+              <a:rPr lang="en-IN" dirty="0"/>
+              <a:t>    clock  = Signal(bool(0))</a:t>
+            </a:r>
+          </a:p>
+          <a:p>
+            <a:r>
+              <a:rPr lang="en-IN" dirty="0"/>
+              <a:t>    reset = </a:t>
+            </a:r>
+            <a:r>
+              <a:rPr lang="en-IN" dirty="0" err="1"/>
+              <a:t>ResetSignal</a:t>
+            </a:r>
+            <a:r>
+              <a:rPr lang="en-IN" dirty="0"/>
+              <a:t>(0, active=0, </a:t>
+            </a:r>
+            <a:r>
+              <a:rPr lang="en-IN" dirty="0" err="1"/>
+              <a:t>isasync</a:t>
+            </a:r>
+            <a:r>
+              <a:rPr lang="en-IN" dirty="0"/>
+              <a:t>=True)</a:t>
+            </a:r>
+          </a:p>
+          <a:p>
+            <a:endParaRPr lang="en-IN" dirty="0"/>
+          </a:p>
+          <a:p>
+            <a:r>
+              <a:rPr lang="en-IN" dirty="0"/>
+              <a:t>    inc_1 = counter(count, enable, clock, reset)</a:t>
+            </a:r>
+          </a:p>
+          <a:p>
+            <a:endParaRPr lang="en-IN" dirty="0"/>
+          </a:p>
+          <a:p>
+            <a:r>
+              <a:rPr lang="en-IN" dirty="0"/>
+              <a:t>    inc_1.convert(</a:t>
+            </a:r>
+            <a:r>
+              <a:rPr lang="en-IN" dirty="0" err="1"/>
+              <a:t>hdl</a:t>
+            </a:r>
+            <a:r>
+              <a:rPr lang="en-IN" dirty="0"/>
+              <a:t>=</a:t>
+            </a:r>
+            <a:r>
+              <a:rPr lang="en-IN" dirty="0" err="1"/>
+              <a:t>hdl</a:t>
+            </a:r>
+            <a:r>
+              <a:rPr lang="en-IN" dirty="0"/>
+              <a:t>)</a:t>
+            </a:r>
+          </a:p>
+          <a:p>
+            <a:endParaRPr lang="en-IN" dirty="0"/>
+          </a:p>
+          <a:p>
+            <a:endParaRPr lang="en-IN" dirty="0"/>
+          </a:p>
+          <a:p>
+            <a:r>
+              <a:rPr lang="en-IN" dirty="0" err="1"/>
+              <a:t>convert_inc</a:t>
+            </a:r>
+            <a:r>
+              <a:rPr lang="en-IN" dirty="0"/>
+              <a:t>(</a:t>
+            </a:r>
+            <a:r>
+              <a:rPr lang="en-IN" dirty="0" err="1"/>
+              <a:t>hdl</a:t>
+            </a:r>
+            <a:r>
+              <a:rPr lang="en-IN" dirty="0"/>
+              <a:t>='Verilog')</a:t>
+            </a:r>
+          </a:p>
+        </p:txBody>
+      </p:sp>
+    </p:spTree>
+    <p:extLst>
+      <p:ext uri="{BB962C8B-B14F-4D97-AF65-F5344CB8AC3E}">
+        <p14:creationId xmlns:p14="http://schemas.microsoft.com/office/powerpoint/2010/main" val="3008866193"/>
+      </p:ext>
+    </p:extLst>
+  </p:cSld>
+  <p:clrMapOvr>
+    <a:masterClrMapping/>
+  </p:clrMapOvr>
+</p:sld>
+</file>
+
+<file path=ppt/slides/slide28.xml><?xml version="1.0" encoding="utf-8"?>
+<p:sld xmlns:a="http://schemas.openxmlformats.org/drawingml/2006/main" xmlns:r="http://schemas.openxmlformats.org/officeDocument/2006/relationships" xmlns:p="http://schemas.openxmlformats.org/presentationml/2006/main">
+  <p:cSld>
+    <p:spTree>
+      <p:nvGrpSpPr>
+        <p:cNvPr id="1" name=""/>
+        <p:cNvGrpSpPr/>
+        <p:nvPr/>
+      </p:nvGrpSpPr>
+      <p:grpSpPr>
+        <a:xfrm>
+          <a:off x="0" y="0"/>
+          <a:ext cx="0" cy="0"/>
+          <a:chOff x="0" y="0"/>
+          <a:chExt cx="0" cy="0"/>
+        </a:xfrm>
+      </p:grpSpPr>
+      <p:sp>
+        <p:nvSpPr>
+          <p:cNvPr id="2" name="Slide Number Placeholder 1">
+            <a:extLst>
+              <a:ext uri="{FF2B5EF4-FFF2-40B4-BE49-F238E27FC236}">
+                <a16:creationId xmlns:a16="http://schemas.microsoft.com/office/drawing/2014/main" id="{FB228BB7-D448-C99D-D01F-558F43AA9A52}"/>
+              </a:ext>
+            </a:extLst>
+          </p:cNvPr>
+          <p:cNvSpPr>
+            <a:spLocks noGrp="1"/>
+          </p:cNvSpPr>
+          <p:nvPr>
+            <p:ph type="sldNum" sz="quarter" idx="12"/>
+          </p:nvPr>
+        </p:nvSpPr>
+        <p:spPr/>
+        <p:txBody>
+          <a:bodyPr/>
+          <a:lstStyle/>
+          <a:p>
+            <a:fld id="{0B12C922-00BD-488B-848D-49DE5635C3DD}" type="slidenum">
+              <a:rPr lang="en-IN" smtClean="0"/>
+              <a:t>28</a:t>
+            </a:fld>
+            <a:endParaRPr lang="en-IN"/>
+          </a:p>
+        </p:txBody>
+      </p:sp>
+      <p:sp>
+        <p:nvSpPr>
+          <p:cNvPr id="4" name="TextBox 3">
+            <a:extLst>
+              <a:ext uri="{FF2B5EF4-FFF2-40B4-BE49-F238E27FC236}">
+                <a16:creationId xmlns:a16="http://schemas.microsoft.com/office/drawing/2014/main" id="{CAFF08F1-7A80-A9CF-F8F5-E6817487CFBD}"/>
+              </a:ext>
+            </a:extLst>
+          </p:cNvPr>
+          <p:cNvSpPr txBox="1"/>
+          <p:nvPr/>
+        </p:nvSpPr>
+        <p:spPr>
+          <a:xfrm>
+            <a:off x="196645" y="251851"/>
+            <a:ext cx="6096000" cy="523220"/>
+          </a:xfrm>
+          <a:prstGeom prst="rect">
+            <a:avLst/>
+          </a:prstGeom>
+          <a:noFill/>
+        </p:spPr>
+        <p:txBody>
+          <a:bodyPr wrap="square">
+            <a:spAutoFit/>
+          </a:bodyPr>
+          <a:lstStyle/>
+          <a:p>
+            <a:r>
+              <a:rPr lang="en-US" sz="2800" dirty="0">
+                <a:latin typeface="Times New Roman" panose="02020603050405020304" pitchFamily="18" charset="0"/>
+                <a:cs typeface="Times New Roman" panose="02020603050405020304" pitchFamily="18" charset="0"/>
+              </a:rPr>
+              <a:t>Sequential designs:		RAM </a:t>
+            </a:r>
+            <a:endParaRPr lang="en-IN" sz="2800" dirty="0">
+              <a:latin typeface="Times New Roman" panose="02020603050405020304" pitchFamily="18" charset="0"/>
+              <a:cs typeface="Times New Roman" panose="02020603050405020304" pitchFamily="18" charset="0"/>
+            </a:endParaRPr>
+          </a:p>
+        </p:txBody>
+      </p:sp>
+      <p:sp>
+        <p:nvSpPr>
+          <p:cNvPr id="6" name="TextBox 5">
+            <a:extLst>
+              <a:ext uri="{FF2B5EF4-FFF2-40B4-BE49-F238E27FC236}">
+                <a16:creationId xmlns:a16="http://schemas.microsoft.com/office/drawing/2014/main" id="{9920B377-8081-2076-570A-2E26E89CFDED}"/>
+              </a:ext>
+            </a:extLst>
+          </p:cNvPr>
+          <p:cNvSpPr txBox="1"/>
+          <p:nvPr/>
+        </p:nvSpPr>
+        <p:spPr>
+          <a:xfrm>
+            <a:off x="3441290" y="733246"/>
+            <a:ext cx="6096000" cy="6124754"/>
+          </a:xfrm>
+          <a:prstGeom prst="rect">
+            <a:avLst/>
+          </a:prstGeom>
+          <a:noFill/>
+          <a:ln>
+            <a:solidFill>
+              <a:schemeClr val="tx1"/>
+            </a:solidFill>
+          </a:ln>
+        </p:spPr>
+        <p:txBody>
+          <a:bodyPr wrap="square">
+            <a:spAutoFit/>
+          </a:bodyPr>
+          <a:lstStyle/>
+          <a:p>
+            <a:r>
+              <a:rPr lang="en-IN" sz="1400" dirty="0"/>
+              <a:t>import </a:t>
+            </a:r>
+            <a:r>
+              <a:rPr lang="en-IN" sz="1400" dirty="0" err="1"/>
+              <a:t>myhdl</a:t>
+            </a:r>
+            <a:endParaRPr lang="en-IN" sz="1400" dirty="0"/>
+          </a:p>
+          <a:p>
+            <a:r>
+              <a:rPr lang="en-IN" sz="1400" dirty="0"/>
+              <a:t>from </a:t>
+            </a:r>
+            <a:r>
+              <a:rPr lang="en-IN" sz="1400" dirty="0" err="1"/>
+              <a:t>myhdl</a:t>
+            </a:r>
+            <a:r>
+              <a:rPr lang="en-IN" sz="1400" dirty="0"/>
+              <a:t> import *</a:t>
+            </a:r>
+          </a:p>
+          <a:p>
+            <a:r>
+              <a:rPr lang="en-IN" sz="1400" dirty="0"/>
+              <a:t>@block</a:t>
+            </a:r>
+          </a:p>
+          <a:p>
+            <a:r>
+              <a:rPr lang="en-IN" sz="1400" dirty="0"/>
+              <a:t>def RAM(</a:t>
+            </a:r>
+            <a:r>
+              <a:rPr lang="en-IN" sz="1400" dirty="0" err="1"/>
+              <a:t>dout</a:t>
+            </a:r>
+            <a:r>
+              <a:rPr lang="en-IN" sz="1400" dirty="0"/>
+              <a:t>, din, </a:t>
+            </a:r>
+            <a:r>
+              <a:rPr lang="en-IN" sz="1400" dirty="0" err="1"/>
+              <a:t>addr</a:t>
+            </a:r>
+            <a:r>
+              <a:rPr lang="en-IN" sz="1400" dirty="0"/>
+              <a:t>, we, </a:t>
+            </a:r>
+            <a:r>
+              <a:rPr lang="en-IN" sz="1400" dirty="0" err="1"/>
+              <a:t>clk</a:t>
+            </a:r>
+            <a:r>
+              <a:rPr lang="en-IN" sz="1400" dirty="0"/>
+              <a:t>, depth=128):</a:t>
+            </a:r>
+          </a:p>
+          <a:p>
+            <a:r>
+              <a:rPr lang="en-IN" sz="1400" dirty="0"/>
+              <a:t>    """ Ram model """</a:t>
+            </a:r>
+          </a:p>
+          <a:p>
+            <a:r>
+              <a:rPr lang="en-IN" sz="1400" dirty="0"/>
+              <a:t>    mem = [Signal(</a:t>
+            </a:r>
+            <a:r>
+              <a:rPr lang="en-IN" sz="1400" dirty="0" err="1"/>
+              <a:t>intbv</a:t>
+            </a:r>
+            <a:r>
+              <a:rPr lang="en-IN" sz="1400" dirty="0"/>
+              <a:t>(0)[8:]) for </a:t>
+            </a:r>
+            <a:r>
+              <a:rPr lang="en-IN" sz="1400" dirty="0" err="1"/>
+              <a:t>i</a:t>
+            </a:r>
+            <a:r>
+              <a:rPr lang="en-IN" sz="1400" dirty="0"/>
+              <a:t> in range(depth)]</a:t>
+            </a:r>
+          </a:p>
+          <a:p>
+            <a:endParaRPr lang="en-IN" sz="1400" dirty="0"/>
+          </a:p>
+          <a:p>
+            <a:r>
+              <a:rPr lang="en-IN" sz="1400" dirty="0"/>
+              <a:t>    @always(clk.posedge)</a:t>
+            </a:r>
+          </a:p>
+          <a:p>
+            <a:r>
+              <a:rPr lang="en-IN" sz="1400" dirty="0"/>
+              <a:t>    def write():</a:t>
+            </a:r>
+          </a:p>
+          <a:p>
+            <a:r>
+              <a:rPr lang="en-IN" sz="1400" dirty="0"/>
+              <a:t>        if we:</a:t>
+            </a:r>
+          </a:p>
+          <a:p>
+            <a:r>
+              <a:rPr lang="en-IN" sz="1400" dirty="0"/>
+              <a:t>            mem[</a:t>
+            </a:r>
+            <a:r>
+              <a:rPr lang="en-IN" sz="1400" dirty="0" err="1"/>
+              <a:t>addr</a:t>
+            </a:r>
+            <a:r>
+              <a:rPr lang="en-IN" sz="1400" dirty="0"/>
+              <a:t>].next = din</a:t>
+            </a:r>
+          </a:p>
+          <a:p>
+            <a:endParaRPr lang="en-IN" sz="1400" dirty="0"/>
+          </a:p>
+          <a:p>
+            <a:r>
+              <a:rPr lang="en-IN" sz="1400" dirty="0"/>
+              <a:t>    @always_comb</a:t>
+            </a:r>
+          </a:p>
+          <a:p>
+            <a:r>
+              <a:rPr lang="en-IN" sz="1400" dirty="0"/>
+              <a:t>    def read():</a:t>
+            </a:r>
+          </a:p>
+          <a:p>
+            <a:r>
+              <a:rPr lang="en-IN" sz="1400" dirty="0"/>
+              <a:t>        </a:t>
+            </a:r>
+            <a:r>
+              <a:rPr lang="en-IN" sz="1400" dirty="0" err="1"/>
+              <a:t>dout.next</a:t>
+            </a:r>
+            <a:r>
+              <a:rPr lang="en-IN" sz="1400" dirty="0"/>
+              <a:t> = mem[</a:t>
+            </a:r>
+            <a:r>
+              <a:rPr lang="en-IN" sz="1400" dirty="0" err="1"/>
+              <a:t>addr</a:t>
+            </a:r>
+            <a:r>
+              <a:rPr lang="en-IN" sz="1400" dirty="0"/>
+              <a:t>]</a:t>
+            </a:r>
+          </a:p>
+          <a:p>
+            <a:endParaRPr lang="en-IN" sz="1400" dirty="0"/>
+          </a:p>
+          <a:p>
+            <a:r>
+              <a:rPr lang="en-IN" sz="1400" dirty="0"/>
+              <a:t>    return instances()</a:t>
+            </a:r>
+          </a:p>
+          <a:p>
+            <a:r>
+              <a:rPr lang="en-IN" sz="1400" dirty="0"/>
+              <a:t>	</a:t>
+            </a:r>
+          </a:p>
+          <a:p>
+            <a:r>
+              <a:rPr lang="en-IN" sz="1400" dirty="0" err="1"/>
+              <a:t>dout</a:t>
+            </a:r>
+            <a:r>
+              <a:rPr lang="en-IN" sz="1400" dirty="0"/>
+              <a:t> = Signal(</a:t>
+            </a:r>
+            <a:r>
+              <a:rPr lang="en-IN" sz="1400" dirty="0" err="1"/>
+              <a:t>intbv</a:t>
+            </a:r>
+            <a:r>
+              <a:rPr lang="en-IN" sz="1400" dirty="0"/>
+              <a:t>(0)[8:])</a:t>
+            </a:r>
+          </a:p>
+          <a:p>
+            <a:r>
+              <a:rPr lang="en-IN" sz="1400" dirty="0" err="1"/>
+              <a:t>dout_v</a:t>
+            </a:r>
+            <a:r>
+              <a:rPr lang="en-IN" sz="1400" dirty="0"/>
+              <a:t> = Signal(</a:t>
+            </a:r>
+            <a:r>
+              <a:rPr lang="en-IN" sz="1400" dirty="0" err="1"/>
+              <a:t>intbv</a:t>
+            </a:r>
+            <a:r>
+              <a:rPr lang="en-IN" sz="1400" dirty="0"/>
+              <a:t>(0)[8:])</a:t>
+            </a:r>
+          </a:p>
+          <a:p>
+            <a:r>
+              <a:rPr lang="en-IN" sz="1400" dirty="0"/>
+              <a:t>din = Signal(</a:t>
+            </a:r>
+            <a:r>
+              <a:rPr lang="en-IN" sz="1400" dirty="0" err="1"/>
+              <a:t>intbv</a:t>
+            </a:r>
+            <a:r>
+              <a:rPr lang="en-IN" sz="1400" dirty="0"/>
+              <a:t>(0)[8:])</a:t>
+            </a:r>
+          </a:p>
+          <a:p>
+            <a:r>
+              <a:rPr lang="en-IN" sz="1400" dirty="0" err="1"/>
+              <a:t>addr</a:t>
+            </a:r>
+            <a:r>
+              <a:rPr lang="en-IN" sz="1400" dirty="0"/>
+              <a:t> = Signal(</a:t>
+            </a:r>
+            <a:r>
+              <a:rPr lang="en-IN" sz="1400" dirty="0" err="1"/>
+              <a:t>intbv</a:t>
+            </a:r>
+            <a:r>
+              <a:rPr lang="en-IN" sz="1400" dirty="0"/>
+              <a:t>(0)[7:])</a:t>
+            </a:r>
+          </a:p>
+          <a:p>
+            <a:r>
+              <a:rPr lang="en-IN" sz="1400" dirty="0"/>
+              <a:t>we = Signal(bool(0))</a:t>
+            </a:r>
+          </a:p>
+          <a:p>
+            <a:r>
+              <a:rPr lang="en-IN" sz="1400" dirty="0" err="1"/>
+              <a:t>clk</a:t>
+            </a:r>
+            <a:r>
+              <a:rPr lang="en-IN" sz="1400" dirty="0"/>
+              <a:t> = Signal(bool(0))</a:t>
+            </a:r>
+          </a:p>
+          <a:p>
+            <a:r>
+              <a:rPr lang="en-IN" sz="1400" dirty="0"/>
+              <a:t>	</a:t>
+            </a:r>
+          </a:p>
+          <a:p>
+            <a:r>
+              <a:rPr lang="en-IN" sz="1400" dirty="0" err="1"/>
+              <a:t>inst</a:t>
+            </a:r>
+            <a:r>
+              <a:rPr lang="en-IN" sz="1400" dirty="0"/>
+              <a:t> = RAM(</a:t>
+            </a:r>
+            <a:r>
+              <a:rPr lang="en-IN" sz="1400" dirty="0" err="1"/>
+              <a:t>clk</a:t>
+            </a:r>
+            <a:r>
+              <a:rPr lang="en-IN" sz="1400" dirty="0"/>
+              <a:t>=</a:t>
+            </a:r>
+            <a:r>
+              <a:rPr lang="en-IN" sz="1400" dirty="0" err="1"/>
+              <a:t>clk</a:t>
+            </a:r>
+            <a:r>
+              <a:rPr lang="en-IN" sz="1400" dirty="0"/>
+              <a:t>, </a:t>
+            </a:r>
+            <a:r>
+              <a:rPr lang="en-IN" sz="1400" dirty="0" err="1"/>
+              <a:t>addr</a:t>
+            </a:r>
+            <a:r>
+              <a:rPr lang="en-IN" sz="1400" dirty="0"/>
+              <a:t>=</a:t>
+            </a:r>
+            <a:r>
+              <a:rPr lang="en-IN" sz="1400" dirty="0" err="1"/>
+              <a:t>addr</a:t>
+            </a:r>
+            <a:r>
+              <a:rPr lang="en-IN" sz="1400" dirty="0"/>
+              <a:t>, we=we, din=din, </a:t>
+            </a:r>
+            <a:r>
+              <a:rPr lang="en-IN" sz="1400" dirty="0" err="1"/>
+              <a:t>dout</a:t>
+            </a:r>
+            <a:r>
+              <a:rPr lang="en-IN" sz="1400" dirty="0"/>
+              <a:t>=</a:t>
+            </a:r>
+            <a:r>
+              <a:rPr lang="en-IN" sz="1400" dirty="0" err="1"/>
+              <a:t>dout</a:t>
+            </a:r>
+            <a:r>
+              <a:rPr lang="en-IN" sz="1400" dirty="0"/>
+              <a:t>)</a:t>
+            </a:r>
+          </a:p>
+          <a:p>
+            <a:r>
+              <a:rPr lang="en-IN" sz="1400" dirty="0" err="1"/>
+              <a:t>inst.convert</a:t>
+            </a:r>
+            <a:r>
+              <a:rPr lang="en-IN" sz="1400" dirty="0"/>
+              <a:t>(</a:t>
+            </a:r>
+            <a:r>
+              <a:rPr lang="en-IN" sz="1400" dirty="0" err="1"/>
+              <a:t>hdl</a:t>
+            </a:r>
+            <a:r>
+              <a:rPr lang="en-IN" sz="1400" dirty="0"/>
+              <a:t>="VHDL")</a:t>
+            </a:r>
+          </a:p>
+          <a:p>
+            <a:r>
+              <a:rPr lang="en-IN" sz="1400" dirty="0" err="1"/>
+              <a:t>inst.convert</a:t>
+            </a:r>
+            <a:r>
+              <a:rPr lang="en-IN" sz="1400" dirty="0"/>
+              <a:t>(</a:t>
+            </a:r>
+            <a:r>
+              <a:rPr lang="en-IN" sz="1400" dirty="0" err="1"/>
+              <a:t>hdl</a:t>
+            </a:r>
+            <a:r>
+              <a:rPr lang="en-IN" sz="1400" dirty="0"/>
+              <a:t>="Verilog", testbench=False)</a:t>
+            </a:r>
+          </a:p>
+        </p:txBody>
+      </p:sp>
+    </p:spTree>
+    <p:extLst>
+      <p:ext uri="{BB962C8B-B14F-4D97-AF65-F5344CB8AC3E}">
+        <p14:creationId xmlns:p14="http://schemas.microsoft.com/office/powerpoint/2010/main" val="243423313"/>
+      </p:ext>
+    </p:extLst>
+  </p:cSld>
+  <p:clrMapOvr>
+    <a:masterClrMapping/>
+  </p:clrMapOvr>
+</p:sld>
+</file>
+
+<file path=ppt/slides/slide29.xml><?xml version="1.0" encoding="utf-8"?>
+<p:sld xmlns:a="http://schemas.openxmlformats.org/drawingml/2006/main" xmlns:r="http://schemas.openxmlformats.org/officeDocument/2006/relationships" xmlns:p="http://schemas.openxmlformats.org/presentationml/2006/main">
+  <p:cSld>
+    <p:spTree>
+      <p:nvGrpSpPr>
+        <p:cNvPr id="1" name=""/>
+        <p:cNvGrpSpPr/>
+        <p:nvPr/>
+      </p:nvGrpSpPr>
+      <p:grpSpPr>
+        <a:xfrm>
+          <a:off x="0" y="0"/>
+          <a:ext cx="0" cy="0"/>
+          <a:chOff x="0" y="0"/>
+          <a:chExt cx="0" cy="0"/>
+        </a:xfrm>
+      </p:grpSpPr>
+      <p:sp>
+        <p:nvSpPr>
+          <p:cNvPr id="2" name="Slide Number Placeholder 1">
+            <a:extLst>
+              <a:ext uri="{FF2B5EF4-FFF2-40B4-BE49-F238E27FC236}">
+                <a16:creationId xmlns:a16="http://schemas.microsoft.com/office/drawing/2014/main" id="{D6CE8A80-E028-6027-36E0-B07E4A3A0D86}"/>
+              </a:ext>
+            </a:extLst>
+          </p:cNvPr>
+          <p:cNvSpPr>
+            <a:spLocks noGrp="1"/>
+          </p:cNvSpPr>
+          <p:nvPr>
+            <p:ph type="sldNum" sz="quarter" idx="12"/>
+          </p:nvPr>
+        </p:nvSpPr>
+        <p:spPr/>
+        <p:txBody>
+          <a:bodyPr/>
+          <a:lstStyle/>
+          <a:p>
+            <a:fld id="{0B12C922-00BD-488B-848D-49DE5635C3DD}" type="slidenum">
+              <a:rPr lang="en-IN" smtClean="0"/>
+              <a:t>29</a:t>
+            </a:fld>
+            <a:endParaRPr lang="en-IN"/>
+          </a:p>
+        </p:txBody>
+      </p:sp>
+    </p:spTree>
+    <p:extLst>
+      <p:ext uri="{BB962C8B-B14F-4D97-AF65-F5344CB8AC3E}">
+        <p14:creationId xmlns:p14="http://schemas.microsoft.com/office/powerpoint/2010/main" val="1915897968"/>
+      </p:ext>
+    </p:extLst>
+  </p:cSld>
+  <p:clrMapOvr>
+    <a:masterClrMapping/>
+  </p:clrMapOvr>
+</p:sld>
+</file>
+
 <file path=ppt/slides/slide3.xml><?xml version="1.0" encoding="utf-8"?>
 <p:sld xmlns:a="http://schemas.openxmlformats.org/drawingml/2006/main" xmlns:r="http://schemas.openxmlformats.org/officeDocument/2006/relationships" xmlns:p="http://schemas.openxmlformats.org/presentationml/2006/main">
   <p:cSld>
@@ -8103,6 +11407,65 @@
     <p:extLst>
       <p:ext uri="{BB962C8B-B14F-4D97-AF65-F5344CB8AC3E}">
         <p14:creationId xmlns:p14="http://schemas.microsoft.com/office/powerpoint/2010/main" val="1982377420"/>
+      </p:ext>
+    </p:extLst>
+  </p:cSld>
+  <p:clrMapOvr>
+    <a:masterClrMapping/>
+  </p:clrMapOvr>
+</p:sld>
+</file>
+
+<file path=ppt/slides/slide30.xml><?xml version="1.0" encoding="utf-8"?>
+<p:sld xmlns:a="http://schemas.openxmlformats.org/drawingml/2006/main" xmlns:r="http://schemas.openxmlformats.org/officeDocument/2006/relationships" xmlns:p="http://schemas.openxmlformats.org/presentationml/2006/main">
+  <p:cSld>
+    <p:spTree>
+      <p:nvGrpSpPr>
+        <p:cNvPr id="1" name=""/>
+        <p:cNvGrpSpPr/>
+        <p:nvPr/>
+      </p:nvGrpSpPr>
+      <p:grpSpPr>
+        <a:xfrm>
+          <a:off x="0" y="0"/>
+          <a:ext cx="0" cy="0"/>
+          <a:chOff x="0" y="0"/>
+          <a:chExt cx="0" cy="0"/>
+        </a:xfrm>
+      </p:grpSpPr>
+      <p:sp>
+        <p:nvSpPr>
+          <p:cNvPr id="2" name="Slide Number Placeholder 1">
+            <a:extLst>
+              <a:ext uri="{FF2B5EF4-FFF2-40B4-BE49-F238E27FC236}">
+                <a16:creationId xmlns:a16="http://schemas.microsoft.com/office/drawing/2014/main" id="{FB228BB7-D448-C99D-D01F-558F43AA9A52}"/>
+              </a:ext>
+            </a:extLst>
+          </p:cNvPr>
+          <p:cNvSpPr>
+            <a:spLocks noGrp="1"/>
+          </p:cNvSpPr>
+          <p:nvPr>
+            <p:ph type="sldNum" sz="quarter" idx="12"/>
+          </p:nvPr>
+        </p:nvSpPr>
+        <p:spPr/>
+        <p:txBody>
+          <a:bodyPr/>
+          <a:lstStyle/>
+          <a:p>
+            <a:fld id="{0B12C922-00BD-488B-848D-49DE5635C3DD}" type="slidenum">
+              <a:rPr lang="en-IN" smtClean="0"/>
+              <a:t>30</a:t>
+            </a:fld>
+            <a:endParaRPr lang="en-IN"/>
+          </a:p>
+        </p:txBody>
+      </p:sp>
+    </p:spTree>
+    <p:extLst>
+      <p:ext uri="{BB962C8B-B14F-4D97-AF65-F5344CB8AC3E}">
+        <p14:creationId xmlns:p14="http://schemas.microsoft.com/office/powerpoint/2010/main" val="530390102"/>
       </p:ext>
     </p:extLst>
   </p:cSld>

--- a/hls_phase1.pptx
+++ b/hls_phase1.pptx
@@ -3736,36 +3736,6 @@
           <a:chExt cx="0" cy="0"/>
         </a:xfrm>
       </p:grpSpPr>
-      <p:pic>
-        <p:nvPicPr>
-          <p:cNvPr id="5" name="Picture 4">
-            <a:extLst>
-              <a:ext uri="{FF2B5EF4-FFF2-40B4-BE49-F238E27FC236}">
-                <a16:creationId xmlns:a16="http://schemas.microsoft.com/office/drawing/2014/main" id="{A533CD6B-E20D-224D-7DED-AB2051AD2888}"/>
-              </a:ext>
-            </a:extLst>
-          </p:cNvPr>
-          <p:cNvPicPr>
-            <a:picLocks noChangeAspect="1"/>
-          </p:cNvPicPr>
-          <p:nvPr/>
-        </p:nvPicPr>
-        <p:blipFill>
-          <a:blip r:embed="rId2"/>
-          <a:stretch>
-            <a:fillRect/>
-          </a:stretch>
-        </p:blipFill>
-        <p:spPr>
-          <a:xfrm>
-            <a:off x="3843582" y="2487076"/>
-            <a:ext cx="4662152" cy="585989"/>
-          </a:xfrm>
-          <a:prstGeom prst="rect">
-            <a:avLst/>
-          </a:prstGeom>
-        </p:spPr>
-      </p:pic>
       <p:sp>
         <p:nvSpPr>
           <p:cNvPr id="2" name="Slide Number Placeholder 1">
@@ -3792,6 +3762,55 @@
               <a:t>1</a:t>
             </a:fld>
             <a:endParaRPr lang="en-IN"/>
+          </a:p>
+        </p:txBody>
+      </p:sp>
+      <p:sp>
+        <p:nvSpPr>
+          <p:cNvPr id="3" name="TextBox 2">
+            <a:extLst>
+              <a:ext uri="{FF2B5EF4-FFF2-40B4-BE49-F238E27FC236}">
+                <a16:creationId xmlns:a16="http://schemas.microsoft.com/office/drawing/2014/main" id="{9F2B39A5-BF82-08B7-774E-E56137433DCA}"/>
+              </a:ext>
+            </a:extLst>
+          </p:cNvPr>
+          <p:cNvSpPr txBox="1"/>
+          <p:nvPr/>
+        </p:nvSpPr>
+        <p:spPr>
+          <a:xfrm>
+            <a:off x="1396180" y="2300748"/>
+            <a:ext cx="9219255" cy="1200329"/>
+          </a:xfrm>
+          <a:prstGeom prst="rect">
+            <a:avLst/>
+          </a:prstGeom>
+          <a:noFill/>
+        </p:spPr>
+        <p:txBody>
+          <a:bodyPr wrap="none" rtlCol="0">
+            <a:spAutoFit/>
+          </a:bodyPr>
+          <a:lstStyle/>
+          <a:p>
+            <a:pPr algn="ctr"/>
+            <a:r>
+              <a:rPr lang="en-IN" sz="3600" dirty="0">
+                <a:latin typeface="Times New Roman" panose="02020603050405020304" pitchFamily="18" charset="0"/>
+                <a:cs typeface="Times New Roman" panose="02020603050405020304" pitchFamily="18" charset="0"/>
+              </a:rPr>
+              <a:t>Python for RTL generation for Digital IC design </a:t>
+            </a:r>
+          </a:p>
+          <a:p>
+            <a:pPr algn="ctr"/>
+            <a:r>
+              <a:rPr lang="en-IN" sz="3600" dirty="0">
+                <a:latin typeface="Times New Roman" panose="02020603050405020304" pitchFamily="18" charset="0"/>
+                <a:cs typeface="Times New Roman" panose="02020603050405020304" pitchFamily="18" charset="0"/>
+              </a:rPr>
+              <a:t>for FPGAs and ASICs</a:t>
+            </a:r>
           </a:p>
         </p:txBody>
       </p:sp>

--- a/hls_phase1.pptx
+++ b/hls_phase1.pptx
@@ -5,7 +5,7 @@
     <p:sldMasterId id="2147483648" r:id="rId1"/>
   </p:sldMasterIdLst>
   <p:notesMasterIdLst>
-    <p:notesMasterId r:id="rId48"/>
+    <p:notesMasterId r:id="rId51"/>
   </p:notesMasterIdLst>
   <p:sldIdLst>
     <p:sldId id="256" r:id="rId2"/>
@@ -44,16 +44,19 @@
     <p:sldId id="273" r:id="rId35"/>
     <p:sldId id="274" r:id="rId36"/>
     <p:sldId id="275" r:id="rId37"/>
-    <p:sldId id="276" r:id="rId38"/>
-    <p:sldId id="277" r:id="rId39"/>
-    <p:sldId id="278" r:id="rId40"/>
-    <p:sldId id="279" r:id="rId41"/>
-    <p:sldId id="285" r:id="rId42"/>
-    <p:sldId id="286" r:id="rId43"/>
-    <p:sldId id="280" r:id="rId44"/>
-    <p:sldId id="282" r:id="rId45"/>
-    <p:sldId id="283" r:id="rId46"/>
-    <p:sldId id="284" r:id="rId47"/>
+    <p:sldId id="303" r:id="rId38"/>
+    <p:sldId id="304" r:id="rId39"/>
+    <p:sldId id="305" r:id="rId40"/>
+    <p:sldId id="276" r:id="rId41"/>
+    <p:sldId id="277" r:id="rId42"/>
+    <p:sldId id="278" r:id="rId43"/>
+    <p:sldId id="279" r:id="rId44"/>
+    <p:sldId id="285" r:id="rId45"/>
+    <p:sldId id="286" r:id="rId46"/>
+    <p:sldId id="280" r:id="rId47"/>
+    <p:sldId id="282" r:id="rId48"/>
+    <p:sldId id="283" r:id="rId49"/>
+    <p:sldId id="284" r:id="rId50"/>
   </p:sldIdLst>
   <p:sldSz cx="12192000" cy="6858000"/>
   <p:notesSz cx="6858000" cy="9144000"/>
@@ -11712,7 +11715,7 @@
           <p:cNvPr id="2" name="Slide Number Placeholder 1">
             <a:extLst>
               <a:ext uri="{FF2B5EF4-FFF2-40B4-BE49-F238E27FC236}">
-                <a16:creationId xmlns:a16="http://schemas.microsoft.com/office/drawing/2014/main" id="{C6DA5922-470F-421C-B062-43EA6FC0AF55}"/>
+                <a16:creationId xmlns:a16="http://schemas.microsoft.com/office/drawing/2014/main" id="{0CAE7E3D-EB2D-60FE-56A8-FD7C61A607B6}"/>
               </a:ext>
             </a:extLst>
           </p:cNvPr>
@@ -11736,12 +11739,42 @@
           </a:p>
         </p:txBody>
       </p:sp>
-      <p:sp>
-        <p:nvSpPr>
-          <p:cNvPr id="3" name="TextBox 2">
-            <a:extLst>
-              <a:ext uri="{FF2B5EF4-FFF2-40B4-BE49-F238E27FC236}">
-                <a16:creationId xmlns:a16="http://schemas.microsoft.com/office/drawing/2014/main" id="{096C3BAA-E400-4936-A57F-B0399E0C5059}"/>
+      <p:pic>
+        <p:nvPicPr>
+          <p:cNvPr id="4" name="Picture 3">
+            <a:extLst>
+              <a:ext uri="{FF2B5EF4-FFF2-40B4-BE49-F238E27FC236}">
+                <a16:creationId xmlns:a16="http://schemas.microsoft.com/office/drawing/2014/main" id="{C7069D09-9A24-2551-2E6A-60EF7E994E18}"/>
+              </a:ext>
+            </a:extLst>
+          </p:cNvPr>
+          <p:cNvPicPr>
+            <a:picLocks noChangeAspect="1"/>
+          </p:cNvPicPr>
+          <p:nvPr/>
+        </p:nvPicPr>
+        <p:blipFill>
+          <a:blip r:embed="rId2"/>
+          <a:stretch>
+            <a:fillRect/>
+          </a:stretch>
+        </p:blipFill>
+        <p:spPr>
+          <a:xfrm>
+            <a:off x="0" y="641411"/>
+            <a:ext cx="12192000" cy="6047128"/>
+          </a:xfrm>
+          <a:prstGeom prst="rect">
+            <a:avLst/>
+          </a:prstGeom>
+        </p:spPr>
+      </p:pic>
+      <p:sp>
+        <p:nvSpPr>
+          <p:cNvPr id="5" name="TextBox 4">
+            <a:extLst>
+              <a:ext uri="{FF2B5EF4-FFF2-40B4-BE49-F238E27FC236}">
+                <a16:creationId xmlns:a16="http://schemas.microsoft.com/office/drawing/2014/main" id="{94FE6DEF-3BF7-AB24-95F7-EAE1D55DB6B2}"/>
               </a:ext>
             </a:extLst>
           </p:cNvPr>
@@ -11750,8 +11783,8 @@
         </p:nvSpPr>
         <p:spPr>
           <a:xfrm>
-            <a:off x="560439" y="867385"/>
-            <a:ext cx="6096000" cy="3508653"/>
+            <a:off x="103162" y="65197"/>
+            <a:ext cx="6091732" cy="523220"/>
           </a:xfrm>
           <a:prstGeom prst="rect">
             <a:avLst/>
@@ -11759,114 +11792,29 @@
           <a:noFill/>
         </p:spPr>
         <p:txBody>
-          <a:bodyPr wrap="square">
+          <a:bodyPr wrap="none" rtlCol="0">
             <a:spAutoFit/>
           </a:bodyPr>
           <a:lstStyle/>
           <a:p>
             <a:r>
-              <a:rPr lang="en-IN" sz="3600" dirty="0">
+              <a:rPr lang="en-US" sz="2800" b="1" dirty="0">
                 <a:latin typeface="Times New Roman" panose="02020603050405020304" pitchFamily="18" charset="0"/>
                 <a:cs typeface="Times New Roman" panose="02020603050405020304" pitchFamily="18" charset="0"/>
               </a:rPr>
-              <a:t>Sequential designs</a:t>
-            </a:r>
-          </a:p>
-          <a:p>
-            <a:endParaRPr lang="en-IN" sz="2400" dirty="0">
+              <a:t>ALU 16-bit				-Cont’d.</a:t>
+            </a:r>
+            <a:endParaRPr lang="en-IN" sz="2800" b="1" dirty="0">
               <a:latin typeface="Times New Roman" panose="02020603050405020304" pitchFamily="18" charset="0"/>
               <a:cs typeface="Times New Roman" panose="02020603050405020304" pitchFamily="18" charset="0"/>
             </a:endParaRPr>
           </a:p>
-          <a:p>
-            <a:pPr marL="342900" indent="-342900">
-              <a:buAutoNum type="arabicPeriod"/>
-            </a:pPr>
-            <a:r>
-              <a:rPr lang="en-IN" sz="2400" dirty="0">
-                <a:latin typeface="Times New Roman" panose="02020603050405020304" pitchFamily="18" charset="0"/>
-                <a:cs typeface="Times New Roman" panose="02020603050405020304" pitchFamily="18" charset="0"/>
-              </a:rPr>
-              <a:t>D Flipflop</a:t>
-            </a:r>
-          </a:p>
-          <a:p>
-            <a:pPr marL="342900" indent="-342900">
-              <a:buFontTx/>
-              <a:buAutoNum type="arabicPeriod"/>
-            </a:pPr>
-            <a:r>
-              <a:rPr lang="en-IN" sz="2400" dirty="0">
-                <a:latin typeface="Times New Roman" panose="02020603050405020304" pitchFamily="18" charset="0"/>
-                <a:cs typeface="Times New Roman" panose="02020603050405020304" pitchFamily="18" charset="0"/>
-              </a:rPr>
-              <a:t>D Flipflop with asynchronous reset</a:t>
-            </a:r>
-          </a:p>
-          <a:p>
-            <a:pPr marL="342900" indent="-342900">
-              <a:buFontTx/>
-              <a:buAutoNum type="arabicPeriod"/>
-            </a:pPr>
-            <a:r>
-              <a:rPr lang="en-IN" sz="2400" dirty="0">
-                <a:latin typeface="Times New Roman" panose="02020603050405020304" pitchFamily="18" charset="0"/>
-                <a:cs typeface="Times New Roman" panose="02020603050405020304" pitchFamily="18" charset="0"/>
-              </a:rPr>
-              <a:t>ALU</a:t>
-            </a:r>
-          </a:p>
-          <a:p>
-            <a:pPr marL="342900" indent="-342900">
-              <a:buAutoNum type="arabicPeriod"/>
-            </a:pPr>
-            <a:r>
-              <a:rPr lang="en-IN" sz="2400" dirty="0">
-                <a:latin typeface="Times New Roman" panose="02020603050405020304" pitchFamily="18" charset="0"/>
-                <a:cs typeface="Times New Roman" panose="02020603050405020304" pitchFamily="18" charset="0"/>
-              </a:rPr>
-              <a:t>Counter</a:t>
-            </a:r>
-          </a:p>
-          <a:p>
-            <a:pPr marL="342900" indent="-342900">
-              <a:buAutoNum type="arabicPeriod"/>
-            </a:pPr>
-            <a:r>
-              <a:rPr lang="en-IN" sz="2400" dirty="0">
-                <a:latin typeface="Times New Roman" panose="02020603050405020304" pitchFamily="18" charset="0"/>
-                <a:cs typeface="Times New Roman" panose="02020603050405020304" pitchFamily="18" charset="0"/>
-              </a:rPr>
-              <a:t>Shift register</a:t>
-            </a:r>
-          </a:p>
-          <a:p>
-            <a:pPr marL="342900" indent="-342900">
-              <a:buAutoNum type="arabicPeriod"/>
-            </a:pPr>
-            <a:r>
-              <a:rPr lang="en-IN" sz="2400" dirty="0">
-                <a:latin typeface="Times New Roman" panose="02020603050405020304" pitchFamily="18" charset="0"/>
-                <a:cs typeface="Times New Roman" panose="02020603050405020304" pitchFamily="18" charset="0"/>
-              </a:rPr>
-              <a:t>RAM </a:t>
-            </a:r>
-          </a:p>
-          <a:p>
-            <a:pPr marL="342900" indent="-342900">
-              <a:buAutoNum type="arabicPeriod"/>
-            </a:pPr>
-            <a:endParaRPr lang="en-IN" sz="1800" dirty="0">
-              <a:latin typeface="Times New Roman" panose="02020603050405020304" pitchFamily="18" charset="0"/>
-              <a:cs typeface="Times New Roman" panose="02020603050405020304" pitchFamily="18" charset="0"/>
-            </a:endParaRPr>
-          </a:p>
         </p:txBody>
       </p:sp>
     </p:spTree>
     <p:extLst>
       <p:ext uri="{BB962C8B-B14F-4D97-AF65-F5344CB8AC3E}">
-        <p14:creationId xmlns:p14="http://schemas.microsoft.com/office/powerpoint/2010/main" val="1753047330"/>
+        <p14:creationId xmlns:p14="http://schemas.microsoft.com/office/powerpoint/2010/main" val="891043736"/>
       </p:ext>
     </p:extLst>
   </p:cSld>
@@ -11898,7 +11846,7 @@
           <p:cNvPr id="2" name="Slide Number Placeholder 1">
             <a:extLst>
               <a:ext uri="{FF2B5EF4-FFF2-40B4-BE49-F238E27FC236}">
-                <a16:creationId xmlns:a16="http://schemas.microsoft.com/office/drawing/2014/main" id="{D6CE8A80-E028-6027-36E0-B07E4A3A0D86}"/>
+                <a16:creationId xmlns:a16="http://schemas.microsoft.com/office/drawing/2014/main" id="{27BEDE49-3097-0C79-D5CF-EAA0C26BCA27}"/>
               </a:ext>
             </a:extLst>
           </p:cNvPr>
@@ -11924,10 +11872,10 @@
       </p:sp>
       <p:sp>
         <p:nvSpPr>
-          <p:cNvPr id="4" name="TextBox 3">
-            <a:extLst>
-              <a:ext uri="{FF2B5EF4-FFF2-40B4-BE49-F238E27FC236}">
-                <a16:creationId xmlns:a16="http://schemas.microsoft.com/office/drawing/2014/main" id="{46FFF68E-91ED-CE4F-DE93-2308033C0354}"/>
+          <p:cNvPr id="3" name="TextBox 2">
+            <a:extLst>
+              <a:ext uri="{FF2B5EF4-FFF2-40B4-BE49-F238E27FC236}">
+                <a16:creationId xmlns:a16="http://schemas.microsoft.com/office/drawing/2014/main" id="{C249855D-8DDC-B493-6F62-623384DA59E8}"/>
               </a:ext>
             </a:extLst>
           </p:cNvPr>
@@ -11936,8 +11884,8 @@
         </p:nvSpPr>
         <p:spPr>
           <a:xfrm>
-            <a:off x="265470" y="364246"/>
-            <a:ext cx="11316929" cy="523220"/>
+            <a:off x="112995" y="75028"/>
+            <a:ext cx="6091732" cy="523220"/>
           </a:xfrm>
           <a:prstGeom prst="rect">
             <a:avLst/>
@@ -11945,237 +11893,59 @@
           <a:noFill/>
         </p:spPr>
         <p:txBody>
-          <a:bodyPr wrap="square">
+          <a:bodyPr wrap="none" rtlCol="0">
             <a:spAutoFit/>
           </a:bodyPr>
           <a:lstStyle/>
           <a:p>
             <a:r>
-              <a:rPr lang="en-IN" sz="2800" b="1" dirty="0">
+              <a:rPr lang="en-US" sz="2800" b="1" dirty="0">
                 <a:latin typeface="Times New Roman" panose="02020603050405020304" pitchFamily="18" charset="0"/>
                 <a:cs typeface="Times New Roman" panose="02020603050405020304" pitchFamily="18" charset="0"/>
               </a:rPr>
-              <a:t>Sequential designs:		D Flipflop</a:t>
-            </a:r>
-          </a:p>
-        </p:txBody>
-      </p:sp>
-      <p:sp>
-        <p:nvSpPr>
-          <p:cNvPr id="6" name="TextBox 5">
-            <a:extLst>
-              <a:ext uri="{FF2B5EF4-FFF2-40B4-BE49-F238E27FC236}">
-                <a16:creationId xmlns:a16="http://schemas.microsoft.com/office/drawing/2014/main" id="{83102264-1EBC-5B77-5AD0-DDDCC1B753BD}"/>
-              </a:ext>
-            </a:extLst>
-          </p:cNvPr>
-          <p:cNvSpPr txBox="1"/>
+              <a:t>ALU 16-bit				-Cont’d.</a:t>
+            </a:r>
+            <a:endParaRPr lang="en-IN" sz="2800" b="1" dirty="0">
+              <a:latin typeface="Times New Roman" panose="02020603050405020304" pitchFamily="18" charset="0"/>
+              <a:cs typeface="Times New Roman" panose="02020603050405020304" pitchFamily="18" charset="0"/>
+            </a:endParaRPr>
+          </a:p>
+        </p:txBody>
+      </p:sp>
+      <p:pic>
+        <p:nvPicPr>
+          <p:cNvPr id="5" name="Picture 4">
+            <a:extLst>
+              <a:ext uri="{FF2B5EF4-FFF2-40B4-BE49-F238E27FC236}">
+                <a16:creationId xmlns:a16="http://schemas.microsoft.com/office/drawing/2014/main" id="{1B2ED669-3BEB-A959-450E-19A4740A20E2}"/>
+              </a:ext>
+            </a:extLst>
+          </p:cNvPr>
+          <p:cNvPicPr>
+            <a:picLocks noChangeAspect="1"/>
+          </p:cNvPicPr>
           <p:nvPr/>
-        </p:nvSpPr>
+        </p:nvPicPr>
+        <p:blipFill>
+          <a:blip r:embed="rId2"/>
+          <a:stretch>
+            <a:fillRect/>
+          </a:stretch>
+        </p:blipFill>
         <p:spPr>
           <a:xfrm>
-            <a:off x="2113935" y="1082751"/>
-            <a:ext cx="6096000" cy="5078313"/>
+            <a:off x="0" y="810016"/>
+            <a:ext cx="12192000" cy="5827904"/>
           </a:xfrm>
           <a:prstGeom prst="rect">
             <a:avLst/>
           </a:prstGeom>
-          <a:noFill/>
-          <a:ln>
-            <a:solidFill>
-              <a:schemeClr val="tx1"/>
-            </a:solidFill>
-          </a:ln>
         </p:spPr>
-        <p:txBody>
-          <a:bodyPr wrap="square">
-            <a:spAutoFit/>
-          </a:bodyPr>
-          <a:lstStyle/>
-          <a:p>
-            <a:r>
-              <a:rPr lang="en-IN" dirty="0"/>
-              <a:t>from </a:t>
-            </a:r>
-            <a:r>
-              <a:rPr lang="en-IN" dirty="0" err="1"/>
-              <a:t>myhdl</a:t>
-            </a:r>
-            <a:r>
-              <a:rPr lang="en-IN" dirty="0"/>
-              <a:t> import *</a:t>
-            </a:r>
-          </a:p>
-          <a:p>
-            <a:endParaRPr lang="en-IN" dirty="0"/>
-          </a:p>
-          <a:p>
-            <a:r>
-              <a:rPr lang="en-IN" dirty="0"/>
-              <a:t>@block</a:t>
-            </a:r>
-          </a:p>
-          <a:p>
-            <a:r>
-              <a:rPr lang="en-IN" dirty="0"/>
-              <a:t>def </a:t>
-            </a:r>
-            <a:r>
-              <a:rPr lang="en-IN" dirty="0" err="1"/>
-              <a:t>dff</a:t>
-            </a:r>
-            <a:r>
-              <a:rPr lang="en-IN" dirty="0"/>
-              <a:t>(q, d, </a:t>
-            </a:r>
-            <a:r>
-              <a:rPr lang="en-IN" dirty="0" err="1"/>
-              <a:t>clk</a:t>
-            </a:r>
-            <a:r>
-              <a:rPr lang="en-IN" dirty="0"/>
-              <a:t>):</a:t>
-            </a:r>
-          </a:p>
-          <a:p>
-            <a:endParaRPr lang="en-IN" dirty="0"/>
-          </a:p>
-          <a:p>
-            <a:r>
-              <a:rPr lang="en-IN" dirty="0"/>
-              <a:t>    @always(clk.posedge)</a:t>
-            </a:r>
-          </a:p>
-          <a:p>
-            <a:r>
-              <a:rPr lang="en-IN" dirty="0"/>
-              <a:t>    def logic():</a:t>
-            </a:r>
-          </a:p>
-          <a:p>
-            <a:r>
-              <a:rPr lang="en-IN" dirty="0"/>
-              <a:t>        </a:t>
-            </a:r>
-            <a:r>
-              <a:rPr lang="en-IN" dirty="0" err="1"/>
-              <a:t>q.next</a:t>
-            </a:r>
-            <a:r>
-              <a:rPr lang="en-IN" dirty="0"/>
-              <a:t> = d</a:t>
-            </a:r>
-          </a:p>
-          <a:p>
-            <a:endParaRPr lang="en-IN" dirty="0"/>
-          </a:p>
-          <a:p>
-            <a:r>
-              <a:rPr lang="en-IN" dirty="0"/>
-              <a:t>    return logic</a:t>
-            </a:r>
-          </a:p>
-          <a:p>
-            <a:endParaRPr lang="en-IN" dirty="0"/>
-          </a:p>
-          <a:p>
-            <a:endParaRPr lang="en-IN" dirty="0"/>
-          </a:p>
-          <a:p>
-            <a:r>
-              <a:rPr lang="en-IN" dirty="0"/>
-              <a:t>def convert():</a:t>
-            </a:r>
-          </a:p>
-          <a:p>
-            <a:r>
-              <a:rPr lang="en-IN" dirty="0"/>
-              <a:t>    q, d, </a:t>
-            </a:r>
-            <a:r>
-              <a:rPr lang="en-IN" dirty="0" err="1"/>
-              <a:t>clk</a:t>
-            </a:r>
-            <a:r>
-              <a:rPr lang="en-IN" dirty="0"/>
-              <a:t> = [Signal(bool(0)) for </a:t>
-            </a:r>
-            <a:r>
-              <a:rPr lang="en-IN" dirty="0" err="1"/>
-              <a:t>i</a:t>
-            </a:r>
-            <a:r>
-              <a:rPr lang="en-IN" dirty="0"/>
-              <a:t> in range(3)]</a:t>
-            </a:r>
-          </a:p>
-          <a:p>
-            <a:r>
-              <a:rPr lang="en-IN" dirty="0"/>
-              <a:t>    </a:t>
-            </a:r>
-            <a:r>
-              <a:rPr lang="en-IN" dirty="0" err="1"/>
-              <a:t>convInst</a:t>
-            </a:r>
-            <a:r>
-              <a:rPr lang="en-IN" dirty="0"/>
-              <a:t> = </a:t>
-            </a:r>
-            <a:r>
-              <a:rPr lang="en-IN" dirty="0" err="1"/>
-              <a:t>dff</a:t>
-            </a:r>
-            <a:r>
-              <a:rPr lang="en-IN" dirty="0"/>
-              <a:t>(q, d, </a:t>
-            </a:r>
-            <a:r>
-              <a:rPr lang="en-IN" dirty="0" err="1"/>
-              <a:t>clk</a:t>
-            </a:r>
-            <a:r>
-              <a:rPr lang="en-IN" dirty="0"/>
-              <a:t>) </a:t>
-            </a:r>
-          </a:p>
-          <a:p>
-            <a:r>
-              <a:rPr lang="en-IN" dirty="0"/>
-              <a:t>    </a:t>
-            </a:r>
-            <a:r>
-              <a:rPr lang="en-IN" dirty="0" err="1"/>
-              <a:t>convInst.convert</a:t>
-            </a:r>
-            <a:r>
-              <a:rPr lang="en-IN" dirty="0"/>
-              <a:t>(</a:t>
-            </a:r>
-            <a:r>
-              <a:rPr lang="en-IN" dirty="0" err="1"/>
-              <a:t>hdl</a:t>
-            </a:r>
-            <a:r>
-              <a:rPr lang="en-IN" dirty="0"/>
-              <a:t>='Verilog')</a:t>
-            </a:r>
-          </a:p>
-          <a:p>
-            <a:endParaRPr lang="en-IN" dirty="0"/>
-          </a:p>
-          <a:p>
-            <a:r>
-              <a:rPr lang="en-IN" dirty="0"/>
-              <a:t>convert()</a:t>
-            </a:r>
-          </a:p>
-        </p:txBody>
-      </p:sp>
+      </p:pic>
     </p:spTree>
     <p:extLst>
       <p:ext uri="{BB962C8B-B14F-4D97-AF65-F5344CB8AC3E}">
-        <p14:creationId xmlns:p14="http://schemas.microsoft.com/office/powerpoint/2010/main" val="2759484194"/>
+        <p14:creationId xmlns:p14="http://schemas.microsoft.com/office/powerpoint/2010/main" val="2941669680"/>
       </p:ext>
     </p:extLst>
   </p:cSld>
@@ -12207,7 +11977,7 @@
           <p:cNvPr id="2" name="Slide Number Placeholder 1">
             <a:extLst>
               <a:ext uri="{FF2B5EF4-FFF2-40B4-BE49-F238E27FC236}">
-                <a16:creationId xmlns:a16="http://schemas.microsoft.com/office/drawing/2014/main" id="{FB228BB7-D448-C99D-D01F-558F43AA9A52}"/>
+                <a16:creationId xmlns:a16="http://schemas.microsoft.com/office/drawing/2014/main" id="{67F96A05-037B-A9D4-AF4F-F252E3E82900}"/>
               </a:ext>
             </a:extLst>
           </p:cNvPr>
@@ -12231,12 +12001,72 @@
           </a:p>
         </p:txBody>
       </p:sp>
-      <p:sp>
-        <p:nvSpPr>
-          <p:cNvPr id="4" name="TextBox 3">
-            <a:extLst>
-              <a:ext uri="{FF2B5EF4-FFF2-40B4-BE49-F238E27FC236}">
-                <a16:creationId xmlns:a16="http://schemas.microsoft.com/office/drawing/2014/main" id="{793510B1-745A-B5B6-EB0A-1DAE75087AD3}"/>
+      <p:pic>
+        <p:nvPicPr>
+          <p:cNvPr id="4" name="Picture 3">
+            <a:extLst>
+              <a:ext uri="{FF2B5EF4-FFF2-40B4-BE49-F238E27FC236}">
+                <a16:creationId xmlns:a16="http://schemas.microsoft.com/office/drawing/2014/main" id="{493EB32A-7334-5B05-ADF7-389DE8EC93EF}"/>
+              </a:ext>
+            </a:extLst>
+          </p:cNvPr>
+          <p:cNvPicPr>
+            <a:picLocks noChangeAspect="1"/>
+          </p:cNvPicPr>
+          <p:nvPr/>
+        </p:nvPicPr>
+        <p:blipFill>
+          <a:blip r:embed="rId2"/>
+          <a:stretch>
+            <a:fillRect/>
+          </a:stretch>
+        </p:blipFill>
+        <p:spPr>
+          <a:xfrm>
+            <a:off x="701556" y="1052338"/>
+            <a:ext cx="5105842" cy="1882303"/>
+          </a:xfrm>
+          <a:prstGeom prst="rect">
+            <a:avLst/>
+          </a:prstGeom>
+        </p:spPr>
+      </p:pic>
+      <p:pic>
+        <p:nvPicPr>
+          <p:cNvPr id="6" name="Picture 5">
+            <a:extLst>
+              <a:ext uri="{FF2B5EF4-FFF2-40B4-BE49-F238E27FC236}">
+                <a16:creationId xmlns:a16="http://schemas.microsoft.com/office/drawing/2014/main" id="{8CC8F44B-B092-8D6C-3E0F-7963AF8C67AE}"/>
+              </a:ext>
+            </a:extLst>
+          </p:cNvPr>
+          <p:cNvPicPr>
+            <a:picLocks noChangeAspect="1"/>
+          </p:cNvPicPr>
+          <p:nvPr/>
+        </p:nvPicPr>
+        <p:blipFill>
+          <a:blip r:embed="rId3"/>
+          <a:stretch>
+            <a:fillRect/>
+          </a:stretch>
+        </p:blipFill>
+        <p:spPr>
+          <a:xfrm>
+            <a:off x="5807398" y="1052338"/>
+            <a:ext cx="6073666" cy="3505504"/>
+          </a:xfrm>
+          <a:prstGeom prst="rect">
+            <a:avLst/>
+          </a:prstGeom>
+        </p:spPr>
+      </p:pic>
+      <p:sp>
+        <p:nvSpPr>
+          <p:cNvPr id="7" name="TextBox 6">
+            <a:extLst>
+              <a:ext uri="{FF2B5EF4-FFF2-40B4-BE49-F238E27FC236}">
+                <a16:creationId xmlns:a16="http://schemas.microsoft.com/office/drawing/2014/main" id="{2A5CB467-0AD5-BE0F-8272-4F0CCEA27E44}"/>
               </a:ext>
             </a:extLst>
           </p:cNvPr>
@@ -12245,8 +12075,8 @@
         </p:nvSpPr>
         <p:spPr>
           <a:xfrm>
-            <a:off x="609600" y="487825"/>
-            <a:ext cx="10127226" cy="523220"/>
+            <a:off x="1032387" y="3952568"/>
+            <a:ext cx="2953629" cy="369332"/>
           </a:xfrm>
           <a:prstGeom prst="rect">
             <a:avLst/>
@@ -12254,27 +12084,24 @@
           <a:noFill/>
         </p:spPr>
         <p:txBody>
-          <a:bodyPr wrap="square">
+          <a:bodyPr wrap="none" rtlCol="0">
             <a:spAutoFit/>
           </a:bodyPr>
           <a:lstStyle/>
           <a:p>
             <a:r>
-              <a:rPr lang="en-US" sz="2800" b="1" dirty="0">
-                <a:latin typeface="Times New Roman" panose="02020603050405020304" pitchFamily="18" charset="0"/>
-                <a:cs typeface="Times New Roman" panose="02020603050405020304" pitchFamily="18" charset="0"/>
-              </a:rPr>
-              <a:t>Sequential designs:		D Flipflop with asynchronous reset</a:t>
-            </a:r>
-          </a:p>
-        </p:txBody>
-      </p:sp>
-      <p:sp>
-        <p:nvSpPr>
-          <p:cNvPr id="6" name="TextBox 5">
-            <a:extLst>
-              <a:ext uri="{FF2B5EF4-FFF2-40B4-BE49-F238E27FC236}">
-                <a16:creationId xmlns:a16="http://schemas.microsoft.com/office/drawing/2014/main" id="{A8A1D396-81DD-17AF-0914-A447FD5A756E}"/>
+              <a:rPr lang="en-IN" dirty="0"/>
+              <a:t>Resource utilization summary</a:t>
+            </a:r>
+          </a:p>
+        </p:txBody>
+      </p:sp>
+      <p:sp>
+        <p:nvSpPr>
+          <p:cNvPr id="9" name="TextBox 8">
+            <a:extLst>
+              <a:ext uri="{FF2B5EF4-FFF2-40B4-BE49-F238E27FC236}">
+                <a16:creationId xmlns:a16="http://schemas.microsoft.com/office/drawing/2014/main" id="{957BB41C-012D-5661-EB58-297F232AC80F}"/>
               </a:ext>
             </a:extLst>
           </p:cNvPr>
@@ -12283,267 +12110,73 @@
         </p:nvSpPr>
         <p:spPr>
           <a:xfrm>
-            <a:off x="2772697" y="1460599"/>
-            <a:ext cx="6096000" cy="5078313"/>
+            <a:off x="6567948" y="5102942"/>
+            <a:ext cx="2353721" cy="369332"/>
           </a:xfrm>
           <a:prstGeom prst="rect">
             <a:avLst/>
           </a:prstGeom>
           <a:noFill/>
-          <a:ln>
-            <a:solidFill>
-              <a:schemeClr val="tx1"/>
-            </a:solidFill>
-          </a:ln>
         </p:spPr>
         <p:txBody>
-          <a:bodyPr wrap="square">
+          <a:bodyPr wrap="none" rtlCol="0">
             <a:spAutoFit/>
           </a:bodyPr>
           <a:lstStyle/>
           <a:p>
             <a:r>
               <a:rPr lang="en-IN" dirty="0"/>
-              <a:t>from </a:t>
-            </a:r>
-            <a:r>
-              <a:rPr lang="en-IN" dirty="0" err="1"/>
-              <a:t>myhdl</a:t>
-            </a:r>
-            <a:r>
-              <a:rPr lang="en-IN" dirty="0"/>
-              <a:t> import *</a:t>
-            </a:r>
-          </a:p>
-          <a:p>
-            <a:endParaRPr lang="en-IN" dirty="0"/>
-          </a:p>
-          <a:p>
-            <a:r>
-              <a:rPr lang="en-IN" dirty="0"/>
-              <a:t>@block</a:t>
-            </a:r>
-          </a:p>
-          <a:p>
-            <a:r>
-              <a:rPr lang="en-IN" dirty="0"/>
-              <a:t>def </a:t>
-            </a:r>
-            <a:r>
-              <a:rPr lang="en-IN" dirty="0" err="1"/>
-              <a:t>dffa</a:t>
-            </a:r>
-            <a:r>
-              <a:rPr lang="en-IN" dirty="0"/>
-              <a:t>(q, d, </a:t>
-            </a:r>
-            <a:r>
-              <a:rPr lang="en-IN" dirty="0" err="1"/>
-              <a:t>clk</a:t>
-            </a:r>
-            <a:r>
-              <a:rPr lang="en-IN" dirty="0"/>
-              <a:t>, </a:t>
-            </a:r>
-            <a:r>
-              <a:rPr lang="en-IN" dirty="0" err="1"/>
-              <a:t>rst</a:t>
-            </a:r>
-            <a:r>
-              <a:rPr lang="en-IN" dirty="0"/>
-              <a:t>):</a:t>
-            </a:r>
-          </a:p>
-          <a:p>
-            <a:endParaRPr lang="en-IN" dirty="0"/>
-          </a:p>
-          <a:p>
-            <a:r>
-              <a:rPr lang="en-IN" dirty="0"/>
-              <a:t>    @always_seq(clk.posedge, reset=</a:t>
-            </a:r>
-            <a:r>
-              <a:rPr lang="en-IN" dirty="0" err="1"/>
-              <a:t>rst</a:t>
-            </a:r>
-            <a:r>
-              <a:rPr lang="en-IN" dirty="0"/>
-              <a:t>)</a:t>
-            </a:r>
-          </a:p>
-          <a:p>
-            <a:r>
-              <a:rPr lang="en-IN" dirty="0"/>
-              <a:t>    def logic():</a:t>
-            </a:r>
-          </a:p>
-          <a:p>
-            <a:r>
-              <a:rPr lang="en-IN" dirty="0"/>
-              <a:t>        </a:t>
-            </a:r>
-            <a:r>
-              <a:rPr lang="en-IN" dirty="0" err="1"/>
-              <a:t>q.next</a:t>
-            </a:r>
-            <a:r>
-              <a:rPr lang="en-IN" dirty="0"/>
-              <a:t> = d</a:t>
-            </a:r>
-          </a:p>
-          <a:p>
-            <a:endParaRPr lang="en-IN" dirty="0"/>
-          </a:p>
-          <a:p>
-            <a:r>
-              <a:rPr lang="en-IN" dirty="0"/>
-              <a:t>    return logic</a:t>
-            </a:r>
-          </a:p>
-          <a:p>
-            <a:endParaRPr lang="en-IN" dirty="0"/>
-          </a:p>
-          <a:p>
-            <a:r>
-              <a:rPr lang="en-IN" dirty="0"/>
-              <a:t>def convert():</a:t>
-            </a:r>
-          </a:p>
-          <a:p>
-            <a:r>
-              <a:rPr lang="en-IN" dirty="0"/>
-              <a:t>    q, d, </a:t>
-            </a:r>
-            <a:r>
-              <a:rPr lang="en-IN" dirty="0" err="1"/>
-              <a:t>clk</a:t>
-            </a:r>
-            <a:r>
-              <a:rPr lang="en-IN" dirty="0"/>
-              <a:t> = [Signal(bool(0)) for </a:t>
-            </a:r>
-            <a:r>
-              <a:rPr lang="en-IN" dirty="0" err="1"/>
-              <a:t>i</a:t>
-            </a:r>
-            <a:r>
-              <a:rPr lang="en-IN" dirty="0"/>
-              <a:t> in range(3)]</a:t>
-            </a:r>
-          </a:p>
-          <a:p>
-            <a:r>
-              <a:rPr lang="en-IN" dirty="0"/>
-              <a:t>    </a:t>
-            </a:r>
-            <a:r>
-              <a:rPr lang="en-IN" dirty="0" err="1"/>
-              <a:t>rst</a:t>
-            </a:r>
-            <a:r>
-              <a:rPr lang="en-IN" dirty="0"/>
-              <a:t> = </a:t>
-            </a:r>
-            <a:r>
-              <a:rPr lang="en-IN" dirty="0" err="1"/>
-              <a:t>ResetSignal</a:t>
-            </a:r>
-            <a:r>
-              <a:rPr lang="en-IN" dirty="0"/>
-              <a:t>(</a:t>
-            </a:r>
-            <a:r>
-              <a:rPr lang="en-IN" dirty="0" err="1"/>
-              <a:t>val</a:t>
-            </a:r>
-            <a:r>
-              <a:rPr lang="en-IN" dirty="0"/>
-              <a:t>=1, active=0, </a:t>
-            </a:r>
-            <a:r>
-              <a:rPr lang="en-IN" dirty="0" err="1"/>
-              <a:t>isasync</a:t>
-            </a:r>
-            <a:r>
-              <a:rPr lang="en-IN" dirty="0"/>
-              <a:t>=True)</a:t>
-            </a:r>
-          </a:p>
-          <a:p>
-            <a:r>
-              <a:rPr lang="en-IN" dirty="0"/>
-              <a:t>    </a:t>
-            </a:r>
-            <a:r>
-              <a:rPr lang="en-IN" dirty="0" err="1"/>
-              <a:t>convInst</a:t>
-            </a:r>
-            <a:r>
-              <a:rPr lang="en-IN" dirty="0"/>
-              <a:t> = </a:t>
-            </a:r>
-            <a:r>
-              <a:rPr lang="en-IN" dirty="0" err="1"/>
-              <a:t>dffa</a:t>
-            </a:r>
-            <a:r>
-              <a:rPr lang="en-IN" dirty="0"/>
-              <a:t>(q, d, </a:t>
-            </a:r>
-            <a:r>
-              <a:rPr lang="en-IN" dirty="0" err="1"/>
-              <a:t>clk</a:t>
-            </a:r>
-            <a:r>
-              <a:rPr lang="en-IN" dirty="0"/>
-              <a:t>, </a:t>
-            </a:r>
-            <a:r>
-              <a:rPr lang="en-IN" dirty="0" err="1"/>
-              <a:t>rst</a:t>
-            </a:r>
-            <a:r>
-              <a:rPr lang="en-IN" dirty="0"/>
-              <a:t>)</a:t>
-            </a:r>
-          </a:p>
-          <a:p>
-            <a:r>
-              <a:rPr lang="en-IN" dirty="0"/>
-              <a:t>    </a:t>
-            </a:r>
-            <a:r>
-              <a:rPr lang="en-IN" dirty="0" err="1"/>
-              <a:t>convInst.convert</a:t>
-            </a:r>
-            <a:r>
-              <a:rPr lang="en-IN" dirty="0"/>
-              <a:t>(</a:t>
-            </a:r>
-            <a:r>
-              <a:rPr lang="en-IN" dirty="0" err="1"/>
-              <a:t>hdl</a:t>
-            </a:r>
-            <a:r>
-              <a:rPr lang="en-IN" dirty="0"/>
-              <a:t>='Verilog')</a:t>
-            </a:r>
-          </a:p>
-          <a:p>
-            <a:endParaRPr lang="en-IN" dirty="0"/>
-          </a:p>
-          <a:p>
-            <a:r>
-              <a:rPr lang="en-IN" dirty="0"/>
-              <a:t>convert()</a:t>
-            </a:r>
+              <a:t>Power report summary</a:t>
+            </a:r>
+          </a:p>
+        </p:txBody>
+      </p:sp>
+      <p:sp>
+        <p:nvSpPr>
+          <p:cNvPr id="10" name="TextBox 9">
+            <a:extLst>
+              <a:ext uri="{FF2B5EF4-FFF2-40B4-BE49-F238E27FC236}">
+                <a16:creationId xmlns:a16="http://schemas.microsoft.com/office/drawing/2014/main" id="{B6E86A41-9402-8027-BAE1-770345DC571B}"/>
+              </a:ext>
+            </a:extLst>
+          </p:cNvPr>
+          <p:cNvSpPr txBox="1"/>
+          <p:nvPr/>
+        </p:nvSpPr>
+        <p:spPr>
+          <a:xfrm>
+            <a:off x="112995" y="75028"/>
+            <a:ext cx="6091732" cy="523220"/>
+          </a:xfrm>
+          <a:prstGeom prst="rect">
+            <a:avLst/>
+          </a:prstGeom>
+          <a:noFill/>
+        </p:spPr>
+        <p:txBody>
+          <a:bodyPr wrap="none" rtlCol="0">
+            <a:spAutoFit/>
+          </a:bodyPr>
+          <a:lstStyle/>
+          <a:p>
+            <a:r>
+              <a:rPr lang="en-US" sz="2800" b="1" dirty="0">
+                <a:latin typeface="Times New Roman" panose="02020603050405020304" pitchFamily="18" charset="0"/>
+                <a:cs typeface="Times New Roman" panose="02020603050405020304" pitchFamily="18" charset="0"/>
+              </a:rPr>
+              <a:t>ALU 16-bit				-Cont’d.</a:t>
+            </a:r>
+            <a:endParaRPr lang="en-IN" sz="2800" b="1" dirty="0">
+              <a:latin typeface="Times New Roman" panose="02020603050405020304" pitchFamily="18" charset="0"/>
+              <a:cs typeface="Times New Roman" panose="02020603050405020304" pitchFamily="18" charset="0"/>
+            </a:endParaRPr>
           </a:p>
         </p:txBody>
       </p:sp>
     </p:spTree>
     <p:extLst>
       <p:ext uri="{BB962C8B-B14F-4D97-AF65-F5344CB8AC3E}">
-        <p14:creationId xmlns:p14="http://schemas.microsoft.com/office/powerpoint/2010/main" val="1926999882"/>
+        <p14:creationId xmlns:p14="http://schemas.microsoft.com/office/powerpoint/2010/main" val="1263024432"/>
       </p:ext>
     </p:extLst>
   </p:cSld>
@@ -12664,7 +12297,7 @@
           <p:cNvPr id="2" name="Slide Number Placeholder 1">
             <a:extLst>
               <a:ext uri="{FF2B5EF4-FFF2-40B4-BE49-F238E27FC236}">
-                <a16:creationId xmlns:a16="http://schemas.microsoft.com/office/drawing/2014/main" id="{D6CE8A80-E028-6027-36E0-B07E4A3A0D86}"/>
+                <a16:creationId xmlns:a16="http://schemas.microsoft.com/office/drawing/2014/main" id="{C6DA5922-470F-421C-B062-43EA6FC0AF55}"/>
               </a:ext>
             </a:extLst>
           </p:cNvPr>
@@ -12690,10 +12323,10 @@
       </p:sp>
       <p:sp>
         <p:nvSpPr>
-          <p:cNvPr id="4" name="TextBox 3">
-            <a:extLst>
-              <a:ext uri="{FF2B5EF4-FFF2-40B4-BE49-F238E27FC236}">
-                <a16:creationId xmlns:a16="http://schemas.microsoft.com/office/drawing/2014/main" id="{CC1167D1-7D27-13E6-D396-3F26BED820C8}"/>
+          <p:cNvPr id="3" name="TextBox 2">
+            <a:extLst>
+              <a:ext uri="{FF2B5EF4-FFF2-40B4-BE49-F238E27FC236}">
+                <a16:creationId xmlns:a16="http://schemas.microsoft.com/office/drawing/2014/main" id="{096C3BAA-E400-4936-A57F-B0399E0C5059}"/>
               </a:ext>
             </a:extLst>
           </p:cNvPr>
@@ -12702,8 +12335,8 @@
         </p:nvSpPr>
         <p:spPr>
           <a:xfrm>
-            <a:off x="658761" y="399334"/>
-            <a:ext cx="6096000" cy="523220"/>
+            <a:off x="560439" y="867385"/>
+            <a:ext cx="6096000" cy="3508653"/>
           </a:xfrm>
           <a:prstGeom prst="rect">
             <a:avLst/>
@@ -12717,188 +12350,108 @@
           <a:lstStyle/>
           <a:p>
             <a:r>
-              <a:rPr lang="en-US" sz="2800" b="1" dirty="0">
+              <a:rPr lang="en-IN" sz="3600" dirty="0">
                 <a:latin typeface="Times New Roman" panose="02020603050405020304" pitchFamily="18" charset="0"/>
                 <a:cs typeface="Times New Roman" panose="02020603050405020304" pitchFamily="18" charset="0"/>
               </a:rPr>
-              <a:t>Sequential designs: 		ALU</a:t>
-            </a:r>
-            <a:endParaRPr lang="en-IN" sz="2800" b="1" dirty="0">
+              <a:t>Sequential designs</a:t>
+            </a:r>
+          </a:p>
+          <a:p>
+            <a:endParaRPr lang="en-IN" sz="2400" dirty="0">
               <a:latin typeface="Times New Roman" panose="02020603050405020304" pitchFamily="18" charset="0"/>
               <a:cs typeface="Times New Roman" panose="02020603050405020304" pitchFamily="18" charset="0"/>
             </a:endParaRPr>
           </a:p>
-        </p:txBody>
-      </p:sp>
-      <p:sp>
-        <p:nvSpPr>
-          <p:cNvPr id="6" name="TextBox 5">
-            <a:extLst>
-              <a:ext uri="{FF2B5EF4-FFF2-40B4-BE49-F238E27FC236}">
-                <a16:creationId xmlns:a16="http://schemas.microsoft.com/office/drawing/2014/main" id="{39A94CAC-E563-D7B1-AE64-0248B4D868C9}"/>
-              </a:ext>
-            </a:extLst>
-          </p:cNvPr>
-          <p:cNvSpPr txBox="1"/>
-          <p:nvPr/>
-        </p:nvSpPr>
-        <p:spPr>
-          <a:xfrm>
-            <a:off x="1150375" y="1088401"/>
-            <a:ext cx="6096000" cy="5355312"/>
-          </a:xfrm>
-          <a:prstGeom prst="rect">
-            <a:avLst/>
-          </a:prstGeom>
-          <a:noFill/>
-        </p:spPr>
-        <p:txBody>
-          <a:bodyPr wrap="square">
-            <a:spAutoFit/>
-          </a:bodyPr>
-          <a:lstStyle/>
-          <a:p>
-            <a:r>
-              <a:rPr lang="en-IN" dirty="0"/>
-              <a:t>import </a:t>
-            </a:r>
-            <a:r>
-              <a:rPr lang="en-IN" dirty="0" err="1"/>
-              <a:t>myhdl</a:t>
-            </a:r>
-            <a:endParaRPr lang="en-IN" dirty="0"/>
-          </a:p>
-          <a:p>
-            <a:r>
-              <a:rPr lang="en-IN" dirty="0"/>
-              <a:t>from </a:t>
-            </a:r>
-            <a:r>
-              <a:rPr lang="en-IN" dirty="0" err="1"/>
-              <a:t>myhdl</a:t>
-            </a:r>
-            <a:r>
-              <a:rPr lang="en-IN" dirty="0"/>
-              <a:t> import *</a:t>
-            </a:r>
-          </a:p>
-          <a:p>
-            <a:endParaRPr lang="en-IN" dirty="0"/>
-          </a:p>
-          <a:p>
-            <a:r>
-              <a:rPr lang="en-IN" dirty="0" err="1"/>
-              <a:t>t_ALU_FUNCTION</a:t>
-            </a:r>
-            <a:r>
-              <a:rPr lang="en-IN" dirty="0"/>
-              <a:t> = </a:t>
-            </a:r>
-            <a:r>
-              <a:rPr lang="en-IN" dirty="0" err="1"/>
-              <a:t>enum</a:t>
-            </a:r>
-            <a:r>
-              <a:rPr lang="en-IN" dirty="0"/>
-              <a:t>(</a:t>
-            </a:r>
-          </a:p>
-          <a:p>
-            <a:r>
-              <a:rPr lang="en-IN" dirty="0"/>
-              <a:t>    "ZERO",</a:t>
-            </a:r>
-          </a:p>
-          <a:p>
-            <a:r>
-              <a:rPr lang="en-IN" dirty="0"/>
-              <a:t>    "ONES",</a:t>
-            </a:r>
-          </a:p>
-          <a:p>
-            <a:r>
-              <a:rPr lang="en-IN" dirty="0"/>
-              <a:t>    "A",</a:t>
-            </a:r>
-          </a:p>
-          <a:p>
-            <a:r>
-              <a:rPr lang="en-IN" dirty="0"/>
-              <a:t>    "NEG_A",</a:t>
-            </a:r>
-          </a:p>
-          <a:p>
-            <a:r>
-              <a:rPr lang="en-IN" dirty="0"/>
-              <a:t>    "A_PLUS_1",</a:t>
-            </a:r>
-          </a:p>
-          <a:p>
-            <a:r>
-              <a:rPr lang="en-IN" dirty="0"/>
-              <a:t>    "B",</a:t>
-            </a:r>
-          </a:p>
-          <a:p>
-            <a:r>
-              <a:rPr lang="en-IN" dirty="0"/>
-              <a:t>    "NEG_B",</a:t>
-            </a:r>
-          </a:p>
-          <a:p>
-            <a:r>
-              <a:rPr lang="en-IN" dirty="0"/>
-              <a:t>    "B_PLUS_1",</a:t>
-            </a:r>
-          </a:p>
-          <a:p>
-            <a:r>
-              <a:rPr lang="en-IN" dirty="0"/>
-              <a:t>    "A_PLUS_B",</a:t>
-            </a:r>
-          </a:p>
-          <a:p>
-            <a:r>
-              <a:rPr lang="en-IN" dirty="0"/>
-              <a:t>    "NOT_A",</a:t>
-            </a:r>
-          </a:p>
-          <a:p>
-            <a:r>
-              <a:rPr lang="en-IN" dirty="0"/>
-              <a:t>    "NOT_B",</a:t>
-            </a:r>
-          </a:p>
-          <a:p>
-            <a:r>
-              <a:rPr lang="en-IN" dirty="0"/>
-              <a:t>    "A_AND_B",</a:t>
-            </a:r>
-          </a:p>
-          <a:p>
-            <a:r>
-              <a:rPr lang="en-IN" dirty="0"/>
-              <a:t>    "A_OR_B",</a:t>
-            </a:r>
-          </a:p>
-          <a:p>
-            <a:r>
-              <a:rPr lang="en-IN" dirty="0"/>
-              <a:t>    "A_XOR_B",</a:t>
-            </a:r>
-          </a:p>
-          <a:p>
-            <a:r>
-              <a:rPr lang="en-IN" dirty="0"/>
-              <a:t>    )</a:t>
-            </a:r>
+          <a:p>
+            <a:pPr marL="342900" indent="-342900">
+              <a:buAutoNum type="arabicPeriod"/>
+            </a:pPr>
+            <a:r>
+              <a:rPr lang="en-IN" sz="2400" dirty="0">
+                <a:latin typeface="Times New Roman" panose="02020603050405020304" pitchFamily="18" charset="0"/>
+                <a:cs typeface="Times New Roman" panose="02020603050405020304" pitchFamily="18" charset="0"/>
+              </a:rPr>
+              <a:t>D Flipflop</a:t>
+            </a:r>
+          </a:p>
+          <a:p>
+            <a:pPr marL="342900" indent="-342900">
+              <a:buFontTx/>
+              <a:buAutoNum type="arabicPeriod"/>
+            </a:pPr>
+            <a:r>
+              <a:rPr lang="en-IN" sz="2400" dirty="0">
+                <a:latin typeface="Times New Roman" panose="02020603050405020304" pitchFamily="18" charset="0"/>
+                <a:cs typeface="Times New Roman" panose="02020603050405020304" pitchFamily="18" charset="0"/>
+              </a:rPr>
+              <a:t>D Flipflop with asynchronous reset</a:t>
+            </a:r>
+          </a:p>
+          <a:p>
+            <a:pPr marL="342900" indent="-342900">
+              <a:buFontTx/>
+              <a:buAutoNum type="arabicPeriod"/>
+            </a:pPr>
+            <a:r>
+              <a:rPr lang="en-IN" sz="2400" dirty="0">
+                <a:latin typeface="Times New Roman" panose="02020603050405020304" pitchFamily="18" charset="0"/>
+                <a:cs typeface="Times New Roman" panose="02020603050405020304" pitchFamily="18" charset="0"/>
+              </a:rPr>
+              <a:t>ALU</a:t>
+            </a:r>
+          </a:p>
+          <a:p>
+            <a:pPr marL="342900" indent="-342900">
+              <a:buAutoNum type="arabicPeriod"/>
+            </a:pPr>
+            <a:r>
+              <a:rPr lang="en-IN" sz="2400" dirty="0">
+                <a:latin typeface="Times New Roman" panose="02020603050405020304" pitchFamily="18" charset="0"/>
+                <a:cs typeface="Times New Roman" panose="02020603050405020304" pitchFamily="18" charset="0"/>
+              </a:rPr>
+              <a:t>Counter</a:t>
+            </a:r>
+          </a:p>
+          <a:p>
+            <a:pPr marL="342900" indent="-342900">
+              <a:buAutoNum type="arabicPeriod"/>
+            </a:pPr>
+            <a:r>
+              <a:rPr lang="en-IN" sz="2400" dirty="0">
+                <a:latin typeface="Times New Roman" panose="02020603050405020304" pitchFamily="18" charset="0"/>
+                <a:cs typeface="Times New Roman" panose="02020603050405020304" pitchFamily="18" charset="0"/>
+              </a:rPr>
+              <a:t>Shift register</a:t>
+            </a:r>
+          </a:p>
+          <a:p>
+            <a:pPr marL="342900" indent="-342900">
+              <a:buAutoNum type="arabicPeriod"/>
+            </a:pPr>
+            <a:r>
+              <a:rPr lang="en-IN" sz="2400" dirty="0">
+                <a:latin typeface="Times New Roman" panose="02020603050405020304" pitchFamily="18" charset="0"/>
+                <a:cs typeface="Times New Roman" panose="02020603050405020304" pitchFamily="18" charset="0"/>
+              </a:rPr>
+              <a:t>RAM </a:t>
+            </a:r>
+          </a:p>
+          <a:p>
+            <a:pPr marL="342900" indent="-342900">
+              <a:buAutoNum type="arabicPeriod"/>
+            </a:pPr>
+            <a:endParaRPr lang="en-IN" sz="1800" dirty="0">
+              <a:latin typeface="Times New Roman" panose="02020603050405020304" pitchFamily="18" charset="0"/>
+              <a:cs typeface="Times New Roman" panose="02020603050405020304" pitchFamily="18" charset="0"/>
+            </a:endParaRPr>
           </a:p>
         </p:txBody>
       </p:sp>
     </p:spTree>
     <p:extLst>
       <p:ext uri="{BB962C8B-B14F-4D97-AF65-F5344CB8AC3E}">
-        <p14:creationId xmlns:p14="http://schemas.microsoft.com/office/powerpoint/2010/main" val="2534548258"/>
+        <p14:creationId xmlns:p14="http://schemas.microsoft.com/office/powerpoint/2010/main" val="1753047330"/>
       </p:ext>
     </p:extLst>
   </p:cSld>
@@ -12959,7 +12512,7 @@
           <p:cNvPr id="4" name="TextBox 3">
             <a:extLst>
               <a:ext uri="{FF2B5EF4-FFF2-40B4-BE49-F238E27FC236}">
-                <a16:creationId xmlns:a16="http://schemas.microsoft.com/office/drawing/2014/main" id="{CC1167D1-7D27-13E6-D396-3F26BED820C8}"/>
+                <a16:creationId xmlns:a16="http://schemas.microsoft.com/office/drawing/2014/main" id="{46FFF68E-91ED-CE4F-DE93-2308033C0354}"/>
               </a:ext>
             </a:extLst>
           </p:cNvPr>
@@ -12968,8 +12521,8 @@
         </p:nvSpPr>
         <p:spPr>
           <a:xfrm>
-            <a:off x="658760" y="399334"/>
-            <a:ext cx="9340645" cy="523220"/>
+            <a:off x="265470" y="364246"/>
+            <a:ext cx="11316929" cy="523220"/>
           </a:xfrm>
           <a:prstGeom prst="rect">
             <a:avLst/>
@@ -12983,25 +12536,21 @@
           <a:lstStyle/>
           <a:p>
             <a:r>
-              <a:rPr lang="en-US" sz="2800" b="1" dirty="0">
+              <a:rPr lang="en-IN" sz="2800" b="1" dirty="0">
                 <a:latin typeface="Times New Roman" panose="02020603050405020304" pitchFamily="18" charset="0"/>
                 <a:cs typeface="Times New Roman" panose="02020603050405020304" pitchFamily="18" charset="0"/>
               </a:rPr>
-              <a:t>Sequential designs: 		ALU		-Cont’d.	</a:t>
-            </a:r>
-            <a:endParaRPr lang="en-IN" sz="2800" b="1" dirty="0">
-              <a:latin typeface="Times New Roman" panose="02020603050405020304" pitchFamily="18" charset="0"/>
-              <a:cs typeface="Times New Roman" panose="02020603050405020304" pitchFamily="18" charset="0"/>
-            </a:endParaRPr>
-          </a:p>
-        </p:txBody>
-      </p:sp>
-      <p:sp>
-        <p:nvSpPr>
-          <p:cNvPr id="12" name="TextBox 11">
-            <a:extLst>
-              <a:ext uri="{FF2B5EF4-FFF2-40B4-BE49-F238E27FC236}">
-                <a16:creationId xmlns:a16="http://schemas.microsoft.com/office/drawing/2014/main" id="{212DFB4C-3152-3FF6-DB4B-41C8C1A2271C}"/>
+              <a:t>Sequential designs:		D Flipflop</a:t>
+            </a:r>
+          </a:p>
+        </p:txBody>
+      </p:sp>
+      <p:sp>
+        <p:nvSpPr>
+          <p:cNvPr id="6" name="TextBox 5">
+            <a:extLst>
+              <a:ext uri="{FF2B5EF4-FFF2-40B4-BE49-F238E27FC236}">
+                <a16:creationId xmlns:a16="http://schemas.microsoft.com/office/drawing/2014/main" id="{83102264-1EBC-5B77-5AD0-DDDCC1B753BD}"/>
               </a:ext>
             </a:extLst>
           </p:cNvPr>
@@ -13010,8 +12559,8 @@
         </p:nvSpPr>
         <p:spPr>
           <a:xfrm>
-            <a:off x="737419" y="1353441"/>
-            <a:ext cx="4296697" cy="4616648"/>
+            <a:off x="2113935" y="1082751"/>
+            <a:ext cx="6096000" cy="5078313"/>
           </a:xfrm>
           <a:prstGeom prst="rect">
             <a:avLst/>
@@ -13030,694 +12579,180 @@
           <a:lstStyle/>
           <a:p>
             <a:r>
-              <a:rPr lang="en-IN" sz="1400" dirty="0"/>
+              <a:rPr lang="en-IN" dirty="0"/>
+              <a:t>from </a:t>
+            </a:r>
+            <a:r>
+              <a:rPr lang="en-IN" dirty="0" err="1"/>
+              <a:t>myhdl</a:t>
+            </a:r>
+            <a:r>
+              <a:rPr lang="en-IN" dirty="0"/>
+              <a:t> import *</a:t>
+            </a:r>
+          </a:p>
+          <a:p>
+            <a:endParaRPr lang="en-IN" dirty="0"/>
+          </a:p>
+          <a:p>
+            <a:r>
+              <a:rPr lang="en-IN" dirty="0"/>
               <a:t>@block</a:t>
             </a:r>
           </a:p>
           <a:p>
             <a:r>
-              <a:rPr lang="en-IN" sz="1400" dirty="0"/>
+              <a:rPr lang="en-IN" dirty="0"/>
               <a:t>def </a:t>
             </a:r>
             <a:r>
-              <a:rPr lang="en-IN" sz="1400" dirty="0" err="1"/>
-              <a:t>aluSeq</a:t>
-            </a:r>
-            <a:r>
-              <a:rPr lang="en-IN" sz="1400" dirty="0"/>
-              <a:t>(q, o, z, n, a, b, f, </a:t>
-            </a:r>
-            <a:r>
-              <a:rPr lang="en-IN" sz="1400" dirty="0" err="1"/>
+              <a:rPr lang="en-IN" dirty="0" err="1"/>
+              <a:t>dff</a:t>
+            </a:r>
+            <a:r>
+              <a:rPr lang="en-IN" dirty="0"/>
+              <a:t>(q, d, </a:t>
+            </a:r>
+            <a:r>
+              <a:rPr lang="en-IN" dirty="0" err="1"/>
               <a:t>clk</a:t>
             </a:r>
             <a:r>
-              <a:rPr lang="en-IN" sz="1400" dirty="0"/>
-              <a:t>, </a:t>
-            </a:r>
-            <a:r>
-              <a:rPr lang="en-IN" sz="1400" dirty="0" err="1"/>
-              <a:t>rst</a:t>
-            </a:r>
-            <a:r>
-              <a:rPr lang="en-IN" sz="1400" dirty="0"/>
-              <a:t>, width=16):</a:t>
-            </a:r>
-          </a:p>
-          <a:p>
-            <a:r>
-              <a:rPr lang="en-IN" sz="1400" dirty="0"/>
-              <a:t>    """</a:t>
-            </a:r>
-          </a:p>
-          <a:p>
-            <a:r>
-              <a:rPr lang="en-IN" sz="1400" dirty="0"/>
-              <a:t>    Simple ALU.</a:t>
-            </a:r>
-          </a:p>
-          <a:p>
-            <a:r>
-              <a:rPr lang="en-IN" sz="1400" dirty="0"/>
-              <a:t>    See ARM System Architecture "Introduction To Processor Design"</a:t>
-            </a:r>
-          </a:p>
-          <a:p>
-            <a:r>
-              <a:rPr lang="en-IN" sz="1400" dirty="0"/>
-              <a:t>    """</a:t>
-            </a:r>
-          </a:p>
-          <a:p>
-            <a:endParaRPr lang="en-IN" sz="1400" dirty="0"/>
-          </a:p>
-          <a:p>
-            <a:r>
-              <a:rPr lang="en-IN" sz="1400" dirty="0"/>
-              <a:t>    result = Signal(</a:t>
-            </a:r>
-            <a:r>
-              <a:rPr lang="en-IN" sz="1400" dirty="0" err="1"/>
-              <a:t>intbv</a:t>
-            </a:r>
-            <a:r>
-              <a:rPr lang="en-IN" sz="1400" dirty="0"/>
-              <a:t>(0)[width:])</a:t>
-            </a:r>
-          </a:p>
-          <a:p>
-            <a:endParaRPr lang="en-IN" sz="1400" dirty="0"/>
-          </a:p>
-          <a:p>
-            <a:r>
-              <a:rPr lang="en-IN" sz="1400" dirty="0"/>
-              <a:t>    """@always(</a:t>
-            </a:r>
-            <a:r>
-              <a:rPr lang="en-IN" sz="1400" dirty="0" err="1"/>
-              <a:t>clk.posedge</a:t>
-            </a:r>
-            <a:r>
-              <a:rPr lang="en-IN" sz="1400" dirty="0"/>
-              <a:t>)"""</a:t>
-            </a:r>
-          </a:p>
-          <a:p>
-            <a:r>
-              <a:rPr lang="en-IN" sz="1400" dirty="0"/>
-              <a:t>    @always_seq(clk.posedge, reset=</a:t>
-            </a:r>
-            <a:r>
-              <a:rPr lang="en-IN" sz="1400" dirty="0" err="1"/>
-              <a:t>rst</a:t>
-            </a:r>
-            <a:r>
-              <a:rPr lang="en-IN" sz="1400" dirty="0"/>
-              <a:t>)</a:t>
-            </a:r>
-          </a:p>
-          <a:p>
-            <a:r>
-              <a:rPr lang="en-IN" sz="1400" dirty="0"/>
-              <a:t>    def </a:t>
-            </a:r>
-            <a:r>
-              <a:rPr lang="en-IN" sz="1400" dirty="0" err="1"/>
-              <a:t>alu_func</a:t>
-            </a:r>
-            <a:r>
-              <a:rPr lang="en-IN" sz="1400" dirty="0"/>
-              <a:t>():</a:t>
-            </a:r>
-          </a:p>
-          <a:p>
-            <a:r>
-              <a:rPr lang="en-IN" sz="1400" dirty="0"/>
-              <a:t>        if </a:t>
-            </a:r>
-            <a:r>
-              <a:rPr lang="en-IN" sz="1400" dirty="0" err="1"/>
-              <a:t>rst</a:t>
-            </a:r>
-            <a:r>
-              <a:rPr lang="en-IN" sz="1400" dirty="0"/>
-              <a:t>==0:</a:t>
-            </a:r>
-          </a:p>
-          <a:p>
-            <a:r>
-              <a:rPr lang="en-IN" sz="1400" dirty="0"/>
-              <a:t>            </a:t>
-            </a:r>
-            <a:r>
-              <a:rPr lang="en-IN" sz="1400" dirty="0" err="1"/>
-              <a:t>result.next</a:t>
-            </a:r>
-            <a:r>
-              <a:rPr lang="en-IN" sz="1400" dirty="0"/>
-              <a:t> = 0</a:t>
-            </a:r>
-          </a:p>
-          <a:p>
-            <a:r>
-              <a:rPr lang="en-IN" sz="1400" dirty="0"/>
+              <a:rPr lang="en-IN" dirty="0"/>
+              <a:t>):</a:t>
+            </a:r>
+          </a:p>
+          <a:p>
+            <a:endParaRPr lang="en-IN" dirty="0"/>
+          </a:p>
+          <a:p>
+            <a:r>
+              <a:rPr lang="en-IN" dirty="0"/>
+              <a:t>    @always(clk.posedge)</a:t>
+            </a:r>
+          </a:p>
+          <a:p>
+            <a:r>
+              <a:rPr lang="en-IN" dirty="0"/>
+              <a:t>    def logic():</a:t>
+            </a:r>
+          </a:p>
+          <a:p>
+            <a:r>
+              <a:rPr lang="en-IN" dirty="0"/>
               <a:t>        </a:t>
             </a:r>
             <a:r>
-              <a:rPr lang="en-IN" sz="1400" dirty="0" err="1"/>
-              <a:t>elif</a:t>
-            </a:r>
-            <a:r>
-              <a:rPr lang="en-IN" sz="1400" dirty="0"/>
-              <a:t> f == </a:t>
-            </a:r>
-            <a:r>
-              <a:rPr lang="en-IN" sz="1400" dirty="0" err="1"/>
-              <a:t>t_ALU_FUNCTION.ZERO</a:t>
-            </a:r>
-            <a:r>
-              <a:rPr lang="en-IN" sz="1400" dirty="0"/>
-              <a:t>:</a:t>
-            </a:r>
-          </a:p>
-          <a:p>
-            <a:r>
-              <a:rPr lang="en-IN" sz="1400" dirty="0"/>
-              <a:t>            </a:t>
-            </a:r>
-            <a:r>
-              <a:rPr lang="en-IN" sz="1400" dirty="0" err="1"/>
-              <a:t>result.next</a:t>
-            </a:r>
-            <a:r>
-              <a:rPr lang="en-IN" sz="1400" dirty="0"/>
-              <a:t> = 0</a:t>
-            </a:r>
-          </a:p>
-          <a:p>
-            <a:r>
-              <a:rPr lang="en-IN" sz="1400" dirty="0"/>
-              <a:t>        </a:t>
-            </a:r>
-            <a:r>
-              <a:rPr lang="en-IN" sz="1400" dirty="0" err="1"/>
-              <a:t>elif</a:t>
-            </a:r>
-            <a:r>
-              <a:rPr lang="en-IN" sz="1400" dirty="0"/>
-              <a:t> f == </a:t>
-            </a:r>
-            <a:r>
-              <a:rPr lang="en-IN" sz="1400" dirty="0" err="1"/>
-              <a:t>t_ALU_FUNCTION.ONES</a:t>
-            </a:r>
-            <a:r>
-              <a:rPr lang="en-IN" sz="1400" dirty="0"/>
-              <a:t>:</a:t>
-            </a:r>
-          </a:p>
-          <a:p>
-            <a:r>
-              <a:rPr lang="en-IN" sz="1400" dirty="0"/>
-              <a:t>            </a:t>
-            </a:r>
-            <a:r>
-              <a:rPr lang="en-IN" sz="1400" dirty="0" err="1"/>
-              <a:t>result.next</a:t>
-            </a:r>
-            <a:r>
-              <a:rPr lang="en-IN" sz="1400" dirty="0"/>
-              <a:t> = 2 ** width - 1</a:t>
-            </a:r>
-          </a:p>
-          <a:p>
-            <a:r>
-              <a:rPr lang="en-IN" sz="1400" dirty="0"/>
-              <a:t>        </a:t>
-            </a:r>
-            <a:r>
-              <a:rPr lang="en-IN" sz="1400" dirty="0" err="1"/>
-              <a:t>elif</a:t>
-            </a:r>
-            <a:r>
-              <a:rPr lang="en-IN" sz="1400" dirty="0"/>
-              <a:t> f == </a:t>
-            </a:r>
-            <a:r>
-              <a:rPr lang="en-IN" sz="1400" dirty="0" err="1"/>
-              <a:t>t_ALU_FUNCTION.NEG_A</a:t>
-            </a:r>
-            <a:r>
-              <a:rPr lang="en-IN" sz="1400" dirty="0"/>
-              <a:t>:</a:t>
-            </a:r>
-          </a:p>
-          <a:p>
-            <a:r>
-              <a:rPr lang="en-IN" sz="1400" dirty="0"/>
-              <a:t>            </a:t>
-            </a:r>
-            <a:r>
-              <a:rPr lang="en-IN" sz="1400" dirty="0" err="1"/>
-              <a:t>result.next</a:t>
-            </a:r>
-            <a:r>
-              <a:rPr lang="en-IN" sz="1400" dirty="0"/>
-              <a:t> = -a % 2 ** width</a:t>
-            </a:r>
-          </a:p>
-        </p:txBody>
-      </p:sp>
-      <p:sp>
-        <p:nvSpPr>
-          <p:cNvPr id="14" name="TextBox 13">
-            <a:extLst>
-              <a:ext uri="{FF2B5EF4-FFF2-40B4-BE49-F238E27FC236}">
-                <a16:creationId xmlns:a16="http://schemas.microsoft.com/office/drawing/2014/main" id="{8E4863D7-24F3-D5AE-B88B-9736897AEF0B}"/>
-              </a:ext>
-            </a:extLst>
-          </p:cNvPr>
-          <p:cNvSpPr txBox="1"/>
-          <p:nvPr/>
-        </p:nvSpPr>
-        <p:spPr>
-          <a:xfrm>
-            <a:off x="5488858" y="1107915"/>
-            <a:ext cx="6096000" cy="5262979"/>
-          </a:xfrm>
-          <a:prstGeom prst="rect">
-            <a:avLst/>
-          </a:prstGeom>
-          <a:noFill/>
-          <a:ln>
-            <a:solidFill>
-              <a:schemeClr val="accent4"/>
-            </a:solidFill>
-          </a:ln>
-        </p:spPr>
-        <p:txBody>
-          <a:bodyPr wrap="square">
-            <a:spAutoFit/>
-          </a:bodyPr>
-          <a:lstStyle/>
-          <a:p>
-            <a:r>
-              <a:rPr lang="en-IN" sz="1400" dirty="0"/>
-              <a:t> </a:t>
-            </a:r>
-            <a:r>
-              <a:rPr lang="en-IN" sz="1400" dirty="0" err="1"/>
-              <a:t>elif</a:t>
-            </a:r>
-            <a:r>
-              <a:rPr lang="en-IN" sz="1400" dirty="0"/>
-              <a:t> f == </a:t>
-            </a:r>
-            <a:r>
-              <a:rPr lang="en-IN" sz="1400" dirty="0" err="1"/>
-              <a:t>t_ALU_FUNCTION.NEG_B</a:t>
-            </a:r>
-            <a:r>
-              <a:rPr lang="en-IN" sz="1400" dirty="0"/>
-              <a:t>:</a:t>
-            </a:r>
-          </a:p>
-          <a:p>
-            <a:r>
-              <a:rPr lang="en-IN" sz="1400" dirty="0"/>
-              <a:t>            </a:t>
-            </a:r>
-            <a:r>
-              <a:rPr lang="en-IN" sz="1400" dirty="0" err="1"/>
-              <a:t>result.next</a:t>
-            </a:r>
-            <a:r>
-              <a:rPr lang="en-IN" sz="1400" dirty="0"/>
-              <a:t> = -b % 2 ** width</a:t>
-            </a:r>
-          </a:p>
-          <a:p>
-            <a:r>
-              <a:rPr lang="en-IN" sz="1400" dirty="0"/>
-              <a:t>        </a:t>
-            </a:r>
-            <a:r>
-              <a:rPr lang="en-IN" sz="1400" dirty="0" err="1"/>
-              <a:t>elif</a:t>
-            </a:r>
-            <a:r>
-              <a:rPr lang="en-IN" sz="1400" dirty="0"/>
-              <a:t> f == </a:t>
-            </a:r>
-            <a:r>
-              <a:rPr lang="en-IN" sz="1400" dirty="0" err="1"/>
-              <a:t>t_ALU_FUNCTION.NOT_A</a:t>
-            </a:r>
-            <a:r>
-              <a:rPr lang="en-IN" sz="1400" dirty="0"/>
-              <a:t>:</a:t>
-            </a:r>
-          </a:p>
-          <a:p>
-            <a:r>
-              <a:rPr lang="en-IN" sz="1400" dirty="0"/>
-              <a:t>            </a:t>
-            </a:r>
-            <a:r>
-              <a:rPr lang="en-IN" sz="1400" dirty="0" err="1"/>
-              <a:t>result.next</a:t>
-            </a:r>
-            <a:r>
-              <a:rPr lang="en-IN" sz="1400" dirty="0"/>
-              <a:t> = ~a</a:t>
-            </a:r>
-          </a:p>
-          <a:p>
-            <a:r>
-              <a:rPr lang="en-IN" sz="1400" dirty="0"/>
-              <a:t>        </a:t>
-            </a:r>
-            <a:r>
-              <a:rPr lang="en-IN" sz="1400" dirty="0" err="1"/>
-              <a:t>elif</a:t>
-            </a:r>
-            <a:r>
-              <a:rPr lang="en-IN" sz="1400" dirty="0"/>
-              <a:t> f == </a:t>
-            </a:r>
-            <a:r>
-              <a:rPr lang="en-IN" sz="1400" dirty="0" err="1"/>
-              <a:t>t_ALU_FUNCTION.NOT_B</a:t>
-            </a:r>
-            <a:r>
-              <a:rPr lang="en-IN" sz="1400" dirty="0"/>
-              <a:t>:</a:t>
-            </a:r>
-          </a:p>
-          <a:p>
-            <a:r>
-              <a:rPr lang="en-IN" sz="1400" dirty="0"/>
-              <a:t>            </a:t>
-            </a:r>
-            <a:r>
-              <a:rPr lang="en-IN" sz="1400" dirty="0" err="1"/>
-              <a:t>result.next</a:t>
-            </a:r>
-            <a:r>
-              <a:rPr lang="en-IN" sz="1400" dirty="0"/>
-              <a:t> = ~b</a:t>
-            </a:r>
-          </a:p>
-          <a:p>
-            <a:r>
-              <a:rPr lang="en-IN" sz="1400" dirty="0"/>
-              <a:t>        </a:t>
-            </a:r>
-            <a:r>
-              <a:rPr lang="en-IN" sz="1400" dirty="0" err="1"/>
-              <a:t>elif</a:t>
-            </a:r>
-            <a:r>
-              <a:rPr lang="en-IN" sz="1400" dirty="0"/>
-              <a:t> f == </a:t>
-            </a:r>
-            <a:r>
-              <a:rPr lang="en-IN" sz="1400" dirty="0" err="1"/>
-              <a:t>t_ALU_FUNCTION.A</a:t>
-            </a:r>
-            <a:r>
-              <a:rPr lang="en-IN" sz="1400" dirty="0"/>
-              <a:t>:</a:t>
-            </a:r>
-          </a:p>
-          <a:p>
-            <a:r>
-              <a:rPr lang="en-IN" sz="1400" dirty="0"/>
-              <a:t>            </a:t>
-            </a:r>
-            <a:r>
-              <a:rPr lang="en-IN" sz="1400" dirty="0" err="1"/>
-              <a:t>result.next</a:t>
-            </a:r>
-            <a:r>
-              <a:rPr lang="en-IN" sz="1400" dirty="0"/>
-              <a:t> = a</a:t>
-            </a:r>
-          </a:p>
-          <a:p>
-            <a:r>
-              <a:rPr lang="en-IN" sz="1400" dirty="0"/>
-              <a:t>        </a:t>
-            </a:r>
-            <a:r>
-              <a:rPr lang="en-IN" sz="1400" dirty="0" err="1"/>
-              <a:t>elif</a:t>
-            </a:r>
-            <a:r>
-              <a:rPr lang="en-IN" sz="1400" dirty="0"/>
-              <a:t> f == </a:t>
-            </a:r>
-            <a:r>
-              <a:rPr lang="en-IN" sz="1400" dirty="0" err="1"/>
-              <a:t>t_ALU_FUNCTION.B</a:t>
-            </a:r>
-            <a:r>
-              <a:rPr lang="en-IN" sz="1400" dirty="0"/>
-              <a:t>:</a:t>
-            </a:r>
-          </a:p>
-          <a:p>
-            <a:r>
-              <a:rPr lang="en-IN" sz="1400" dirty="0"/>
-              <a:t>            </a:t>
-            </a:r>
-            <a:r>
-              <a:rPr lang="en-IN" sz="1400" dirty="0" err="1"/>
-              <a:t>result.next</a:t>
-            </a:r>
-            <a:r>
-              <a:rPr lang="en-IN" sz="1400" dirty="0"/>
-              <a:t> = b</a:t>
-            </a:r>
-          </a:p>
-          <a:p>
-            <a:r>
-              <a:rPr lang="en-IN" sz="1400" dirty="0"/>
-              <a:t>        </a:t>
-            </a:r>
-            <a:r>
-              <a:rPr lang="en-IN" sz="1400" dirty="0" err="1"/>
-              <a:t>elif</a:t>
-            </a:r>
-            <a:r>
-              <a:rPr lang="en-IN" sz="1400" dirty="0"/>
-              <a:t> f == t_ALU_FUNCTION.A_PLUS_1:</a:t>
-            </a:r>
-          </a:p>
-          <a:p>
-            <a:r>
-              <a:rPr lang="en-IN" sz="1400" dirty="0"/>
-              <a:t>            </a:t>
-            </a:r>
-            <a:r>
-              <a:rPr lang="en-IN" sz="1400" dirty="0" err="1"/>
-              <a:t>result.next</a:t>
-            </a:r>
-            <a:r>
-              <a:rPr lang="en-IN" sz="1400" dirty="0"/>
-              <a:t> = a + 1</a:t>
-            </a:r>
-          </a:p>
-          <a:p>
-            <a:r>
-              <a:rPr lang="en-IN" sz="1400" dirty="0"/>
-              <a:t>        </a:t>
-            </a:r>
-            <a:r>
-              <a:rPr lang="en-IN" sz="1400" dirty="0" err="1"/>
-              <a:t>elif</a:t>
-            </a:r>
-            <a:r>
-              <a:rPr lang="en-IN" sz="1400" dirty="0"/>
-              <a:t> f == t_ALU_FUNCTION.B_PLUS_1:</a:t>
-            </a:r>
-          </a:p>
-          <a:p>
-            <a:r>
-              <a:rPr lang="en-IN" sz="1400" dirty="0"/>
-              <a:t>            </a:t>
-            </a:r>
-            <a:r>
-              <a:rPr lang="en-IN" sz="1400" dirty="0" err="1"/>
-              <a:t>result.next</a:t>
-            </a:r>
-            <a:r>
-              <a:rPr lang="en-IN" sz="1400" dirty="0"/>
-              <a:t> = b + 1</a:t>
-            </a:r>
-          </a:p>
-          <a:p>
-            <a:r>
-              <a:rPr lang="en-IN" sz="1400" dirty="0"/>
-              <a:t>        </a:t>
-            </a:r>
-            <a:r>
-              <a:rPr lang="en-IN" sz="1400" dirty="0" err="1"/>
-              <a:t>elif</a:t>
-            </a:r>
-            <a:r>
-              <a:rPr lang="en-IN" sz="1400" dirty="0"/>
-              <a:t> f == </a:t>
-            </a:r>
-            <a:r>
-              <a:rPr lang="en-IN" sz="1400" dirty="0" err="1"/>
-              <a:t>t_ALU_FUNCTION.A_AND_B</a:t>
-            </a:r>
-            <a:r>
-              <a:rPr lang="en-IN" sz="1400" dirty="0"/>
-              <a:t>:</a:t>
-            </a:r>
-          </a:p>
-          <a:p>
-            <a:r>
-              <a:rPr lang="en-IN" sz="1400" dirty="0"/>
-              <a:t>            </a:t>
-            </a:r>
-            <a:r>
-              <a:rPr lang="en-IN" sz="1400" dirty="0" err="1"/>
-              <a:t>result.next</a:t>
-            </a:r>
-            <a:r>
-              <a:rPr lang="en-IN" sz="1400" dirty="0"/>
-              <a:t> = a &amp; b</a:t>
-            </a:r>
-          </a:p>
-          <a:p>
-            <a:r>
-              <a:rPr lang="en-IN" sz="1400" dirty="0"/>
-              <a:t>        </a:t>
-            </a:r>
-            <a:r>
-              <a:rPr lang="en-IN" sz="1400" dirty="0" err="1"/>
-              <a:t>elif</a:t>
-            </a:r>
-            <a:r>
-              <a:rPr lang="en-IN" sz="1400" dirty="0"/>
-              <a:t> f == </a:t>
-            </a:r>
-            <a:r>
-              <a:rPr lang="en-IN" sz="1400" dirty="0" err="1"/>
-              <a:t>t_ALU_FUNCTION.A_OR_B</a:t>
-            </a:r>
-            <a:r>
-              <a:rPr lang="en-IN" sz="1400" dirty="0"/>
-              <a:t>:</a:t>
-            </a:r>
-          </a:p>
-          <a:p>
-            <a:r>
-              <a:rPr lang="en-IN" sz="1400" dirty="0"/>
-              <a:t>            </a:t>
-            </a:r>
-            <a:r>
-              <a:rPr lang="en-IN" sz="1400" dirty="0" err="1"/>
-              <a:t>result.next</a:t>
-            </a:r>
-            <a:r>
-              <a:rPr lang="en-IN" sz="1400" dirty="0"/>
-              <a:t> = a | b</a:t>
-            </a:r>
-          </a:p>
-          <a:p>
-            <a:r>
-              <a:rPr lang="en-IN" sz="1400" dirty="0"/>
-              <a:t>        </a:t>
-            </a:r>
-            <a:r>
-              <a:rPr lang="en-IN" sz="1400" dirty="0" err="1"/>
-              <a:t>elif</a:t>
-            </a:r>
-            <a:r>
-              <a:rPr lang="en-IN" sz="1400" dirty="0"/>
-              <a:t> f == </a:t>
-            </a:r>
-            <a:r>
-              <a:rPr lang="en-IN" sz="1400" dirty="0" err="1"/>
-              <a:t>t_ALU_FUNCTION.A_XOR_B</a:t>
-            </a:r>
-            <a:r>
-              <a:rPr lang="en-IN" sz="1400" dirty="0"/>
-              <a:t>:</a:t>
-            </a:r>
-          </a:p>
-          <a:p>
-            <a:r>
-              <a:rPr lang="en-IN" sz="1400" dirty="0"/>
-              <a:t>            </a:t>
-            </a:r>
-            <a:r>
-              <a:rPr lang="en-IN" sz="1400" dirty="0" err="1"/>
-              <a:t>result.next</a:t>
-            </a:r>
-            <a:r>
-              <a:rPr lang="en-IN" sz="1400" dirty="0"/>
-              <a:t> = a ^ b</a:t>
-            </a:r>
-          </a:p>
-          <a:p>
-            <a:r>
-              <a:rPr lang="en-IN" sz="1400" dirty="0"/>
-              <a:t>        </a:t>
-            </a:r>
-            <a:r>
-              <a:rPr lang="en-IN" sz="1400" dirty="0" err="1"/>
-              <a:t>elif</a:t>
-            </a:r>
-            <a:r>
-              <a:rPr lang="en-IN" sz="1400" dirty="0"/>
-              <a:t> f == </a:t>
-            </a:r>
-            <a:r>
-              <a:rPr lang="en-IN" sz="1400" dirty="0" err="1"/>
-              <a:t>t_ALU_FUNCTION.A_PLUS_B</a:t>
-            </a:r>
-            <a:r>
-              <a:rPr lang="en-IN" sz="1400" dirty="0"/>
-              <a:t>:</a:t>
-            </a:r>
-          </a:p>
-          <a:p>
-            <a:r>
-              <a:rPr lang="en-IN" sz="1400" dirty="0"/>
-              <a:t>            </a:t>
-            </a:r>
-            <a:r>
-              <a:rPr lang="en-IN" sz="1400" dirty="0" err="1"/>
-              <a:t>result.next</a:t>
-            </a:r>
-            <a:r>
-              <a:rPr lang="en-IN" sz="1400" dirty="0"/>
-              <a:t> = a + b</a:t>
-            </a:r>
-          </a:p>
-          <a:p>
-            <a:r>
-              <a:rPr lang="en-IN" sz="1400" dirty="0"/>
-              <a:t>        else:</a:t>
-            </a:r>
-          </a:p>
-          <a:p>
-            <a:r>
-              <a:rPr lang="en-IN" sz="1400" dirty="0"/>
-              <a:t>            </a:t>
-            </a:r>
-            <a:r>
-              <a:rPr lang="en-IN" sz="1400" dirty="0" err="1"/>
-              <a:t>result.next</a:t>
-            </a:r>
-            <a:r>
-              <a:rPr lang="en-IN" sz="1400" dirty="0"/>
-              <a:t>=0</a:t>
+              <a:rPr lang="en-IN" dirty="0" err="1"/>
+              <a:t>q.next</a:t>
+            </a:r>
+            <a:r>
+              <a:rPr lang="en-IN" dirty="0"/>
+              <a:t> = d</a:t>
+            </a:r>
+          </a:p>
+          <a:p>
+            <a:endParaRPr lang="en-IN" dirty="0"/>
+          </a:p>
+          <a:p>
+            <a:r>
+              <a:rPr lang="en-IN" dirty="0"/>
+              <a:t>    return logic</a:t>
+            </a:r>
+          </a:p>
+          <a:p>
+            <a:endParaRPr lang="en-IN" dirty="0"/>
+          </a:p>
+          <a:p>
+            <a:endParaRPr lang="en-IN" dirty="0"/>
+          </a:p>
+          <a:p>
+            <a:r>
+              <a:rPr lang="en-IN" dirty="0"/>
+              <a:t>def convert():</a:t>
+            </a:r>
+          </a:p>
+          <a:p>
+            <a:r>
+              <a:rPr lang="en-IN" dirty="0"/>
+              <a:t>    q, d, </a:t>
+            </a:r>
+            <a:r>
+              <a:rPr lang="en-IN" dirty="0" err="1"/>
+              <a:t>clk</a:t>
+            </a:r>
+            <a:r>
+              <a:rPr lang="en-IN" dirty="0"/>
+              <a:t> = [Signal(bool(0)) for </a:t>
+            </a:r>
+            <a:r>
+              <a:rPr lang="en-IN" dirty="0" err="1"/>
+              <a:t>i</a:t>
+            </a:r>
+            <a:r>
+              <a:rPr lang="en-IN" dirty="0"/>
+              <a:t> in range(3)]</a:t>
+            </a:r>
+          </a:p>
+          <a:p>
+            <a:r>
+              <a:rPr lang="en-IN" dirty="0"/>
+              <a:t>    </a:t>
+            </a:r>
+            <a:r>
+              <a:rPr lang="en-IN" dirty="0" err="1"/>
+              <a:t>convInst</a:t>
+            </a:r>
+            <a:r>
+              <a:rPr lang="en-IN" dirty="0"/>
+              <a:t> = </a:t>
+            </a:r>
+            <a:r>
+              <a:rPr lang="en-IN" dirty="0" err="1"/>
+              <a:t>dff</a:t>
+            </a:r>
+            <a:r>
+              <a:rPr lang="en-IN" dirty="0"/>
+              <a:t>(q, d, </a:t>
+            </a:r>
+            <a:r>
+              <a:rPr lang="en-IN" dirty="0" err="1"/>
+              <a:t>clk</a:t>
+            </a:r>
+            <a:r>
+              <a:rPr lang="en-IN" dirty="0"/>
+              <a:t>) </a:t>
+            </a:r>
+          </a:p>
+          <a:p>
+            <a:r>
+              <a:rPr lang="en-IN" dirty="0"/>
+              <a:t>    </a:t>
+            </a:r>
+            <a:r>
+              <a:rPr lang="en-IN" dirty="0" err="1"/>
+              <a:t>convInst.convert</a:t>
+            </a:r>
+            <a:r>
+              <a:rPr lang="en-IN" dirty="0"/>
+              <a:t>(</a:t>
+            </a:r>
+            <a:r>
+              <a:rPr lang="en-IN" dirty="0" err="1"/>
+              <a:t>hdl</a:t>
+            </a:r>
+            <a:r>
+              <a:rPr lang="en-IN" dirty="0"/>
+              <a:t>='Verilog')</a:t>
+            </a:r>
+          </a:p>
+          <a:p>
+            <a:endParaRPr lang="en-IN" dirty="0"/>
+          </a:p>
+          <a:p>
+            <a:r>
+              <a:rPr lang="en-IN" dirty="0"/>
+              <a:t>convert()</a:t>
             </a:r>
           </a:p>
         </p:txBody>
@@ -13725,7 +12760,7 @@
     </p:spTree>
     <p:extLst>
       <p:ext uri="{BB962C8B-B14F-4D97-AF65-F5344CB8AC3E}">
-        <p14:creationId xmlns:p14="http://schemas.microsoft.com/office/powerpoint/2010/main" val="2654493749"/>
+        <p14:creationId xmlns:p14="http://schemas.microsoft.com/office/powerpoint/2010/main" val="2759484194"/>
       </p:ext>
     </p:extLst>
   </p:cSld>
@@ -13757,7 +12792,7 @@
           <p:cNvPr id="2" name="Slide Number Placeholder 1">
             <a:extLst>
               <a:ext uri="{FF2B5EF4-FFF2-40B4-BE49-F238E27FC236}">
-                <a16:creationId xmlns:a16="http://schemas.microsoft.com/office/drawing/2014/main" id="{D6CE8A80-E028-6027-36E0-B07E4A3A0D86}"/>
+                <a16:creationId xmlns:a16="http://schemas.microsoft.com/office/drawing/2014/main" id="{FB228BB7-D448-C99D-D01F-558F43AA9A52}"/>
               </a:ext>
             </a:extLst>
           </p:cNvPr>
@@ -13786,7 +12821,7 @@
           <p:cNvPr id="4" name="TextBox 3">
             <a:extLst>
               <a:ext uri="{FF2B5EF4-FFF2-40B4-BE49-F238E27FC236}">
-                <a16:creationId xmlns:a16="http://schemas.microsoft.com/office/drawing/2014/main" id="{CC1167D1-7D27-13E6-D396-3F26BED820C8}"/>
+                <a16:creationId xmlns:a16="http://schemas.microsoft.com/office/drawing/2014/main" id="{793510B1-745A-B5B6-EB0A-1DAE75087AD3}"/>
               </a:ext>
             </a:extLst>
           </p:cNvPr>
@@ -13795,8 +12830,8 @@
         </p:nvSpPr>
         <p:spPr>
           <a:xfrm>
-            <a:off x="658760" y="399334"/>
-            <a:ext cx="9340645" cy="523220"/>
+            <a:off x="609600" y="487825"/>
+            <a:ext cx="10127226" cy="523220"/>
           </a:xfrm>
           <a:prstGeom prst="rect">
             <a:avLst/>
@@ -13814,21 +12849,17 @@
                 <a:latin typeface="Times New Roman" panose="02020603050405020304" pitchFamily="18" charset="0"/>
                 <a:cs typeface="Times New Roman" panose="02020603050405020304" pitchFamily="18" charset="0"/>
               </a:rPr>
-              <a:t>Sequential designs: 		ALU		-Cont’d.	</a:t>
-            </a:r>
-            <a:endParaRPr lang="en-IN" sz="2800" b="1" dirty="0">
-              <a:latin typeface="Times New Roman" panose="02020603050405020304" pitchFamily="18" charset="0"/>
-              <a:cs typeface="Times New Roman" panose="02020603050405020304" pitchFamily="18" charset="0"/>
-            </a:endParaRPr>
-          </a:p>
-        </p:txBody>
-      </p:sp>
-      <p:sp>
-        <p:nvSpPr>
-          <p:cNvPr id="5" name="TextBox 4">
-            <a:extLst>
-              <a:ext uri="{FF2B5EF4-FFF2-40B4-BE49-F238E27FC236}">
-                <a16:creationId xmlns:a16="http://schemas.microsoft.com/office/drawing/2014/main" id="{375244EC-394B-8912-D975-C9A6A1382D2F}"/>
+              <a:t>Sequential designs:		D Flipflop with asynchronous reset</a:t>
+            </a:r>
+          </a:p>
+        </p:txBody>
+      </p:sp>
+      <p:sp>
+        <p:nvSpPr>
+          <p:cNvPr id="6" name="TextBox 5">
+            <a:extLst>
+              <a:ext uri="{FF2B5EF4-FFF2-40B4-BE49-F238E27FC236}">
+                <a16:creationId xmlns:a16="http://schemas.microsoft.com/office/drawing/2014/main" id="{A8A1D396-81DD-17AF-0914-A447FD5A756E}"/>
               </a:ext>
             </a:extLst>
           </p:cNvPr>
@@ -13837,8 +12868,8 @@
         </p:nvSpPr>
         <p:spPr>
           <a:xfrm>
-            <a:off x="2644878" y="1027609"/>
-            <a:ext cx="6096000" cy="5693866"/>
+            <a:off x="2772697" y="1460599"/>
+            <a:ext cx="6096000" cy="5078313"/>
           </a:xfrm>
           <a:prstGeom prst="rect">
             <a:avLst/>
@@ -13857,335 +12888,239 @@
           <a:lstStyle/>
           <a:p>
             <a:r>
-              <a:rPr lang="en-IN" sz="1400" dirty="0"/>
-              <a:t> @always_comb</a:t>
-            </a:r>
-          </a:p>
-          <a:p>
-            <a:r>
-              <a:rPr lang="en-IN" sz="1400" dirty="0"/>
-              <a:t>    def </a:t>
-            </a:r>
-            <a:r>
-              <a:rPr lang="en-IN" sz="1400" dirty="0" err="1"/>
-              <a:t>alu_status</a:t>
-            </a:r>
-            <a:r>
-              <a:rPr lang="en-IN" sz="1400" dirty="0"/>
-              <a:t>():</a:t>
-            </a:r>
-          </a:p>
-          <a:p>
-            <a:r>
-              <a:rPr lang="en-IN" sz="1400" dirty="0"/>
+              <a:rPr lang="en-IN" dirty="0"/>
+              <a:t>from </a:t>
+            </a:r>
+            <a:r>
+              <a:rPr lang="en-IN" dirty="0" err="1"/>
+              <a:t>myhdl</a:t>
+            </a:r>
+            <a:r>
+              <a:rPr lang="en-IN" dirty="0"/>
+              <a:t> import *</a:t>
+            </a:r>
+          </a:p>
+          <a:p>
+            <a:endParaRPr lang="en-IN" dirty="0"/>
+          </a:p>
+          <a:p>
+            <a:r>
+              <a:rPr lang="en-IN" dirty="0"/>
+              <a:t>@block</a:t>
+            </a:r>
+          </a:p>
+          <a:p>
+            <a:r>
+              <a:rPr lang="en-IN" dirty="0"/>
+              <a:t>def </a:t>
+            </a:r>
+            <a:r>
+              <a:rPr lang="en-IN" dirty="0" err="1"/>
+              <a:t>dffa</a:t>
+            </a:r>
+            <a:r>
+              <a:rPr lang="en-IN" dirty="0"/>
+              <a:t>(q, d, </a:t>
+            </a:r>
+            <a:r>
+              <a:rPr lang="en-IN" dirty="0" err="1"/>
+              <a:t>clk</a:t>
+            </a:r>
+            <a:r>
+              <a:rPr lang="en-IN" dirty="0"/>
+              <a:t>, </a:t>
+            </a:r>
+            <a:r>
+              <a:rPr lang="en-IN" dirty="0" err="1"/>
+              <a:t>rst</a:t>
+            </a:r>
+            <a:r>
+              <a:rPr lang="en-IN" dirty="0"/>
+              <a:t>):</a:t>
+            </a:r>
+          </a:p>
+          <a:p>
+            <a:endParaRPr lang="en-IN" dirty="0"/>
+          </a:p>
+          <a:p>
+            <a:r>
+              <a:rPr lang="en-IN" dirty="0"/>
+              <a:t>    @always_seq(clk.posedge, reset=</a:t>
+            </a:r>
+            <a:r>
+              <a:rPr lang="en-IN" dirty="0" err="1"/>
+              <a:t>rst</a:t>
+            </a:r>
+            <a:r>
+              <a:rPr lang="en-IN" dirty="0"/>
+              <a:t>)</a:t>
+            </a:r>
+          </a:p>
+          <a:p>
+            <a:r>
+              <a:rPr lang="en-IN" dirty="0"/>
+              <a:t>    def logic():</a:t>
+            </a:r>
+          </a:p>
+          <a:p>
+            <a:r>
+              <a:rPr lang="en-IN" dirty="0"/>
               <a:t>        </a:t>
             </a:r>
             <a:r>
-              <a:rPr lang="en-IN" sz="1400" dirty="0" err="1"/>
+              <a:rPr lang="en-IN" dirty="0" err="1"/>
               <a:t>q.next</a:t>
             </a:r>
             <a:r>
-              <a:rPr lang="en-IN" sz="1400" dirty="0"/>
-              <a:t> = result</a:t>
-            </a:r>
-          </a:p>
-          <a:p>
-            <a:endParaRPr lang="en-IN" sz="1400" dirty="0"/>
-          </a:p>
-          <a:p>
-            <a:r>
-              <a:rPr lang="en-IN" sz="1400" dirty="0"/>
-              <a:t>        if result == 0:</a:t>
-            </a:r>
-          </a:p>
-          <a:p>
-            <a:r>
-              <a:rPr lang="en-IN" sz="1400" dirty="0"/>
-              <a:t>            </a:t>
-            </a:r>
-            <a:r>
-              <a:rPr lang="en-IN" sz="1400" dirty="0" err="1"/>
-              <a:t>z.next</a:t>
-            </a:r>
-            <a:r>
-              <a:rPr lang="en-IN" sz="1400" dirty="0"/>
-              <a:t> = 1</a:t>
-            </a:r>
-          </a:p>
-          <a:p>
-            <a:r>
-              <a:rPr lang="en-IN" sz="1400" dirty="0"/>
-              <a:t>        else:</a:t>
-            </a:r>
-          </a:p>
-          <a:p>
-            <a:r>
-              <a:rPr lang="en-IN" sz="1400" dirty="0"/>
-              <a:t>            </a:t>
-            </a:r>
-            <a:r>
-              <a:rPr lang="en-IN" sz="1400" dirty="0" err="1"/>
-              <a:t>z.next</a:t>
-            </a:r>
-            <a:r>
-              <a:rPr lang="en-IN" sz="1400" dirty="0"/>
-              <a:t> = 0</a:t>
-            </a:r>
-          </a:p>
-          <a:p>
-            <a:endParaRPr lang="en-IN" sz="1400" dirty="0"/>
-          </a:p>
-          <a:p>
-            <a:r>
-              <a:rPr lang="en-IN" sz="1400" dirty="0"/>
-              <a:t>        </a:t>
-            </a:r>
-            <a:r>
-              <a:rPr lang="en-IN" sz="1400" dirty="0" err="1"/>
-              <a:t>n.next</a:t>
-            </a:r>
-            <a:r>
-              <a:rPr lang="en-IN" sz="1400" dirty="0"/>
-              <a:t> = 0</a:t>
-            </a:r>
-          </a:p>
-          <a:p>
-            <a:endParaRPr lang="en-IN" sz="1400" dirty="0"/>
-          </a:p>
-          <a:p>
-            <a:r>
-              <a:rPr lang="en-IN" sz="1400" dirty="0"/>
-              <a:t>        # how to detect overflow?</a:t>
-            </a:r>
-          </a:p>
-          <a:p>
-            <a:r>
-              <a:rPr lang="en-IN" sz="1400" dirty="0"/>
-              <a:t>        </a:t>
-            </a:r>
-            <a:r>
-              <a:rPr lang="en-IN" sz="1400" dirty="0" err="1"/>
-              <a:t>o.next</a:t>
-            </a:r>
-            <a:r>
-              <a:rPr lang="en-IN" sz="1400" dirty="0"/>
-              <a:t> = 0</a:t>
-            </a:r>
-          </a:p>
-          <a:p>
-            <a:endParaRPr lang="en-IN" sz="1400" dirty="0"/>
-          </a:p>
-          <a:p>
-            <a:r>
-              <a:rPr lang="en-IN" sz="1400" dirty="0"/>
-              <a:t>    return instances()</a:t>
-            </a:r>
-          </a:p>
-          <a:p>
-            <a:endParaRPr lang="en-IN" sz="1400" dirty="0"/>
-          </a:p>
-          <a:p>
-            <a:r>
-              <a:rPr lang="en-IN" sz="1400" dirty="0"/>
-              <a:t>def convert(</a:t>
-            </a:r>
-            <a:r>
-              <a:rPr lang="en-IN" sz="1400" dirty="0" err="1"/>
+              <a:rPr lang="en-IN" dirty="0"/>
+              <a:t> = d</a:t>
+            </a:r>
+          </a:p>
+          <a:p>
+            <a:endParaRPr lang="en-IN" dirty="0"/>
+          </a:p>
+          <a:p>
+            <a:r>
+              <a:rPr lang="en-IN" dirty="0"/>
+              <a:t>    return logic</a:t>
+            </a:r>
+          </a:p>
+          <a:p>
+            <a:endParaRPr lang="en-IN" dirty="0"/>
+          </a:p>
+          <a:p>
+            <a:r>
+              <a:rPr lang="en-IN" dirty="0"/>
+              <a:t>def convert():</a:t>
+            </a:r>
+          </a:p>
+          <a:p>
+            <a:r>
+              <a:rPr lang="en-IN" dirty="0"/>
+              <a:t>    q, d, </a:t>
+            </a:r>
+            <a:r>
+              <a:rPr lang="en-IN" dirty="0" err="1"/>
+              <a:t>clk</a:t>
+            </a:r>
+            <a:r>
+              <a:rPr lang="en-IN" dirty="0"/>
+              <a:t> = [Signal(bool(0)) for </a:t>
+            </a:r>
+            <a:r>
+              <a:rPr lang="en-IN" dirty="0" err="1"/>
+              <a:t>i</a:t>
+            </a:r>
+            <a:r>
+              <a:rPr lang="en-IN" dirty="0"/>
+              <a:t> in range(3)]</a:t>
+            </a:r>
+          </a:p>
+          <a:p>
+            <a:r>
+              <a:rPr lang="en-IN" dirty="0"/>
+              <a:t>    </a:t>
+            </a:r>
+            <a:r>
+              <a:rPr lang="en-IN" dirty="0" err="1"/>
+              <a:t>rst</a:t>
+            </a:r>
+            <a:r>
+              <a:rPr lang="en-IN" dirty="0"/>
+              <a:t> = </a:t>
+            </a:r>
+            <a:r>
+              <a:rPr lang="en-IN" dirty="0" err="1"/>
+              <a:t>ResetSignal</a:t>
+            </a:r>
+            <a:r>
+              <a:rPr lang="en-IN" dirty="0"/>
+              <a:t>(</a:t>
+            </a:r>
+            <a:r>
+              <a:rPr lang="en-IN" dirty="0" err="1"/>
+              <a:t>val</a:t>
+            </a:r>
+            <a:r>
+              <a:rPr lang="en-IN" dirty="0"/>
+              <a:t>=1, active=0, </a:t>
+            </a:r>
+            <a:r>
+              <a:rPr lang="en-IN" dirty="0" err="1"/>
+              <a:t>isasync</a:t>
+            </a:r>
+            <a:r>
+              <a:rPr lang="en-IN" dirty="0"/>
+              <a:t>=True)</a:t>
+            </a:r>
+          </a:p>
+          <a:p>
+            <a:r>
+              <a:rPr lang="en-IN" dirty="0"/>
+              <a:t>    </a:t>
+            </a:r>
+            <a:r>
+              <a:rPr lang="en-IN" dirty="0" err="1"/>
+              <a:t>convInst</a:t>
+            </a:r>
+            <a:r>
+              <a:rPr lang="en-IN" dirty="0"/>
+              <a:t> = </a:t>
+            </a:r>
+            <a:r>
+              <a:rPr lang="en-IN" dirty="0" err="1"/>
+              <a:t>dffa</a:t>
+            </a:r>
+            <a:r>
+              <a:rPr lang="en-IN" dirty="0"/>
+              <a:t>(q, d, </a:t>
+            </a:r>
+            <a:r>
+              <a:rPr lang="en-IN" dirty="0" err="1"/>
+              <a:t>clk</a:t>
+            </a:r>
+            <a:r>
+              <a:rPr lang="en-IN" dirty="0"/>
+              <a:t>, </a:t>
+            </a:r>
+            <a:r>
+              <a:rPr lang="en-IN" dirty="0" err="1"/>
+              <a:t>rst</a:t>
+            </a:r>
+            <a:r>
+              <a:rPr lang="en-IN" dirty="0"/>
+              <a:t>)</a:t>
+            </a:r>
+          </a:p>
+          <a:p>
+            <a:r>
+              <a:rPr lang="en-IN" dirty="0"/>
+              <a:t>    </a:t>
+            </a:r>
+            <a:r>
+              <a:rPr lang="en-IN" dirty="0" err="1"/>
+              <a:t>convInst.convert</a:t>
+            </a:r>
+            <a:r>
+              <a:rPr lang="en-IN" dirty="0"/>
+              <a:t>(</a:t>
+            </a:r>
+            <a:r>
+              <a:rPr lang="en-IN" dirty="0" err="1"/>
               <a:t>hdl</a:t>
             </a:r>
             <a:r>
-              <a:rPr lang="en-IN" sz="1400" dirty="0"/>
-              <a:t>):</a:t>
-            </a:r>
-          </a:p>
-          <a:p>
-            <a:r>
-              <a:rPr lang="en-IN" sz="1400" dirty="0"/>
-              <a:t>    </a:t>
-            </a:r>
-            <a:r>
-              <a:rPr lang="en-IN" sz="1400" dirty="0" err="1"/>
-              <a:t>clk,n,z,o</a:t>
-            </a:r>
-            <a:r>
-              <a:rPr lang="en-IN" sz="1400" dirty="0"/>
-              <a:t>= [Signal(bool(0)) for </a:t>
-            </a:r>
-            <a:r>
-              <a:rPr lang="en-IN" sz="1400" dirty="0" err="1"/>
-              <a:t>i</a:t>
-            </a:r>
-            <a:r>
-              <a:rPr lang="en-IN" sz="1400" dirty="0"/>
-              <a:t> in range(4)]</a:t>
-            </a:r>
-          </a:p>
-          <a:p>
-            <a:r>
-              <a:rPr lang="en-IN" sz="1400" dirty="0"/>
-              <a:t>    q = Signal(</a:t>
-            </a:r>
-            <a:r>
-              <a:rPr lang="en-IN" sz="1400" dirty="0" err="1"/>
-              <a:t>intbv</a:t>
-            </a:r>
-            <a:r>
-              <a:rPr lang="en-IN" sz="1400" dirty="0"/>
-              <a:t>(0)[16:])</a:t>
-            </a:r>
-          </a:p>
-          <a:p>
-            <a:r>
-              <a:rPr lang="en-IN" sz="1400" dirty="0"/>
-              <a:t>    a = Signal(</a:t>
-            </a:r>
-            <a:r>
-              <a:rPr lang="en-IN" sz="1400" dirty="0" err="1"/>
-              <a:t>intbv</a:t>
-            </a:r>
-            <a:r>
-              <a:rPr lang="en-IN" sz="1400" dirty="0"/>
-              <a:t>(0)[16:])</a:t>
-            </a:r>
-          </a:p>
-          <a:p>
-            <a:r>
-              <a:rPr lang="en-IN" sz="1400" dirty="0"/>
-              <a:t>    b = Signal(</a:t>
-            </a:r>
-            <a:r>
-              <a:rPr lang="en-IN" sz="1400" dirty="0" err="1"/>
-              <a:t>intbv</a:t>
-            </a:r>
-            <a:r>
-              <a:rPr lang="en-IN" sz="1400" dirty="0"/>
-              <a:t>(0)[16:])</a:t>
-            </a:r>
-          </a:p>
-          <a:p>
-            <a:r>
-              <a:rPr lang="en-IN" sz="1400" dirty="0"/>
-              <a:t>    f = Signal(</a:t>
-            </a:r>
-            <a:r>
-              <a:rPr lang="en-IN" sz="1400" dirty="0" err="1"/>
-              <a:t>t_ALU_FUNCTION.ZERO</a:t>
-            </a:r>
-            <a:r>
-              <a:rPr lang="en-IN" sz="1400" dirty="0"/>
-              <a:t>)</a:t>
-            </a:r>
-          </a:p>
-          <a:p>
-            <a:r>
-              <a:rPr lang="en-IN" sz="1400" dirty="0"/>
-              <a:t>    </a:t>
-            </a:r>
-            <a:r>
-              <a:rPr lang="en-IN" sz="1400" dirty="0" err="1"/>
-              <a:t>rst</a:t>
-            </a:r>
-            <a:r>
-              <a:rPr lang="en-IN" sz="1400" dirty="0"/>
-              <a:t> = </a:t>
-            </a:r>
-            <a:r>
-              <a:rPr lang="en-IN" sz="1400" dirty="0" err="1"/>
-              <a:t>ResetSignal</a:t>
-            </a:r>
-            <a:r>
-              <a:rPr lang="en-IN" sz="1400" dirty="0"/>
-              <a:t>(0, active=0, </a:t>
-            </a:r>
-            <a:r>
-              <a:rPr lang="en-IN" sz="1400" dirty="0" err="1"/>
-              <a:t>isasync</a:t>
-            </a:r>
-            <a:r>
-              <a:rPr lang="en-IN" sz="1400" dirty="0"/>
-              <a:t>=True)</a:t>
-            </a:r>
-          </a:p>
-          <a:p>
-            <a:r>
-              <a:rPr lang="en-IN" sz="1400" dirty="0"/>
-              <a:t>    </a:t>
-            </a:r>
-            <a:r>
-              <a:rPr lang="en-IN" sz="1400" dirty="0" err="1"/>
-              <a:t>convInst</a:t>
-            </a:r>
-            <a:r>
-              <a:rPr lang="en-IN" sz="1400" dirty="0"/>
-              <a:t> = </a:t>
-            </a:r>
-            <a:r>
-              <a:rPr lang="en-IN" sz="1400" dirty="0" err="1"/>
-              <a:t>aluSeq</a:t>
-            </a:r>
-            <a:r>
-              <a:rPr lang="en-IN" sz="1400" dirty="0"/>
-              <a:t>(q, o, z, n, a, b, f, </a:t>
-            </a:r>
-            <a:r>
-              <a:rPr lang="en-IN" sz="1400" dirty="0" err="1"/>
-              <a:t>clk</a:t>
-            </a:r>
-            <a:r>
-              <a:rPr lang="en-IN" sz="1400" dirty="0"/>
-              <a:t>, </a:t>
-            </a:r>
-            <a:r>
-              <a:rPr lang="en-IN" sz="1400" dirty="0" err="1"/>
-              <a:t>rst</a:t>
-            </a:r>
-            <a:r>
-              <a:rPr lang="en-IN" sz="1400" dirty="0"/>
-              <a:t>, width=16)</a:t>
-            </a:r>
-          </a:p>
-          <a:p>
-            <a:r>
-              <a:rPr lang="en-IN" sz="1400" dirty="0"/>
-              <a:t>    </a:t>
-            </a:r>
-            <a:r>
-              <a:rPr lang="en-IN" sz="1400" dirty="0" err="1"/>
-              <a:t>convInst.convert</a:t>
-            </a:r>
-            <a:r>
-              <a:rPr lang="en-IN" sz="1400" dirty="0"/>
-              <a:t>(</a:t>
-            </a:r>
-            <a:r>
-              <a:rPr lang="en-IN" sz="1400" dirty="0" err="1"/>
-              <a:t>hdl</a:t>
-            </a:r>
-            <a:r>
-              <a:rPr lang="en-IN" sz="1400" dirty="0"/>
-              <a:t>=</a:t>
-            </a:r>
-            <a:r>
-              <a:rPr lang="en-IN" sz="1400" dirty="0" err="1"/>
-              <a:t>hdl</a:t>
-            </a:r>
-            <a:r>
-              <a:rPr lang="en-IN" sz="1400" dirty="0"/>
-              <a:t>)</a:t>
-            </a:r>
-          </a:p>
-          <a:p>
-            <a:r>
-              <a:rPr lang="en-IN" sz="1400" dirty="0"/>
-              <a:t>convert(</a:t>
-            </a:r>
-            <a:r>
-              <a:rPr lang="en-IN" sz="1400" dirty="0" err="1"/>
-              <a:t>hdl</a:t>
-            </a:r>
-            <a:r>
-              <a:rPr lang="en-IN" sz="1400" dirty="0"/>
+              <a:rPr lang="en-IN" dirty="0"/>
               <a:t>='Verilog')</a:t>
+            </a:r>
+          </a:p>
+          <a:p>
+            <a:endParaRPr lang="en-IN" dirty="0"/>
+          </a:p>
+          <a:p>
+            <a:r>
+              <a:rPr lang="en-IN" dirty="0"/>
+              <a:t>convert()</a:t>
             </a:r>
           </a:p>
         </p:txBody>
@@ -14193,7 +13128,7 @@
     </p:spTree>
     <p:extLst>
       <p:ext uri="{BB962C8B-B14F-4D97-AF65-F5344CB8AC3E}">
-        <p14:creationId xmlns:p14="http://schemas.microsoft.com/office/powerpoint/2010/main" val="199489584"/>
+        <p14:creationId xmlns:p14="http://schemas.microsoft.com/office/powerpoint/2010/main" val="1926999882"/>
       </p:ext>
     </p:extLst>
   </p:cSld>
@@ -14225,7 +13160,7 @@
           <p:cNvPr id="2" name="Slide Number Placeholder 1">
             <a:extLst>
               <a:ext uri="{FF2B5EF4-FFF2-40B4-BE49-F238E27FC236}">
-                <a16:creationId xmlns:a16="http://schemas.microsoft.com/office/drawing/2014/main" id="{FB228BB7-D448-C99D-D01F-558F43AA9A52}"/>
+                <a16:creationId xmlns:a16="http://schemas.microsoft.com/office/drawing/2014/main" id="{D6CE8A80-E028-6027-36E0-B07E4A3A0D86}"/>
               </a:ext>
             </a:extLst>
           </p:cNvPr>
@@ -14254,7 +13189,7 @@
           <p:cNvPr id="4" name="TextBox 3">
             <a:extLst>
               <a:ext uri="{FF2B5EF4-FFF2-40B4-BE49-F238E27FC236}">
-                <a16:creationId xmlns:a16="http://schemas.microsoft.com/office/drawing/2014/main" id="{5C23D871-B8B5-E10C-434E-9D7F2CA28D0F}"/>
+                <a16:creationId xmlns:a16="http://schemas.microsoft.com/office/drawing/2014/main" id="{CC1167D1-7D27-13E6-D396-3F26BED820C8}"/>
               </a:ext>
             </a:extLst>
           </p:cNvPr>
@@ -14263,7 +13198,7 @@
         </p:nvSpPr>
         <p:spPr>
           <a:xfrm>
-            <a:off x="835742" y="556650"/>
+            <a:off x="658761" y="399334"/>
             <a:ext cx="6096000" cy="523220"/>
           </a:xfrm>
           <a:prstGeom prst="rect">
@@ -14282,7 +13217,7 @@
                 <a:latin typeface="Times New Roman" panose="02020603050405020304" pitchFamily="18" charset="0"/>
                 <a:cs typeface="Times New Roman" panose="02020603050405020304" pitchFamily="18" charset="0"/>
               </a:rPr>
-              <a:t>Sequential designs:		Counter</a:t>
+              <a:t>Sequential designs: 		ALU</a:t>
             </a:r>
             <a:endParaRPr lang="en-IN" sz="2800" b="1" dirty="0">
               <a:latin typeface="Times New Roman" panose="02020603050405020304" pitchFamily="18" charset="0"/>
@@ -14296,7 +13231,7 @@
           <p:cNvPr id="6" name="TextBox 5">
             <a:extLst>
               <a:ext uri="{FF2B5EF4-FFF2-40B4-BE49-F238E27FC236}">
-                <a16:creationId xmlns:a16="http://schemas.microsoft.com/office/drawing/2014/main" id="{89E3D5D6-985C-8918-5BF5-435D3395F61C}"/>
+                <a16:creationId xmlns:a16="http://schemas.microsoft.com/office/drawing/2014/main" id="{39A94CAC-E563-D7B1-AE64-0248B4D868C9}"/>
               </a:ext>
             </a:extLst>
           </p:cNvPr>
@@ -14305,18 +13240,13 @@
         </p:nvSpPr>
         <p:spPr>
           <a:xfrm>
-            <a:off x="629264" y="1278037"/>
-            <a:ext cx="4628536" cy="5078313"/>
+            <a:off x="1150375" y="1088401"/>
+            <a:ext cx="6096000" cy="5355312"/>
           </a:xfrm>
           <a:prstGeom prst="rect">
             <a:avLst/>
           </a:prstGeom>
           <a:noFill/>
-          <a:ln>
-            <a:solidFill>
-              <a:schemeClr val="tx1"/>
-            </a:solidFill>
-          </a:ln>
         </p:spPr>
         <p:txBody>
           <a:bodyPr wrap="square">
@@ -14326,6 +13256,17 @@
           <a:p>
             <a:r>
               <a:rPr lang="en-IN" dirty="0"/>
+              <a:t>import </a:t>
+            </a:r>
+            <a:r>
+              <a:rPr lang="en-IN" dirty="0" err="1"/>
+              <a:t>myhdl</a:t>
+            </a:r>
+            <a:endParaRPr lang="en-IN" dirty="0"/>
+          </a:p>
+          <a:p>
+            <a:r>
+              <a:rPr lang="en-IN" dirty="0"/>
               <a:t>from </a:t>
             </a:r>
             <a:r>
@@ -14334,361 +13275,118 @@
             </a:r>
             <a:r>
               <a:rPr lang="en-IN" dirty="0"/>
-              <a:t> import block, </a:t>
-            </a:r>
-            <a:r>
-              <a:rPr lang="en-IN" dirty="0" err="1"/>
-              <a:t>always_seq</a:t>
-            </a:r>
+              <a:t> import *</a:t>
+            </a:r>
+          </a:p>
+          <a:p>
             <a:endParaRPr lang="en-IN" dirty="0"/>
           </a:p>
           <a:p>
-            <a:endParaRPr lang="en-IN" dirty="0"/>
-          </a:p>
-          <a:p>
-            <a:r>
-              <a:rPr lang="en-IN" dirty="0"/>
-              <a:t>@block</a:t>
-            </a:r>
-          </a:p>
-          <a:p>
-            <a:r>
-              <a:rPr lang="en-IN" dirty="0"/>
-              <a:t>def counter(count, enable, clock, reset):</a:t>
-            </a:r>
-          </a:p>
-          <a:p>
-            <a:r>
-              <a:rPr lang="en-IN" dirty="0"/>
-              <a:t>    """ </a:t>
-            </a:r>
-            <a:r>
-              <a:rPr lang="en-IN" dirty="0" err="1"/>
-              <a:t>Incrementer</a:t>
-            </a:r>
-            <a:r>
-              <a:rPr lang="en-IN" dirty="0"/>
-              <a:t> with enable.</a:t>
-            </a:r>
-          </a:p>
-          <a:p>
-            <a:endParaRPr lang="en-IN" dirty="0"/>
-          </a:p>
-          <a:p>
-            <a:r>
-              <a:rPr lang="en-IN" dirty="0"/>
-              <a:t>    count -- output</a:t>
-            </a:r>
-          </a:p>
-          <a:p>
-            <a:r>
-              <a:rPr lang="en-IN" dirty="0"/>
-              <a:t>    enable -- control input, increment when 1</a:t>
-            </a:r>
-          </a:p>
-          <a:p>
-            <a:r>
-              <a:rPr lang="en-IN" dirty="0"/>
-              <a:t>    clock -- clock input</a:t>
-            </a:r>
-          </a:p>
-          <a:p>
-            <a:r>
-              <a:rPr lang="en-IN" dirty="0"/>
-              <a:t>    reset -- asynchronous reset input</a:t>
-            </a:r>
-          </a:p>
-          <a:p>
-            <a:r>
-              <a:rPr lang="en-IN" dirty="0"/>
-              <a:t>    """</a:t>
-            </a:r>
-          </a:p>
-          <a:p>
-            <a:r>
-              <a:rPr lang="en-IN" dirty="0"/>
-              <a:t>    </a:t>
-            </a:r>
-          </a:p>
-          <a:p>
-            <a:r>
-              <a:rPr lang="en-IN" dirty="0"/>
-              <a:t>    @always_seq(clock.posedge, reset=reset)</a:t>
-            </a:r>
-          </a:p>
-          <a:p>
-            <a:r>
-              <a:rPr lang="en-IN" dirty="0"/>
-              <a:t>    def </a:t>
-            </a:r>
-            <a:r>
-              <a:rPr lang="en-IN" dirty="0" err="1"/>
-              <a:t>seq</a:t>
-            </a:r>
-            <a:r>
-              <a:rPr lang="en-IN" dirty="0"/>
-              <a:t>():</a:t>
-            </a:r>
-          </a:p>
-          <a:p>
-            <a:r>
-              <a:rPr lang="en-IN" dirty="0"/>
-              <a:t>        if enable:</a:t>
-            </a:r>
-          </a:p>
-          <a:p>
-            <a:r>
-              <a:rPr lang="en-IN" dirty="0"/>
-              <a:t>            </a:t>
-            </a:r>
-            <a:r>
-              <a:rPr lang="en-IN" dirty="0" err="1"/>
-              <a:t>count.next</a:t>
-            </a:r>
-            <a:r>
-              <a:rPr lang="en-IN" dirty="0"/>
-              <a:t> = count + 1</a:t>
-            </a:r>
-          </a:p>
-          <a:p>
-            <a:endParaRPr lang="en-IN" dirty="0"/>
-          </a:p>
-          <a:p>
-            <a:r>
-              <a:rPr lang="en-IN" dirty="0"/>
-              <a:t>    return </a:t>
-            </a:r>
-            <a:r>
-              <a:rPr lang="en-IN" dirty="0" err="1"/>
-              <a:t>seq</a:t>
-            </a:r>
-            <a:endParaRPr lang="en-IN" dirty="0"/>
-          </a:p>
-        </p:txBody>
-      </p:sp>
-      <p:sp>
-        <p:nvSpPr>
-          <p:cNvPr id="8" name="TextBox 7">
-            <a:extLst>
-              <a:ext uri="{FF2B5EF4-FFF2-40B4-BE49-F238E27FC236}">
-                <a16:creationId xmlns:a16="http://schemas.microsoft.com/office/drawing/2014/main" id="{4A212E01-9F6F-6F81-8DA0-3793386B6F99}"/>
-              </a:ext>
-            </a:extLst>
-          </p:cNvPr>
-          <p:cNvSpPr txBox="1"/>
-          <p:nvPr/>
-        </p:nvSpPr>
-        <p:spPr>
-          <a:xfrm>
-            <a:off x="5562600" y="1001037"/>
-            <a:ext cx="6096000" cy="5632311"/>
-          </a:xfrm>
-          <a:prstGeom prst="rect">
-            <a:avLst/>
-          </a:prstGeom>
-          <a:noFill/>
-          <a:ln>
-            <a:solidFill>
-              <a:schemeClr val="accent4"/>
-            </a:solidFill>
-          </a:ln>
-        </p:spPr>
-        <p:txBody>
-          <a:bodyPr wrap="square">
-            <a:spAutoFit/>
-          </a:bodyPr>
-          <a:lstStyle/>
-          <a:p>
-            <a:r>
-              <a:rPr lang="en-IN" dirty="0"/>
-              <a:t>from </a:t>
-            </a:r>
-            <a:r>
-              <a:rPr lang="en-IN" dirty="0" err="1"/>
-              <a:t>myhdl</a:t>
-            </a:r>
-            <a:r>
-              <a:rPr lang="en-IN" dirty="0"/>
-              <a:t> import Signal, </a:t>
-            </a:r>
-            <a:r>
-              <a:rPr lang="en-IN" dirty="0" err="1"/>
-              <a:t>ResetSignal</a:t>
-            </a:r>
-            <a:r>
-              <a:rPr lang="en-IN" dirty="0"/>
-              <a:t>, </a:t>
-            </a:r>
-            <a:r>
-              <a:rPr lang="en-IN" dirty="0" err="1"/>
-              <a:t>modbv</a:t>
-            </a:r>
-            <a:endParaRPr lang="en-IN" dirty="0"/>
-          </a:p>
-          <a:p>
-            <a:endParaRPr lang="en-IN" dirty="0"/>
-          </a:p>
-          <a:p>
-            <a:r>
-              <a:rPr lang="en-IN" dirty="0"/>
-              <a:t>from counter import counter</a:t>
-            </a:r>
-          </a:p>
-          <a:p>
-            <a:endParaRPr lang="en-IN" dirty="0"/>
-          </a:p>
-          <a:p>
-            <a:r>
-              <a:rPr lang="en-IN" dirty="0"/>
-              <a:t>def </a:t>
-            </a:r>
-            <a:r>
-              <a:rPr lang="en-IN" dirty="0" err="1"/>
-              <a:t>convert_inc</a:t>
+            <a:r>
+              <a:rPr lang="en-IN" dirty="0" err="1"/>
+              <a:t>t_ALU_FUNCTION</a:t>
+            </a:r>
+            <a:r>
+              <a:rPr lang="en-IN" dirty="0"/>
+              <a:t> = </a:t>
+            </a:r>
+            <a:r>
+              <a:rPr lang="en-IN" dirty="0" err="1"/>
+              <a:t>enum</a:t>
             </a:r>
             <a:r>
               <a:rPr lang="en-IN" dirty="0"/>
               <a:t>(</a:t>
             </a:r>
-            <a:r>
-              <a:rPr lang="en-IN" dirty="0" err="1"/>
-              <a:t>hdl</a:t>
-            </a:r>
-            <a:r>
-              <a:rPr lang="en-IN" dirty="0"/>
-              <a:t>):</a:t>
-            </a:r>
-          </a:p>
-          <a:p>
-            <a:r>
-              <a:rPr lang="en-IN" dirty="0"/>
-              <a:t>    """Convert </a:t>
-            </a:r>
-            <a:r>
-              <a:rPr lang="en-IN" dirty="0" err="1"/>
-              <a:t>inc</a:t>
-            </a:r>
-            <a:r>
-              <a:rPr lang="en-IN" dirty="0"/>
-              <a:t> block to Verilog or VHDL."""</a:t>
-            </a:r>
-          </a:p>
-          <a:p>
-            <a:endParaRPr lang="en-IN" dirty="0"/>
-          </a:p>
-          <a:p>
-            <a:r>
-              <a:rPr lang="en-IN" dirty="0"/>
-              <a:t>    m = 8</a:t>
-            </a:r>
-          </a:p>
-          <a:p>
-            <a:endParaRPr lang="en-IN" dirty="0"/>
-          </a:p>
-          <a:p>
-            <a:r>
-              <a:rPr lang="en-IN" dirty="0"/>
-              <a:t>    count = Signal(</a:t>
-            </a:r>
-            <a:r>
-              <a:rPr lang="en-IN" dirty="0" err="1"/>
-              <a:t>modbv</a:t>
-            </a:r>
-            <a:r>
-              <a:rPr lang="en-IN" dirty="0"/>
-              <a:t>(0)[m:])</a:t>
-            </a:r>
-          </a:p>
-          <a:p>
-            <a:r>
-              <a:rPr lang="en-IN" dirty="0"/>
-              <a:t>    enable = Signal(bool(0))</a:t>
-            </a:r>
-          </a:p>
-          <a:p>
-            <a:r>
-              <a:rPr lang="en-IN" dirty="0"/>
-              <a:t>    clock  = Signal(bool(0))</a:t>
-            </a:r>
-          </a:p>
-          <a:p>
-            <a:r>
-              <a:rPr lang="en-IN" dirty="0"/>
-              <a:t>    reset = </a:t>
-            </a:r>
-            <a:r>
-              <a:rPr lang="en-IN" dirty="0" err="1"/>
-              <a:t>ResetSignal</a:t>
-            </a:r>
-            <a:r>
-              <a:rPr lang="en-IN" dirty="0"/>
-              <a:t>(0, active=0, </a:t>
-            </a:r>
-            <a:r>
-              <a:rPr lang="en-IN" dirty="0" err="1"/>
-              <a:t>isasync</a:t>
-            </a:r>
-            <a:r>
-              <a:rPr lang="en-IN" dirty="0"/>
-              <a:t>=True)</a:t>
-            </a:r>
-          </a:p>
-          <a:p>
-            <a:endParaRPr lang="en-IN" dirty="0"/>
-          </a:p>
-          <a:p>
-            <a:r>
-              <a:rPr lang="en-IN" dirty="0"/>
-              <a:t>    inc_1 = counter(count, enable, clock, reset)</a:t>
-            </a:r>
-          </a:p>
-          <a:p>
-            <a:endParaRPr lang="en-IN" dirty="0"/>
-          </a:p>
-          <a:p>
-            <a:r>
-              <a:rPr lang="en-IN" dirty="0"/>
-              <a:t>    inc_1.convert(</a:t>
-            </a:r>
-            <a:r>
-              <a:rPr lang="en-IN" dirty="0" err="1"/>
-              <a:t>hdl</a:t>
-            </a:r>
-            <a:r>
-              <a:rPr lang="en-IN" dirty="0"/>
-              <a:t>=</a:t>
-            </a:r>
-            <a:r>
-              <a:rPr lang="en-IN" dirty="0" err="1"/>
-              <a:t>hdl</a:t>
-            </a:r>
-            <a:r>
-              <a:rPr lang="en-IN" dirty="0"/>
-              <a:t>)</a:t>
-            </a:r>
-          </a:p>
-          <a:p>
-            <a:endParaRPr lang="en-IN" dirty="0"/>
-          </a:p>
-          <a:p>
-            <a:endParaRPr lang="en-IN" dirty="0"/>
-          </a:p>
-          <a:p>
-            <a:r>
-              <a:rPr lang="en-IN" dirty="0" err="1"/>
-              <a:t>convert_inc</a:t>
-            </a:r>
-            <a:r>
-              <a:rPr lang="en-IN" dirty="0"/>
-              <a:t>(</a:t>
-            </a:r>
-            <a:r>
-              <a:rPr lang="en-IN" dirty="0" err="1"/>
-              <a:t>hdl</a:t>
-            </a:r>
-            <a:r>
-              <a:rPr lang="en-IN" dirty="0"/>
-              <a:t>='Verilog')</a:t>
+          </a:p>
+          <a:p>
+            <a:r>
+              <a:rPr lang="en-IN" dirty="0"/>
+              <a:t>    "ZERO",</a:t>
+            </a:r>
+          </a:p>
+          <a:p>
+            <a:r>
+              <a:rPr lang="en-IN" dirty="0"/>
+              <a:t>    "ONES",</a:t>
+            </a:r>
+          </a:p>
+          <a:p>
+            <a:r>
+              <a:rPr lang="en-IN" dirty="0"/>
+              <a:t>    "A",</a:t>
+            </a:r>
+          </a:p>
+          <a:p>
+            <a:r>
+              <a:rPr lang="en-IN" dirty="0"/>
+              <a:t>    "NEG_A",</a:t>
+            </a:r>
+          </a:p>
+          <a:p>
+            <a:r>
+              <a:rPr lang="en-IN" dirty="0"/>
+              <a:t>    "A_PLUS_1",</a:t>
+            </a:r>
+          </a:p>
+          <a:p>
+            <a:r>
+              <a:rPr lang="en-IN" dirty="0"/>
+              <a:t>    "B",</a:t>
+            </a:r>
+          </a:p>
+          <a:p>
+            <a:r>
+              <a:rPr lang="en-IN" dirty="0"/>
+              <a:t>    "NEG_B",</a:t>
+            </a:r>
+          </a:p>
+          <a:p>
+            <a:r>
+              <a:rPr lang="en-IN" dirty="0"/>
+              <a:t>    "B_PLUS_1",</a:t>
+            </a:r>
+          </a:p>
+          <a:p>
+            <a:r>
+              <a:rPr lang="en-IN" dirty="0"/>
+              <a:t>    "A_PLUS_B",</a:t>
+            </a:r>
+          </a:p>
+          <a:p>
+            <a:r>
+              <a:rPr lang="en-IN" dirty="0"/>
+              <a:t>    "NOT_A",</a:t>
+            </a:r>
+          </a:p>
+          <a:p>
+            <a:r>
+              <a:rPr lang="en-IN" dirty="0"/>
+              <a:t>    "NOT_B",</a:t>
+            </a:r>
+          </a:p>
+          <a:p>
+            <a:r>
+              <a:rPr lang="en-IN" dirty="0"/>
+              <a:t>    "A_AND_B",</a:t>
+            </a:r>
+          </a:p>
+          <a:p>
+            <a:r>
+              <a:rPr lang="en-IN" dirty="0"/>
+              <a:t>    "A_OR_B",</a:t>
+            </a:r>
+          </a:p>
+          <a:p>
+            <a:r>
+              <a:rPr lang="en-IN" dirty="0"/>
+              <a:t>    "A_XOR_B",</a:t>
+            </a:r>
+          </a:p>
+          <a:p>
+            <a:r>
+              <a:rPr lang="en-IN" dirty="0"/>
+              <a:t>    )</a:t>
             </a:r>
           </a:p>
         </p:txBody>
@@ -14696,7 +13394,7 @@
     </p:spTree>
     <p:extLst>
       <p:ext uri="{BB962C8B-B14F-4D97-AF65-F5344CB8AC3E}">
-        <p14:creationId xmlns:p14="http://schemas.microsoft.com/office/powerpoint/2010/main" val="3008866193"/>
+        <p14:creationId xmlns:p14="http://schemas.microsoft.com/office/powerpoint/2010/main" val="2534548258"/>
       </p:ext>
     </p:extLst>
   </p:cSld>
@@ -14728,7 +13426,7 @@
           <p:cNvPr id="2" name="Slide Number Placeholder 1">
             <a:extLst>
               <a:ext uri="{FF2B5EF4-FFF2-40B4-BE49-F238E27FC236}">
-                <a16:creationId xmlns:a16="http://schemas.microsoft.com/office/drawing/2014/main" id="{FB228BB7-D448-C99D-D01F-558F43AA9A52}"/>
+                <a16:creationId xmlns:a16="http://schemas.microsoft.com/office/drawing/2014/main" id="{D6CE8A80-E028-6027-36E0-B07E4A3A0D86}"/>
               </a:ext>
             </a:extLst>
           </p:cNvPr>
@@ -14757,7 +13455,7 @@
           <p:cNvPr id="4" name="TextBox 3">
             <a:extLst>
               <a:ext uri="{FF2B5EF4-FFF2-40B4-BE49-F238E27FC236}">
-                <a16:creationId xmlns:a16="http://schemas.microsoft.com/office/drawing/2014/main" id="{CAFF08F1-7A80-A9CF-F8F5-E6817487CFBD}"/>
+                <a16:creationId xmlns:a16="http://schemas.microsoft.com/office/drawing/2014/main" id="{CC1167D1-7D27-13E6-D396-3F26BED820C8}"/>
               </a:ext>
             </a:extLst>
           </p:cNvPr>
@@ -14766,8 +13464,8 @@
         </p:nvSpPr>
         <p:spPr>
           <a:xfrm>
-            <a:off x="196645" y="251851"/>
-            <a:ext cx="6096000" cy="523220"/>
+            <a:off x="658760" y="399334"/>
+            <a:ext cx="9340645" cy="523220"/>
           </a:xfrm>
           <a:prstGeom prst="rect">
             <a:avLst/>
@@ -14781,13 +13479,13 @@
           <a:lstStyle/>
           <a:p>
             <a:r>
-              <a:rPr lang="en-US" sz="2800" dirty="0">
+              <a:rPr lang="en-US" sz="2800" b="1" dirty="0">
                 <a:latin typeface="Times New Roman" panose="02020603050405020304" pitchFamily="18" charset="0"/>
                 <a:cs typeface="Times New Roman" panose="02020603050405020304" pitchFamily="18" charset="0"/>
               </a:rPr>
-              <a:t>Sequential designs:		RAM </a:t>
-            </a:r>
-            <a:endParaRPr lang="en-IN" sz="2800" dirty="0">
+              <a:t>Sequential designs: 		ALU		-Cont’d.	</a:t>
+            </a:r>
+            <a:endParaRPr lang="en-IN" sz="2800" b="1" dirty="0">
               <a:latin typeface="Times New Roman" panose="02020603050405020304" pitchFamily="18" charset="0"/>
               <a:cs typeface="Times New Roman" panose="02020603050405020304" pitchFamily="18" charset="0"/>
             </a:endParaRPr>
@@ -14796,10 +13494,10 @@
       </p:sp>
       <p:sp>
         <p:nvSpPr>
-          <p:cNvPr id="6" name="TextBox 5">
-            <a:extLst>
-              <a:ext uri="{FF2B5EF4-FFF2-40B4-BE49-F238E27FC236}">
-                <a16:creationId xmlns:a16="http://schemas.microsoft.com/office/drawing/2014/main" id="{9920B377-8081-2076-570A-2E26E89CFDED}"/>
+          <p:cNvPr id="12" name="TextBox 11">
+            <a:extLst>
+              <a:ext uri="{FF2B5EF4-FFF2-40B4-BE49-F238E27FC236}">
+                <a16:creationId xmlns:a16="http://schemas.microsoft.com/office/drawing/2014/main" id="{212DFB4C-3152-3FF6-DB4B-41C8C1A2271C}"/>
               </a:ext>
             </a:extLst>
           </p:cNvPr>
@@ -14808,8 +13506,8 @@
         </p:nvSpPr>
         <p:spPr>
           <a:xfrm>
-            <a:off x="3441290" y="733246"/>
-            <a:ext cx="6096000" cy="6124754"/>
+            <a:off x="737419" y="1353441"/>
+            <a:ext cx="4296697" cy="4616648"/>
           </a:xfrm>
           <a:prstGeom prst="rect">
             <a:avLst/>
@@ -14829,54 +13527,21 @@
           <a:p>
             <a:r>
               <a:rPr lang="en-IN" sz="1400" dirty="0"/>
-              <a:t>import </a:t>
+              <a:t>@block</a:t>
+            </a:r>
+          </a:p>
+          <a:p>
+            <a:r>
+              <a:rPr lang="en-IN" sz="1400" dirty="0"/>
+              <a:t>def </a:t>
             </a:r>
             <a:r>
               <a:rPr lang="en-IN" sz="1400" dirty="0" err="1"/>
-              <a:t>myhdl</a:t>
-            </a:r>
-            <a:endParaRPr lang="en-IN" sz="1400" dirty="0"/>
-          </a:p>
-          <a:p>
-            <a:r>
-              <a:rPr lang="en-IN" sz="1400" dirty="0"/>
-              <a:t>from </a:t>
-            </a:r>
-            <a:r>
-              <a:rPr lang="en-IN" sz="1400" dirty="0" err="1"/>
-              <a:t>myhdl</a:t>
-            </a:r>
-            <a:r>
-              <a:rPr lang="en-IN" sz="1400" dirty="0"/>
-              <a:t> import *</a:t>
-            </a:r>
-          </a:p>
-          <a:p>
-            <a:r>
-              <a:rPr lang="en-IN" sz="1400" dirty="0"/>
-              <a:t>@block</a:t>
-            </a:r>
-          </a:p>
-          <a:p>
-            <a:r>
-              <a:rPr lang="en-IN" sz="1400" dirty="0"/>
-              <a:t>def RAM(</a:t>
-            </a:r>
-            <a:r>
-              <a:rPr lang="en-IN" sz="1400" dirty="0" err="1"/>
-              <a:t>dout</a:t>
-            </a:r>
-            <a:r>
-              <a:rPr lang="en-IN" sz="1400" dirty="0"/>
-              <a:t>, din, </a:t>
-            </a:r>
-            <a:r>
-              <a:rPr lang="en-IN" sz="1400" dirty="0" err="1"/>
-              <a:t>addr</a:t>
-            </a:r>
-            <a:r>
-              <a:rPr lang="en-IN" sz="1400" dirty="0"/>
-              <a:t>, we, </a:t>
+              <a:t>aluSeq</a:t>
+            </a:r>
+            <a:r>
+              <a:rPr lang="en-IN" sz="1400" dirty="0"/>
+              <a:t>(q, o, z, n, a, b, f, </a:t>
             </a:r>
             <a:r>
               <a:rPr lang="en-IN" sz="1400" dirty="0" err="1"/>
@@ -14884,19 +13549,48 @@
             </a:r>
             <a:r>
               <a:rPr lang="en-IN" sz="1400" dirty="0"/>
-              <a:t>, depth=128):</a:t>
-            </a:r>
-          </a:p>
-          <a:p>
-            <a:r>
-              <a:rPr lang="en-IN" sz="1400" dirty="0"/>
-              <a:t>    """ Ram model """</a:t>
-            </a:r>
-          </a:p>
-          <a:p>
-            <a:r>
-              <a:rPr lang="en-IN" sz="1400" dirty="0"/>
-              <a:t>    mem = [Signal(</a:t>
+              <a:t>, </a:t>
+            </a:r>
+            <a:r>
+              <a:rPr lang="en-IN" sz="1400" dirty="0" err="1"/>
+              <a:t>rst</a:t>
+            </a:r>
+            <a:r>
+              <a:rPr lang="en-IN" sz="1400" dirty="0"/>
+              <a:t>, width=16):</a:t>
+            </a:r>
+          </a:p>
+          <a:p>
+            <a:r>
+              <a:rPr lang="en-IN" sz="1400" dirty="0"/>
+              <a:t>    """</a:t>
+            </a:r>
+          </a:p>
+          <a:p>
+            <a:r>
+              <a:rPr lang="en-IN" sz="1400" dirty="0"/>
+              <a:t>    Simple ALU.</a:t>
+            </a:r>
+          </a:p>
+          <a:p>
+            <a:r>
+              <a:rPr lang="en-IN" sz="1400" dirty="0"/>
+              <a:t>    See ARM System Architecture "Introduction To Processor Design"</a:t>
+            </a:r>
+          </a:p>
+          <a:p>
+            <a:r>
+              <a:rPr lang="en-IN" sz="1400" dirty="0"/>
+              <a:t>    """</a:t>
+            </a:r>
+          </a:p>
+          <a:p>
+            <a:endParaRPr lang="en-IN" sz="1400" dirty="0"/>
+          </a:p>
+          <a:p>
+            <a:r>
+              <a:rPr lang="en-IN" sz="1400" dirty="0"/>
+              <a:t>    result = Signal(</a:t>
             </a:r>
             <a:r>
               <a:rPr lang="en-IN" sz="1400" dirty="0" err="1"/>
@@ -14904,65 +13598,80 @@
             </a:r>
             <a:r>
               <a:rPr lang="en-IN" sz="1400" dirty="0"/>
-              <a:t>(0)[8:]) for </a:t>
+              <a:t>(0)[width:])</a:t>
+            </a:r>
+          </a:p>
+          <a:p>
+            <a:endParaRPr lang="en-IN" sz="1400" dirty="0"/>
+          </a:p>
+          <a:p>
+            <a:r>
+              <a:rPr lang="en-IN" sz="1400" dirty="0"/>
+              <a:t>    """@always(</a:t>
             </a:r>
             <a:r>
               <a:rPr lang="en-IN" sz="1400" dirty="0" err="1"/>
-              <a:t>i</a:t>
-            </a:r>
-            <a:r>
-              <a:rPr lang="en-IN" sz="1400" dirty="0"/>
-              <a:t> in range(depth)]</a:t>
-            </a:r>
-          </a:p>
-          <a:p>
-            <a:endParaRPr lang="en-IN" sz="1400" dirty="0"/>
-          </a:p>
-          <a:p>
-            <a:r>
-              <a:rPr lang="en-IN" sz="1400" dirty="0"/>
-              <a:t>    @always(clk.posedge)</a:t>
-            </a:r>
-          </a:p>
-          <a:p>
-            <a:r>
-              <a:rPr lang="en-IN" sz="1400" dirty="0"/>
-              <a:t>    def write():</a:t>
-            </a:r>
-          </a:p>
-          <a:p>
-            <a:r>
-              <a:rPr lang="en-IN" sz="1400" dirty="0"/>
-              <a:t>        if we:</a:t>
-            </a:r>
-          </a:p>
-          <a:p>
-            <a:r>
-              <a:rPr lang="en-IN" sz="1400" dirty="0"/>
-              <a:t>            mem[</a:t>
+              <a:t>clk.posedge</a:t>
+            </a:r>
+            <a:r>
+              <a:rPr lang="en-IN" sz="1400" dirty="0"/>
+              <a:t>)"""</a:t>
+            </a:r>
+          </a:p>
+          <a:p>
+            <a:r>
+              <a:rPr lang="en-IN" sz="1400" dirty="0"/>
+              <a:t>    @always_seq(clk.posedge, reset=</a:t>
             </a:r>
             <a:r>
               <a:rPr lang="en-IN" sz="1400" dirty="0" err="1"/>
-              <a:t>addr</a:t>
-            </a:r>
-            <a:r>
-              <a:rPr lang="en-IN" sz="1400" dirty="0"/>
-              <a:t>].next = din</a:t>
-            </a:r>
-          </a:p>
-          <a:p>
-            <a:endParaRPr lang="en-IN" sz="1400" dirty="0"/>
-          </a:p>
-          <a:p>
-            <a:r>
-              <a:rPr lang="en-IN" sz="1400" dirty="0"/>
-              <a:t>    @always_comb</a:t>
-            </a:r>
-          </a:p>
-          <a:p>
-            <a:r>
-              <a:rPr lang="en-IN" sz="1400" dirty="0"/>
-              <a:t>    def read():</a:t>
+              <a:t>rst</a:t>
+            </a:r>
+            <a:r>
+              <a:rPr lang="en-IN" sz="1400" dirty="0"/>
+              <a:t>)</a:t>
+            </a:r>
+          </a:p>
+          <a:p>
+            <a:r>
+              <a:rPr lang="en-IN" sz="1400" dirty="0"/>
+              <a:t>    def </a:t>
+            </a:r>
+            <a:r>
+              <a:rPr lang="en-IN" sz="1400" dirty="0" err="1"/>
+              <a:t>alu_func</a:t>
+            </a:r>
+            <a:r>
+              <a:rPr lang="en-IN" sz="1400" dirty="0"/>
+              <a:t>():</a:t>
+            </a:r>
+          </a:p>
+          <a:p>
+            <a:r>
+              <a:rPr lang="en-IN" sz="1400" dirty="0"/>
+              <a:t>        if </a:t>
+            </a:r>
+            <a:r>
+              <a:rPr lang="en-IN" sz="1400" dirty="0" err="1"/>
+              <a:t>rst</a:t>
+            </a:r>
+            <a:r>
+              <a:rPr lang="en-IN" sz="1400" dirty="0"/>
+              <a:t>==0:</a:t>
+            </a:r>
+          </a:p>
+          <a:p>
+            <a:r>
+              <a:rPr lang="en-IN" sz="1400" dirty="0"/>
+              <a:t>            </a:t>
+            </a:r>
+            <a:r>
+              <a:rPr lang="en-IN" sz="1400" dirty="0" err="1"/>
+              <a:t>result.next</a:t>
+            </a:r>
+            <a:r>
+              <a:rPr lang="en-IN" sz="1400" dirty="0"/>
+              <a:t> = 0</a:t>
             </a:r>
           </a:p>
           <a:p>
@@ -14972,218 +13681,539 @@
             </a:r>
             <a:r>
               <a:rPr lang="en-IN" sz="1400" dirty="0" err="1"/>
-              <a:t>dout.next</a:t>
-            </a:r>
-            <a:r>
-              <a:rPr lang="en-IN" sz="1400" dirty="0"/>
-              <a:t> = mem[</a:t>
+              <a:t>elif</a:t>
+            </a:r>
+            <a:r>
+              <a:rPr lang="en-IN" sz="1400" dirty="0"/>
+              <a:t> f == </a:t>
             </a:r>
             <a:r>
               <a:rPr lang="en-IN" sz="1400" dirty="0" err="1"/>
-              <a:t>addr</a:t>
-            </a:r>
-            <a:r>
-              <a:rPr lang="en-IN" sz="1400" dirty="0"/>
-              <a:t>]</a:t>
-            </a:r>
-          </a:p>
-          <a:p>
-            <a:endParaRPr lang="en-IN" sz="1400" dirty="0"/>
-          </a:p>
-          <a:p>
-            <a:r>
-              <a:rPr lang="en-IN" sz="1400" dirty="0"/>
-              <a:t>    return instances()</a:t>
-            </a:r>
-          </a:p>
-          <a:p>
-            <a:r>
-              <a:rPr lang="en-IN" sz="1400" dirty="0"/>
-              <a:t>	</a:t>
-            </a:r>
-          </a:p>
-          <a:p>
+              <a:t>t_ALU_FUNCTION.ZERO</a:t>
+            </a:r>
+            <a:r>
+              <a:rPr lang="en-IN" sz="1400" dirty="0"/>
+              <a:t>:</a:t>
+            </a:r>
+          </a:p>
+          <a:p>
+            <a:r>
+              <a:rPr lang="en-IN" sz="1400" dirty="0"/>
+              <a:t>            </a:t>
+            </a:r>
             <a:r>
               <a:rPr lang="en-IN" sz="1400" dirty="0" err="1"/>
-              <a:t>dout</a:t>
-            </a:r>
-            <a:r>
-              <a:rPr lang="en-IN" sz="1400" dirty="0"/>
-              <a:t> = Signal(</a:t>
+              <a:t>result.next</a:t>
+            </a:r>
+            <a:r>
+              <a:rPr lang="en-IN" sz="1400" dirty="0"/>
+              <a:t> = 0</a:t>
+            </a:r>
+          </a:p>
+          <a:p>
+            <a:r>
+              <a:rPr lang="en-IN" sz="1400" dirty="0"/>
+              <a:t>        </a:t>
             </a:r>
             <a:r>
               <a:rPr lang="en-IN" sz="1400" dirty="0" err="1"/>
-              <a:t>intbv</a:t>
-            </a:r>
-            <a:r>
-              <a:rPr lang="en-IN" sz="1400" dirty="0"/>
-              <a:t>(0)[8:])</a:t>
-            </a:r>
-          </a:p>
-          <a:p>
+              <a:t>elif</a:t>
+            </a:r>
+            <a:r>
+              <a:rPr lang="en-IN" sz="1400" dirty="0"/>
+              <a:t> f == </a:t>
+            </a:r>
             <a:r>
               <a:rPr lang="en-IN" sz="1400" dirty="0" err="1"/>
-              <a:t>dout_v</a:t>
-            </a:r>
-            <a:r>
-              <a:rPr lang="en-IN" sz="1400" dirty="0"/>
-              <a:t> = Signal(</a:t>
+              <a:t>t_ALU_FUNCTION.ONES</a:t>
+            </a:r>
+            <a:r>
+              <a:rPr lang="en-IN" sz="1400" dirty="0"/>
+              <a:t>:</a:t>
+            </a:r>
+          </a:p>
+          <a:p>
+            <a:r>
+              <a:rPr lang="en-IN" sz="1400" dirty="0"/>
+              <a:t>            </a:t>
             </a:r>
             <a:r>
               <a:rPr lang="en-IN" sz="1400" dirty="0" err="1"/>
-              <a:t>intbv</a:t>
-            </a:r>
-            <a:r>
-              <a:rPr lang="en-IN" sz="1400" dirty="0"/>
-              <a:t>(0)[8:])</a:t>
-            </a:r>
-          </a:p>
-          <a:p>
-            <a:r>
-              <a:rPr lang="en-IN" sz="1400" dirty="0"/>
-              <a:t>din = Signal(</a:t>
+              <a:t>result.next</a:t>
+            </a:r>
+            <a:r>
+              <a:rPr lang="en-IN" sz="1400" dirty="0"/>
+              <a:t> = 2 ** width - 1</a:t>
+            </a:r>
+          </a:p>
+          <a:p>
+            <a:r>
+              <a:rPr lang="en-IN" sz="1400" dirty="0"/>
+              <a:t>        </a:t>
             </a:r>
             <a:r>
               <a:rPr lang="en-IN" sz="1400" dirty="0" err="1"/>
-              <a:t>intbv</a:t>
-            </a:r>
-            <a:r>
-              <a:rPr lang="en-IN" sz="1400" dirty="0"/>
-              <a:t>(0)[8:])</a:t>
-            </a:r>
-          </a:p>
-          <a:p>
+              <a:t>elif</a:t>
+            </a:r>
+            <a:r>
+              <a:rPr lang="en-IN" sz="1400" dirty="0"/>
+              <a:t> f == </a:t>
+            </a:r>
             <a:r>
               <a:rPr lang="en-IN" sz="1400" dirty="0" err="1"/>
-              <a:t>addr</a:t>
-            </a:r>
-            <a:r>
-              <a:rPr lang="en-IN" sz="1400" dirty="0"/>
-              <a:t> = Signal(</a:t>
+              <a:t>t_ALU_FUNCTION.NEG_A</a:t>
+            </a:r>
+            <a:r>
+              <a:rPr lang="en-IN" sz="1400" dirty="0"/>
+              <a:t>:</a:t>
+            </a:r>
+          </a:p>
+          <a:p>
+            <a:r>
+              <a:rPr lang="en-IN" sz="1400" dirty="0"/>
+              <a:t>            </a:t>
             </a:r>
             <a:r>
               <a:rPr lang="en-IN" sz="1400" dirty="0" err="1"/>
-              <a:t>intbv</a:t>
-            </a:r>
-            <a:r>
-              <a:rPr lang="en-IN" sz="1400" dirty="0"/>
-              <a:t>(0)[7:])</a:t>
-            </a:r>
-          </a:p>
-          <a:p>
-            <a:r>
-              <a:rPr lang="en-IN" sz="1400" dirty="0"/>
-              <a:t>we = Signal(bool(0))</a:t>
-            </a:r>
-          </a:p>
-          <a:p>
+              <a:t>result.next</a:t>
+            </a:r>
+            <a:r>
+              <a:rPr lang="en-IN" sz="1400" dirty="0"/>
+              <a:t> = -a % 2 ** width</a:t>
+            </a:r>
+          </a:p>
+        </p:txBody>
+      </p:sp>
+      <p:sp>
+        <p:nvSpPr>
+          <p:cNvPr id="14" name="TextBox 13">
+            <a:extLst>
+              <a:ext uri="{FF2B5EF4-FFF2-40B4-BE49-F238E27FC236}">
+                <a16:creationId xmlns:a16="http://schemas.microsoft.com/office/drawing/2014/main" id="{8E4863D7-24F3-D5AE-B88B-9736897AEF0B}"/>
+              </a:ext>
+            </a:extLst>
+          </p:cNvPr>
+          <p:cNvSpPr txBox="1"/>
+          <p:nvPr/>
+        </p:nvSpPr>
+        <p:spPr>
+          <a:xfrm>
+            <a:off x="5488858" y="1107915"/>
+            <a:ext cx="6096000" cy="5262979"/>
+          </a:xfrm>
+          <a:prstGeom prst="rect">
+            <a:avLst/>
+          </a:prstGeom>
+          <a:noFill/>
+          <a:ln>
+            <a:solidFill>
+              <a:schemeClr val="accent4"/>
+            </a:solidFill>
+          </a:ln>
+        </p:spPr>
+        <p:txBody>
+          <a:bodyPr wrap="square">
+            <a:spAutoFit/>
+          </a:bodyPr>
+          <a:lstStyle/>
+          <a:p>
+            <a:r>
+              <a:rPr lang="en-IN" sz="1400" dirty="0"/>
+              <a:t> </a:t>
+            </a:r>
             <a:r>
               <a:rPr lang="en-IN" sz="1400" dirty="0" err="1"/>
-              <a:t>clk</a:t>
-            </a:r>
-            <a:r>
-              <a:rPr lang="en-IN" sz="1400" dirty="0"/>
-              <a:t> = Signal(bool(0))</a:t>
-            </a:r>
-          </a:p>
-          <a:p>
-            <a:r>
-              <a:rPr lang="en-IN" sz="1400" dirty="0"/>
-              <a:t>	</a:t>
-            </a:r>
-          </a:p>
-          <a:p>
+              <a:t>elif</a:t>
+            </a:r>
+            <a:r>
+              <a:rPr lang="en-IN" sz="1400" dirty="0"/>
+              <a:t> f == </a:t>
+            </a:r>
             <a:r>
               <a:rPr lang="en-IN" sz="1400" dirty="0" err="1"/>
-              <a:t>inst</a:t>
-            </a:r>
-            <a:r>
-              <a:rPr lang="en-IN" sz="1400" dirty="0"/>
-              <a:t> = RAM(</a:t>
+              <a:t>t_ALU_FUNCTION.NEG_B</a:t>
+            </a:r>
+            <a:r>
+              <a:rPr lang="en-IN" sz="1400" dirty="0"/>
+              <a:t>:</a:t>
+            </a:r>
+          </a:p>
+          <a:p>
+            <a:r>
+              <a:rPr lang="en-IN" sz="1400" dirty="0"/>
+              <a:t>            </a:t>
             </a:r>
             <a:r>
               <a:rPr lang="en-IN" sz="1400" dirty="0" err="1"/>
-              <a:t>clk</a:t>
-            </a:r>
-            <a:r>
-              <a:rPr lang="en-IN" sz="1400" dirty="0"/>
-              <a:t>=</a:t>
+              <a:t>result.next</a:t>
+            </a:r>
+            <a:r>
+              <a:rPr lang="en-IN" sz="1400" dirty="0"/>
+              <a:t> = -b % 2 ** width</a:t>
+            </a:r>
+          </a:p>
+          <a:p>
+            <a:r>
+              <a:rPr lang="en-IN" sz="1400" dirty="0"/>
+              <a:t>        </a:t>
             </a:r>
             <a:r>
               <a:rPr lang="en-IN" sz="1400" dirty="0" err="1"/>
-              <a:t>clk</a:t>
-            </a:r>
-            <a:r>
-              <a:rPr lang="en-IN" sz="1400" dirty="0"/>
-              <a:t>, </a:t>
+              <a:t>elif</a:t>
+            </a:r>
+            <a:r>
+              <a:rPr lang="en-IN" sz="1400" dirty="0"/>
+              <a:t> f == </a:t>
             </a:r>
             <a:r>
               <a:rPr lang="en-IN" sz="1400" dirty="0" err="1"/>
-              <a:t>addr</a:t>
-            </a:r>
-            <a:r>
-              <a:rPr lang="en-IN" sz="1400" dirty="0"/>
-              <a:t>=</a:t>
+              <a:t>t_ALU_FUNCTION.NOT_A</a:t>
+            </a:r>
+            <a:r>
+              <a:rPr lang="en-IN" sz="1400" dirty="0"/>
+              <a:t>:</a:t>
+            </a:r>
+          </a:p>
+          <a:p>
+            <a:r>
+              <a:rPr lang="en-IN" sz="1400" dirty="0"/>
+              <a:t>            </a:t>
             </a:r>
             <a:r>
               <a:rPr lang="en-IN" sz="1400" dirty="0" err="1"/>
-              <a:t>addr</a:t>
-            </a:r>
-            <a:r>
-              <a:rPr lang="en-IN" sz="1400" dirty="0"/>
-              <a:t>, we=we, din=din, </a:t>
+              <a:t>result.next</a:t>
+            </a:r>
+            <a:r>
+              <a:rPr lang="en-IN" sz="1400" dirty="0"/>
+              <a:t> = ~a</a:t>
+            </a:r>
+          </a:p>
+          <a:p>
+            <a:r>
+              <a:rPr lang="en-IN" sz="1400" dirty="0"/>
+              <a:t>        </a:t>
             </a:r>
             <a:r>
               <a:rPr lang="en-IN" sz="1400" dirty="0" err="1"/>
-              <a:t>dout</a:t>
-            </a:r>
-            <a:r>
-              <a:rPr lang="en-IN" sz="1400" dirty="0"/>
-              <a:t>=</a:t>
+              <a:t>elif</a:t>
+            </a:r>
+            <a:r>
+              <a:rPr lang="en-IN" sz="1400" dirty="0"/>
+              <a:t> f == </a:t>
             </a:r>
             <a:r>
               <a:rPr lang="en-IN" sz="1400" dirty="0" err="1"/>
-              <a:t>dout</a:t>
-            </a:r>
-            <a:r>
-              <a:rPr lang="en-IN" sz="1400" dirty="0"/>
-              <a:t>)</a:t>
-            </a:r>
-          </a:p>
-          <a:p>
+              <a:t>t_ALU_FUNCTION.NOT_B</a:t>
+            </a:r>
+            <a:r>
+              <a:rPr lang="en-IN" sz="1400" dirty="0"/>
+              <a:t>:</a:t>
+            </a:r>
+          </a:p>
+          <a:p>
+            <a:r>
+              <a:rPr lang="en-IN" sz="1400" dirty="0"/>
+              <a:t>            </a:t>
+            </a:r>
             <a:r>
               <a:rPr lang="en-IN" sz="1400" dirty="0" err="1"/>
-              <a:t>inst.convert</a:t>
-            </a:r>
-            <a:r>
-              <a:rPr lang="en-IN" sz="1400" dirty="0"/>
-              <a:t>(</a:t>
+              <a:t>result.next</a:t>
+            </a:r>
+            <a:r>
+              <a:rPr lang="en-IN" sz="1400" dirty="0"/>
+              <a:t> = ~b</a:t>
+            </a:r>
+          </a:p>
+          <a:p>
+            <a:r>
+              <a:rPr lang="en-IN" sz="1400" dirty="0"/>
+              <a:t>        </a:t>
             </a:r>
             <a:r>
               <a:rPr lang="en-IN" sz="1400" dirty="0" err="1"/>
-              <a:t>hdl</a:t>
-            </a:r>
-            <a:r>
-              <a:rPr lang="en-IN" sz="1400" dirty="0"/>
-              <a:t>="VHDL")</a:t>
-            </a:r>
-          </a:p>
-          <a:p>
+              <a:t>elif</a:t>
+            </a:r>
+            <a:r>
+              <a:rPr lang="en-IN" sz="1400" dirty="0"/>
+              <a:t> f == </a:t>
+            </a:r>
             <a:r>
               <a:rPr lang="en-IN" sz="1400" dirty="0" err="1"/>
-              <a:t>inst.convert</a:t>
-            </a:r>
-            <a:r>
-              <a:rPr lang="en-IN" sz="1400" dirty="0"/>
-              <a:t>(</a:t>
+              <a:t>t_ALU_FUNCTION.A</a:t>
+            </a:r>
+            <a:r>
+              <a:rPr lang="en-IN" sz="1400" dirty="0"/>
+              <a:t>:</a:t>
+            </a:r>
+          </a:p>
+          <a:p>
+            <a:r>
+              <a:rPr lang="en-IN" sz="1400" dirty="0"/>
+              <a:t>            </a:t>
             </a:r>
             <a:r>
               <a:rPr lang="en-IN" sz="1400" dirty="0" err="1"/>
-              <a:t>hdl</a:t>
-            </a:r>
-            <a:r>
-              <a:rPr lang="en-IN" sz="1400" dirty="0"/>
-              <a:t>="Verilog", testbench=False)</a:t>
+              <a:t>result.next</a:t>
+            </a:r>
+            <a:r>
+              <a:rPr lang="en-IN" sz="1400" dirty="0"/>
+              <a:t> = a</a:t>
+            </a:r>
+          </a:p>
+          <a:p>
+            <a:r>
+              <a:rPr lang="en-IN" sz="1400" dirty="0"/>
+              <a:t>        </a:t>
+            </a:r>
+            <a:r>
+              <a:rPr lang="en-IN" sz="1400" dirty="0" err="1"/>
+              <a:t>elif</a:t>
+            </a:r>
+            <a:r>
+              <a:rPr lang="en-IN" sz="1400" dirty="0"/>
+              <a:t> f == </a:t>
+            </a:r>
+            <a:r>
+              <a:rPr lang="en-IN" sz="1400" dirty="0" err="1"/>
+              <a:t>t_ALU_FUNCTION.B</a:t>
+            </a:r>
+            <a:r>
+              <a:rPr lang="en-IN" sz="1400" dirty="0"/>
+              <a:t>:</a:t>
+            </a:r>
+          </a:p>
+          <a:p>
+            <a:r>
+              <a:rPr lang="en-IN" sz="1400" dirty="0"/>
+              <a:t>            </a:t>
+            </a:r>
+            <a:r>
+              <a:rPr lang="en-IN" sz="1400" dirty="0" err="1"/>
+              <a:t>result.next</a:t>
+            </a:r>
+            <a:r>
+              <a:rPr lang="en-IN" sz="1400" dirty="0"/>
+              <a:t> = b</a:t>
+            </a:r>
+          </a:p>
+          <a:p>
+            <a:r>
+              <a:rPr lang="en-IN" sz="1400" dirty="0"/>
+              <a:t>        </a:t>
+            </a:r>
+            <a:r>
+              <a:rPr lang="en-IN" sz="1400" dirty="0" err="1"/>
+              <a:t>elif</a:t>
+            </a:r>
+            <a:r>
+              <a:rPr lang="en-IN" sz="1400" dirty="0"/>
+              <a:t> f == t_ALU_FUNCTION.A_PLUS_1:</a:t>
+            </a:r>
+          </a:p>
+          <a:p>
+            <a:r>
+              <a:rPr lang="en-IN" sz="1400" dirty="0"/>
+              <a:t>            </a:t>
+            </a:r>
+            <a:r>
+              <a:rPr lang="en-IN" sz="1400" dirty="0" err="1"/>
+              <a:t>result.next</a:t>
+            </a:r>
+            <a:r>
+              <a:rPr lang="en-IN" sz="1400" dirty="0"/>
+              <a:t> = a + 1</a:t>
+            </a:r>
+          </a:p>
+          <a:p>
+            <a:r>
+              <a:rPr lang="en-IN" sz="1400" dirty="0"/>
+              <a:t>        </a:t>
+            </a:r>
+            <a:r>
+              <a:rPr lang="en-IN" sz="1400" dirty="0" err="1"/>
+              <a:t>elif</a:t>
+            </a:r>
+            <a:r>
+              <a:rPr lang="en-IN" sz="1400" dirty="0"/>
+              <a:t> f == t_ALU_FUNCTION.B_PLUS_1:</a:t>
+            </a:r>
+          </a:p>
+          <a:p>
+            <a:r>
+              <a:rPr lang="en-IN" sz="1400" dirty="0"/>
+              <a:t>            </a:t>
+            </a:r>
+            <a:r>
+              <a:rPr lang="en-IN" sz="1400" dirty="0" err="1"/>
+              <a:t>result.next</a:t>
+            </a:r>
+            <a:r>
+              <a:rPr lang="en-IN" sz="1400" dirty="0"/>
+              <a:t> = b + 1</a:t>
+            </a:r>
+          </a:p>
+          <a:p>
+            <a:r>
+              <a:rPr lang="en-IN" sz="1400" dirty="0"/>
+              <a:t>        </a:t>
+            </a:r>
+            <a:r>
+              <a:rPr lang="en-IN" sz="1400" dirty="0" err="1"/>
+              <a:t>elif</a:t>
+            </a:r>
+            <a:r>
+              <a:rPr lang="en-IN" sz="1400" dirty="0"/>
+              <a:t> f == </a:t>
+            </a:r>
+            <a:r>
+              <a:rPr lang="en-IN" sz="1400" dirty="0" err="1"/>
+              <a:t>t_ALU_FUNCTION.A_AND_B</a:t>
+            </a:r>
+            <a:r>
+              <a:rPr lang="en-IN" sz="1400" dirty="0"/>
+              <a:t>:</a:t>
+            </a:r>
+          </a:p>
+          <a:p>
+            <a:r>
+              <a:rPr lang="en-IN" sz="1400" dirty="0"/>
+              <a:t>            </a:t>
+            </a:r>
+            <a:r>
+              <a:rPr lang="en-IN" sz="1400" dirty="0" err="1"/>
+              <a:t>result.next</a:t>
+            </a:r>
+            <a:r>
+              <a:rPr lang="en-IN" sz="1400" dirty="0"/>
+              <a:t> = a &amp; b</a:t>
+            </a:r>
+          </a:p>
+          <a:p>
+            <a:r>
+              <a:rPr lang="en-IN" sz="1400" dirty="0"/>
+              <a:t>        </a:t>
+            </a:r>
+            <a:r>
+              <a:rPr lang="en-IN" sz="1400" dirty="0" err="1"/>
+              <a:t>elif</a:t>
+            </a:r>
+            <a:r>
+              <a:rPr lang="en-IN" sz="1400" dirty="0"/>
+              <a:t> f == </a:t>
+            </a:r>
+            <a:r>
+              <a:rPr lang="en-IN" sz="1400" dirty="0" err="1"/>
+              <a:t>t_ALU_FUNCTION.A_OR_B</a:t>
+            </a:r>
+            <a:r>
+              <a:rPr lang="en-IN" sz="1400" dirty="0"/>
+              <a:t>:</a:t>
+            </a:r>
+          </a:p>
+          <a:p>
+            <a:r>
+              <a:rPr lang="en-IN" sz="1400" dirty="0"/>
+              <a:t>            </a:t>
+            </a:r>
+            <a:r>
+              <a:rPr lang="en-IN" sz="1400" dirty="0" err="1"/>
+              <a:t>result.next</a:t>
+            </a:r>
+            <a:r>
+              <a:rPr lang="en-IN" sz="1400" dirty="0"/>
+              <a:t> = a | b</a:t>
+            </a:r>
+          </a:p>
+          <a:p>
+            <a:r>
+              <a:rPr lang="en-IN" sz="1400" dirty="0"/>
+              <a:t>        </a:t>
+            </a:r>
+            <a:r>
+              <a:rPr lang="en-IN" sz="1400" dirty="0" err="1"/>
+              <a:t>elif</a:t>
+            </a:r>
+            <a:r>
+              <a:rPr lang="en-IN" sz="1400" dirty="0"/>
+              <a:t> f == </a:t>
+            </a:r>
+            <a:r>
+              <a:rPr lang="en-IN" sz="1400" dirty="0" err="1"/>
+              <a:t>t_ALU_FUNCTION.A_XOR_B</a:t>
+            </a:r>
+            <a:r>
+              <a:rPr lang="en-IN" sz="1400" dirty="0"/>
+              <a:t>:</a:t>
+            </a:r>
+          </a:p>
+          <a:p>
+            <a:r>
+              <a:rPr lang="en-IN" sz="1400" dirty="0"/>
+              <a:t>            </a:t>
+            </a:r>
+            <a:r>
+              <a:rPr lang="en-IN" sz="1400" dirty="0" err="1"/>
+              <a:t>result.next</a:t>
+            </a:r>
+            <a:r>
+              <a:rPr lang="en-IN" sz="1400" dirty="0"/>
+              <a:t> = a ^ b</a:t>
+            </a:r>
+          </a:p>
+          <a:p>
+            <a:r>
+              <a:rPr lang="en-IN" sz="1400" dirty="0"/>
+              <a:t>        </a:t>
+            </a:r>
+            <a:r>
+              <a:rPr lang="en-IN" sz="1400" dirty="0" err="1"/>
+              <a:t>elif</a:t>
+            </a:r>
+            <a:r>
+              <a:rPr lang="en-IN" sz="1400" dirty="0"/>
+              <a:t> f == </a:t>
+            </a:r>
+            <a:r>
+              <a:rPr lang="en-IN" sz="1400" dirty="0" err="1"/>
+              <a:t>t_ALU_FUNCTION.A_PLUS_B</a:t>
+            </a:r>
+            <a:r>
+              <a:rPr lang="en-IN" sz="1400" dirty="0"/>
+              <a:t>:</a:t>
+            </a:r>
+          </a:p>
+          <a:p>
+            <a:r>
+              <a:rPr lang="en-IN" sz="1400" dirty="0"/>
+              <a:t>            </a:t>
+            </a:r>
+            <a:r>
+              <a:rPr lang="en-IN" sz="1400" dirty="0" err="1"/>
+              <a:t>result.next</a:t>
+            </a:r>
+            <a:r>
+              <a:rPr lang="en-IN" sz="1400" dirty="0"/>
+              <a:t> = a + b</a:t>
+            </a:r>
+          </a:p>
+          <a:p>
+            <a:r>
+              <a:rPr lang="en-IN" sz="1400" dirty="0"/>
+              <a:t>        else:</a:t>
+            </a:r>
+          </a:p>
+          <a:p>
+            <a:r>
+              <a:rPr lang="en-IN" sz="1400" dirty="0"/>
+              <a:t>            </a:t>
+            </a:r>
+            <a:r>
+              <a:rPr lang="en-IN" sz="1400" dirty="0" err="1"/>
+              <a:t>result.next</a:t>
+            </a:r>
+            <a:r>
+              <a:rPr lang="en-IN" sz="1400" dirty="0"/>
+              <a:t>=0</a:t>
             </a:r>
           </a:p>
         </p:txBody>
@@ -15191,7 +14221,7 @@
     </p:spTree>
     <p:extLst>
       <p:ext uri="{BB962C8B-B14F-4D97-AF65-F5344CB8AC3E}">
-        <p14:creationId xmlns:p14="http://schemas.microsoft.com/office/powerpoint/2010/main" val="243423313"/>
+        <p14:creationId xmlns:p14="http://schemas.microsoft.com/office/powerpoint/2010/main" val="2654493749"/>
       </p:ext>
     </p:extLst>
   </p:cSld>
@@ -15247,10 +14277,419 @@
           </a:p>
         </p:txBody>
       </p:sp>
+      <p:sp>
+        <p:nvSpPr>
+          <p:cNvPr id="4" name="TextBox 3">
+            <a:extLst>
+              <a:ext uri="{FF2B5EF4-FFF2-40B4-BE49-F238E27FC236}">
+                <a16:creationId xmlns:a16="http://schemas.microsoft.com/office/drawing/2014/main" id="{CC1167D1-7D27-13E6-D396-3F26BED820C8}"/>
+              </a:ext>
+            </a:extLst>
+          </p:cNvPr>
+          <p:cNvSpPr txBox="1"/>
+          <p:nvPr/>
+        </p:nvSpPr>
+        <p:spPr>
+          <a:xfrm>
+            <a:off x="658760" y="399334"/>
+            <a:ext cx="9340645" cy="523220"/>
+          </a:xfrm>
+          <a:prstGeom prst="rect">
+            <a:avLst/>
+          </a:prstGeom>
+          <a:noFill/>
+        </p:spPr>
+        <p:txBody>
+          <a:bodyPr wrap="square">
+            <a:spAutoFit/>
+          </a:bodyPr>
+          <a:lstStyle/>
+          <a:p>
+            <a:r>
+              <a:rPr lang="en-US" sz="2800" b="1" dirty="0">
+                <a:latin typeface="Times New Roman" panose="02020603050405020304" pitchFamily="18" charset="0"/>
+                <a:cs typeface="Times New Roman" panose="02020603050405020304" pitchFamily="18" charset="0"/>
+              </a:rPr>
+              <a:t>Sequential designs: 		ALU		-Cont’d.	</a:t>
+            </a:r>
+            <a:endParaRPr lang="en-IN" sz="2800" b="1" dirty="0">
+              <a:latin typeface="Times New Roman" panose="02020603050405020304" pitchFamily="18" charset="0"/>
+              <a:cs typeface="Times New Roman" panose="02020603050405020304" pitchFamily="18" charset="0"/>
+            </a:endParaRPr>
+          </a:p>
+        </p:txBody>
+      </p:sp>
+      <p:sp>
+        <p:nvSpPr>
+          <p:cNvPr id="5" name="TextBox 4">
+            <a:extLst>
+              <a:ext uri="{FF2B5EF4-FFF2-40B4-BE49-F238E27FC236}">
+                <a16:creationId xmlns:a16="http://schemas.microsoft.com/office/drawing/2014/main" id="{375244EC-394B-8912-D975-C9A6A1382D2F}"/>
+              </a:ext>
+            </a:extLst>
+          </p:cNvPr>
+          <p:cNvSpPr txBox="1"/>
+          <p:nvPr/>
+        </p:nvSpPr>
+        <p:spPr>
+          <a:xfrm>
+            <a:off x="2644878" y="1027609"/>
+            <a:ext cx="6096000" cy="5693866"/>
+          </a:xfrm>
+          <a:prstGeom prst="rect">
+            <a:avLst/>
+          </a:prstGeom>
+          <a:noFill/>
+          <a:ln>
+            <a:solidFill>
+              <a:schemeClr val="tx1"/>
+            </a:solidFill>
+          </a:ln>
+        </p:spPr>
+        <p:txBody>
+          <a:bodyPr wrap="square">
+            <a:spAutoFit/>
+          </a:bodyPr>
+          <a:lstStyle/>
+          <a:p>
+            <a:r>
+              <a:rPr lang="en-IN" sz="1400" dirty="0"/>
+              <a:t> @always_comb</a:t>
+            </a:r>
+          </a:p>
+          <a:p>
+            <a:r>
+              <a:rPr lang="en-IN" sz="1400" dirty="0"/>
+              <a:t>    def </a:t>
+            </a:r>
+            <a:r>
+              <a:rPr lang="en-IN" sz="1400" dirty="0" err="1"/>
+              <a:t>alu_status</a:t>
+            </a:r>
+            <a:r>
+              <a:rPr lang="en-IN" sz="1400" dirty="0"/>
+              <a:t>():</a:t>
+            </a:r>
+          </a:p>
+          <a:p>
+            <a:r>
+              <a:rPr lang="en-IN" sz="1400" dirty="0"/>
+              <a:t>        </a:t>
+            </a:r>
+            <a:r>
+              <a:rPr lang="en-IN" sz="1400" dirty="0" err="1"/>
+              <a:t>q.next</a:t>
+            </a:r>
+            <a:r>
+              <a:rPr lang="en-IN" sz="1400" dirty="0"/>
+              <a:t> = result</a:t>
+            </a:r>
+          </a:p>
+          <a:p>
+            <a:endParaRPr lang="en-IN" sz="1400" dirty="0"/>
+          </a:p>
+          <a:p>
+            <a:r>
+              <a:rPr lang="en-IN" sz="1400" dirty="0"/>
+              <a:t>        if result == 0:</a:t>
+            </a:r>
+          </a:p>
+          <a:p>
+            <a:r>
+              <a:rPr lang="en-IN" sz="1400" dirty="0"/>
+              <a:t>            </a:t>
+            </a:r>
+            <a:r>
+              <a:rPr lang="en-IN" sz="1400" dirty="0" err="1"/>
+              <a:t>z.next</a:t>
+            </a:r>
+            <a:r>
+              <a:rPr lang="en-IN" sz="1400" dirty="0"/>
+              <a:t> = 1</a:t>
+            </a:r>
+          </a:p>
+          <a:p>
+            <a:r>
+              <a:rPr lang="en-IN" sz="1400" dirty="0"/>
+              <a:t>        else:</a:t>
+            </a:r>
+          </a:p>
+          <a:p>
+            <a:r>
+              <a:rPr lang="en-IN" sz="1400" dirty="0"/>
+              <a:t>            </a:t>
+            </a:r>
+            <a:r>
+              <a:rPr lang="en-IN" sz="1400" dirty="0" err="1"/>
+              <a:t>z.next</a:t>
+            </a:r>
+            <a:r>
+              <a:rPr lang="en-IN" sz="1400" dirty="0"/>
+              <a:t> = 0</a:t>
+            </a:r>
+          </a:p>
+          <a:p>
+            <a:endParaRPr lang="en-IN" sz="1400" dirty="0"/>
+          </a:p>
+          <a:p>
+            <a:r>
+              <a:rPr lang="en-IN" sz="1400" dirty="0"/>
+              <a:t>        </a:t>
+            </a:r>
+            <a:r>
+              <a:rPr lang="en-IN" sz="1400" dirty="0" err="1"/>
+              <a:t>n.next</a:t>
+            </a:r>
+            <a:r>
+              <a:rPr lang="en-IN" sz="1400" dirty="0"/>
+              <a:t> = 0</a:t>
+            </a:r>
+          </a:p>
+          <a:p>
+            <a:endParaRPr lang="en-IN" sz="1400" dirty="0"/>
+          </a:p>
+          <a:p>
+            <a:r>
+              <a:rPr lang="en-IN" sz="1400" dirty="0"/>
+              <a:t>        # how to detect overflow?</a:t>
+            </a:r>
+          </a:p>
+          <a:p>
+            <a:r>
+              <a:rPr lang="en-IN" sz="1400" dirty="0"/>
+              <a:t>        </a:t>
+            </a:r>
+            <a:r>
+              <a:rPr lang="en-IN" sz="1400" dirty="0" err="1"/>
+              <a:t>o.next</a:t>
+            </a:r>
+            <a:r>
+              <a:rPr lang="en-IN" sz="1400" dirty="0"/>
+              <a:t> = 0</a:t>
+            </a:r>
+          </a:p>
+          <a:p>
+            <a:endParaRPr lang="en-IN" sz="1400" dirty="0"/>
+          </a:p>
+          <a:p>
+            <a:r>
+              <a:rPr lang="en-IN" sz="1400" dirty="0"/>
+              <a:t>    return instances()</a:t>
+            </a:r>
+          </a:p>
+          <a:p>
+            <a:endParaRPr lang="en-IN" sz="1400" dirty="0"/>
+          </a:p>
+          <a:p>
+            <a:r>
+              <a:rPr lang="en-IN" sz="1400" dirty="0"/>
+              <a:t>def convert(</a:t>
+            </a:r>
+            <a:r>
+              <a:rPr lang="en-IN" sz="1400" dirty="0" err="1"/>
+              <a:t>hdl</a:t>
+            </a:r>
+            <a:r>
+              <a:rPr lang="en-IN" sz="1400" dirty="0"/>
+              <a:t>):</a:t>
+            </a:r>
+          </a:p>
+          <a:p>
+            <a:r>
+              <a:rPr lang="en-IN" sz="1400" dirty="0"/>
+              <a:t>    </a:t>
+            </a:r>
+            <a:r>
+              <a:rPr lang="en-IN" sz="1400" dirty="0" err="1"/>
+              <a:t>clk,n,z,o</a:t>
+            </a:r>
+            <a:r>
+              <a:rPr lang="en-IN" sz="1400" dirty="0"/>
+              <a:t>= [Signal(bool(0)) for </a:t>
+            </a:r>
+            <a:r>
+              <a:rPr lang="en-IN" sz="1400" dirty="0" err="1"/>
+              <a:t>i</a:t>
+            </a:r>
+            <a:r>
+              <a:rPr lang="en-IN" sz="1400" dirty="0"/>
+              <a:t> in range(4)]</a:t>
+            </a:r>
+          </a:p>
+          <a:p>
+            <a:r>
+              <a:rPr lang="en-IN" sz="1400" dirty="0"/>
+              <a:t>    q = Signal(</a:t>
+            </a:r>
+            <a:r>
+              <a:rPr lang="en-IN" sz="1400" dirty="0" err="1"/>
+              <a:t>intbv</a:t>
+            </a:r>
+            <a:r>
+              <a:rPr lang="en-IN" sz="1400" dirty="0"/>
+              <a:t>(0)[16:])</a:t>
+            </a:r>
+          </a:p>
+          <a:p>
+            <a:r>
+              <a:rPr lang="en-IN" sz="1400" dirty="0"/>
+              <a:t>    a = Signal(</a:t>
+            </a:r>
+            <a:r>
+              <a:rPr lang="en-IN" sz="1400" dirty="0" err="1"/>
+              <a:t>intbv</a:t>
+            </a:r>
+            <a:r>
+              <a:rPr lang="en-IN" sz="1400" dirty="0"/>
+              <a:t>(0)[16:])</a:t>
+            </a:r>
+          </a:p>
+          <a:p>
+            <a:r>
+              <a:rPr lang="en-IN" sz="1400" dirty="0"/>
+              <a:t>    b = Signal(</a:t>
+            </a:r>
+            <a:r>
+              <a:rPr lang="en-IN" sz="1400" dirty="0" err="1"/>
+              <a:t>intbv</a:t>
+            </a:r>
+            <a:r>
+              <a:rPr lang="en-IN" sz="1400" dirty="0"/>
+              <a:t>(0)[16:])</a:t>
+            </a:r>
+          </a:p>
+          <a:p>
+            <a:r>
+              <a:rPr lang="en-IN" sz="1400" dirty="0"/>
+              <a:t>    f = Signal(</a:t>
+            </a:r>
+            <a:r>
+              <a:rPr lang="en-IN" sz="1400" dirty="0" err="1"/>
+              <a:t>t_ALU_FUNCTION.ZERO</a:t>
+            </a:r>
+            <a:r>
+              <a:rPr lang="en-IN" sz="1400" dirty="0"/>
+              <a:t>)</a:t>
+            </a:r>
+          </a:p>
+          <a:p>
+            <a:r>
+              <a:rPr lang="en-IN" sz="1400" dirty="0"/>
+              <a:t>    </a:t>
+            </a:r>
+            <a:r>
+              <a:rPr lang="en-IN" sz="1400" dirty="0" err="1"/>
+              <a:t>rst</a:t>
+            </a:r>
+            <a:r>
+              <a:rPr lang="en-IN" sz="1400" dirty="0"/>
+              <a:t> = </a:t>
+            </a:r>
+            <a:r>
+              <a:rPr lang="en-IN" sz="1400" dirty="0" err="1"/>
+              <a:t>ResetSignal</a:t>
+            </a:r>
+            <a:r>
+              <a:rPr lang="en-IN" sz="1400" dirty="0"/>
+              <a:t>(0, active=0, </a:t>
+            </a:r>
+            <a:r>
+              <a:rPr lang="en-IN" sz="1400" dirty="0" err="1"/>
+              <a:t>isasync</a:t>
+            </a:r>
+            <a:r>
+              <a:rPr lang="en-IN" sz="1400" dirty="0"/>
+              <a:t>=True)</a:t>
+            </a:r>
+          </a:p>
+          <a:p>
+            <a:r>
+              <a:rPr lang="en-IN" sz="1400" dirty="0"/>
+              <a:t>    </a:t>
+            </a:r>
+            <a:r>
+              <a:rPr lang="en-IN" sz="1400" dirty="0" err="1"/>
+              <a:t>convInst</a:t>
+            </a:r>
+            <a:r>
+              <a:rPr lang="en-IN" sz="1400" dirty="0"/>
+              <a:t> = </a:t>
+            </a:r>
+            <a:r>
+              <a:rPr lang="en-IN" sz="1400" dirty="0" err="1"/>
+              <a:t>aluSeq</a:t>
+            </a:r>
+            <a:r>
+              <a:rPr lang="en-IN" sz="1400" dirty="0"/>
+              <a:t>(q, o, z, n, a, b, f, </a:t>
+            </a:r>
+            <a:r>
+              <a:rPr lang="en-IN" sz="1400" dirty="0" err="1"/>
+              <a:t>clk</a:t>
+            </a:r>
+            <a:r>
+              <a:rPr lang="en-IN" sz="1400" dirty="0"/>
+              <a:t>, </a:t>
+            </a:r>
+            <a:r>
+              <a:rPr lang="en-IN" sz="1400" dirty="0" err="1"/>
+              <a:t>rst</a:t>
+            </a:r>
+            <a:r>
+              <a:rPr lang="en-IN" sz="1400" dirty="0"/>
+              <a:t>, width=16)</a:t>
+            </a:r>
+          </a:p>
+          <a:p>
+            <a:r>
+              <a:rPr lang="en-IN" sz="1400" dirty="0"/>
+              <a:t>    </a:t>
+            </a:r>
+            <a:r>
+              <a:rPr lang="en-IN" sz="1400" dirty="0" err="1"/>
+              <a:t>convInst.convert</a:t>
+            </a:r>
+            <a:r>
+              <a:rPr lang="en-IN" sz="1400" dirty="0"/>
+              <a:t>(</a:t>
+            </a:r>
+            <a:r>
+              <a:rPr lang="en-IN" sz="1400" dirty="0" err="1"/>
+              <a:t>hdl</a:t>
+            </a:r>
+            <a:r>
+              <a:rPr lang="en-IN" sz="1400" dirty="0"/>
+              <a:t>=</a:t>
+            </a:r>
+            <a:r>
+              <a:rPr lang="en-IN" sz="1400" dirty="0" err="1"/>
+              <a:t>hdl</a:t>
+            </a:r>
+            <a:r>
+              <a:rPr lang="en-IN" sz="1400" dirty="0"/>
+              <a:t>)</a:t>
+            </a:r>
+          </a:p>
+          <a:p>
+            <a:r>
+              <a:rPr lang="en-IN" sz="1400" dirty="0"/>
+              <a:t>convert(</a:t>
+            </a:r>
+            <a:r>
+              <a:rPr lang="en-IN" sz="1400" dirty="0" err="1"/>
+              <a:t>hdl</a:t>
+            </a:r>
+            <a:r>
+              <a:rPr lang="en-IN" sz="1400" dirty="0"/>
+              <a:t>='Verilog')</a:t>
+            </a:r>
+          </a:p>
+        </p:txBody>
+      </p:sp>
     </p:spTree>
     <p:extLst>
       <p:ext uri="{BB962C8B-B14F-4D97-AF65-F5344CB8AC3E}">
-        <p14:creationId xmlns:p14="http://schemas.microsoft.com/office/powerpoint/2010/main" val="1915897968"/>
+        <p14:creationId xmlns:p14="http://schemas.microsoft.com/office/powerpoint/2010/main" val="199489584"/>
       </p:ext>
     </p:extLst>
   </p:cSld>
@@ -15301,6 +14740,1063 @@
             <a:fld id="{0B12C922-00BD-488B-848D-49DE5635C3DD}" type="slidenum">
               <a:rPr lang="en-IN" smtClean="0"/>
               <a:t>46</a:t>
+            </a:fld>
+            <a:endParaRPr lang="en-IN"/>
+          </a:p>
+        </p:txBody>
+      </p:sp>
+      <p:sp>
+        <p:nvSpPr>
+          <p:cNvPr id="4" name="TextBox 3">
+            <a:extLst>
+              <a:ext uri="{FF2B5EF4-FFF2-40B4-BE49-F238E27FC236}">
+                <a16:creationId xmlns:a16="http://schemas.microsoft.com/office/drawing/2014/main" id="{5C23D871-B8B5-E10C-434E-9D7F2CA28D0F}"/>
+              </a:ext>
+            </a:extLst>
+          </p:cNvPr>
+          <p:cNvSpPr txBox="1"/>
+          <p:nvPr/>
+        </p:nvSpPr>
+        <p:spPr>
+          <a:xfrm>
+            <a:off x="835742" y="556650"/>
+            <a:ext cx="6096000" cy="523220"/>
+          </a:xfrm>
+          <a:prstGeom prst="rect">
+            <a:avLst/>
+          </a:prstGeom>
+          <a:noFill/>
+        </p:spPr>
+        <p:txBody>
+          <a:bodyPr wrap="square">
+            <a:spAutoFit/>
+          </a:bodyPr>
+          <a:lstStyle/>
+          <a:p>
+            <a:r>
+              <a:rPr lang="en-US" sz="2800" b="1" dirty="0">
+                <a:latin typeface="Times New Roman" panose="02020603050405020304" pitchFamily="18" charset="0"/>
+                <a:cs typeface="Times New Roman" panose="02020603050405020304" pitchFamily="18" charset="0"/>
+              </a:rPr>
+              <a:t>Sequential designs:		Counter</a:t>
+            </a:r>
+            <a:endParaRPr lang="en-IN" sz="2800" b="1" dirty="0">
+              <a:latin typeface="Times New Roman" panose="02020603050405020304" pitchFamily="18" charset="0"/>
+              <a:cs typeface="Times New Roman" panose="02020603050405020304" pitchFamily="18" charset="0"/>
+            </a:endParaRPr>
+          </a:p>
+        </p:txBody>
+      </p:sp>
+      <p:sp>
+        <p:nvSpPr>
+          <p:cNvPr id="6" name="TextBox 5">
+            <a:extLst>
+              <a:ext uri="{FF2B5EF4-FFF2-40B4-BE49-F238E27FC236}">
+                <a16:creationId xmlns:a16="http://schemas.microsoft.com/office/drawing/2014/main" id="{89E3D5D6-985C-8918-5BF5-435D3395F61C}"/>
+              </a:ext>
+            </a:extLst>
+          </p:cNvPr>
+          <p:cNvSpPr txBox="1"/>
+          <p:nvPr/>
+        </p:nvSpPr>
+        <p:spPr>
+          <a:xfrm>
+            <a:off x="629264" y="1278037"/>
+            <a:ext cx="4628536" cy="5078313"/>
+          </a:xfrm>
+          <a:prstGeom prst="rect">
+            <a:avLst/>
+          </a:prstGeom>
+          <a:noFill/>
+          <a:ln>
+            <a:solidFill>
+              <a:schemeClr val="tx1"/>
+            </a:solidFill>
+          </a:ln>
+        </p:spPr>
+        <p:txBody>
+          <a:bodyPr wrap="square">
+            <a:spAutoFit/>
+          </a:bodyPr>
+          <a:lstStyle/>
+          <a:p>
+            <a:r>
+              <a:rPr lang="en-IN" dirty="0"/>
+              <a:t>from </a:t>
+            </a:r>
+            <a:r>
+              <a:rPr lang="en-IN" dirty="0" err="1"/>
+              <a:t>myhdl</a:t>
+            </a:r>
+            <a:r>
+              <a:rPr lang="en-IN" dirty="0"/>
+              <a:t> import block, </a:t>
+            </a:r>
+            <a:r>
+              <a:rPr lang="en-IN" dirty="0" err="1"/>
+              <a:t>always_seq</a:t>
+            </a:r>
+            <a:endParaRPr lang="en-IN" dirty="0"/>
+          </a:p>
+          <a:p>
+            <a:endParaRPr lang="en-IN" dirty="0"/>
+          </a:p>
+          <a:p>
+            <a:r>
+              <a:rPr lang="en-IN" dirty="0"/>
+              <a:t>@block</a:t>
+            </a:r>
+          </a:p>
+          <a:p>
+            <a:r>
+              <a:rPr lang="en-IN" dirty="0"/>
+              <a:t>def counter(count, enable, clock, reset):</a:t>
+            </a:r>
+          </a:p>
+          <a:p>
+            <a:r>
+              <a:rPr lang="en-IN" dirty="0"/>
+              <a:t>    """ </a:t>
+            </a:r>
+            <a:r>
+              <a:rPr lang="en-IN" dirty="0" err="1"/>
+              <a:t>Incrementer</a:t>
+            </a:r>
+            <a:r>
+              <a:rPr lang="en-IN" dirty="0"/>
+              <a:t> with enable.</a:t>
+            </a:r>
+          </a:p>
+          <a:p>
+            <a:endParaRPr lang="en-IN" dirty="0"/>
+          </a:p>
+          <a:p>
+            <a:r>
+              <a:rPr lang="en-IN" dirty="0"/>
+              <a:t>    count -- output</a:t>
+            </a:r>
+          </a:p>
+          <a:p>
+            <a:r>
+              <a:rPr lang="en-IN" dirty="0"/>
+              <a:t>    enable -- control input, increment when 1</a:t>
+            </a:r>
+          </a:p>
+          <a:p>
+            <a:r>
+              <a:rPr lang="en-IN" dirty="0"/>
+              <a:t>    clock -- clock input</a:t>
+            </a:r>
+          </a:p>
+          <a:p>
+            <a:r>
+              <a:rPr lang="en-IN" dirty="0"/>
+              <a:t>    reset -- asynchronous reset input</a:t>
+            </a:r>
+          </a:p>
+          <a:p>
+            <a:r>
+              <a:rPr lang="en-IN" dirty="0"/>
+              <a:t>    """</a:t>
+            </a:r>
+          </a:p>
+          <a:p>
+            <a:r>
+              <a:rPr lang="en-IN" dirty="0"/>
+              <a:t>    </a:t>
+            </a:r>
+          </a:p>
+          <a:p>
+            <a:r>
+              <a:rPr lang="en-IN" dirty="0"/>
+              <a:t>    @always_seq(clock.posedge, reset=reset)</a:t>
+            </a:r>
+          </a:p>
+          <a:p>
+            <a:r>
+              <a:rPr lang="en-IN" dirty="0"/>
+              <a:t>    def </a:t>
+            </a:r>
+            <a:r>
+              <a:rPr lang="en-IN" dirty="0" err="1"/>
+              <a:t>seq</a:t>
+            </a:r>
+            <a:r>
+              <a:rPr lang="en-IN" dirty="0"/>
+              <a:t>():</a:t>
+            </a:r>
+          </a:p>
+          <a:p>
+            <a:r>
+              <a:rPr lang="en-IN" dirty="0"/>
+              <a:t>        if enable:</a:t>
+            </a:r>
+          </a:p>
+          <a:p>
+            <a:r>
+              <a:rPr lang="en-IN" dirty="0"/>
+              <a:t>            </a:t>
+            </a:r>
+            <a:r>
+              <a:rPr lang="en-IN" dirty="0" err="1"/>
+              <a:t>count.next</a:t>
+            </a:r>
+            <a:r>
+              <a:rPr lang="en-IN" dirty="0"/>
+              <a:t> = count + 1</a:t>
+            </a:r>
+          </a:p>
+          <a:p>
+            <a:endParaRPr lang="en-IN" dirty="0"/>
+          </a:p>
+          <a:p>
+            <a:r>
+              <a:rPr lang="en-IN" dirty="0"/>
+              <a:t>    return </a:t>
+            </a:r>
+            <a:r>
+              <a:rPr lang="en-IN" dirty="0" err="1"/>
+              <a:t>seq</a:t>
+            </a:r>
+            <a:endParaRPr lang="en-IN" dirty="0"/>
+          </a:p>
+        </p:txBody>
+      </p:sp>
+      <p:sp>
+        <p:nvSpPr>
+          <p:cNvPr id="8" name="TextBox 7">
+            <a:extLst>
+              <a:ext uri="{FF2B5EF4-FFF2-40B4-BE49-F238E27FC236}">
+                <a16:creationId xmlns:a16="http://schemas.microsoft.com/office/drawing/2014/main" id="{4A212E01-9F6F-6F81-8DA0-3793386B6F99}"/>
+              </a:ext>
+            </a:extLst>
+          </p:cNvPr>
+          <p:cNvSpPr txBox="1"/>
+          <p:nvPr/>
+        </p:nvSpPr>
+        <p:spPr>
+          <a:xfrm>
+            <a:off x="5562600" y="1001037"/>
+            <a:ext cx="6096000" cy="5632311"/>
+          </a:xfrm>
+          <a:prstGeom prst="rect">
+            <a:avLst/>
+          </a:prstGeom>
+          <a:noFill/>
+          <a:ln>
+            <a:solidFill>
+              <a:schemeClr val="accent4"/>
+            </a:solidFill>
+          </a:ln>
+        </p:spPr>
+        <p:txBody>
+          <a:bodyPr wrap="square">
+            <a:spAutoFit/>
+          </a:bodyPr>
+          <a:lstStyle/>
+          <a:p>
+            <a:r>
+              <a:rPr lang="en-IN" dirty="0"/>
+              <a:t>from </a:t>
+            </a:r>
+            <a:r>
+              <a:rPr lang="en-IN" dirty="0" err="1"/>
+              <a:t>myhdl</a:t>
+            </a:r>
+            <a:r>
+              <a:rPr lang="en-IN" dirty="0"/>
+              <a:t> import Signal, </a:t>
+            </a:r>
+            <a:r>
+              <a:rPr lang="en-IN" dirty="0" err="1"/>
+              <a:t>ResetSignal</a:t>
+            </a:r>
+            <a:r>
+              <a:rPr lang="en-IN" dirty="0"/>
+              <a:t>, </a:t>
+            </a:r>
+            <a:r>
+              <a:rPr lang="en-IN" dirty="0" err="1"/>
+              <a:t>modbv</a:t>
+            </a:r>
+            <a:endParaRPr lang="en-IN" dirty="0"/>
+          </a:p>
+          <a:p>
+            <a:endParaRPr lang="en-IN" dirty="0"/>
+          </a:p>
+          <a:p>
+            <a:r>
+              <a:rPr lang="en-IN" dirty="0"/>
+              <a:t>from counter import counter</a:t>
+            </a:r>
+          </a:p>
+          <a:p>
+            <a:endParaRPr lang="en-IN" dirty="0"/>
+          </a:p>
+          <a:p>
+            <a:r>
+              <a:rPr lang="en-IN" dirty="0"/>
+              <a:t>def </a:t>
+            </a:r>
+            <a:r>
+              <a:rPr lang="en-IN" dirty="0" err="1"/>
+              <a:t>convert_inc</a:t>
+            </a:r>
+            <a:r>
+              <a:rPr lang="en-IN" dirty="0"/>
+              <a:t>(</a:t>
+            </a:r>
+            <a:r>
+              <a:rPr lang="en-IN" dirty="0" err="1"/>
+              <a:t>hdl</a:t>
+            </a:r>
+            <a:r>
+              <a:rPr lang="en-IN" dirty="0"/>
+              <a:t>):</a:t>
+            </a:r>
+          </a:p>
+          <a:p>
+            <a:r>
+              <a:rPr lang="en-IN" dirty="0"/>
+              <a:t>    """Convert </a:t>
+            </a:r>
+            <a:r>
+              <a:rPr lang="en-IN" dirty="0" err="1"/>
+              <a:t>inc</a:t>
+            </a:r>
+            <a:r>
+              <a:rPr lang="en-IN" dirty="0"/>
+              <a:t> block to Verilog or VHDL."""</a:t>
+            </a:r>
+          </a:p>
+          <a:p>
+            <a:endParaRPr lang="en-IN" dirty="0"/>
+          </a:p>
+          <a:p>
+            <a:r>
+              <a:rPr lang="en-IN" dirty="0"/>
+              <a:t>    m = 8</a:t>
+            </a:r>
+          </a:p>
+          <a:p>
+            <a:endParaRPr lang="en-IN" dirty="0"/>
+          </a:p>
+          <a:p>
+            <a:r>
+              <a:rPr lang="en-IN" dirty="0"/>
+              <a:t>    count = Signal(</a:t>
+            </a:r>
+            <a:r>
+              <a:rPr lang="en-IN" dirty="0" err="1"/>
+              <a:t>modbv</a:t>
+            </a:r>
+            <a:r>
+              <a:rPr lang="en-IN" dirty="0"/>
+              <a:t>(0)[m:])</a:t>
+            </a:r>
+          </a:p>
+          <a:p>
+            <a:r>
+              <a:rPr lang="en-IN" dirty="0"/>
+              <a:t>    enable = Signal(bool(0))</a:t>
+            </a:r>
+          </a:p>
+          <a:p>
+            <a:r>
+              <a:rPr lang="en-IN" dirty="0"/>
+              <a:t>    clock  = Signal(bool(0))</a:t>
+            </a:r>
+          </a:p>
+          <a:p>
+            <a:r>
+              <a:rPr lang="en-IN" dirty="0"/>
+              <a:t>    reset = </a:t>
+            </a:r>
+            <a:r>
+              <a:rPr lang="en-IN" dirty="0" err="1"/>
+              <a:t>ResetSignal</a:t>
+            </a:r>
+            <a:r>
+              <a:rPr lang="en-IN" dirty="0"/>
+              <a:t>(0, active=0, </a:t>
+            </a:r>
+            <a:r>
+              <a:rPr lang="en-IN" dirty="0" err="1"/>
+              <a:t>isasync</a:t>
+            </a:r>
+            <a:r>
+              <a:rPr lang="en-IN" dirty="0"/>
+              <a:t>=True)</a:t>
+            </a:r>
+          </a:p>
+          <a:p>
+            <a:endParaRPr lang="en-IN" dirty="0"/>
+          </a:p>
+          <a:p>
+            <a:r>
+              <a:rPr lang="en-IN" dirty="0"/>
+              <a:t>    inc_1 = counter(count, enable, clock, reset)</a:t>
+            </a:r>
+          </a:p>
+          <a:p>
+            <a:endParaRPr lang="en-IN" dirty="0"/>
+          </a:p>
+          <a:p>
+            <a:r>
+              <a:rPr lang="en-IN" dirty="0"/>
+              <a:t>    inc_1.convert(</a:t>
+            </a:r>
+            <a:r>
+              <a:rPr lang="en-IN" dirty="0" err="1"/>
+              <a:t>hdl</a:t>
+            </a:r>
+            <a:r>
+              <a:rPr lang="en-IN" dirty="0"/>
+              <a:t>=</a:t>
+            </a:r>
+            <a:r>
+              <a:rPr lang="en-IN" dirty="0" err="1"/>
+              <a:t>hdl</a:t>
+            </a:r>
+            <a:r>
+              <a:rPr lang="en-IN" dirty="0"/>
+              <a:t>)</a:t>
+            </a:r>
+          </a:p>
+          <a:p>
+            <a:endParaRPr lang="en-IN" dirty="0"/>
+          </a:p>
+          <a:p>
+            <a:endParaRPr lang="en-IN" dirty="0"/>
+          </a:p>
+          <a:p>
+            <a:r>
+              <a:rPr lang="en-IN" dirty="0" err="1"/>
+              <a:t>convert_inc</a:t>
+            </a:r>
+            <a:r>
+              <a:rPr lang="en-IN" dirty="0"/>
+              <a:t>(</a:t>
+            </a:r>
+            <a:r>
+              <a:rPr lang="en-IN" dirty="0" err="1"/>
+              <a:t>hdl</a:t>
+            </a:r>
+            <a:r>
+              <a:rPr lang="en-IN" dirty="0"/>
+              <a:t>='Verilog')</a:t>
+            </a:r>
+          </a:p>
+        </p:txBody>
+      </p:sp>
+    </p:spTree>
+    <p:extLst>
+      <p:ext uri="{BB962C8B-B14F-4D97-AF65-F5344CB8AC3E}">
+        <p14:creationId xmlns:p14="http://schemas.microsoft.com/office/powerpoint/2010/main" val="3008866193"/>
+      </p:ext>
+    </p:extLst>
+  </p:cSld>
+  <p:clrMapOvr>
+    <a:masterClrMapping/>
+  </p:clrMapOvr>
+</p:sld>
+</file>
+
+<file path=ppt/slides/slide47.xml><?xml version="1.0" encoding="utf-8"?>
+<p:sld xmlns:a="http://schemas.openxmlformats.org/drawingml/2006/main" xmlns:r="http://schemas.openxmlformats.org/officeDocument/2006/relationships" xmlns:p="http://schemas.openxmlformats.org/presentationml/2006/main">
+  <p:cSld>
+    <p:spTree>
+      <p:nvGrpSpPr>
+        <p:cNvPr id="1" name=""/>
+        <p:cNvGrpSpPr/>
+        <p:nvPr/>
+      </p:nvGrpSpPr>
+      <p:grpSpPr>
+        <a:xfrm>
+          <a:off x="0" y="0"/>
+          <a:ext cx="0" cy="0"/>
+          <a:chOff x="0" y="0"/>
+          <a:chExt cx="0" cy="0"/>
+        </a:xfrm>
+      </p:grpSpPr>
+      <p:sp>
+        <p:nvSpPr>
+          <p:cNvPr id="2" name="Slide Number Placeholder 1">
+            <a:extLst>
+              <a:ext uri="{FF2B5EF4-FFF2-40B4-BE49-F238E27FC236}">
+                <a16:creationId xmlns:a16="http://schemas.microsoft.com/office/drawing/2014/main" id="{FB228BB7-D448-C99D-D01F-558F43AA9A52}"/>
+              </a:ext>
+            </a:extLst>
+          </p:cNvPr>
+          <p:cNvSpPr>
+            <a:spLocks noGrp="1"/>
+          </p:cNvSpPr>
+          <p:nvPr>
+            <p:ph type="sldNum" sz="quarter" idx="12"/>
+          </p:nvPr>
+        </p:nvSpPr>
+        <p:spPr/>
+        <p:txBody>
+          <a:bodyPr/>
+          <a:lstStyle/>
+          <a:p>
+            <a:fld id="{0B12C922-00BD-488B-848D-49DE5635C3DD}" type="slidenum">
+              <a:rPr lang="en-IN" smtClean="0"/>
+              <a:t>47</a:t>
+            </a:fld>
+            <a:endParaRPr lang="en-IN"/>
+          </a:p>
+        </p:txBody>
+      </p:sp>
+      <p:sp>
+        <p:nvSpPr>
+          <p:cNvPr id="4" name="TextBox 3">
+            <a:extLst>
+              <a:ext uri="{FF2B5EF4-FFF2-40B4-BE49-F238E27FC236}">
+                <a16:creationId xmlns:a16="http://schemas.microsoft.com/office/drawing/2014/main" id="{CAFF08F1-7A80-A9CF-F8F5-E6817487CFBD}"/>
+              </a:ext>
+            </a:extLst>
+          </p:cNvPr>
+          <p:cNvSpPr txBox="1"/>
+          <p:nvPr/>
+        </p:nvSpPr>
+        <p:spPr>
+          <a:xfrm>
+            <a:off x="196645" y="251851"/>
+            <a:ext cx="6096000" cy="523220"/>
+          </a:xfrm>
+          <a:prstGeom prst="rect">
+            <a:avLst/>
+          </a:prstGeom>
+          <a:noFill/>
+        </p:spPr>
+        <p:txBody>
+          <a:bodyPr wrap="square">
+            <a:spAutoFit/>
+          </a:bodyPr>
+          <a:lstStyle/>
+          <a:p>
+            <a:r>
+              <a:rPr lang="en-US" sz="2800" dirty="0">
+                <a:latin typeface="Times New Roman" panose="02020603050405020304" pitchFamily="18" charset="0"/>
+                <a:cs typeface="Times New Roman" panose="02020603050405020304" pitchFamily="18" charset="0"/>
+              </a:rPr>
+              <a:t>Sequential designs:		RAM </a:t>
+            </a:r>
+            <a:endParaRPr lang="en-IN" sz="2800" dirty="0">
+              <a:latin typeface="Times New Roman" panose="02020603050405020304" pitchFamily="18" charset="0"/>
+              <a:cs typeface="Times New Roman" panose="02020603050405020304" pitchFamily="18" charset="0"/>
+            </a:endParaRPr>
+          </a:p>
+        </p:txBody>
+      </p:sp>
+      <p:sp>
+        <p:nvSpPr>
+          <p:cNvPr id="6" name="TextBox 5">
+            <a:extLst>
+              <a:ext uri="{FF2B5EF4-FFF2-40B4-BE49-F238E27FC236}">
+                <a16:creationId xmlns:a16="http://schemas.microsoft.com/office/drawing/2014/main" id="{9920B377-8081-2076-570A-2E26E89CFDED}"/>
+              </a:ext>
+            </a:extLst>
+          </p:cNvPr>
+          <p:cNvSpPr txBox="1"/>
+          <p:nvPr/>
+        </p:nvSpPr>
+        <p:spPr>
+          <a:xfrm>
+            <a:off x="3441290" y="733246"/>
+            <a:ext cx="6096000" cy="6124754"/>
+          </a:xfrm>
+          <a:prstGeom prst="rect">
+            <a:avLst/>
+          </a:prstGeom>
+          <a:noFill/>
+          <a:ln>
+            <a:solidFill>
+              <a:schemeClr val="tx1"/>
+            </a:solidFill>
+          </a:ln>
+        </p:spPr>
+        <p:txBody>
+          <a:bodyPr wrap="square">
+            <a:spAutoFit/>
+          </a:bodyPr>
+          <a:lstStyle/>
+          <a:p>
+            <a:r>
+              <a:rPr lang="en-IN" sz="1400" dirty="0"/>
+              <a:t>import </a:t>
+            </a:r>
+            <a:r>
+              <a:rPr lang="en-IN" sz="1400" dirty="0" err="1"/>
+              <a:t>myhdl</a:t>
+            </a:r>
+            <a:endParaRPr lang="en-IN" sz="1400" dirty="0"/>
+          </a:p>
+          <a:p>
+            <a:r>
+              <a:rPr lang="en-IN" sz="1400" dirty="0"/>
+              <a:t>from </a:t>
+            </a:r>
+            <a:r>
+              <a:rPr lang="en-IN" sz="1400" dirty="0" err="1"/>
+              <a:t>myhdl</a:t>
+            </a:r>
+            <a:r>
+              <a:rPr lang="en-IN" sz="1400" dirty="0"/>
+              <a:t> import *</a:t>
+            </a:r>
+          </a:p>
+          <a:p>
+            <a:r>
+              <a:rPr lang="en-IN" sz="1400" dirty="0"/>
+              <a:t>@block</a:t>
+            </a:r>
+          </a:p>
+          <a:p>
+            <a:r>
+              <a:rPr lang="en-IN" sz="1400" dirty="0"/>
+              <a:t>def RAM(</a:t>
+            </a:r>
+            <a:r>
+              <a:rPr lang="en-IN" sz="1400" dirty="0" err="1"/>
+              <a:t>dout</a:t>
+            </a:r>
+            <a:r>
+              <a:rPr lang="en-IN" sz="1400" dirty="0"/>
+              <a:t>, din, </a:t>
+            </a:r>
+            <a:r>
+              <a:rPr lang="en-IN" sz="1400" dirty="0" err="1"/>
+              <a:t>addr</a:t>
+            </a:r>
+            <a:r>
+              <a:rPr lang="en-IN" sz="1400" dirty="0"/>
+              <a:t>, we, </a:t>
+            </a:r>
+            <a:r>
+              <a:rPr lang="en-IN" sz="1400" dirty="0" err="1"/>
+              <a:t>clk</a:t>
+            </a:r>
+            <a:r>
+              <a:rPr lang="en-IN" sz="1400" dirty="0"/>
+              <a:t>, depth=128):</a:t>
+            </a:r>
+          </a:p>
+          <a:p>
+            <a:r>
+              <a:rPr lang="en-IN" sz="1400" dirty="0"/>
+              <a:t>    """ Ram model """</a:t>
+            </a:r>
+          </a:p>
+          <a:p>
+            <a:r>
+              <a:rPr lang="en-IN" sz="1400" dirty="0"/>
+              <a:t>    mem = [Signal(</a:t>
+            </a:r>
+            <a:r>
+              <a:rPr lang="en-IN" sz="1400" dirty="0" err="1"/>
+              <a:t>intbv</a:t>
+            </a:r>
+            <a:r>
+              <a:rPr lang="en-IN" sz="1400" dirty="0"/>
+              <a:t>(0)[8:]) for </a:t>
+            </a:r>
+            <a:r>
+              <a:rPr lang="en-IN" sz="1400" dirty="0" err="1"/>
+              <a:t>i</a:t>
+            </a:r>
+            <a:r>
+              <a:rPr lang="en-IN" sz="1400" dirty="0"/>
+              <a:t> in range(depth)]</a:t>
+            </a:r>
+          </a:p>
+          <a:p>
+            <a:endParaRPr lang="en-IN" sz="1400" dirty="0"/>
+          </a:p>
+          <a:p>
+            <a:r>
+              <a:rPr lang="en-IN" sz="1400" dirty="0"/>
+              <a:t>    @always(clk.posedge)</a:t>
+            </a:r>
+          </a:p>
+          <a:p>
+            <a:r>
+              <a:rPr lang="en-IN" sz="1400" dirty="0"/>
+              <a:t>    def write():</a:t>
+            </a:r>
+          </a:p>
+          <a:p>
+            <a:r>
+              <a:rPr lang="en-IN" sz="1400" dirty="0"/>
+              <a:t>        if we:</a:t>
+            </a:r>
+          </a:p>
+          <a:p>
+            <a:r>
+              <a:rPr lang="en-IN" sz="1400" dirty="0"/>
+              <a:t>            mem[</a:t>
+            </a:r>
+            <a:r>
+              <a:rPr lang="en-IN" sz="1400" dirty="0" err="1"/>
+              <a:t>addr</a:t>
+            </a:r>
+            <a:r>
+              <a:rPr lang="en-IN" sz="1400" dirty="0"/>
+              <a:t>].next = din</a:t>
+            </a:r>
+          </a:p>
+          <a:p>
+            <a:endParaRPr lang="en-IN" sz="1400" dirty="0"/>
+          </a:p>
+          <a:p>
+            <a:r>
+              <a:rPr lang="en-IN" sz="1400" dirty="0"/>
+              <a:t>    @always_comb</a:t>
+            </a:r>
+          </a:p>
+          <a:p>
+            <a:r>
+              <a:rPr lang="en-IN" sz="1400" dirty="0"/>
+              <a:t>    def read():</a:t>
+            </a:r>
+          </a:p>
+          <a:p>
+            <a:r>
+              <a:rPr lang="en-IN" sz="1400" dirty="0"/>
+              <a:t>        </a:t>
+            </a:r>
+            <a:r>
+              <a:rPr lang="en-IN" sz="1400" dirty="0" err="1"/>
+              <a:t>dout.next</a:t>
+            </a:r>
+            <a:r>
+              <a:rPr lang="en-IN" sz="1400" dirty="0"/>
+              <a:t> = mem[</a:t>
+            </a:r>
+            <a:r>
+              <a:rPr lang="en-IN" sz="1400" dirty="0" err="1"/>
+              <a:t>addr</a:t>
+            </a:r>
+            <a:r>
+              <a:rPr lang="en-IN" sz="1400" dirty="0"/>
+              <a:t>]</a:t>
+            </a:r>
+          </a:p>
+          <a:p>
+            <a:endParaRPr lang="en-IN" sz="1400" dirty="0"/>
+          </a:p>
+          <a:p>
+            <a:r>
+              <a:rPr lang="en-IN" sz="1400" dirty="0"/>
+              <a:t>    return instances()</a:t>
+            </a:r>
+          </a:p>
+          <a:p>
+            <a:r>
+              <a:rPr lang="en-IN" sz="1400" dirty="0"/>
+              <a:t>	</a:t>
+            </a:r>
+          </a:p>
+          <a:p>
+            <a:r>
+              <a:rPr lang="en-IN" sz="1400" dirty="0" err="1"/>
+              <a:t>dout</a:t>
+            </a:r>
+            <a:r>
+              <a:rPr lang="en-IN" sz="1400" dirty="0"/>
+              <a:t> = Signal(</a:t>
+            </a:r>
+            <a:r>
+              <a:rPr lang="en-IN" sz="1400" dirty="0" err="1"/>
+              <a:t>intbv</a:t>
+            </a:r>
+            <a:r>
+              <a:rPr lang="en-IN" sz="1400" dirty="0"/>
+              <a:t>(0)[8:])</a:t>
+            </a:r>
+          </a:p>
+          <a:p>
+            <a:r>
+              <a:rPr lang="en-IN" sz="1400" dirty="0" err="1"/>
+              <a:t>dout_v</a:t>
+            </a:r>
+            <a:r>
+              <a:rPr lang="en-IN" sz="1400" dirty="0"/>
+              <a:t> = Signal(</a:t>
+            </a:r>
+            <a:r>
+              <a:rPr lang="en-IN" sz="1400" dirty="0" err="1"/>
+              <a:t>intbv</a:t>
+            </a:r>
+            <a:r>
+              <a:rPr lang="en-IN" sz="1400" dirty="0"/>
+              <a:t>(0)[8:])</a:t>
+            </a:r>
+          </a:p>
+          <a:p>
+            <a:r>
+              <a:rPr lang="en-IN" sz="1400" dirty="0"/>
+              <a:t>din = Signal(</a:t>
+            </a:r>
+            <a:r>
+              <a:rPr lang="en-IN" sz="1400" dirty="0" err="1"/>
+              <a:t>intbv</a:t>
+            </a:r>
+            <a:r>
+              <a:rPr lang="en-IN" sz="1400" dirty="0"/>
+              <a:t>(0)[8:])</a:t>
+            </a:r>
+          </a:p>
+          <a:p>
+            <a:r>
+              <a:rPr lang="en-IN" sz="1400" dirty="0" err="1"/>
+              <a:t>addr</a:t>
+            </a:r>
+            <a:r>
+              <a:rPr lang="en-IN" sz="1400" dirty="0"/>
+              <a:t> = Signal(</a:t>
+            </a:r>
+            <a:r>
+              <a:rPr lang="en-IN" sz="1400" dirty="0" err="1"/>
+              <a:t>intbv</a:t>
+            </a:r>
+            <a:r>
+              <a:rPr lang="en-IN" sz="1400" dirty="0"/>
+              <a:t>(0)[7:])</a:t>
+            </a:r>
+          </a:p>
+          <a:p>
+            <a:r>
+              <a:rPr lang="en-IN" sz="1400" dirty="0"/>
+              <a:t>we = Signal(bool(0))</a:t>
+            </a:r>
+          </a:p>
+          <a:p>
+            <a:r>
+              <a:rPr lang="en-IN" sz="1400" dirty="0" err="1"/>
+              <a:t>clk</a:t>
+            </a:r>
+            <a:r>
+              <a:rPr lang="en-IN" sz="1400" dirty="0"/>
+              <a:t> = Signal(bool(0))</a:t>
+            </a:r>
+          </a:p>
+          <a:p>
+            <a:r>
+              <a:rPr lang="en-IN" sz="1400" dirty="0"/>
+              <a:t>	</a:t>
+            </a:r>
+          </a:p>
+          <a:p>
+            <a:r>
+              <a:rPr lang="en-IN" sz="1400" dirty="0" err="1"/>
+              <a:t>inst</a:t>
+            </a:r>
+            <a:r>
+              <a:rPr lang="en-IN" sz="1400" dirty="0"/>
+              <a:t> = RAM(</a:t>
+            </a:r>
+            <a:r>
+              <a:rPr lang="en-IN" sz="1400" dirty="0" err="1"/>
+              <a:t>clk</a:t>
+            </a:r>
+            <a:r>
+              <a:rPr lang="en-IN" sz="1400" dirty="0"/>
+              <a:t>=</a:t>
+            </a:r>
+            <a:r>
+              <a:rPr lang="en-IN" sz="1400" dirty="0" err="1"/>
+              <a:t>clk</a:t>
+            </a:r>
+            <a:r>
+              <a:rPr lang="en-IN" sz="1400" dirty="0"/>
+              <a:t>, </a:t>
+            </a:r>
+            <a:r>
+              <a:rPr lang="en-IN" sz="1400" dirty="0" err="1"/>
+              <a:t>addr</a:t>
+            </a:r>
+            <a:r>
+              <a:rPr lang="en-IN" sz="1400" dirty="0"/>
+              <a:t>=</a:t>
+            </a:r>
+            <a:r>
+              <a:rPr lang="en-IN" sz="1400" dirty="0" err="1"/>
+              <a:t>addr</a:t>
+            </a:r>
+            <a:r>
+              <a:rPr lang="en-IN" sz="1400" dirty="0"/>
+              <a:t>, we=we, din=din, </a:t>
+            </a:r>
+            <a:r>
+              <a:rPr lang="en-IN" sz="1400" dirty="0" err="1"/>
+              <a:t>dout</a:t>
+            </a:r>
+            <a:r>
+              <a:rPr lang="en-IN" sz="1400" dirty="0"/>
+              <a:t>=</a:t>
+            </a:r>
+            <a:r>
+              <a:rPr lang="en-IN" sz="1400" dirty="0" err="1"/>
+              <a:t>dout</a:t>
+            </a:r>
+            <a:r>
+              <a:rPr lang="en-IN" sz="1400" dirty="0"/>
+              <a:t>)</a:t>
+            </a:r>
+          </a:p>
+          <a:p>
+            <a:r>
+              <a:rPr lang="en-IN" sz="1400" dirty="0" err="1"/>
+              <a:t>inst.convert</a:t>
+            </a:r>
+            <a:r>
+              <a:rPr lang="en-IN" sz="1400" dirty="0"/>
+              <a:t>(</a:t>
+            </a:r>
+            <a:r>
+              <a:rPr lang="en-IN" sz="1400" dirty="0" err="1"/>
+              <a:t>hdl</a:t>
+            </a:r>
+            <a:r>
+              <a:rPr lang="en-IN" sz="1400" dirty="0"/>
+              <a:t>="VHDL")</a:t>
+            </a:r>
+          </a:p>
+          <a:p>
+            <a:r>
+              <a:rPr lang="en-IN" sz="1400" dirty="0" err="1"/>
+              <a:t>inst.convert</a:t>
+            </a:r>
+            <a:r>
+              <a:rPr lang="en-IN" sz="1400" dirty="0"/>
+              <a:t>(</a:t>
+            </a:r>
+            <a:r>
+              <a:rPr lang="en-IN" sz="1400" dirty="0" err="1"/>
+              <a:t>hdl</a:t>
+            </a:r>
+            <a:r>
+              <a:rPr lang="en-IN" sz="1400" dirty="0"/>
+              <a:t>="Verilog", testbench=False)</a:t>
+            </a:r>
+          </a:p>
+        </p:txBody>
+      </p:sp>
+    </p:spTree>
+    <p:extLst>
+      <p:ext uri="{BB962C8B-B14F-4D97-AF65-F5344CB8AC3E}">
+        <p14:creationId xmlns:p14="http://schemas.microsoft.com/office/powerpoint/2010/main" val="243423313"/>
+      </p:ext>
+    </p:extLst>
+  </p:cSld>
+  <p:clrMapOvr>
+    <a:masterClrMapping/>
+  </p:clrMapOvr>
+</p:sld>
+</file>
+
+<file path=ppt/slides/slide48.xml><?xml version="1.0" encoding="utf-8"?>
+<p:sld xmlns:a="http://schemas.openxmlformats.org/drawingml/2006/main" xmlns:r="http://schemas.openxmlformats.org/officeDocument/2006/relationships" xmlns:p="http://schemas.openxmlformats.org/presentationml/2006/main">
+  <p:cSld>
+    <p:spTree>
+      <p:nvGrpSpPr>
+        <p:cNvPr id="1" name=""/>
+        <p:cNvGrpSpPr/>
+        <p:nvPr/>
+      </p:nvGrpSpPr>
+      <p:grpSpPr>
+        <a:xfrm>
+          <a:off x="0" y="0"/>
+          <a:ext cx="0" cy="0"/>
+          <a:chOff x="0" y="0"/>
+          <a:chExt cx="0" cy="0"/>
+        </a:xfrm>
+      </p:grpSpPr>
+      <p:sp>
+        <p:nvSpPr>
+          <p:cNvPr id="2" name="Slide Number Placeholder 1">
+            <a:extLst>
+              <a:ext uri="{FF2B5EF4-FFF2-40B4-BE49-F238E27FC236}">
+                <a16:creationId xmlns:a16="http://schemas.microsoft.com/office/drawing/2014/main" id="{D6CE8A80-E028-6027-36E0-B07E4A3A0D86}"/>
+              </a:ext>
+            </a:extLst>
+          </p:cNvPr>
+          <p:cNvSpPr>
+            <a:spLocks noGrp="1"/>
+          </p:cNvSpPr>
+          <p:nvPr>
+            <p:ph type="sldNum" sz="quarter" idx="12"/>
+          </p:nvPr>
+        </p:nvSpPr>
+        <p:spPr/>
+        <p:txBody>
+          <a:bodyPr/>
+          <a:lstStyle/>
+          <a:p>
+            <a:fld id="{0B12C922-00BD-488B-848D-49DE5635C3DD}" type="slidenum">
+              <a:rPr lang="en-IN" smtClean="0"/>
+              <a:t>48</a:t>
+            </a:fld>
+            <a:endParaRPr lang="en-IN"/>
+          </a:p>
+        </p:txBody>
+      </p:sp>
+    </p:spTree>
+    <p:extLst>
+      <p:ext uri="{BB962C8B-B14F-4D97-AF65-F5344CB8AC3E}">
+        <p14:creationId xmlns:p14="http://schemas.microsoft.com/office/powerpoint/2010/main" val="1915897968"/>
+      </p:ext>
+    </p:extLst>
+  </p:cSld>
+  <p:clrMapOvr>
+    <a:masterClrMapping/>
+  </p:clrMapOvr>
+</p:sld>
+</file>
+
+<file path=ppt/slides/slide49.xml><?xml version="1.0" encoding="utf-8"?>
+<p:sld xmlns:a="http://schemas.openxmlformats.org/drawingml/2006/main" xmlns:r="http://schemas.openxmlformats.org/officeDocument/2006/relationships" xmlns:p="http://schemas.openxmlformats.org/presentationml/2006/main">
+  <p:cSld>
+    <p:spTree>
+      <p:nvGrpSpPr>
+        <p:cNvPr id="1" name=""/>
+        <p:cNvGrpSpPr/>
+        <p:nvPr/>
+      </p:nvGrpSpPr>
+      <p:grpSpPr>
+        <a:xfrm>
+          <a:off x="0" y="0"/>
+          <a:ext cx="0" cy="0"/>
+          <a:chOff x="0" y="0"/>
+          <a:chExt cx="0" cy="0"/>
+        </a:xfrm>
+      </p:grpSpPr>
+      <p:sp>
+        <p:nvSpPr>
+          <p:cNvPr id="2" name="Slide Number Placeholder 1">
+            <a:extLst>
+              <a:ext uri="{FF2B5EF4-FFF2-40B4-BE49-F238E27FC236}">
+                <a16:creationId xmlns:a16="http://schemas.microsoft.com/office/drawing/2014/main" id="{FB228BB7-D448-C99D-D01F-558F43AA9A52}"/>
+              </a:ext>
+            </a:extLst>
+          </p:cNvPr>
+          <p:cNvSpPr>
+            <a:spLocks noGrp="1"/>
+          </p:cNvSpPr>
+          <p:nvPr>
+            <p:ph type="sldNum" sz="quarter" idx="12"/>
+          </p:nvPr>
+        </p:nvSpPr>
+        <p:spPr/>
+        <p:txBody>
+          <a:bodyPr/>
+          <a:lstStyle/>
+          <a:p>
+            <a:fld id="{0B12C922-00BD-488B-848D-49DE5635C3DD}" type="slidenum">
+              <a:rPr lang="en-IN" smtClean="0"/>
+              <a:t>49</a:t>
             </a:fld>
             <a:endParaRPr lang="en-IN"/>
           </a:p>
